--- a/Nebenfächer/DIN/Ethik/RoboterEthik.pptx
+++ b/Nebenfächer/DIN/Ethik/RoboterEthik.pptx
@@ -431,7 +431,7 @@
           <a:p>
             <a:fld id="{1E351CED-465B-40B5-ADCE-957C918F227B}" type="datetimeFigureOut">
               <a:rPr lang="en-US" smtClean="0"/>
-              <a:t>3/11/2024</a:t>
+              <a:t>4/8/2024</a:t>
             </a:fld>
             <a:endParaRPr lang="en-US"/>
           </a:p>
@@ -639,7 +639,7 @@
           <a:p>
             <a:fld id="{1E351CED-465B-40B5-ADCE-957C918F227B}" type="datetimeFigureOut">
               <a:rPr lang="en-US" smtClean="0"/>
-              <a:t>3/11/2024</a:t>
+              <a:t>4/8/2024</a:t>
             </a:fld>
             <a:endParaRPr lang="en-US"/>
           </a:p>
@@ -849,7 +849,7 @@
           <a:p>
             <a:fld id="{1E351CED-465B-40B5-ADCE-957C918F227B}" type="datetimeFigureOut">
               <a:rPr lang="en-US" smtClean="0"/>
-              <a:t>3/11/2024</a:t>
+              <a:t>4/8/2024</a:t>
             </a:fld>
             <a:endParaRPr lang="en-US"/>
           </a:p>
@@ -1049,7 +1049,7 @@
           <a:p>
             <a:fld id="{1E351CED-465B-40B5-ADCE-957C918F227B}" type="datetimeFigureOut">
               <a:rPr lang="en-US" smtClean="0"/>
-              <a:t>3/11/2024</a:t>
+              <a:t>4/8/2024</a:t>
             </a:fld>
             <a:endParaRPr lang="en-US"/>
           </a:p>
@@ -1627,7 +1627,7 @@
           <a:p>
             <a:fld id="{1E351CED-465B-40B5-ADCE-957C918F227B}" type="datetimeFigureOut">
               <a:rPr lang="en-US" smtClean="0"/>
-              <a:t>3/11/2024</a:t>
+              <a:t>4/8/2024</a:t>
             </a:fld>
             <a:endParaRPr lang="en-US"/>
           </a:p>
@@ -1900,7 +1900,7 @@
           <a:p>
             <a:fld id="{1E351CED-465B-40B5-ADCE-957C918F227B}" type="datetimeFigureOut">
               <a:rPr lang="en-US" smtClean="0"/>
-              <a:t>3/11/2024</a:t>
+              <a:t>4/8/2024</a:t>
             </a:fld>
             <a:endParaRPr lang="en-US"/>
           </a:p>
@@ -2317,7 +2317,7 @@
           <a:p>
             <a:fld id="{1E351CED-465B-40B5-ADCE-957C918F227B}" type="datetimeFigureOut">
               <a:rPr lang="en-US" smtClean="0"/>
-              <a:t>3/11/2024</a:t>
+              <a:t>4/8/2024</a:t>
             </a:fld>
             <a:endParaRPr lang="en-US"/>
           </a:p>
@@ -2464,7 +2464,7 @@
           <a:p>
             <a:fld id="{1E351CED-465B-40B5-ADCE-957C918F227B}" type="datetimeFigureOut">
               <a:rPr lang="en-US" smtClean="0"/>
-              <a:t>3/11/2024</a:t>
+              <a:t>4/8/2024</a:t>
             </a:fld>
             <a:endParaRPr lang="en-US"/>
           </a:p>
@@ -2577,7 +2577,7 @@
           <a:p>
             <a:fld id="{1E351CED-465B-40B5-ADCE-957C918F227B}" type="datetimeFigureOut">
               <a:rPr lang="en-US" smtClean="0"/>
-              <a:t>3/11/2024</a:t>
+              <a:t>4/8/2024</a:t>
             </a:fld>
             <a:endParaRPr lang="en-US"/>
           </a:p>
@@ -2892,7 +2892,7 @@
           <a:p>
             <a:fld id="{1E351CED-465B-40B5-ADCE-957C918F227B}" type="datetimeFigureOut">
               <a:rPr lang="en-US" smtClean="0"/>
-              <a:t>3/11/2024</a:t>
+              <a:t>4/8/2024</a:t>
             </a:fld>
             <a:endParaRPr lang="en-US"/>
           </a:p>
@@ -3186,7 +3186,7 @@
           <a:p>
             <a:fld id="{1E351CED-465B-40B5-ADCE-957C918F227B}" type="datetimeFigureOut">
               <a:rPr lang="en-US" smtClean="0"/>
-              <a:t>3/11/2024</a:t>
+              <a:t>4/8/2024</a:t>
             </a:fld>
             <a:endParaRPr lang="en-US"/>
           </a:p>
@@ -3427,7 +3427,7 @@
           <a:p>
             <a:fld id="{1E351CED-465B-40B5-ADCE-957C918F227B}" type="datetimeFigureOut">
               <a:rPr lang="en-US" smtClean="0"/>
-              <a:t>3/11/2024</a:t>
+              <a:t>4/8/2024</a:t>
             </a:fld>
             <a:endParaRPr lang="en-US"/>
           </a:p>
@@ -5202,22 +5202,7 @@
                   </a:outerShdw>
                 </a:effectLst>
               </a:rPr>
-              <a:t>Boston Dynamics </a:t>
-            </a:r>
-            <a:r>
-              <a:rPr lang="de-DE" sz="1200" b="1" dirty="0" err="1">
-                <a:solidFill>
-                  <a:srgbClr val="FFFFFF"/>
-                </a:solidFill>
-                <a:effectLst>
-                  <a:outerShdw blurRad="38100" dist="38100" dir="2700000" algn="tl">
-                    <a:srgbClr val="000000">
-                      <a:alpha val="43137"/>
-                    </a:srgbClr>
-                  </a:outerShdw>
-                </a:effectLst>
-              </a:rPr>
-              <a:t>MilitärroboterFunktion</a:t>
+              <a:t>Boston Dynamics Militärroboter</a:t>
             </a:r>
             <a:r>
               <a:rPr lang="de-DE" sz="1200" dirty="0">
@@ -5797,8 +5782,11 @@
           </a:bodyPr>
           <a:lstStyle/>
           <a:p>
-            <a:r>
-              <a:rPr lang="de-DE" sz="1200" b="1" dirty="0">
+            <a:pPr marL="0" indent="0">
+              <a:buNone/>
+            </a:pPr>
+            <a:r>
+              <a:rPr lang="de-DE" sz="1600" b="1" dirty="0">
                 <a:solidFill>
                   <a:schemeClr val="bg1"/>
                 </a:solidFill>
@@ -5812,7 +5800,7 @@
               </a:rPr>
               <a:t>Militärroboter: Vor- und Nachteile sowie Auswirkungen</a:t>
             </a:r>
-            <a:endParaRPr lang="de-DE" sz="1200" dirty="0">
+            <a:endParaRPr lang="de-DE" sz="1600" dirty="0">
               <a:solidFill>
                 <a:schemeClr val="bg1"/>
               </a:solidFill>
@@ -6590,7 +6578,7 @@
             </a:lvl9pPr>
           </a:lstStyle>
           <a:p>
-            <a:pPr marL="228600">
+            <a:pPr marL="0" indent="0">
               <a:lnSpc>
                 <a:spcPct val="110000"/>
               </a:lnSpc>
@@ -6602,11 +6590,10 @@
               </a:spcAft>
               <a:buClrTx/>
               <a:buSzPts val="1200"/>
-              <a:buFont typeface="Arial" panose="020B0604020202020204" pitchFamily="34" charset="0"/>
-              <a:buChar char="•"/>
+              <a:buNone/>
             </a:pPr>
             <a:r>
-              <a:rPr lang="en-US" sz="1200" i="1" dirty="0" err="1">
+              <a:rPr lang="en-US" sz="1600" b="1" i="1" dirty="0" err="1">
                 <a:solidFill>
                   <a:srgbClr val="FFFFFF"/>
                 </a:solidFill>
@@ -6621,7 +6608,7 @@
               <a:t>Auswirkungen</a:t>
             </a:r>
             <a:r>
-              <a:rPr lang="en-US" sz="1200" i="1" dirty="0">
+              <a:rPr lang="en-US" sz="1600" b="1" i="1" dirty="0">
                 <a:solidFill>
                   <a:srgbClr val="FFFFFF"/>
                 </a:solidFill>
@@ -6635,7 +6622,7 @@
               </a:rPr>
               <a:t>:</a:t>
             </a:r>
-            <a:endParaRPr lang="en-US" sz="1200" dirty="0">
+            <a:endParaRPr lang="en-US" sz="1600" b="1" dirty="0">
               <a:solidFill>
                 <a:srgbClr val="FFFFFF"/>
               </a:solidFill>

--- a/Nebenfächer/DIN/Ethik/RoboterEthik.pptx
+++ b/Nebenfächer/DIN/Ethik/RoboterEthik.pptx
@@ -4,14 +4,18 @@
   <p:sldMasterIdLst>
     <p:sldMasterId id="2147483710" r:id="rId1"/>
   </p:sldMasterIdLst>
+  <p:notesMasterIdLst>
+    <p:notesMasterId r:id="rId10"/>
+  </p:notesMasterIdLst>
   <p:sldIdLst>
     <p:sldId id="256" r:id="rId2"/>
     <p:sldId id="257" r:id="rId3"/>
     <p:sldId id="258" r:id="rId4"/>
-    <p:sldId id="260" r:id="rId5"/>
-    <p:sldId id="264" r:id="rId6"/>
-    <p:sldId id="262" r:id="rId7"/>
-    <p:sldId id="261" r:id="rId8"/>
+    <p:sldId id="265" r:id="rId5"/>
+    <p:sldId id="260" r:id="rId6"/>
+    <p:sldId id="264" r:id="rId7"/>
+    <p:sldId id="262" r:id="rId8"/>
+    <p:sldId id="261" r:id="rId9"/>
   </p:sldIdLst>
   <p:sldSz cx="12192000" cy="6858000"/>
   <p:notesSz cx="6858000" cy="9144000"/>
@@ -116,6 +120,440 @@
     </p:ext>
   </p:extLst>
 </p:presentation>
+</file>
+
+<file path=ppt/notesMasters/notesMaster1.xml><?xml version="1.0" encoding="utf-8"?>
+<p:notesMaster xmlns:a="http://schemas.openxmlformats.org/drawingml/2006/main" xmlns:r="http://schemas.openxmlformats.org/officeDocument/2006/relationships" xmlns:p="http://schemas.openxmlformats.org/presentationml/2006/main">
+  <p:cSld>
+    <p:bg>
+      <p:bgRef idx="1001">
+        <a:schemeClr val="bg1"/>
+      </p:bgRef>
+    </p:bg>
+    <p:spTree>
+      <p:nvGrpSpPr>
+        <p:cNvPr id="1" name=""/>
+        <p:cNvGrpSpPr/>
+        <p:nvPr/>
+      </p:nvGrpSpPr>
+      <p:grpSpPr>
+        <a:xfrm>
+          <a:off x="0" y="0"/>
+          <a:ext cx="0" cy="0"/>
+          <a:chOff x="0" y="0"/>
+          <a:chExt cx="0" cy="0"/>
+        </a:xfrm>
+      </p:grpSpPr>
+      <p:sp>
+        <p:nvSpPr>
+          <p:cNvPr id="2" name="Kopfzeilenplatzhalter 1"/>
+          <p:cNvSpPr>
+            <a:spLocks noGrp="1"/>
+          </p:cNvSpPr>
+          <p:nvPr>
+            <p:ph type="hdr" sz="quarter"/>
+          </p:nvPr>
+        </p:nvSpPr>
+        <p:spPr>
+          <a:xfrm>
+            <a:off x="0" y="0"/>
+            <a:ext cx="2971800" cy="458788"/>
+          </a:xfrm>
+          <a:prstGeom prst="rect">
+            <a:avLst/>
+          </a:prstGeom>
+        </p:spPr>
+        <p:txBody>
+          <a:bodyPr vert="horz" lIns="91440" tIns="45720" rIns="91440" bIns="45720" rtlCol="0"/>
+          <a:lstStyle>
+            <a:lvl1pPr algn="l">
+              <a:defRPr sz="1200"/>
+            </a:lvl1pPr>
+          </a:lstStyle>
+          <a:p>
+            <a:endParaRPr lang="en-GB"/>
+          </a:p>
+        </p:txBody>
+      </p:sp>
+      <p:sp>
+        <p:nvSpPr>
+          <p:cNvPr id="3" name="Datumsplatzhalter 2"/>
+          <p:cNvSpPr>
+            <a:spLocks noGrp="1"/>
+          </p:cNvSpPr>
+          <p:nvPr>
+            <p:ph type="dt" idx="1"/>
+          </p:nvPr>
+        </p:nvSpPr>
+        <p:spPr>
+          <a:xfrm>
+            <a:off x="3884613" y="0"/>
+            <a:ext cx="2971800" cy="458788"/>
+          </a:xfrm>
+          <a:prstGeom prst="rect">
+            <a:avLst/>
+          </a:prstGeom>
+        </p:spPr>
+        <p:txBody>
+          <a:bodyPr vert="horz" lIns="91440" tIns="45720" rIns="91440" bIns="45720" rtlCol="0"/>
+          <a:lstStyle>
+            <a:lvl1pPr algn="r">
+              <a:defRPr sz="1200"/>
+            </a:lvl1pPr>
+          </a:lstStyle>
+          <a:p>
+            <a:fld id="{86D0F126-0AC5-428F-8675-EAF8BFB38B47}" type="datetimeFigureOut">
+              <a:rPr lang="en-GB" smtClean="0"/>
+              <a:t>08/04/2024</a:t>
+            </a:fld>
+            <a:endParaRPr lang="en-GB"/>
+          </a:p>
+        </p:txBody>
+      </p:sp>
+      <p:sp>
+        <p:nvSpPr>
+          <p:cNvPr id="4" name="Folienbildplatzhalter 3"/>
+          <p:cNvSpPr>
+            <a:spLocks noGrp="1" noRot="1" noChangeAspect="1"/>
+          </p:cNvSpPr>
+          <p:nvPr>
+            <p:ph type="sldImg" idx="2"/>
+          </p:nvPr>
+        </p:nvSpPr>
+        <p:spPr>
+          <a:xfrm>
+            <a:off x="685800" y="1143000"/>
+            <a:ext cx="5486400" cy="3086100"/>
+          </a:xfrm>
+          <a:prstGeom prst="rect">
+            <a:avLst/>
+          </a:prstGeom>
+          <a:noFill/>
+          <a:ln w="12700">
+            <a:solidFill>
+              <a:prstClr val="black"/>
+            </a:solidFill>
+          </a:ln>
+        </p:spPr>
+        <p:txBody>
+          <a:bodyPr vert="horz" lIns="91440" tIns="45720" rIns="91440" bIns="45720" rtlCol="0" anchor="ctr"/>
+          <a:lstStyle/>
+          <a:p>
+            <a:endParaRPr lang="en-GB"/>
+          </a:p>
+        </p:txBody>
+      </p:sp>
+      <p:sp>
+        <p:nvSpPr>
+          <p:cNvPr id="5" name="Notizenplatzhalter 4"/>
+          <p:cNvSpPr>
+            <a:spLocks noGrp="1"/>
+          </p:cNvSpPr>
+          <p:nvPr>
+            <p:ph type="body" sz="quarter" idx="3"/>
+          </p:nvPr>
+        </p:nvSpPr>
+        <p:spPr>
+          <a:xfrm>
+            <a:off x="685800" y="4400550"/>
+            <a:ext cx="5486400" cy="3600450"/>
+          </a:xfrm>
+          <a:prstGeom prst="rect">
+            <a:avLst/>
+          </a:prstGeom>
+        </p:spPr>
+        <p:txBody>
+          <a:bodyPr vert="horz" lIns="91440" tIns="45720" rIns="91440" bIns="45720" rtlCol="0"/>
+          <a:lstStyle/>
+          <a:p>
+            <a:pPr lvl="0"/>
+            <a:r>
+              <a:rPr lang="de-DE"/>
+              <a:t>Mastertextformat bearbeiten</a:t>
+            </a:r>
+          </a:p>
+          <a:p>
+            <a:pPr lvl="1"/>
+            <a:r>
+              <a:rPr lang="de-DE"/>
+              <a:t>Zweite Ebene</a:t>
+            </a:r>
+          </a:p>
+          <a:p>
+            <a:pPr lvl="2"/>
+            <a:r>
+              <a:rPr lang="de-DE"/>
+              <a:t>Dritte Ebene</a:t>
+            </a:r>
+          </a:p>
+          <a:p>
+            <a:pPr lvl="3"/>
+            <a:r>
+              <a:rPr lang="de-DE"/>
+              <a:t>Vierte Ebene</a:t>
+            </a:r>
+          </a:p>
+          <a:p>
+            <a:pPr lvl="4"/>
+            <a:r>
+              <a:rPr lang="de-DE"/>
+              <a:t>Fünfte Ebene</a:t>
+            </a:r>
+            <a:endParaRPr lang="en-GB"/>
+          </a:p>
+        </p:txBody>
+      </p:sp>
+      <p:sp>
+        <p:nvSpPr>
+          <p:cNvPr id="6" name="Fußzeilenplatzhalter 5"/>
+          <p:cNvSpPr>
+            <a:spLocks noGrp="1"/>
+          </p:cNvSpPr>
+          <p:nvPr>
+            <p:ph type="ftr" sz="quarter" idx="4"/>
+          </p:nvPr>
+        </p:nvSpPr>
+        <p:spPr>
+          <a:xfrm>
+            <a:off x="0" y="8685213"/>
+            <a:ext cx="2971800" cy="458787"/>
+          </a:xfrm>
+          <a:prstGeom prst="rect">
+            <a:avLst/>
+          </a:prstGeom>
+        </p:spPr>
+        <p:txBody>
+          <a:bodyPr vert="horz" lIns="91440" tIns="45720" rIns="91440" bIns="45720" rtlCol="0" anchor="b"/>
+          <a:lstStyle>
+            <a:lvl1pPr algn="l">
+              <a:defRPr sz="1200"/>
+            </a:lvl1pPr>
+          </a:lstStyle>
+          <a:p>
+            <a:endParaRPr lang="en-GB"/>
+          </a:p>
+        </p:txBody>
+      </p:sp>
+      <p:sp>
+        <p:nvSpPr>
+          <p:cNvPr id="7" name="Foliennummernplatzhalter 6"/>
+          <p:cNvSpPr>
+            <a:spLocks noGrp="1"/>
+          </p:cNvSpPr>
+          <p:nvPr>
+            <p:ph type="sldNum" sz="quarter" idx="5"/>
+          </p:nvPr>
+        </p:nvSpPr>
+        <p:spPr>
+          <a:xfrm>
+            <a:off x="3884613" y="8685213"/>
+            <a:ext cx="2971800" cy="458787"/>
+          </a:xfrm>
+          <a:prstGeom prst="rect">
+            <a:avLst/>
+          </a:prstGeom>
+        </p:spPr>
+        <p:txBody>
+          <a:bodyPr vert="horz" lIns="91440" tIns="45720" rIns="91440" bIns="45720" rtlCol="0" anchor="b"/>
+          <a:lstStyle>
+            <a:lvl1pPr algn="r">
+              <a:defRPr sz="1200"/>
+            </a:lvl1pPr>
+          </a:lstStyle>
+          <a:p>
+            <a:fld id="{A5FA08FD-5500-4981-B5A0-7EF2359BFFA0}" type="slidenum">
+              <a:rPr lang="en-GB" smtClean="0"/>
+              <a:t>‹Nr.›</a:t>
+            </a:fld>
+            <a:endParaRPr lang="en-GB"/>
+          </a:p>
+        </p:txBody>
+      </p:sp>
+    </p:spTree>
+    <p:extLst>
+      <p:ext uri="{BB962C8B-B14F-4D97-AF65-F5344CB8AC3E}">
+        <p14:creationId xmlns:p14="http://schemas.microsoft.com/office/powerpoint/2010/main" val="3407809461"/>
+      </p:ext>
+    </p:extLst>
+  </p:cSld>
+  <p:clrMap bg1="lt1" tx1="dk1" bg2="lt2" tx2="dk2" accent1="accent1" accent2="accent2" accent3="accent3" accent4="accent4" accent5="accent5" accent6="accent6" hlink="hlink" folHlink="folHlink"/>
+  <p:notesStyle>
+    <a:lvl1pPr marL="0" algn="l" defTabSz="914400" rtl="0" eaLnBrk="1" latinLnBrk="0" hangingPunct="1">
+      <a:defRPr sz="1200" kern="1200">
+        <a:solidFill>
+          <a:schemeClr val="tx1"/>
+        </a:solidFill>
+        <a:latin typeface="+mn-lt"/>
+        <a:ea typeface="+mn-ea"/>
+        <a:cs typeface="+mn-cs"/>
+      </a:defRPr>
+    </a:lvl1pPr>
+    <a:lvl2pPr marL="457200" algn="l" defTabSz="914400" rtl="0" eaLnBrk="1" latinLnBrk="0" hangingPunct="1">
+      <a:defRPr sz="1200" kern="1200">
+        <a:solidFill>
+          <a:schemeClr val="tx1"/>
+        </a:solidFill>
+        <a:latin typeface="+mn-lt"/>
+        <a:ea typeface="+mn-ea"/>
+        <a:cs typeface="+mn-cs"/>
+      </a:defRPr>
+    </a:lvl2pPr>
+    <a:lvl3pPr marL="914400" algn="l" defTabSz="914400" rtl="0" eaLnBrk="1" latinLnBrk="0" hangingPunct="1">
+      <a:defRPr sz="1200" kern="1200">
+        <a:solidFill>
+          <a:schemeClr val="tx1"/>
+        </a:solidFill>
+        <a:latin typeface="+mn-lt"/>
+        <a:ea typeface="+mn-ea"/>
+        <a:cs typeface="+mn-cs"/>
+      </a:defRPr>
+    </a:lvl3pPr>
+    <a:lvl4pPr marL="1371600" algn="l" defTabSz="914400" rtl="0" eaLnBrk="1" latinLnBrk="0" hangingPunct="1">
+      <a:defRPr sz="1200" kern="1200">
+        <a:solidFill>
+          <a:schemeClr val="tx1"/>
+        </a:solidFill>
+        <a:latin typeface="+mn-lt"/>
+        <a:ea typeface="+mn-ea"/>
+        <a:cs typeface="+mn-cs"/>
+      </a:defRPr>
+    </a:lvl4pPr>
+    <a:lvl5pPr marL="1828800" algn="l" defTabSz="914400" rtl="0" eaLnBrk="1" latinLnBrk="0" hangingPunct="1">
+      <a:defRPr sz="1200" kern="1200">
+        <a:solidFill>
+          <a:schemeClr val="tx1"/>
+        </a:solidFill>
+        <a:latin typeface="+mn-lt"/>
+        <a:ea typeface="+mn-ea"/>
+        <a:cs typeface="+mn-cs"/>
+      </a:defRPr>
+    </a:lvl5pPr>
+    <a:lvl6pPr marL="2286000" algn="l" defTabSz="914400" rtl="0" eaLnBrk="1" latinLnBrk="0" hangingPunct="1">
+      <a:defRPr sz="1200" kern="1200">
+        <a:solidFill>
+          <a:schemeClr val="tx1"/>
+        </a:solidFill>
+        <a:latin typeface="+mn-lt"/>
+        <a:ea typeface="+mn-ea"/>
+        <a:cs typeface="+mn-cs"/>
+      </a:defRPr>
+    </a:lvl6pPr>
+    <a:lvl7pPr marL="2743200" algn="l" defTabSz="914400" rtl="0" eaLnBrk="1" latinLnBrk="0" hangingPunct="1">
+      <a:defRPr sz="1200" kern="1200">
+        <a:solidFill>
+          <a:schemeClr val="tx1"/>
+        </a:solidFill>
+        <a:latin typeface="+mn-lt"/>
+        <a:ea typeface="+mn-ea"/>
+        <a:cs typeface="+mn-cs"/>
+      </a:defRPr>
+    </a:lvl7pPr>
+    <a:lvl8pPr marL="3200400" algn="l" defTabSz="914400" rtl="0" eaLnBrk="1" latinLnBrk="0" hangingPunct="1">
+      <a:defRPr sz="1200" kern="1200">
+        <a:solidFill>
+          <a:schemeClr val="tx1"/>
+        </a:solidFill>
+        <a:latin typeface="+mn-lt"/>
+        <a:ea typeface="+mn-ea"/>
+        <a:cs typeface="+mn-cs"/>
+      </a:defRPr>
+    </a:lvl8pPr>
+    <a:lvl9pPr marL="3657600" algn="l" defTabSz="914400" rtl="0" eaLnBrk="1" latinLnBrk="0" hangingPunct="1">
+      <a:defRPr sz="1200" kern="1200">
+        <a:solidFill>
+          <a:schemeClr val="tx1"/>
+        </a:solidFill>
+        <a:latin typeface="+mn-lt"/>
+        <a:ea typeface="+mn-ea"/>
+        <a:cs typeface="+mn-cs"/>
+      </a:defRPr>
+    </a:lvl9pPr>
+  </p:notesStyle>
+</p:notesMaster>
+</file>
+
+<file path=ppt/notesSlides/notesSlide1.xml><?xml version="1.0" encoding="utf-8"?>
+<p:notes xmlns:a="http://schemas.openxmlformats.org/drawingml/2006/main" xmlns:r="http://schemas.openxmlformats.org/officeDocument/2006/relationships" xmlns:p="http://schemas.openxmlformats.org/presentationml/2006/main">
+  <p:cSld>
+    <p:spTree>
+      <p:nvGrpSpPr>
+        <p:cNvPr id="1" name=""/>
+        <p:cNvGrpSpPr/>
+        <p:nvPr/>
+      </p:nvGrpSpPr>
+      <p:grpSpPr>
+        <a:xfrm>
+          <a:off x="0" y="0"/>
+          <a:ext cx="0" cy="0"/>
+          <a:chOff x="0" y="0"/>
+          <a:chExt cx="0" cy="0"/>
+        </a:xfrm>
+      </p:grpSpPr>
+      <p:sp>
+        <p:nvSpPr>
+          <p:cNvPr id="2" name="Folienbildplatzhalter 1"/>
+          <p:cNvSpPr>
+            <a:spLocks noGrp="1" noRot="1" noChangeAspect="1"/>
+          </p:cNvSpPr>
+          <p:nvPr>
+            <p:ph type="sldImg"/>
+          </p:nvPr>
+        </p:nvSpPr>
+        <p:spPr/>
+      </p:sp>
+      <p:sp>
+        <p:nvSpPr>
+          <p:cNvPr id="3" name="Notizenplatzhalter 2"/>
+          <p:cNvSpPr>
+            <a:spLocks noGrp="1"/>
+          </p:cNvSpPr>
+          <p:nvPr>
+            <p:ph type="body" idx="1"/>
+          </p:nvPr>
+        </p:nvSpPr>
+        <p:spPr/>
+        <p:txBody>
+          <a:bodyPr/>
+          <a:lstStyle/>
+          <a:p>
+            <a:endParaRPr lang="en-GB" dirty="0"/>
+          </a:p>
+        </p:txBody>
+      </p:sp>
+      <p:sp>
+        <p:nvSpPr>
+          <p:cNvPr id="4" name="Foliennummernplatzhalter 3"/>
+          <p:cNvSpPr>
+            <a:spLocks noGrp="1"/>
+          </p:cNvSpPr>
+          <p:nvPr>
+            <p:ph type="sldNum" sz="quarter" idx="5"/>
+          </p:nvPr>
+        </p:nvSpPr>
+        <p:spPr/>
+        <p:txBody>
+          <a:bodyPr/>
+          <a:lstStyle/>
+          <a:p>
+            <a:fld id="{AA0506C7-7336-4CFB-8357-029B6A4E9EDC}" type="slidenum">
+              <a:rPr lang="en-GB" smtClean="0"/>
+              <a:t>4</a:t>
+            </a:fld>
+            <a:endParaRPr lang="en-GB"/>
+          </a:p>
+        </p:txBody>
+      </p:sp>
+    </p:spTree>
+    <p:extLst>
+      <p:ext uri="{BB962C8B-B14F-4D97-AF65-F5344CB8AC3E}">
+        <p14:creationId xmlns:p14="http://schemas.microsoft.com/office/powerpoint/2010/main" val="1401914244"/>
+      </p:ext>
+    </p:extLst>
+  </p:cSld>
+  <p:clrMapOvr>
+    <a:masterClrMapping/>
+  </p:clrMapOvr>
+</p:notes>
 </file>
 
 <file path=ppt/slideLayouts/slideLayout1.xml><?xml version="1.0" encoding="utf-8"?>
@@ -5551,6 +5989,205 @@
 <file path=ppt/slides/slide4.xml><?xml version="1.0" encoding="utf-8"?>
 <p:sld xmlns:a="http://schemas.openxmlformats.org/drawingml/2006/main" xmlns:r="http://schemas.openxmlformats.org/officeDocument/2006/relationships" xmlns:p="http://schemas.openxmlformats.org/presentationml/2006/main">
   <p:cSld>
+    <p:spTree>
+      <p:nvGrpSpPr>
+        <p:cNvPr id="1" name=""/>
+        <p:cNvGrpSpPr/>
+        <p:nvPr/>
+      </p:nvGrpSpPr>
+      <p:grpSpPr>
+        <a:xfrm>
+          <a:off x="0" y="0"/>
+          <a:ext cx="0" cy="0"/>
+          <a:chOff x="0" y="0"/>
+          <a:chExt cx="0" cy="0"/>
+        </a:xfrm>
+      </p:grpSpPr>
+      <p:pic>
+        <p:nvPicPr>
+          <p:cNvPr id="5" name="Onlinemedien 4" title="Spot for Safety and Incident Response | Boston Dynamics">
+            <a:hlinkClick r:id="" action="ppaction://media"/>
+            <a:extLst>
+              <a:ext uri="{FF2B5EF4-FFF2-40B4-BE49-F238E27FC236}">
+                <a16:creationId xmlns:a16="http://schemas.microsoft.com/office/drawing/2014/main" id="{1D421112-6EF9-AFA8-844C-2CEE19B5D6A0}"/>
+              </a:ext>
+            </a:extLst>
+          </p:cNvPr>
+          <p:cNvPicPr>
+            <a:picLocks noGrp="1" noRot="1" noChangeAspect="1"/>
+          </p:cNvPicPr>
+          <p:nvPr>
+            <p:ph idx="1"/>
+            <a:videoFile r:link="rId1"/>
+          </p:nvPr>
+        </p:nvPicPr>
+        <p:blipFill>
+          <a:blip r:embed="rId4"/>
+          <a:stretch>
+            <a:fillRect/>
+          </a:stretch>
+        </p:blipFill>
+        <p:spPr>
+          <a:xfrm>
+            <a:off x="0" y="0"/>
+            <a:ext cx="12192000" cy="6883635"/>
+          </a:xfrm>
+          <a:prstGeom prst="rect">
+            <a:avLst/>
+          </a:prstGeom>
+        </p:spPr>
+      </p:pic>
+    </p:spTree>
+    <p:extLst>
+      <p:ext uri="{BB962C8B-B14F-4D97-AF65-F5344CB8AC3E}">
+        <p14:creationId xmlns:p14="http://schemas.microsoft.com/office/powerpoint/2010/main" val="1246298262"/>
+      </p:ext>
+    </p:extLst>
+  </p:cSld>
+  <p:clrMapOvr>
+    <a:masterClrMapping/>
+  </p:clrMapOvr>
+  <p:timing>
+    <p:tnLst>
+      <p:par>
+        <p:cTn id="1" dur="indefinite" restart="never" nodeType="tmRoot">
+          <p:childTnLst>
+            <p:seq concurrent="1" nextAc="seek">
+              <p:cTn id="2" dur="indefinite" nodeType="mainSeq">
+                <p:childTnLst>
+                  <p:par>
+                    <p:cTn id="3" fill="hold">
+                      <p:stCondLst>
+                        <p:cond delay="indefinite"/>
+                      </p:stCondLst>
+                      <p:childTnLst>
+                        <p:par>
+                          <p:cTn id="4" fill="hold">
+                            <p:stCondLst>
+                              <p:cond delay="0"/>
+                            </p:stCondLst>
+                            <p:childTnLst>
+                              <p:par>
+                                <p:cTn id="5" presetID="1" presetClass="mediacall" presetSubtype="0" fill="hold" nodeType="clickEffect">
+                                  <p:stCondLst>
+                                    <p:cond delay="0"/>
+                                  </p:stCondLst>
+                                  <p:childTnLst>
+                                    <p:cmd type="call" cmd="playFrom(0.0)">
+                                      <p:cBhvr>
+                                        <p:cTn id="6" dur="1" fill="hold"/>
+                                        <p:tgtEl>
+                                          <p:spTgt spid="5"/>
+                                        </p:tgtEl>
+                                      </p:cBhvr>
+                                    </p:cmd>
+                                  </p:childTnLst>
+                                </p:cTn>
+                              </p:par>
+                            </p:childTnLst>
+                          </p:cTn>
+                        </p:par>
+                      </p:childTnLst>
+                    </p:cTn>
+                  </p:par>
+                </p:childTnLst>
+              </p:cTn>
+              <p:prevCondLst>
+                <p:cond evt="onPrev" delay="0">
+                  <p:tgtEl>
+                    <p:sldTgt/>
+                  </p:tgtEl>
+                </p:cond>
+              </p:prevCondLst>
+              <p:nextCondLst>
+                <p:cond evt="onNext" delay="0">
+                  <p:tgtEl>
+                    <p:sldTgt/>
+                  </p:tgtEl>
+                </p:cond>
+              </p:nextCondLst>
+            </p:seq>
+            <p:video>
+              <p:cMediaNode vol="80000">
+                <p:cTn id="7" fill="hold" display="0">
+                  <p:stCondLst>
+                    <p:cond delay="indefinite"/>
+                  </p:stCondLst>
+                </p:cTn>
+                <p:tgtEl>
+                  <p:spTgt spid="5"/>
+                </p:tgtEl>
+              </p:cMediaNode>
+            </p:video>
+            <p:seq concurrent="1" nextAc="seek">
+              <p:cTn id="8" restart="whenNotActive" fill="hold" evtFilter="cancelBubble" nodeType="interactiveSeq">
+                <p:stCondLst>
+                  <p:cond evt="onClick" delay="0">
+                    <p:tgtEl>
+                      <p:spTgt spid="5"/>
+                    </p:tgtEl>
+                  </p:cond>
+                </p:stCondLst>
+                <p:endSync evt="end" delay="0">
+                  <p:rtn val="all"/>
+                </p:endSync>
+                <p:childTnLst>
+                  <p:par>
+                    <p:cTn id="9" fill="hold">
+                      <p:stCondLst>
+                        <p:cond delay="0"/>
+                      </p:stCondLst>
+                      <p:childTnLst>
+                        <p:par>
+                          <p:cTn id="10" fill="hold">
+                            <p:stCondLst>
+                              <p:cond delay="0"/>
+                            </p:stCondLst>
+                            <p:childTnLst>
+                              <p:par>
+                                <p:cTn id="11" presetID="2" presetClass="mediacall" presetSubtype="0" fill="hold" nodeType="clickEffect">
+                                  <p:stCondLst>
+                                    <p:cond delay="0"/>
+                                  </p:stCondLst>
+                                  <p:childTnLst>
+                                    <p:cmd type="call" cmd="togglePause">
+                                      <p:cBhvr>
+                                        <p:cTn id="12" dur="1" fill="hold"/>
+                                        <p:tgtEl>
+                                          <p:spTgt spid="5"/>
+                                        </p:tgtEl>
+                                      </p:cBhvr>
+                                    </p:cmd>
+                                  </p:childTnLst>
+                                </p:cTn>
+                              </p:par>
+                            </p:childTnLst>
+                          </p:cTn>
+                        </p:par>
+                      </p:childTnLst>
+                    </p:cTn>
+                  </p:par>
+                </p:childTnLst>
+              </p:cTn>
+              <p:nextCondLst>
+                <p:cond evt="onClick" delay="0">
+                  <p:tgtEl>
+                    <p:spTgt spid="5"/>
+                  </p:tgtEl>
+                </p:cond>
+              </p:nextCondLst>
+            </p:seq>
+          </p:childTnLst>
+        </p:cTn>
+      </p:par>
+    </p:tnLst>
+  </p:timing>
+</p:sld>
+</file>
+
+<file path=ppt/slides/slide5.xml><?xml version="1.0" encoding="utf-8"?>
+<p:sld xmlns:a="http://schemas.openxmlformats.org/drawingml/2006/main" xmlns:r="http://schemas.openxmlformats.org/officeDocument/2006/relationships" xmlns:p="http://schemas.openxmlformats.org/presentationml/2006/main">
+  <p:cSld>
     <p:bg>
       <p:bgPr>
         <a:solidFill>
@@ -6174,7 +6811,7 @@
 </p:sld>
 </file>
 
-<file path=ppt/slides/slide5.xml><?xml version="1.0" encoding="utf-8"?>
+<file path=ppt/slides/slide6.xml><?xml version="1.0" encoding="utf-8"?>
 <p:sld xmlns:a="http://schemas.openxmlformats.org/drawingml/2006/main" xmlns:r="http://schemas.openxmlformats.org/officeDocument/2006/relationships" xmlns:p="http://schemas.openxmlformats.org/presentationml/2006/main">
   <p:cSld>
     <p:bg>
@@ -8573,7 +9210,7 @@
 </p:sld>
 </file>
 
-<file path=ppt/slides/slide6.xml><?xml version="1.0" encoding="utf-8"?>
+<file path=ppt/slides/slide7.xml><?xml version="1.0" encoding="utf-8"?>
 <p:sld xmlns:a="http://schemas.openxmlformats.org/drawingml/2006/main" xmlns:r="http://schemas.openxmlformats.org/officeDocument/2006/relationships" xmlns:p="http://schemas.openxmlformats.org/presentationml/2006/main">
   <p:cSld>
     <p:spTree>
@@ -8771,7 +9408,7 @@
 </p:sld>
 </file>
 
-<file path=ppt/slides/slide7.xml><?xml version="1.0" encoding="utf-8"?>
+<file path=ppt/slides/slide8.xml><?xml version="1.0" encoding="utf-8"?>
 <p:sld xmlns:a="http://schemas.openxmlformats.org/drawingml/2006/main" xmlns:r="http://schemas.openxmlformats.org/officeDocument/2006/relationships" xmlns:p="http://schemas.openxmlformats.org/presentationml/2006/main">
   <p:cSld>
     <p:spTree>
@@ -9168,4 +9805,319 @@
     </a:ext>
   </a:extLst>
 </a:theme>
+</file>
+
+<file path=ppt/theme/theme2.xml><?xml version="1.0" encoding="utf-8"?>
+<a:theme xmlns:a="http://schemas.openxmlformats.org/drawingml/2006/main" name="Office">
+  <a:themeElements>
+    <a:clrScheme name="Office">
+      <a:dk1>
+        <a:sysClr val="windowText" lastClr="000000"/>
+      </a:dk1>
+      <a:lt1>
+        <a:sysClr val="window" lastClr="FFFFFF"/>
+      </a:lt1>
+      <a:dk2>
+        <a:srgbClr val="0E2841"/>
+      </a:dk2>
+      <a:lt2>
+        <a:srgbClr val="E8E8E8"/>
+      </a:lt2>
+      <a:accent1>
+        <a:srgbClr val="156082"/>
+      </a:accent1>
+      <a:accent2>
+        <a:srgbClr val="E97132"/>
+      </a:accent2>
+      <a:accent3>
+        <a:srgbClr val="196B24"/>
+      </a:accent3>
+      <a:accent4>
+        <a:srgbClr val="0F9ED5"/>
+      </a:accent4>
+      <a:accent5>
+        <a:srgbClr val="A02B93"/>
+      </a:accent5>
+      <a:accent6>
+        <a:srgbClr val="4EA72E"/>
+      </a:accent6>
+      <a:hlink>
+        <a:srgbClr val="467886"/>
+      </a:hlink>
+      <a:folHlink>
+        <a:srgbClr val="96607D"/>
+      </a:folHlink>
+    </a:clrScheme>
+    <a:fontScheme name="Office">
+      <a:majorFont>
+        <a:latin typeface="Aptos Display" panose="02110004020202020204"/>
+        <a:ea typeface=""/>
+        <a:cs typeface=""/>
+        <a:font script="Jpan" typeface="游ゴシック Light"/>
+        <a:font script="Hang" typeface="맑은 고딕"/>
+        <a:font script="Hans" typeface="等线 Light"/>
+        <a:font script="Hant" typeface="新細明體"/>
+        <a:font script="Arab" typeface="Times New Roman"/>
+        <a:font script="Hebr" typeface="Times New Roman"/>
+        <a:font script="Thai" typeface="Angsana New"/>
+        <a:font script="Ethi" typeface="Nyala"/>
+        <a:font script="Beng" typeface="Vrinda"/>
+        <a:font script="Gujr" typeface="Shruti"/>
+        <a:font script="Khmr" typeface="MoolBoran"/>
+        <a:font script="Knda" typeface="Tunga"/>
+        <a:font script="Guru" typeface="Raavi"/>
+        <a:font script="Cans" typeface="Euphemia"/>
+        <a:font script="Cher" typeface="Plantagenet Cherokee"/>
+        <a:font script="Yiii" typeface="Microsoft Yi Baiti"/>
+        <a:font script="Tibt" typeface="Microsoft Himalaya"/>
+        <a:font script="Thaa" typeface="MV Boli"/>
+        <a:font script="Deva" typeface="Mangal"/>
+        <a:font script="Telu" typeface="Gautami"/>
+        <a:font script="Taml" typeface="Latha"/>
+        <a:font script="Syrc" typeface="Estrangelo Edessa"/>
+        <a:font script="Orya" typeface="Kalinga"/>
+        <a:font script="Mlym" typeface="Kartika"/>
+        <a:font script="Laoo" typeface="DokChampa"/>
+        <a:font script="Sinh" typeface="Iskoola Pota"/>
+        <a:font script="Mong" typeface="Mongolian Baiti"/>
+        <a:font script="Viet" typeface="Times New Roman"/>
+        <a:font script="Uigh" typeface="Microsoft Uighur"/>
+        <a:font script="Geor" typeface="Sylfaen"/>
+        <a:font script="Armn" typeface="Arial"/>
+        <a:font script="Bugi" typeface="Leelawadee UI"/>
+        <a:font script="Bopo" typeface="Microsoft JhengHei"/>
+        <a:font script="Java" typeface="Javanese Text"/>
+        <a:font script="Lisu" typeface="Segoe UI"/>
+        <a:font script="Mymr" typeface="Myanmar Text"/>
+        <a:font script="Nkoo" typeface="Ebrima"/>
+        <a:font script="Olck" typeface="Nirmala UI"/>
+        <a:font script="Osma" typeface="Ebrima"/>
+        <a:font script="Phag" typeface="Phagspa"/>
+        <a:font script="Syrn" typeface="Estrangelo Edessa"/>
+        <a:font script="Syrj" typeface="Estrangelo Edessa"/>
+        <a:font script="Syre" typeface="Estrangelo Edessa"/>
+        <a:font script="Sora" typeface="Nirmala UI"/>
+        <a:font script="Tale" typeface="Microsoft Tai Le"/>
+        <a:font script="Talu" typeface="Microsoft New Tai Lue"/>
+        <a:font script="Tfng" typeface="Ebrima"/>
+      </a:majorFont>
+      <a:minorFont>
+        <a:latin typeface="Aptos" panose="02110004020202020204"/>
+        <a:ea typeface=""/>
+        <a:cs typeface=""/>
+        <a:font script="Jpan" typeface="游ゴシック"/>
+        <a:font script="Hang" typeface="맑은 고딕"/>
+        <a:font script="Hans" typeface="等线"/>
+        <a:font script="Hant" typeface="新細明體"/>
+        <a:font script="Arab" typeface="Arial"/>
+        <a:font script="Hebr" typeface="Arial"/>
+        <a:font script="Thai" typeface="Cordia New"/>
+        <a:font script="Ethi" typeface="Nyala"/>
+        <a:font script="Beng" typeface="Vrinda"/>
+        <a:font script="Gujr" typeface="Shruti"/>
+        <a:font script="Khmr" typeface="DaunPenh"/>
+        <a:font script="Knda" typeface="Tunga"/>
+        <a:font script="Guru" typeface="Raavi"/>
+        <a:font script="Cans" typeface="Euphemia"/>
+        <a:font script="Cher" typeface="Plantagenet Cherokee"/>
+        <a:font script="Yiii" typeface="Microsoft Yi Baiti"/>
+        <a:font script="Tibt" typeface="Microsoft Himalaya"/>
+        <a:font script="Thaa" typeface="MV Boli"/>
+        <a:font script="Deva" typeface="Mangal"/>
+        <a:font script="Telu" typeface="Gautami"/>
+        <a:font script="Taml" typeface="Latha"/>
+        <a:font script="Syrc" typeface="Estrangelo Edessa"/>
+        <a:font script="Orya" typeface="Kalinga"/>
+        <a:font script="Mlym" typeface="Kartika"/>
+        <a:font script="Laoo" typeface="DokChampa"/>
+        <a:font script="Sinh" typeface="Iskoola Pota"/>
+        <a:font script="Mong" typeface="Mongolian Baiti"/>
+        <a:font script="Viet" typeface="Arial"/>
+        <a:font script="Uigh" typeface="Microsoft Uighur"/>
+        <a:font script="Geor" typeface="Sylfaen"/>
+        <a:font script="Armn" typeface="Arial"/>
+        <a:font script="Bugi" typeface="Leelawadee UI"/>
+        <a:font script="Bopo" typeface="Microsoft JhengHei"/>
+        <a:font script="Java" typeface="Javanese Text"/>
+        <a:font script="Lisu" typeface="Segoe UI"/>
+        <a:font script="Mymr" typeface="Myanmar Text"/>
+        <a:font script="Nkoo" typeface="Ebrima"/>
+        <a:font script="Olck" typeface="Nirmala UI"/>
+        <a:font script="Osma" typeface="Ebrima"/>
+        <a:font script="Phag" typeface="Phagspa"/>
+        <a:font script="Syrn" typeface="Estrangelo Edessa"/>
+        <a:font script="Syrj" typeface="Estrangelo Edessa"/>
+        <a:font script="Syre" typeface="Estrangelo Edessa"/>
+        <a:font script="Sora" typeface="Nirmala UI"/>
+        <a:font script="Tale" typeface="Microsoft Tai Le"/>
+        <a:font script="Talu" typeface="Microsoft New Tai Lue"/>
+        <a:font script="Tfng" typeface="Ebrima"/>
+      </a:minorFont>
+    </a:fontScheme>
+    <a:fmtScheme name="Office">
+      <a:fillStyleLst>
+        <a:solidFill>
+          <a:schemeClr val="phClr"/>
+        </a:solidFill>
+        <a:gradFill rotWithShape="1">
+          <a:gsLst>
+            <a:gs pos="0">
+              <a:schemeClr val="phClr">
+                <a:lumMod val="110000"/>
+                <a:satMod val="105000"/>
+                <a:tint val="67000"/>
+              </a:schemeClr>
+            </a:gs>
+            <a:gs pos="50000">
+              <a:schemeClr val="phClr">
+                <a:lumMod val="105000"/>
+                <a:satMod val="103000"/>
+                <a:tint val="73000"/>
+              </a:schemeClr>
+            </a:gs>
+            <a:gs pos="100000">
+              <a:schemeClr val="phClr">
+                <a:lumMod val="105000"/>
+                <a:satMod val="109000"/>
+                <a:tint val="81000"/>
+              </a:schemeClr>
+            </a:gs>
+          </a:gsLst>
+          <a:lin ang="5400000" scaled="0"/>
+        </a:gradFill>
+        <a:gradFill rotWithShape="1">
+          <a:gsLst>
+            <a:gs pos="0">
+              <a:schemeClr val="phClr">
+                <a:satMod val="103000"/>
+                <a:lumMod val="102000"/>
+                <a:tint val="94000"/>
+              </a:schemeClr>
+            </a:gs>
+            <a:gs pos="50000">
+              <a:schemeClr val="phClr">
+                <a:satMod val="110000"/>
+                <a:lumMod val="100000"/>
+                <a:shade val="100000"/>
+              </a:schemeClr>
+            </a:gs>
+            <a:gs pos="100000">
+              <a:schemeClr val="phClr">
+                <a:lumMod val="99000"/>
+                <a:satMod val="120000"/>
+                <a:shade val="78000"/>
+              </a:schemeClr>
+            </a:gs>
+          </a:gsLst>
+          <a:lin ang="5400000" scaled="0"/>
+        </a:gradFill>
+      </a:fillStyleLst>
+      <a:lnStyleLst>
+        <a:ln w="12700" cap="flat" cmpd="sng" algn="ctr">
+          <a:solidFill>
+            <a:schemeClr val="phClr"/>
+          </a:solidFill>
+          <a:prstDash val="solid"/>
+          <a:miter lim="800000"/>
+        </a:ln>
+        <a:ln w="19050" cap="flat" cmpd="sng" algn="ctr">
+          <a:solidFill>
+            <a:schemeClr val="phClr"/>
+          </a:solidFill>
+          <a:prstDash val="solid"/>
+          <a:miter lim="800000"/>
+        </a:ln>
+        <a:ln w="25400" cap="flat" cmpd="sng" algn="ctr">
+          <a:solidFill>
+            <a:schemeClr val="phClr"/>
+          </a:solidFill>
+          <a:prstDash val="solid"/>
+          <a:miter lim="800000"/>
+        </a:ln>
+      </a:lnStyleLst>
+      <a:effectStyleLst>
+        <a:effectStyle>
+          <a:effectLst/>
+        </a:effectStyle>
+        <a:effectStyle>
+          <a:effectLst/>
+        </a:effectStyle>
+        <a:effectStyle>
+          <a:effectLst>
+            <a:outerShdw blurRad="57150" dist="19050" dir="5400000" algn="ctr" rotWithShape="0">
+              <a:srgbClr val="000000">
+                <a:alpha val="63000"/>
+              </a:srgbClr>
+            </a:outerShdw>
+          </a:effectLst>
+        </a:effectStyle>
+      </a:effectStyleLst>
+      <a:bgFillStyleLst>
+        <a:solidFill>
+          <a:schemeClr val="phClr"/>
+        </a:solidFill>
+        <a:solidFill>
+          <a:schemeClr val="phClr">
+            <a:tint val="95000"/>
+            <a:satMod val="170000"/>
+          </a:schemeClr>
+        </a:solidFill>
+        <a:gradFill rotWithShape="1">
+          <a:gsLst>
+            <a:gs pos="0">
+              <a:schemeClr val="phClr">
+                <a:tint val="93000"/>
+                <a:satMod val="150000"/>
+                <a:shade val="98000"/>
+                <a:lumMod val="102000"/>
+              </a:schemeClr>
+            </a:gs>
+            <a:gs pos="50000">
+              <a:schemeClr val="phClr">
+                <a:tint val="98000"/>
+                <a:satMod val="130000"/>
+                <a:shade val="90000"/>
+                <a:lumMod val="103000"/>
+              </a:schemeClr>
+            </a:gs>
+            <a:gs pos="100000">
+              <a:schemeClr val="phClr">
+                <a:shade val="63000"/>
+                <a:satMod val="120000"/>
+              </a:schemeClr>
+            </a:gs>
+          </a:gsLst>
+          <a:lin ang="5400000" scaled="0"/>
+        </a:gradFill>
+      </a:bgFillStyleLst>
+    </a:fmtScheme>
+  </a:themeElements>
+  <a:objectDefaults>
+    <a:lnDef>
+      <a:spPr/>
+      <a:bodyPr/>
+      <a:lstStyle/>
+      <a:style>
+        <a:lnRef idx="2">
+          <a:schemeClr val="accent1"/>
+        </a:lnRef>
+        <a:fillRef idx="0">
+          <a:schemeClr val="accent1"/>
+        </a:fillRef>
+        <a:effectRef idx="1">
+          <a:schemeClr val="accent1"/>
+        </a:effectRef>
+        <a:fontRef idx="minor">
+          <a:schemeClr val="tx1"/>
+        </a:fontRef>
+      </a:style>
+    </a:lnDef>
+  </a:objectDefaults>
+  <a:extraClrSchemeLst/>
+  <a:extLst>
+    <a:ext uri="{05A4C25C-085E-4340-85A3-A5531E510DB2}">
+      <thm15:themeFamily xmlns:thm15="http://schemas.microsoft.com/office/thememl/2012/main" name="Office Theme" id="{2E142A2C-CD16-42D6-873A-C26D2A0506FA}" vid="{1BDDFF52-6CD6-40A5-AB3C-68EB2F1E4D0A}"/>
+    </a:ext>
+  </a:extLst>
+</a:theme>
 </file>
--- a/Nebenfächer/DIN/Ethik/RoboterEthik.pptx
+++ b/Nebenfächer/DIN/Ethik/RoboterEthik.pptx
@@ -5706,6 +5706,21 @@
               <a:buChar char="•"/>
             </a:pPr>
             <a:r>
+              <a:rPr lang="de-DE" sz="1200" b="1" dirty="0">
+                <a:solidFill>
+                  <a:srgbClr val="FFFFFF"/>
+                </a:solidFill>
+                <a:effectLst>
+                  <a:outerShdw blurRad="38100" dist="38100" dir="2700000" algn="tl">
+                    <a:srgbClr val="000000">
+                      <a:alpha val="43137"/>
+                    </a:srgbClr>
+                  </a:outerShdw>
+                </a:effectLst>
+              </a:rPr>
+              <a:t>Bewegungsfähigkeit</a:t>
+            </a:r>
+            <a:r>
               <a:rPr lang="de-DE" sz="1200" dirty="0">
                 <a:solidFill>
                   <a:srgbClr val="FFFFFF"/>
@@ -5718,7 +5733,7 @@
                   </a:outerShdw>
                 </a:effectLst>
               </a:rPr>
-              <a:t>Bewegungsfähigkeit: Stabile Fortbewegung in verschiedenen Geländen dank vierbeiniger Konstruktion.</a:t>
+              <a:t>: Stabile Fortbewegung in verschiedenen Geländen dank vierbeiniger Konstruktion.</a:t>
             </a:r>
           </a:p>
           <a:p>
@@ -5730,6 +5745,21 @@
               <a:buChar char="•"/>
             </a:pPr>
             <a:r>
+              <a:rPr lang="de-DE" sz="1200" b="1" dirty="0">
+                <a:solidFill>
+                  <a:srgbClr val="FFFFFF"/>
+                </a:solidFill>
+                <a:effectLst>
+                  <a:outerShdw blurRad="38100" dist="38100" dir="2700000" algn="tl">
+                    <a:srgbClr val="000000">
+                      <a:alpha val="43137"/>
+                    </a:srgbClr>
+                  </a:outerShdw>
+                </a:effectLst>
+              </a:rPr>
+              <a:t>Sensorik</a:t>
+            </a:r>
+            <a:r>
               <a:rPr lang="de-DE" sz="1200" dirty="0">
                 <a:solidFill>
                   <a:srgbClr val="FFFFFF"/>
@@ -5742,7 +5772,7 @@
                   </a:outerShdw>
                 </a:effectLst>
               </a:rPr>
-              <a:t>Sensorik: Ausgestattet mit Kameras, Lidar, Infrarot- und Ultraschallsensoren für Umgebungswahrnehmung.</a:t>
+              <a:t>: Ausgestattet mit Kameras, Lidar, Infrarot- und Ultraschallsensoren für Umgebungswahrnehmung.</a:t>
             </a:r>
           </a:p>
           <a:p>
@@ -5778,6 +5808,21 @@
               <a:buChar char="•"/>
             </a:pPr>
             <a:r>
+              <a:rPr lang="de-DE" sz="1200" b="1" dirty="0">
+                <a:solidFill>
+                  <a:srgbClr val="FFFFFF"/>
+                </a:solidFill>
+                <a:effectLst>
+                  <a:outerShdw blurRad="38100" dist="38100" dir="2700000" algn="tl">
+                    <a:srgbClr val="000000">
+                      <a:alpha val="43137"/>
+                    </a:srgbClr>
+                  </a:outerShdw>
+                </a:effectLst>
+              </a:rPr>
+              <a:t>Anpassungsfähigkeit</a:t>
+            </a:r>
+            <a:r>
               <a:rPr lang="de-DE" sz="1200" dirty="0">
                 <a:solidFill>
                   <a:srgbClr val="FFFFFF"/>
@@ -5790,7 +5835,7 @@
                   </a:outerShdw>
                 </a:effectLst>
               </a:rPr>
-              <a:t>Anpassungsfähigkeit: Konfigurierbar für verschiedene Aufgaben je nach Anforderungen des Einsatzes.</a:t>
+              <a:t>: Konfigurierbar für verschiedene Aufgaben je nach Anforderungen des Einsatzes.</a:t>
             </a:r>
           </a:p>
           <a:p>
@@ -5802,6 +5847,21 @@
               <a:buChar char="•"/>
             </a:pPr>
             <a:r>
+              <a:rPr lang="de-DE" sz="1200" b="1" dirty="0">
+                <a:solidFill>
+                  <a:srgbClr val="FFFFFF"/>
+                </a:solidFill>
+                <a:effectLst>
+                  <a:outerShdw blurRad="38100" dist="38100" dir="2700000" algn="tl">
+                    <a:srgbClr val="000000">
+                      <a:alpha val="43137"/>
+                    </a:srgbClr>
+                  </a:outerShdw>
+                </a:effectLst>
+              </a:rPr>
+              <a:t>Interaktion mit der Umgebung</a:t>
+            </a:r>
+            <a:r>
               <a:rPr lang="de-DE" sz="1200" dirty="0">
                 <a:solidFill>
                   <a:srgbClr val="FFFFFF"/>
@@ -5814,7 +5874,7 @@
                   </a:outerShdw>
                 </a:effectLst>
               </a:rPr>
-              <a:t>Interaktion mit der Umgebung: Manipulation von Objekten und Durchführung einfacher physischer Aufgaben.</a:t>
+              <a:t>: Manipulation von Objekten und Durchführung einfacher physischer Aufgaben.</a:t>
             </a:r>
           </a:p>
           <a:p>

--- a/Nebenfächer/DIN/Ethik/RoboterEthik.pptx
+++ b/Nebenfächer/DIN/Ethik/RoboterEthik.pptx
@@ -5,17 +5,19 @@
     <p:sldMasterId id="2147483710" r:id="rId1"/>
   </p:sldMasterIdLst>
   <p:notesMasterIdLst>
-    <p:notesMasterId r:id="rId10"/>
+    <p:notesMasterId r:id="rId12"/>
   </p:notesMasterIdLst>
   <p:sldIdLst>
-    <p:sldId id="256" r:id="rId2"/>
-    <p:sldId id="257" r:id="rId3"/>
-    <p:sldId id="258" r:id="rId4"/>
-    <p:sldId id="265" r:id="rId5"/>
-    <p:sldId id="260" r:id="rId6"/>
-    <p:sldId id="264" r:id="rId7"/>
-    <p:sldId id="262" r:id="rId8"/>
-    <p:sldId id="261" r:id="rId9"/>
+    <p:sldId id="268" r:id="rId2"/>
+    <p:sldId id="266" r:id="rId3"/>
+    <p:sldId id="260" r:id="rId4"/>
+    <p:sldId id="267" r:id="rId5"/>
+    <p:sldId id="264" r:id="rId6"/>
+    <p:sldId id="269" r:id="rId7"/>
+    <p:sldId id="258" r:id="rId8"/>
+    <p:sldId id="265" r:id="rId9"/>
+    <p:sldId id="262" r:id="rId10"/>
+    <p:sldId id="261" r:id="rId11"/>
   </p:sldIdLst>
   <p:sldSz cx="12192000" cy="6858000"/>
   <p:notesSz cx="6858000" cy="9144000"/>
@@ -535,9 +537,93 @@
           <a:bodyPr/>
           <a:lstStyle/>
           <a:p>
+            <a:fld id="{A5FA08FD-5500-4981-B5A0-7EF2359BFFA0}" type="slidenum">
+              <a:rPr lang="en-GB" smtClean="0"/>
+              <a:t>1</a:t>
+            </a:fld>
+            <a:endParaRPr lang="en-GB"/>
+          </a:p>
+        </p:txBody>
+      </p:sp>
+    </p:spTree>
+    <p:extLst>
+      <p:ext uri="{BB962C8B-B14F-4D97-AF65-F5344CB8AC3E}">
+        <p14:creationId xmlns:p14="http://schemas.microsoft.com/office/powerpoint/2010/main" val="4222745892"/>
+      </p:ext>
+    </p:extLst>
+  </p:cSld>
+  <p:clrMapOvr>
+    <a:masterClrMapping/>
+  </p:clrMapOvr>
+</p:notes>
+</file>
+
+<file path=ppt/notesSlides/notesSlide2.xml><?xml version="1.0" encoding="utf-8"?>
+<p:notes xmlns:a="http://schemas.openxmlformats.org/drawingml/2006/main" xmlns:r="http://schemas.openxmlformats.org/officeDocument/2006/relationships" xmlns:p="http://schemas.openxmlformats.org/presentationml/2006/main">
+  <p:cSld>
+    <p:spTree>
+      <p:nvGrpSpPr>
+        <p:cNvPr id="1" name=""/>
+        <p:cNvGrpSpPr/>
+        <p:nvPr/>
+      </p:nvGrpSpPr>
+      <p:grpSpPr>
+        <a:xfrm>
+          <a:off x="0" y="0"/>
+          <a:ext cx="0" cy="0"/>
+          <a:chOff x="0" y="0"/>
+          <a:chExt cx="0" cy="0"/>
+        </a:xfrm>
+      </p:grpSpPr>
+      <p:sp>
+        <p:nvSpPr>
+          <p:cNvPr id="2" name="Folienbildplatzhalter 1"/>
+          <p:cNvSpPr>
+            <a:spLocks noGrp="1" noRot="1" noChangeAspect="1"/>
+          </p:cNvSpPr>
+          <p:nvPr>
+            <p:ph type="sldImg"/>
+          </p:nvPr>
+        </p:nvSpPr>
+        <p:spPr/>
+      </p:sp>
+      <p:sp>
+        <p:nvSpPr>
+          <p:cNvPr id="3" name="Notizenplatzhalter 2"/>
+          <p:cNvSpPr>
+            <a:spLocks noGrp="1"/>
+          </p:cNvSpPr>
+          <p:nvPr>
+            <p:ph type="body" idx="1"/>
+          </p:nvPr>
+        </p:nvSpPr>
+        <p:spPr/>
+        <p:txBody>
+          <a:bodyPr/>
+          <a:lstStyle/>
+          <a:p>
+            <a:endParaRPr lang="en-GB" dirty="0"/>
+          </a:p>
+        </p:txBody>
+      </p:sp>
+      <p:sp>
+        <p:nvSpPr>
+          <p:cNvPr id="4" name="Foliennummernplatzhalter 3"/>
+          <p:cNvSpPr>
+            <a:spLocks noGrp="1"/>
+          </p:cNvSpPr>
+          <p:nvPr>
+            <p:ph type="sldNum" sz="quarter" idx="5"/>
+          </p:nvPr>
+        </p:nvSpPr>
+        <p:spPr/>
+        <p:txBody>
+          <a:bodyPr/>
+          <a:lstStyle/>
+          <a:p>
             <a:fld id="{AA0506C7-7336-4CFB-8357-029B6A4E9EDC}" type="slidenum">
               <a:rPr lang="en-GB" smtClean="0"/>
-              <a:t>4</a:t>
+              <a:t>8</a:t>
             </a:fld>
             <a:endParaRPr lang="en-GB"/>
           </a:p>
@@ -4288,470 +4374,7 @@
       </p:grpSpPr>
       <p:sp>
         <p:nvSpPr>
-          <p:cNvPr id="19" name="Rectangle 18">
-            <a:extLst>
-              <a:ext uri="{FF2B5EF4-FFF2-40B4-BE49-F238E27FC236}">
-                <a16:creationId xmlns:a16="http://schemas.microsoft.com/office/drawing/2014/main" id="{C4F049F8-87E1-403E-2A50-2F4544BF8589}"/>
-              </a:ext>
-              <a:ext uri="{C183D7F6-B498-43B3-948B-1728B52AA6E4}">
-                <adec:decorative xmlns:adec="http://schemas.microsoft.com/office/drawing/2017/decorative" val="1"/>
-              </a:ext>
-            </a:extLst>
-          </p:cNvPr>
-          <p:cNvSpPr>
-            <a:spLocks noGrp="1" noRot="1" noChangeAspect="1" noMove="1" noResize="1" noEditPoints="1" noAdjustHandles="1" noChangeArrowheads="1" noChangeShapeType="1" noTextEdit="1"/>
-          </p:cNvSpPr>
-          <p:nvPr>
-            <p:extLst>
-              <p:ext uri="{386F3935-93C4-4BCD-93E2-E3B085C9AB24}">
-                <p16:designElem xmlns:p16="http://schemas.microsoft.com/office/powerpoint/2015/main" val="1"/>
-              </p:ext>
-            </p:extLst>
-          </p:nvPr>
-        </p:nvSpPr>
-        <p:spPr>
-          <a:xfrm>
-            <a:off x="0" y="0"/>
-            <a:ext cx="12192000" cy="6858000"/>
-          </a:xfrm>
-          <a:prstGeom prst="rect">
-            <a:avLst/>
-          </a:prstGeom>
-          <a:solidFill>
-            <a:schemeClr val="bg1"/>
-          </a:solidFill>
-          <a:ln w="12700" cap="flat" cmpd="sng" algn="ctr">
-            <a:noFill/>
-            <a:prstDash val="solid"/>
-            <a:miter lim="800000"/>
-          </a:ln>
-          <a:effectLst/>
-          <a:extLst>
-            <a:ext uri="{91240B29-F687-4F45-9708-019B960494DF}">
-              <a14:hiddenLine xmlns:a14="http://schemas.microsoft.com/office/drawing/2010/main" w="12700" cap="flat" cmpd="sng" algn="ctr">
-                <a:solidFill>
-                  <a:schemeClr val="accent1">
-                    <a:shade val="50000"/>
-                  </a:schemeClr>
-                </a:solidFill>
-                <a:prstDash val="solid"/>
-                <a:miter lim="800000"/>
-              </a14:hiddenLine>
-            </a:ext>
-          </a:extLst>
-        </p:spPr>
-        <p:style>
-          <a:lnRef idx="2">
-            <a:schemeClr val="accent1">
-              <a:shade val="50000"/>
-            </a:schemeClr>
-          </a:lnRef>
-          <a:fillRef idx="1">
-            <a:schemeClr val="accent1"/>
-          </a:fillRef>
-          <a:effectRef idx="0">
-            <a:schemeClr val="accent1"/>
-          </a:effectRef>
-          <a:fontRef idx="minor">
-            <a:schemeClr val="lt1"/>
-          </a:fontRef>
-        </p:style>
-        <p:txBody>
-          <a:bodyPr rtlCol="0" anchor="ctr"/>
-          <a:lstStyle/>
-          <a:p>
-            <a:pPr algn="ctr"/>
-            <a:endParaRPr lang="en-US"/>
-          </a:p>
-        </p:txBody>
-      </p:sp>
-      <p:pic>
-        <p:nvPicPr>
-          <p:cNvPr id="14" name="Picture 2" descr="Roboter, der eine Maschine bedient">
-            <a:extLst>
-              <a:ext uri="{FF2B5EF4-FFF2-40B4-BE49-F238E27FC236}">
-                <a16:creationId xmlns:a16="http://schemas.microsoft.com/office/drawing/2014/main" id="{8CF37885-D0E7-ABEC-6F84-1F8DDF2550E6}"/>
-              </a:ext>
-            </a:extLst>
-          </p:cNvPr>
-          <p:cNvPicPr>
-            <a:picLocks noChangeAspect="1"/>
-          </p:cNvPicPr>
-          <p:nvPr/>
-        </p:nvPicPr>
-        <p:blipFill rotWithShape="1">
-          <a:blip r:embed="rId2"/>
-          <a:srcRect t="3683" b="23027"/>
-          <a:stretch/>
-        </p:blipFill>
-        <p:spPr>
-          <a:xfrm>
-            <a:off x="20" y="10"/>
-            <a:ext cx="12191979" cy="6857989"/>
-          </a:xfrm>
-          <a:prstGeom prst="rect">
-            <a:avLst/>
-          </a:prstGeom>
-        </p:spPr>
-      </p:pic>
-      <p:sp>
-        <p:nvSpPr>
-          <p:cNvPr id="21" name="Freeform: Shape 20">
-            <a:extLst>
-              <a:ext uri="{FF2B5EF4-FFF2-40B4-BE49-F238E27FC236}">
-                <a16:creationId xmlns:a16="http://schemas.microsoft.com/office/drawing/2014/main" id="{DD29B6E1-6E86-A1A0-2491-E5B84B3AAD7B}"/>
-              </a:ext>
-              <a:ext uri="{C183D7F6-B498-43B3-948B-1728B52AA6E4}">
-                <adec:decorative xmlns:adec="http://schemas.microsoft.com/office/drawing/2017/decorative" val="1"/>
-              </a:ext>
-            </a:extLst>
-          </p:cNvPr>
-          <p:cNvSpPr>
-            <a:spLocks noGrp="1" noRot="1" noChangeAspect="1" noMove="1" noResize="1" noEditPoints="1" noAdjustHandles="1" noChangeArrowheads="1" noChangeShapeType="1" noTextEdit="1"/>
-          </p:cNvSpPr>
-          <p:nvPr>
-            <p:extLst>
-              <p:ext uri="{386F3935-93C4-4BCD-93E2-E3B085C9AB24}">
-                <p16:designElem xmlns:p16="http://schemas.microsoft.com/office/powerpoint/2015/main" val="1"/>
-              </p:ext>
-            </p:extLst>
-          </p:nvPr>
-        </p:nvSpPr>
-        <p:spPr>
-          <a:xfrm rot="21540000" flipH="1">
-            <a:off x="1035555" y="1445436"/>
-            <a:ext cx="11191887" cy="5509960"/>
-          </a:xfrm>
-          <a:custGeom>
-            <a:avLst/>
-            <a:gdLst>
-              <a:gd name="connsiteX0" fmla="*/ 75794 w 11191887"/>
-              <a:gd name="connsiteY0" fmla="*/ 5509960 h 5509960"/>
-              <a:gd name="connsiteX1" fmla="*/ 11191887 w 11191887"/>
-              <a:gd name="connsiteY1" fmla="*/ 5315928 h 5509960"/>
-              <a:gd name="connsiteX2" fmla="*/ 5163097 w 11191887"/>
-              <a:gd name="connsiteY2" fmla="*/ 753031 h 5509960"/>
-              <a:gd name="connsiteX3" fmla="*/ 5078820 w 11191887"/>
-              <a:gd name="connsiteY3" fmla="*/ 692507 h 5509960"/>
-              <a:gd name="connsiteX4" fmla="*/ 2926071 w 11191887"/>
-              <a:gd name="connsiteY4" fmla="*/ 1150 h 5509960"/>
-              <a:gd name="connsiteX5" fmla="*/ 2692814 w 11191887"/>
-              <a:gd name="connsiteY5" fmla="*/ 2336 h 5509960"/>
-              <a:gd name="connsiteX6" fmla="*/ 95718 w 11191887"/>
-              <a:gd name="connsiteY6" fmla="*/ 1073885 h 5509960"/>
-              <a:gd name="connsiteX7" fmla="*/ 0 w 11191887"/>
-              <a:gd name="connsiteY7" fmla="*/ 1167726 h 5509960"/>
-            </a:gdLst>
-            <a:ahLst/>
-            <a:cxnLst>
-              <a:cxn ang="0">
-                <a:pos x="connsiteX0" y="connsiteY0"/>
-              </a:cxn>
-              <a:cxn ang="0">
-                <a:pos x="connsiteX1" y="connsiteY1"/>
-              </a:cxn>
-              <a:cxn ang="0">
-                <a:pos x="connsiteX2" y="connsiteY2"/>
-              </a:cxn>
-              <a:cxn ang="0">
-                <a:pos x="connsiteX3" y="connsiteY3"/>
-              </a:cxn>
-              <a:cxn ang="0">
-                <a:pos x="connsiteX4" y="connsiteY4"/>
-              </a:cxn>
-              <a:cxn ang="0">
-                <a:pos x="connsiteX5" y="connsiteY5"/>
-              </a:cxn>
-              <a:cxn ang="0">
-                <a:pos x="connsiteX6" y="connsiteY6"/>
-              </a:cxn>
-              <a:cxn ang="0">
-                <a:pos x="connsiteX7" y="connsiteY7"/>
-              </a:cxn>
-            </a:cxnLst>
-            <a:rect l="l" t="t" r="r" b="b"/>
-            <a:pathLst>
-              <a:path w="11191887" h="5509960">
-                <a:moveTo>
-                  <a:pt x="75794" y="5509960"/>
-                </a:moveTo>
-                <a:lnTo>
-                  <a:pt x="11191887" y="5315928"/>
-                </a:lnTo>
-                <a:lnTo>
-                  <a:pt x="5163097" y="753031"/>
-                </a:lnTo>
-                <a:lnTo>
-                  <a:pt x="5078820" y="692507"/>
-                </a:lnTo>
-                <a:cubicBezTo>
-                  <a:pt x="4421358" y="245206"/>
-                  <a:pt x="3672983" y="19009"/>
-                  <a:pt x="2926071" y="1150"/>
-                </a:cubicBezTo>
-                <a:cubicBezTo>
-                  <a:pt x="2848268" y="-711"/>
-                  <a:pt x="2770480" y="-310"/>
-                  <a:pt x="2692814" y="2336"/>
-                </a:cubicBezTo>
-                <a:cubicBezTo>
-                  <a:pt x="1746244" y="34591"/>
-                  <a:pt x="817542" y="400481"/>
-                  <a:pt x="95718" y="1073885"/>
-                </a:cubicBezTo>
-                <a:lnTo>
-                  <a:pt x="0" y="1167726"/>
-                </a:lnTo>
-                <a:close/>
-              </a:path>
-            </a:pathLst>
-          </a:custGeom>
-          <a:gradFill>
-            <a:gsLst>
-              <a:gs pos="23000">
-                <a:schemeClr val="bg2">
-                  <a:alpha val="68000"/>
-                </a:schemeClr>
-              </a:gs>
-              <a:gs pos="100000">
-                <a:schemeClr val="accent1">
-                  <a:lumMod val="60000"/>
-                  <a:lumOff val="40000"/>
-                  <a:alpha val="78000"/>
-                </a:schemeClr>
-              </a:gs>
-            </a:gsLst>
-            <a:lin ang="14400000" scaled="0"/>
-          </a:gradFill>
-          <a:ln>
-            <a:noFill/>
-          </a:ln>
-        </p:spPr>
-        <p:style>
-          <a:lnRef idx="2">
-            <a:schemeClr val="accent1">
-              <a:shade val="50000"/>
-            </a:schemeClr>
-          </a:lnRef>
-          <a:fillRef idx="1">
-            <a:schemeClr val="accent1"/>
-          </a:fillRef>
-          <a:effectRef idx="0">
-            <a:schemeClr val="accent1"/>
-          </a:effectRef>
-          <a:fontRef idx="minor">
-            <a:schemeClr val="lt1"/>
-          </a:fontRef>
-        </p:style>
-        <p:txBody>
-          <a:bodyPr wrap="square" rtlCol="0" anchor="ctr">
-            <a:noAutofit/>
-          </a:bodyPr>
-          <a:lstStyle/>
-          <a:p>
-            <a:pPr algn="ctr"/>
-            <a:endParaRPr lang="en-US"/>
-          </a:p>
-        </p:txBody>
-      </p:sp>
-      <p:sp>
-        <p:nvSpPr>
-          <p:cNvPr id="2" name="Titel 1">
-            <a:extLst>
-              <a:ext uri="{FF2B5EF4-FFF2-40B4-BE49-F238E27FC236}">
-                <a16:creationId xmlns:a16="http://schemas.microsoft.com/office/drawing/2014/main" id="{8462EBB5-36EC-47E2-FCD8-C9055F59DC14}"/>
-              </a:ext>
-            </a:extLst>
-          </p:cNvPr>
-          <p:cNvSpPr>
-            <a:spLocks noGrp="1"/>
-          </p:cNvSpPr>
-          <p:nvPr>
-            <p:ph type="ctrTitle"/>
-          </p:nvPr>
-        </p:nvSpPr>
-        <p:spPr>
-          <a:xfrm>
-            <a:off x="5882446" y="3092651"/>
-            <a:ext cx="5429290" cy="2142559"/>
-          </a:xfrm>
-        </p:spPr>
-        <p:txBody>
-          <a:bodyPr>
-            <a:normAutofit/>
-          </a:bodyPr>
-          <a:lstStyle/>
-          <a:p>
-            <a:pPr algn="r"/>
-            <a:r>
-              <a:rPr lang="en-GB" sz="4800" dirty="0" err="1">
-                <a:latin typeface="Aptos Narrow" panose="020B0004020202020204" pitchFamily="34" charset="0"/>
-              </a:rPr>
-              <a:t>Roboter</a:t>
-            </a:r>
-            <a:r>
-              <a:rPr lang="en-GB" sz="4800" dirty="0">
-                <a:latin typeface="Aptos Narrow" panose="020B0004020202020204" pitchFamily="34" charset="0"/>
-              </a:rPr>
-              <a:t> </a:t>
-            </a:r>
-            <a:r>
-              <a:rPr lang="en-GB" sz="4800" dirty="0" err="1">
-                <a:latin typeface="Aptos Narrow" panose="020B0004020202020204" pitchFamily="34" charset="0"/>
-              </a:rPr>
-              <a:t>beim</a:t>
-            </a:r>
-            <a:r>
-              <a:rPr lang="en-GB" sz="4800" dirty="0">
-                <a:latin typeface="Aptos Narrow" panose="020B0004020202020204" pitchFamily="34" charset="0"/>
-              </a:rPr>
-              <a:t> </a:t>
-            </a:r>
-            <a:r>
-              <a:rPr lang="en-GB" sz="4800" dirty="0" err="1">
-                <a:latin typeface="Aptos Narrow" panose="020B0004020202020204" pitchFamily="34" charset="0"/>
-              </a:rPr>
-              <a:t>Militär</a:t>
-            </a:r>
-            <a:endParaRPr lang="en-GB" sz="4800" dirty="0">
-              <a:latin typeface="Aptos Narrow" panose="020B0004020202020204" pitchFamily="34" charset="0"/>
-            </a:endParaRPr>
-          </a:p>
-        </p:txBody>
-      </p:sp>
-    </p:spTree>
-    <p:extLst>
-      <p:ext uri="{BB962C8B-B14F-4D97-AF65-F5344CB8AC3E}">
-        <p14:creationId xmlns:p14="http://schemas.microsoft.com/office/powerpoint/2010/main" val="832216717"/>
-      </p:ext>
-    </p:extLst>
-  </p:cSld>
-  <p:clrMapOvr>
-    <a:masterClrMapping/>
-  </p:clrMapOvr>
-  <p:timing>
-    <p:tnLst>
-      <p:par>
-        <p:cTn id="1" dur="indefinite" restart="never" nodeType="tmRoot">
-          <p:childTnLst>
-            <p:seq concurrent="1" nextAc="seek">
-              <p:cTn id="2" dur="indefinite" nodeType="mainSeq">
-                <p:childTnLst>
-                  <p:par>
-                    <p:cTn id="3" fill="hold">
-                      <p:stCondLst>
-                        <p:cond delay="indefinite"/>
-                        <p:cond evt="onBegin" delay="0">
-                          <p:tn val="2"/>
-                        </p:cond>
-                      </p:stCondLst>
-                      <p:childTnLst>
-                        <p:par>
-                          <p:cTn id="4" fill="hold">
-                            <p:stCondLst>
-                              <p:cond delay="0"/>
-                            </p:stCondLst>
-                            <p:childTnLst>
-                              <p:par>
-                                <p:cTn id="5" presetID="10" presetClass="entr" presetSubtype="0" fill="hold" grpId="0" nodeType="withEffect">
-                                  <p:stCondLst>
-                                    <p:cond delay="1000"/>
-                                  </p:stCondLst>
-                                  <p:iterate type="lt">
-                                    <p:tmPct val="10000"/>
-                                  </p:iterate>
-                                  <p:childTnLst>
-                                    <p:set>
-                                      <p:cBhvr>
-                                        <p:cTn id="6" dur="1" fill="hold">
-                                          <p:stCondLst>
-                                            <p:cond delay="0"/>
-                                          </p:stCondLst>
-                                        </p:cTn>
-                                        <p:tgtEl>
-                                          <p:spTgt spid="2"/>
-                                        </p:tgtEl>
-                                        <p:attrNameLst>
-                                          <p:attrName>style.visibility</p:attrName>
-                                        </p:attrNameLst>
-                                      </p:cBhvr>
-                                      <p:to>
-                                        <p:strVal val="visible"/>
-                                      </p:to>
-                                    </p:set>
-                                    <p:animEffect transition="in" filter="fade">
-                                      <p:cBhvr>
-                                        <p:cTn id="7" dur="400"/>
-                                        <p:tgtEl>
-                                          <p:spTgt spid="2"/>
-                                        </p:tgtEl>
-                                      </p:cBhvr>
-                                    </p:animEffect>
-                                  </p:childTnLst>
-                                </p:cTn>
-                              </p:par>
-                            </p:childTnLst>
-                          </p:cTn>
-                        </p:par>
-                      </p:childTnLst>
-                    </p:cTn>
-                  </p:par>
-                </p:childTnLst>
-              </p:cTn>
-              <p:prevCondLst>
-                <p:cond evt="onPrev" delay="0">
-                  <p:tgtEl>
-                    <p:sldTgt/>
-                  </p:tgtEl>
-                </p:cond>
-              </p:prevCondLst>
-              <p:nextCondLst>
-                <p:cond evt="onNext" delay="0">
-                  <p:tgtEl>
-                    <p:sldTgt/>
-                  </p:tgtEl>
-                </p:cond>
-              </p:nextCondLst>
-            </p:seq>
-          </p:childTnLst>
-        </p:cTn>
-      </p:par>
-    </p:tnLst>
-    <p:bldLst>
-      <p:bldP spid="2" grpId="0"/>
-    </p:bldLst>
-  </p:timing>
-</p:sld>
-</file>
-
-<file path=ppt/slides/slide2.xml><?xml version="1.0" encoding="utf-8"?>
-<p:sld xmlns:a="http://schemas.openxmlformats.org/drawingml/2006/main" xmlns:r="http://schemas.openxmlformats.org/officeDocument/2006/relationships" xmlns:p="http://schemas.openxmlformats.org/presentationml/2006/main">
-  <p:cSld>
-    <p:bg>
-      <p:bgPr>
-        <a:solidFill>
-          <a:schemeClr val="bg1"/>
-        </a:solidFill>
-        <a:effectLst/>
-      </p:bgPr>
-    </p:bg>
-    <p:spTree>
-      <p:nvGrpSpPr>
-        <p:cNvPr id="1" name=""/>
-        <p:cNvGrpSpPr/>
-        <p:nvPr/>
-      </p:nvGrpSpPr>
-      <p:grpSpPr>
-        <a:xfrm>
-          <a:off x="0" y="0"/>
-          <a:ext cx="0" cy="0"/>
-          <a:chOff x="0" y="0"/>
-          <a:chExt cx="0" cy="0"/>
-        </a:xfrm>
-      </p:grpSpPr>
-      <p:sp>
-        <p:nvSpPr>
-          <p:cNvPr id="17" name="Freeform: Shape 16">
+          <p:cNvPr id="15" name="Freeform: Shape 8">
             <a:extLst>
               <a:ext uri="{FF2B5EF4-FFF2-40B4-BE49-F238E27FC236}">
                 <a16:creationId xmlns:a16="http://schemas.microsoft.com/office/drawing/2014/main" id="{48D7368D-31D9-8101-473D-CD39E706FD22}"/>
@@ -4869,10 +4492,10 @@
       </p:sp>
       <p:sp useBgFill="1">
         <p:nvSpPr>
-          <p:cNvPr id="19" name="Rectangle 18">
+          <p:cNvPr id="16" name="Rectangle 10">
             <a:extLst>
               <a:ext uri="{FF2B5EF4-FFF2-40B4-BE49-F238E27FC236}">
-                <a16:creationId xmlns:a16="http://schemas.microsoft.com/office/drawing/2014/main" id="{3768F94E-2BF1-56A5-87AC-0C427079334B}"/>
+                <a16:creationId xmlns:a16="http://schemas.microsoft.com/office/drawing/2014/main" id="{CAA37442-EAE9-6CFC-AC74-44222B37FA80}"/>
               </a:ext>
               <a:ext uri="{C183D7F6-B498-43B3-948B-1728B52AA6E4}">
                 <adec:decorative xmlns:adec="http://schemas.microsoft.com/office/drawing/2017/decorative" val="1"/>
@@ -4945,10 +4568,10 @@
       </p:sp>
       <p:pic>
         <p:nvPicPr>
-          <p:cNvPr id="8" name="Grafik 7" descr="Ein Bild, das Gelände, draußen, Werkzeug, gelb enthält.&#10;&#10;Automatisch generierte Beschreibung">
+          <p:cNvPr id="4" name="Picture 2" descr="Roboter, der eine Maschine bedient">
             <a:extLst>
               <a:ext uri="{FF2B5EF4-FFF2-40B4-BE49-F238E27FC236}">
-                <a16:creationId xmlns:a16="http://schemas.microsoft.com/office/drawing/2014/main" id="{0A990A21-7C81-ED96-23FD-6ED678FC3AC3}"/>
+                <a16:creationId xmlns:a16="http://schemas.microsoft.com/office/drawing/2014/main" id="{68D6D23F-0525-53FE-A3C9-A6FE9E436277}"/>
               </a:ext>
             </a:extLst>
           </p:cNvPr>
@@ -4958,23 +4581,14 @@
           <p:nvPr/>
         </p:nvPicPr>
         <p:blipFill rotWithShape="1">
-          <a:blip r:embed="rId2">
-            <a:extLst>
-              <a:ext uri="{28A0092B-C50C-407E-A947-70E740481C1C}">
-                <a14:useLocalDpi xmlns:a14="http://schemas.microsoft.com/office/drawing/2010/main" val="0"/>
-              </a:ext>
-              <a:ext uri="{837473B0-CC2E-450A-ABE3-18F120FF3D39}">
-                <a1611:picAttrSrcUrl xmlns:a1611="http://schemas.microsoft.com/office/drawing/2016/11/main" r:id="rId3"/>
-              </a:ext>
-            </a:extLst>
-          </a:blip>
-          <a:srcRect t="513" b="26197"/>
+          <a:blip r:embed="rId3"/>
+          <a:srcRect t="3683" b="23027"/>
           <a:stretch/>
         </p:blipFill>
         <p:spPr>
           <a:xfrm>
-            <a:off x="20" y="1"/>
-            <a:ext cx="12191979" cy="6857999"/>
+            <a:off x="20" y="10"/>
+            <a:ext cx="12191979" cy="6857989"/>
           </a:xfrm>
           <a:prstGeom prst="rect">
             <a:avLst/>
@@ -4983,10 +4597,10 @@
       </p:pic>
       <p:sp>
         <p:nvSpPr>
-          <p:cNvPr id="21" name="Freeform: Shape 20">
+          <p:cNvPr id="17" name="Rectangle 12">
             <a:extLst>
               <a:ext uri="{FF2B5EF4-FFF2-40B4-BE49-F238E27FC236}">
-                <a16:creationId xmlns:a16="http://schemas.microsoft.com/office/drawing/2014/main" id="{393D8CD4-7FBE-9118-0CEB-9C1A2FA6AE5A}"/>
+                <a16:creationId xmlns:a16="http://schemas.microsoft.com/office/drawing/2014/main" id="{54117A24-9D5E-A791-A2F4-8C81AC603C15}"/>
               </a:ext>
               <a:ext uri="{C183D7F6-B498-43B3-948B-1728B52AA6E4}">
                 <adec:decorative xmlns:adec="http://schemas.microsoft.com/office/drawing/2017/decorative" val="1"/>
@@ -5005,110 +4619,32 @@
           </p:nvPr>
         </p:nvSpPr>
         <p:spPr>
-          <a:xfrm rot="21540000" flipV="1">
-            <a:off x="-20219" y="-65315"/>
-            <a:ext cx="7557315" cy="3771957"/>
+          <a:xfrm rot="5400000">
+            <a:off x="960265" y="-960268"/>
+            <a:ext cx="6857998" cy="8778533"/>
           </a:xfrm>
-          <a:custGeom>
+          <a:prstGeom prst="rect">
             <a:avLst/>
-            <a:gdLst>
-              <a:gd name="connsiteX0" fmla="*/ 52567 w 7557315"/>
-              <a:gd name="connsiteY0" fmla="*/ 3771957 h 3771957"/>
-              <a:gd name="connsiteX1" fmla="*/ 7557315 w 7557315"/>
-              <a:gd name="connsiteY1" fmla="*/ 3640961 h 3771957"/>
-              <a:gd name="connsiteX2" fmla="*/ 3406126 w 7557315"/>
-              <a:gd name="connsiteY2" fmla="*/ 499129 h 3771957"/>
-              <a:gd name="connsiteX3" fmla="*/ 3350264 w 7557315"/>
-              <a:gd name="connsiteY3" fmla="*/ 459014 h 3771957"/>
-              <a:gd name="connsiteX4" fmla="*/ 1923366 w 7557315"/>
-              <a:gd name="connsiteY4" fmla="*/ 763 h 3771957"/>
-              <a:gd name="connsiteX5" fmla="*/ 1768756 w 7557315"/>
-              <a:gd name="connsiteY5" fmla="*/ 1549 h 3771957"/>
-              <a:gd name="connsiteX6" fmla="*/ 144811 w 7557315"/>
-              <a:gd name="connsiteY6" fmla="*/ 625253 h 3771957"/>
-              <a:gd name="connsiteX7" fmla="*/ 0 w 7557315"/>
-              <a:gd name="connsiteY7" fmla="*/ 760395 h 3771957"/>
-            </a:gdLst>
-            <a:ahLst/>
-            <a:cxnLst>
-              <a:cxn ang="0">
-                <a:pos x="connsiteX0" y="connsiteY0"/>
-              </a:cxn>
-              <a:cxn ang="0">
-                <a:pos x="connsiteX1" y="connsiteY1"/>
-              </a:cxn>
-              <a:cxn ang="0">
-                <a:pos x="connsiteX2" y="connsiteY2"/>
-              </a:cxn>
-              <a:cxn ang="0">
-                <a:pos x="connsiteX3" y="connsiteY3"/>
-              </a:cxn>
-              <a:cxn ang="0">
-                <a:pos x="connsiteX4" y="connsiteY4"/>
-              </a:cxn>
-              <a:cxn ang="0">
-                <a:pos x="connsiteX5" y="connsiteY5"/>
-              </a:cxn>
-              <a:cxn ang="0">
-                <a:pos x="connsiteX6" y="connsiteY6"/>
-              </a:cxn>
-              <a:cxn ang="0">
-                <a:pos x="connsiteX7" y="connsiteY7"/>
-              </a:cxn>
-            </a:cxnLst>
-            <a:rect l="l" t="t" r="r" b="b"/>
-            <a:pathLst>
-              <a:path w="7557315" h="3771957">
-                <a:moveTo>
-                  <a:pt x="52567" y="3771957"/>
-                </a:moveTo>
-                <a:lnTo>
-                  <a:pt x="7557315" y="3640961"/>
-                </a:lnTo>
-                <a:lnTo>
-                  <a:pt x="3406126" y="499129"/>
-                </a:lnTo>
-                <a:lnTo>
-                  <a:pt x="3350264" y="459014"/>
-                </a:lnTo>
-                <a:cubicBezTo>
-                  <a:pt x="2914482" y="162529"/>
-                  <a:pt x="2418440" y="12600"/>
-                  <a:pt x="1923366" y="763"/>
-                </a:cubicBezTo>
-                <a:cubicBezTo>
-                  <a:pt x="1871795" y="-470"/>
-                  <a:pt x="1820236" y="-206"/>
-                  <a:pt x="1768756" y="1549"/>
-                </a:cubicBezTo>
-                <a:cubicBezTo>
-                  <a:pt x="1183172" y="21502"/>
-                  <a:pt x="607903" y="234096"/>
-                  <a:pt x="144811" y="625253"/>
-                </a:cubicBezTo>
-                <a:lnTo>
-                  <a:pt x="0" y="760395"/>
-                </a:lnTo>
-                <a:close/>
-              </a:path>
-            </a:pathLst>
-          </a:custGeom>
+          </a:prstGeom>
           <a:gradFill>
             <a:gsLst>
-              <a:gs pos="22000">
-                <a:schemeClr val="bg2">
-                  <a:alpha val="80000"/>
-                </a:schemeClr>
+              <a:gs pos="0">
+                <a:srgbClr val="000000">
+                  <a:alpha val="0"/>
+                </a:srgbClr>
+              </a:gs>
+              <a:gs pos="56000">
+                <a:srgbClr val="000000">
+                  <a:alpha val="58000"/>
+                </a:srgbClr>
               </a:gs>
               <a:gs pos="100000">
-                <a:schemeClr val="accent1">
-                  <a:lumMod val="60000"/>
-                  <a:lumOff val="40000"/>
-                  <a:alpha val="71000"/>
-                </a:schemeClr>
+                <a:srgbClr val="000000">
+                  <a:alpha val="51000"/>
+                </a:srgbClr>
               </a:gs>
             </a:gsLst>
-            <a:lin ang="14400000" scaled="0"/>
+            <a:lin ang="5400000" scaled="1"/>
           </a:gradFill>
           <a:ln>
             <a:noFill/>
@@ -5131,9 +4667,7 @@
           </a:fontRef>
         </p:style>
         <p:txBody>
-          <a:bodyPr wrap="square" rtlCol="0" anchor="ctr">
-            <a:noAutofit/>
-          </a:bodyPr>
+          <a:bodyPr rtlCol="0" anchor="ctr"/>
           <a:lstStyle/>
           <a:p>
             <a:pPr algn="ctr"/>
@@ -5146,7 +4680,7 @@
           <p:cNvPr id="2" name="Titel 1">
             <a:extLst>
               <a:ext uri="{FF2B5EF4-FFF2-40B4-BE49-F238E27FC236}">
-                <a16:creationId xmlns:a16="http://schemas.microsoft.com/office/drawing/2014/main" id="{9B19F1A5-E470-FB35-3851-743D0C84351F}"/>
+                <a16:creationId xmlns:a16="http://schemas.microsoft.com/office/drawing/2014/main" id="{6AB75B24-CEA0-2EAA-76F3-DC39545DB5CD}"/>
               </a:ext>
             </a:extLst>
           </p:cNvPr>
@@ -5159,8 +4693,8 @@
         </p:nvSpPr>
         <p:spPr>
           <a:xfrm>
-            <a:off x="962888" y="498764"/>
-            <a:ext cx="3744193" cy="1496291"/>
+            <a:off x="1066802" y="1122363"/>
+            <a:ext cx="5029198" cy="2305246"/>
           </a:xfrm>
         </p:spPr>
         <p:txBody>
@@ -5175,194 +4709,20 @@
               </a:lnSpc>
             </a:pPr>
             <a:r>
-              <a:rPr lang="en-US"/>
-              <a:t>Firma Boston Dynamics</a:t>
-            </a:r>
-          </a:p>
-        </p:txBody>
-      </p:sp>
-      <p:sp>
-        <p:nvSpPr>
-          <p:cNvPr id="9" name="Textfeld 8">
-            <a:extLst>
-              <a:ext uri="{FF2B5EF4-FFF2-40B4-BE49-F238E27FC236}">
-                <a16:creationId xmlns:a16="http://schemas.microsoft.com/office/drawing/2014/main" id="{DAE54BB2-1132-19DF-E0F6-B141371D7EBF}"/>
-              </a:ext>
-            </a:extLst>
-          </p:cNvPr>
-          <p:cNvSpPr txBox="1"/>
-          <p:nvPr/>
-        </p:nvSpPr>
-        <p:spPr>
-          <a:xfrm>
-            <a:off x="9170019" y="6870700"/>
-            <a:ext cx="3021981" cy="200055"/>
-          </a:xfrm>
-          <a:prstGeom prst="rect">
-            <a:avLst/>
-          </a:prstGeom>
-          <a:solidFill>
-            <a:srgbClr val="000000"/>
-          </a:solidFill>
-        </p:spPr>
-        <p:txBody>
-          <a:bodyPr wrap="none" rtlCol="0">
-            <a:spAutoFit/>
-          </a:bodyPr>
-          <a:lstStyle/>
-          <a:p>
-            <a:pPr algn="r">
-              <a:spcAft>
-                <a:spcPts val="600"/>
-              </a:spcAft>
-            </a:pPr>
-            <a:r>
-              <a:rPr lang="en-GB" sz="700">
-                <a:solidFill>
-                  <a:srgbClr val="FFFFFF"/>
-                </a:solidFill>
-              </a:rPr>
-              <a:t>"</a:t>
-            </a:r>
-            <a:r>
-              <a:rPr lang="en-GB" sz="700">
-                <a:solidFill>
-                  <a:srgbClr val="FFFFFF"/>
-                </a:solidFill>
-                <a:hlinkClick r:id="rId3" tooltip="https://www.htnovo.net/2020/06/spot-cane-robot-vendita.html">
-                  <a:extLst>
-                    <a:ext uri="{A12FA001-AC4F-418D-AE19-62706E023703}">
-                      <ahyp:hlinkClr xmlns:ahyp="http://schemas.microsoft.com/office/drawing/2018/hyperlinkcolor" val="tx"/>
-                    </a:ext>
-                  </a:extLst>
-                </a:hlinkClick>
-              </a:rPr>
-              <a:t>Dieses Foto</a:t>
-            </a:r>
-            <a:r>
-              <a:rPr lang="en-GB" sz="700">
-                <a:solidFill>
-                  <a:srgbClr val="FFFFFF"/>
-                </a:solidFill>
-              </a:rPr>
-              <a:t>" von Unbekannter Autor ist lizenziert gemäß </a:t>
-            </a:r>
-            <a:r>
-              <a:rPr lang="en-GB" sz="700">
-                <a:solidFill>
-                  <a:srgbClr val="FFFFFF"/>
-                </a:solidFill>
-                <a:hlinkClick r:id="rId4" tooltip="https://creativecommons.org/licenses/by-sa/3.0/">
-                  <a:extLst>
-                    <a:ext uri="{A12FA001-AC4F-418D-AE19-62706E023703}">
-                      <ahyp:hlinkClr xmlns:ahyp="http://schemas.microsoft.com/office/drawing/2018/hyperlinkcolor" val="tx"/>
-                    </a:ext>
-                  </a:extLst>
-                </a:hlinkClick>
-              </a:rPr>
-              <a:t>CC BY-SA</a:t>
-            </a:r>
-            <a:endParaRPr lang="en-GB" sz="700">
-              <a:solidFill>
-                <a:srgbClr val="FFFFFF"/>
-              </a:solidFill>
-            </a:endParaRPr>
-          </a:p>
-        </p:txBody>
-      </p:sp>
-      <p:sp>
-        <p:nvSpPr>
-          <p:cNvPr id="12" name="Textfeld 11">
-            <a:extLst>
-              <a:ext uri="{FF2B5EF4-FFF2-40B4-BE49-F238E27FC236}">
-                <a16:creationId xmlns:a16="http://schemas.microsoft.com/office/drawing/2014/main" id="{A9F8FDBE-716A-3F49-D48C-87589CBDB254}"/>
-              </a:ext>
-            </a:extLst>
-          </p:cNvPr>
-          <p:cNvSpPr txBox="1"/>
-          <p:nvPr/>
-        </p:nvSpPr>
-        <p:spPr>
-          <a:xfrm>
-            <a:off x="5960611" y="6870700"/>
-            <a:ext cx="3196708" cy="200055"/>
-          </a:xfrm>
-          <a:prstGeom prst="rect">
-            <a:avLst/>
-          </a:prstGeom>
-          <a:solidFill>
-            <a:srgbClr val="000000"/>
-          </a:solidFill>
-        </p:spPr>
-        <p:txBody>
-          <a:bodyPr wrap="none" rtlCol="0">
-            <a:spAutoFit/>
-          </a:bodyPr>
-          <a:lstStyle/>
-          <a:p>
-            <a:pPr algn="r">
-              <a:spcAft>
-                <a:spcPts val="600"/>
-              </a:spcAft>
-            </a:pPr>
-            <a:r>
-              <a:rPr lang="en-GB" sz="700">
-                <a:solidFill>
-                  <a:srgbClr val="FFFFFF"/>
-                </a:solidFill>
-              </a:rPr>
-              <a:t>"</a:t>
-            </a:r>
-            <a:r>
-              <a:rPr lang="en-GB" sz="700">
-                <a:solidFill>
-                  <a:srgbClr val="FFFFFF"/>
-                </a:solidFill>
-                <a:hlinkClick r:id="rId5" tooltip="https://www.wired.it/attualita/tech/2018/10/23/cane-robot-boston-dynamics/">
-                  <a:extLst>
-                    <a:ext uri="{A12FA001-AC4F-418D-AE19-62706E023703}">
-                      <ahyp:hlinkClr xmlns:ahyp="http://schemas.microsoft.com/office/drawing/2018/hyperlinkcolor" val="tx"/>
-                    </a:ext>
-                  </a:extLst>
-                </a:hlinkClick>
-              </a:rPr>
-              <a:t>Dieses Foto</a:t>
-            </a:r>
-            <a:r>
-              <a:rPr lang="en-GB" sz="700">
-                <a:solidFill>
-                  <a:srgbClr val="FFFFFF"/>
-                </a:solidFill>
-              </a:rPr>
-              <a:t>" von Unbekannter Autor ist lizenziert gemäß </a:t>
-            </a:r>
-            <a:r>
-              <a:rPr lang="en-GB" sz="700">
-                <a:solidFill>
-                  <a:srgbClr val="FFFFFF"/>
-                </a:solidFill>
-                <a:hlinkClick r:id="rId6" tooltip="https://creativecommons.org/licenses/by-nc-nd/3.0/">
-                  <a:extLst>
-                    <a:ext uri="{A12FA001-AC4F-418D-AE19-62706E023703}">
-                      <ahyp:hlinkClr xmlns:ahyp="http://schemas.microsoft.com/office/drawing/2018/hyperlinkcolor" val="tx"/>
-                    </a:ext>
-                  </a:extLst>
-                </a:hlinkClick>
-              </a:rPr>
-              <a:t>CC BY-NC-ND</a:t>
-            </a:r>
-            <a:endParaRPr lang="en-GB" sz="700">
-              <a:solidFill>
-                <a:srgbClr val="FFFFFF"/>
-              </a:solidFill>
-            </a:endParaRPr>
+              <a:rPr lang="en-US" sz="3600">
+                <a:solidFill>
+                  <a:srgbClr val="FFFFFF"/>
+                </a:solidFill>
+              </a:rPr>
+              <a:t>Roboter beim Militär</a:t>
+            </a:r>
           </a:p>
         </p:txBody>
       </p:sp>
     </p:spTree>
     <p:extLst>
       <p:ext uri="{BB962C8B-B14F-4D97-AF65-F5344CB8AC3E}">
-        <p14:creationId xmlns:p14="http://schemas.microsoft.com/office/powerpoint/2010/main" val="1937996238"/>
+        <p14:creationId xmlns:p14="http://schemas.microsoft.com/office/powerpoint/2010/main" val="372659638"/>
       </p:ext>
     </p:extLst>
   </p:cSld>
@@ -5464,7 +4824,205 @@
 </p:sld>
 </file>
 
-<file path=ppt/slides/slide3.xml><?xml version="1.0" encoding="utf-8"?>
+<file path=ppt/slides/slide10.xml><?xml version="1.0" encoding="utf-8"?>
+<p:sld xmlns:a="http://schemas.openxmlformats.org/drawingml/2006/main" xmlns:r="http://schemas.openxmlformats.org/officeDocument/2006/relationships" xmlns:p="http://schemas.openxmlformats.org/presentationml/2006/main">
+  <p:cSld>
+    <p:spTree>
+      <p:nvGrpSpPr>
+        <p:cNvPr id="1" name=""/>
+        <p:cNvGrpSpPr/>
+        <p:nvPr/>
+      </p:nvGrpSpPr>
+      <p:grpSpPr>
+        <a:xfrm>
+          <a:off x="0" y="0"/>
+          <a:ext cx="0" cy="0"/>
+          <a:chOff x="0" y="0"/>
+          <a:chExt cx="0" cy="0"/>
+        </a:xfrm>
+      </p:grpSpPr>
+      <p:pic>
+        <p:nvPicPr>
+          <p:cNvPr id="4" name="Onlinemedien 3" title="Optimus - Gen 2">
+            <a:hlinkClick r:id="" action="ppaction://media"/>
+            <a:extLst>
+              <a:ext uri="{FF2B5EF4-FFF2-40B4-BE49-F238E27FC236}">
+                <a16:creationId xmlns:a16="http://schemas.microsoft.com/office/drawing/2014/main" id="{9E4C779F-820A-3290-1200-160290E68180}"/>
+              </a:ext>
+            </a:extLst>
+          </p:cNvPr>
+          <p:cNvPicPr>
+            <a:picLocks noRot="1" noChangeAspect="1"/>
+          </p:cNvPicPr>
+          <p:nvPr>
+            <a:videoFile r:link="rId1"/>
+          </p:nvPr>
+        </p:nvPicPr>
+        <p:blipFill>
+          <a:blip r:embed="rId3"/>
+          <a:stretch>
+            <a:fillRect/>
+          </a:stretch>
+        </p:blipFill>
+        <p:spPr>
+          <a:xfrm>
+            <a:off x="0" y="-12700"/>
+            <a:ext cx="12192000" cy="6883400"/>
+          </a:xfrm>
+          <a:prstGeom prst="rect">
+            <a:avLst/>
+          </a:prstGeom>
+        </p:spPr>
+      </p:pic>
+    </p:spTree>
+    <p:extLst>
+      <p:ext uri="{BB962C8B-B14F-4D97-AF65-F5344CB8AC3E}">
+        <p14:creationId xmlns:p14="http://schemas.microsoft.com/office/powerpoint/2010/main" val="1770470842"/>
+      </p:ext>
+    </p:extLst>
+  </p:cSld>
+  <p:clrMapOvr>
+    <a:masterClrMapping/>
+  </p:clrMapOvr>
+  <p:timing>
+    <p:tnLst>
+      <p:par>
+        <p:cTn id="1" dur="indefinite" restart="never" nodeType="tmRoot">
+          <p:childTnLst>
+            <p:seq concurrent="1" nextAc="seek">
+              <p:cTn id="2" dur="indefinite" nodeType="mainSeq">
+                <p:childTnLst>
+                  <p:par>
+                    <p:cTn id="3" fill="hold">
+                      <p:stCondLst>
+                        <p:cond delay="indefinite"/>
+                      </p:stCondLst>
+                      <p:childTnLst>
+                        <p:par>
+                          <p:cTn id="4" fill="hold">
+                            <p:stCondLst>
+                              <p:cond delay="0"/>
+                            </p:stCondLst>
+                            <p:childTnLst>
+                              <p:par>
+                                <p:cTn id="5" presetID="1" presetClass="mediacall" presetSubtype="0" fill="hold" nodeType="clickEffect">
+                                  <p:stCondLst>
+                                    <p:cond delay="0"/>
+                                  </p:stCondLst>
+                                  <p:childTnLst>
+                                    <p:cmd type="call" cmd="playFrom(0.0)">
+                                      <p:cBhvr>
+                                        <p:cTn id="6" dur="1" fill="hold"/>
+                                        <p:tgtEl>
+                                          <p:spTgt spid="4"/>
+                                        </p:tgtEl>
+                                      </p:cBhvr>
+                                    </p:cmd>
+                                  </p:childTnLst>
+                                </p:cTn>
+                              </p:par>
+                            </p:childTnLst>
+                          </p:cTn>
+                        </p:par>
+                      </p:childTnLst>
+                    </p:cTn>
+                  </p:par>
+                </p:childTnLst>
+              </p:cTn>
+              <p:prevCondLst>
+                <p:cond evt="onPrev" delay="0">
+                  <p:tgtEl>
+                    <p:sldTgt/>
+                  </p:tgtEl>
+                </p:cond>
+              </p:prevCondLst>
+              <p:nextCondLst>
+                <p:cond evt="onNext" delay="0">
+                  <p:tgtEl>
+                    <p:sldTgt/>
+                  </p:tgtEl>
+                </p:cond>
+              </p:nextCondLst>
+            </p:seq>
+            <p:video>
+              <p:cMediaNode vol="80000">
+                <p:cTn id="7" fill="hold" display="0">
+                  <p:stCondLst>
+                    <p:cond delay="indefinite"/>
+                  </p:stCondLst>
+                </p:cTn>
+                <p:tgtEl>
+                  <p:spTgt spid="4"/>
+                </p:tgtEl>
+              </p:cMediaNode>
+            </p:video>
+            <p:seq concurrent="1" nextAc="seek">
+              <p:cTn id="8" restart="whenNotActive" fill="hold" evtFilter="cancelBubble" nodeType="interactiveSeq">
+                <p:stCondLst>
+                  <p:cond evt="onClick" delay="0">
+                    <p:tgtEl>
+                      <p:spTgt spid="4"/>
+                    </p:tgtEl>
+                  </p:cond>
+                </p:stCondLst>
+                <p:endSync evt="end" delay="0">
+                  <p:rtn val="all"/>
+                </p:endSync>
+                <p:childTnLst>
+                  <p:par>
+                    <p:cTn id="9" fill="hold">
+                      <p:stCondLst>
+                        <p:cond delay="0"/>
+                      </p:stCondLst>
+                      <p:childTnLst>
+                        <p:par>
+                          <p:cTn id="10" fill="hold">
+                            <p:stCondLst>
+                              <p:cond delay="0"/>
+                            </p:stCondLst>
+                            <p:childTnLst>
+                              <p:par>
+                                <p:cTn id="11" presetID="2" presetClass="mediacall" presetSubtype="0" fill="hold" nodeType="clickEffect">
+                                  <p:stCondLst>
+                                    <p:cond delay="0"/>
+                                  </p:stCondLst>
+                                  <p:childTnLst>
+                                    <p:cmd type="call" cmd="togglePause">
+                                      <p:cBhvr>
+                                        <p:cTn id="12" dur="1" fill="hold"/>
+                                        <p:tgtEl>
+                                          <p:spTgt spid="4"/>
+                                        </p:tgtEl>
+                                      </p:cBhvr>
+                                    </p:cmd>
+                                  </p:childTnLst>
+                                </p:cTn>
+                              </p:par>
+                            </p:childTnLst>
+                          </p:cTn>
+                        </p:par>
+                      </p:childTnLst>
+                    </p:cTn>
+                  </p:par>
+                </p:childTnLst>
+              </p:cTn>
+              <p:nextCondLst>
+                <p:cond evt="onClick" delay="0">
+                  <p:tgtEl>
+                    <p:spTgt spid="4"/>
+                  </p:tgtEl>
+                </p:cond>
+              </p:nextCondLst>
+            </p:seq>
+          </p:childTnLst>
+        </p:cTn>
+      </p:par>
+    </p:tnLst>
+  </p:timing>
+</p:sld>
+</file>
+
+<file path=ppt/slides/slide2.xml><?xml version="1.0" encoding="utf-8"?>
 <p:sld xmlns:a="http://schemas.openxmlformats.org/drawingml/2006/main" xmlns:r="http://schemas.openxmlformats.org/officeDocument/2006/relationships" xmlns:p="http://schemas.openxmlformats.org/presentationml/2006/main">
   <p:cSld>
     <p:bg>
@@ -5491,7 +5049,7 @@
       </p:grpSpPr>
       <p:sp>
         <p:nvSpPr>
-          <p:cNvPr id="13" name="Rectangle 8">
+          <p:cNvPr id="9" name="Rectangle 8">
             <a:extLst>
               <a:ext uri="{FF2B5EF4-FFF2-40B4-BE49-F238E27FC236}">
                 <a16:creationId xmlns:a16="http://schemas.microsoft.com/office/drawing/2014/main" id="{8753201B-432F-7A72-6FF6-CF0404210168}"/>
@@ -5557,6 +5115,4041 @@
       </p:sp>
       <p:pic>
         <p:nvPicPr>
+          <p:cNvPr id="4" name="Picture 2" descr="Roboter, der eine Maschine bedient">
+            <a:extLst>
+              <a:ext uri="{FF2B5EF4-FFF2-40B4-BE49-F238E27FC236}">
+                <a16:creationId xmlns:a16="http://schemas.microsoft.com/office/drawing/2014/main" id="{0ED264E8-81BF-7908-B9C0-E30517490B21}"/>
+              </a:ext>
+            </a:extLst>
+          </p:cNvPr>
+          <p:cNvPicPr>
+            <a:picLocks noChangeAspect="1"/>
+          </p:cNvPicPr>
+          <p:nvPr/>
+        </p:nvPicPr>
+        <p:blipFill rotWithShape="1">
+          <a:blip r:embed="rId2">
+            <a:alphaModFix amt="60000"/>
+          </a:blip>
+          <a:srcRect t="3683" b="23027"/>
+          <a:stretch/>
+        </p:blipFill>
+        <p:spPr>
+          <a:xfrm>
+            <a:off x="20" y="10"/>
+            <a:ext cx="12191979" cy="6857989"/>
+          </a:xfrm>
+          <a:prstGeom prst="rect">
+            <a:avLst/>
+          </a:prstGeom>
+        </p:spPr>
+      </p:pic>
+      <p:sp>
+        <p:nvSpPr>
+          <p:cNvPr id="2" name="Titel 1">
+            <a:extLst>
+              <a:ext uri="{FF2B5EF4-FFF2-40B4-BE49-F238E27FC236}">
+                <a16:creationId xmlns:a16="http://schemas.microsoft.com/office/drawing/2014/main" id="{C24D40FB-1B92-77A2-8AF3-18934AD5E945}"/>
+              </a:ext>
+            </a:extLst>
+          </p:cNvPr>
+          <p:cNvSpPr>
+            <a:spLocks noGrp="1"/>
+          </p:cNvSpPr>
+          <p:nvPr>
+            <p:ph type="title"/>
+          </p:nvPr>
+        </p:nvSpPr>
+        <p:spPr>
+          <a:xfrm>
+            <a:off x="1066799" y="1143000"/>
+            <a:ext cx="4394201" cy="2286000"/>
+          </a:xfrm>
+        </p:spPr>
+        <p:txBody>
+          <a:bodyPr anchor="t">
+            <a:normAutofit/>
+          </a:bodyPr>
+          <a:lstStyle/>
+          <a:p>
+            <a:pPr algn="r"/>
+            <a:r>
+              <a:rPr lang="en-US" sz="4800">
+                <a:solidFill>
+                  <a:srgbClr val="FFFFFF"/>
+                </a:solidFill>
+              </a:rPr>
+              <a:t>Gliederung</a:t>
+            </a:r>
+            <a:endParaRPr lang="en-GB" sz="4800">
+              <a:solidFill>
+                <a:srgbClr val="FFFFFF"/>
+              </a:solidFill>
+            </a:endParaRPr>
+          </a:p>
+        </p:txBody>
+      </p:sp>
+      <p:sp>
+        <p:nvSpPr>
+          <p:cNvPr id="3" name="Inhaltsplatzhalter 2">
+            <a:extLst>
+              <a:ext uri="{FF2B5EF4-FFF2-40B4-BE49-F238E27FC236}">
+                <a16:creationId xmlns:a16="http://schemas.microsoft.com/office/drawing/2014/main" id="{5B128C2A-6E7E-E27D-A9DB-88BBD65462C0}"/>
+              </a:ext>
+            </a:extLst>
+          </p:cNvPr>
+          <p:cNvSpPr>
+            <a:spLocks noGrp="1"/>
+          </p:cNvSpPr>
+          <p:nvPr>
+            <p:ph idx="1"/>
+          </p:nvPr>
+        </p:nvSpPr>
+        <p:spPr>
+          <a:xfrm>
+            <a:off x="6096000" y="1207697"/>
+            <a:ext cx="4953000" cy="4507303"/>
+          </a:xfrm>
+        </p:spPr>
+        <p:txBody>
+          <a:bodyPr>
+            <a:normAutofit/>
+          </a:bodyPr>
+          <a:lstStyle/>
+          <a:p>
+            <a:r>
+              <a:rPr lang="de-DE">
+                <a:solidFill>
+                  <a:srgbClr val="FFFFFF"/>
+                </a:solidFill>
+              </a:rPr>
+              <a:t>Militärroboter: Vor- und Nachteile sowie Auswirkungen</a:t>
+            </a:r>
+          </a:p>
+          <a:p>
+            <a:endParaRPr lang="de-DE">
+              <a:solidFill>
+                <a:srgbClr val="FFFFFF"/>
+              </a:solidFill>
+            </a:endParaRPr>
+          </a:p>
+          <a:p>
+            <a:r>
+              <a:rPr lang="de-DE">
+                <a:solidFill>
+                  <a:srgbClr val="FFFFFF"/>
+                </a:solidFill>
+              </a:rPr>
+              <a:t>Auswirkungen</a:t>
+            </a:r>
+          </a:p>
+          <a:p>
+            <a:endParaRPr lang="en-GB">
+              <a:solidFill>
+                <a:srgbClr val="FFFFFF"/>
+              </a:solidFill>
+            </a:endParaRPr>
+          </a:p>
+          <a:p>
+            <a:r>
+              <a:rPr lang="en-GB">
+                <a:solidFill>
+                  <a:srgbClr val="FFFFFF"/>
+                </a:solidFill>
+              </a:rPr>
+              <a:t>Firma Boston Dynamics</a:t>
+            </a:r>
+          </a:p>
+          <a:p>
+            <a:endParaRPr lang="en-GB">
+              <a:solidFill>
+                <a:srgbClr val="FFFFFF"/>
+              </a:solidFill>
+            </a:endParaRPr>
+          </a:p>
+          <a:p>
+            <a:r>
+              <a:rPr lang="en-GB">
+                <a:solidFill>
+                  <a:srgbClr val="FFFFFF"/>
+                </a:solidFill>
+              </a:rPr>
+              <a:t>Merkmale sowie Anwendungen </a:t>
+            </a:r>
+          </a:p>
+          <a:p>
+            <a:endParaRPr lang="en-GB">
+              <a:solidFill>
+                <a:srgbClr val="FFFFFF"/>
+              </a:solidFill>
+            </a:endParaRPr>
+          </a:p>
+          <a:p>
+            <a:endParaRPr lang="en-GB">
+              <a:solidFill>
+                <a:srgbClr val="FFFFFF"/>
+              </a:solidFill>
+            </a:endParaRPr>
+          </a:p>
+        </p:txBody>
+      </p:sp>
+    </p:spTree>
+    <p:extLst>
+      <p:ext uri="{BB962C8B-B14F-4D97-AF65-F5344CB8AC3E}">
+        <p14:creationId xmlns:p14="http://schemas.microsoft.com/office/powerpoint/2010/main" val="2997008456"/>
+      </p:ext>
+    </p:extLst>
+  </p:cSld>
+  <p:clrMapOvr>
+    <a:masterClrMapping/>
+  </p:clrMapOvr>
+</p:sld>
+</file>
+
+<file path=ppt/slides/slide3.xml><?xml version="1.0" encoding="utf-8"?>
+<p:sld xmlns:a="http://schemas.openxmlformats.org/drawingml/2006/main" xmlns:r="http://schemas.openxmlformats.org/officeDocument/2006/relationships" xmlns:p="http://schemas.openxmlformats.org/presentationml/2006/main">
+  <p:cSld>
+    <p:bg>
+      <p:bgPr>
+        <a:solidFill>
+          <a:schemeClr val="bg1"/>
+        </a:solidFill>
+        <a:effectLst/>
+      </p:bgPr>
+    </p:bg>
+    <p:spTree>
+      <p:nvGrpSpPr>
+        <p:cNvPr id="1" name=""/>
+        <p:cNvGrpSpPr/>
+        <p:nvPr/>
+      </p:nvGrpSpPr>
+      <p:grpSpPr>
+        <a:xfrm>
+          <a:off x="0" y="0"/>
+          <a:ext cx="0" cy="0"/>
+          <a:chOff x="0" y="0"/>
+          <a:chExt cx="0" cy="0"/>
+        </a:xfrm>
+      </p:grpSpPr>
+      <p:sp>
+        <p:nvSpPr>
+          <p:cNvPr id="20" name="Rectangle 19">
+            <a:extLst>
+              <a:ext uri="{FF2B5EF4-FFF2-40B4-BE49-F238E27FC236}">
+                <a16:creationId xmlns:a16="http://schemas.microsoft.com/office/drawing/2014/main" id="{B5CE8706-C904-73E3-C523-33027F7D3499}"/>
+              </a:ext>
+              <a:ext uri="{C183D7F6-B498-43B3-948B-1728B52AA6E4}">
+                <adec:decorative xmlns:adec="http://schemas.microsoft.com/office/drawing/2017/decorative" val="1"/>
+              </a:ext>
+            </a:extLst>
+          </p:cNvPr>
+          <p:cNvSpPr>
+            <a:spLocks noGrp="1" noRot="1" noChangeAspect="1" noMove="1" noResize="1" noEditPoints="1" noAdjustHandles="1" noChangeArrowheads="1" noChangeShapeType="1" noTextEdit="1"/>
+          </p:cNvSpPr>
+          <p:nvPr>
+            <p:extLst>
+              <p:ext uri="{386F3935-93C4-4BCD-93E2-E3B085C9AB24}">
+                <p16:designElem xmlns:p16="http://schemas.microsoft.com/office/powerpoint/2015/main" val="1"/>
+              </p:ext>
+            </p:extLst>
+          </p:nvPr>
+        </p:nvSpPr>
+        <p:spPr>
+          <a:xfrm>
+            <a:off x="0" y="0"/>
+            <a:ext cx="12192000" cy="6858000"/>
+          </a:xfrm>
+          <a:prstGeom prst="rect">
+            <a:avLst/>
+          </a:prstGeom>
+          <a:solidFill>
+            <a:schemeClr val="bg1"/>
+          </a:solidFill>
+          <a:ln w="12700" cap="flat" cmpd="sng" algn="ctr">
+            <a:noFill/>
+            <a:prstDash val="solid"/>
+            <a:miter lim="800000"/>
+          </a:ln>
+          <a:effectLst/>
+          <a:extLst>
+            <a:ext uri="{91240B29-F687-4F45-9708-019B960494DF}">
+              <a14:hiddenLine xmlns:a14="http://schemas.microsoft.com/office/drawing/2010/main" w="12700" cap="flat" cmpd="sng" algn="ctr">
+                <a:solidFill>
+                  <a:schemeClr val="accent1">
+                    <a:shade val="50000"/>
+                  </a:schemeClr>
+                </a:solidFill>
+                <a:prstDash val="solid"/>
+                <a:miter lim="800000"/>
+              </a14:hiddenLine>
+            </a:ext>
+          </a:extLst>
+        </p:spPr>
+        <p:style>
+          <a:lnRef idx="2">
+            <a:schemeClr val="accent1">
+              <a:shade val="50000"/>
+            </a:schemeClr>
+          </a:lnRef>
+          <a:fillRef idx="1">
+            <a:schemeClr val="accent1"/>
+          </a:fillRef>
+          <a:effectRef idx="0">
+            <a:schemeClr val="accent1"/>
+          </a:effectRef>
+          <a:fontRef idx="minor">
+            <a:schemeClr val="lt1"/>
+          </a:fontRef>
+        </p:style>
+        <p:txBody>
+          <a:bodyPr rtlCol="0" anchor="ctr"/>
+          <a:lstStyle/>
+          <a:p>
+            <a:pPr algn="ctr"/>
+            <a:endParaRPr lang="en-US"/>
+          </a:p>
+        </p:txBody>
+      </p:sp>
+      <p:sp>
+        <p:nvSpPr>
+          <p:cNvPr id="22" name="Rectangle 21">
+            <a:extLst>
+              <a:ext uri="{FF2B5EF4-FFF2-40B4-BE49-F238E27FC236}">
+                <a16:creationId xmlns:a16="http://schemas.microsoft.com/office/drawing/2014/main" id="{8753201B-432F-7A72-6FF6-CF0404210168}"/>
+              </a:ext>
+              <a:ext uri="{C183D7F6-B498-43B3-948B-1728B52AA6E4}">
+                <adec:decorative xmlns:adec="http://schemas.microsoft.com/office/drawing/2017/decorative" val="1"/>
+              </a:ext>
+            </a:extLst>
+          </p:cNvPr>
+          <p:cNvSpPr>
+            <a:spLocks noGrp="1" noRot="1" noChangeAspect="1" noMove="1" noResize="1" noEditPoints="1" noAdjustHandles="1" noChangeArrowheads="1" noChangeShapeType="1" noTextEdit="1"/>
+          </p:cNvSpPr>
+          <p:nvPr>
+            <p:extLst>
+              <p:ext uri="{386F3935-93C4-4BCD-93E2-E3B085C9AB24}">
+                <p16:designElem xmlns:p16="http://schemas.microsoft.com/office/powerpoint/2015/main" val="1"/>
+              </p:ext>
+            </p:extLst>
+          </p:nvPr>
+        </p:nvSpPr>
+        <p:spPr>
+          <a:xfrm>
+            <a:off x="0" y="0"/>
+            <a:ext cx="12192000" cy="6858000"/>
+          </a:xfrm>
+          <a:prstGeom prst="rect">
+            <a:avLst/>
+          </a:prstGeom>
+          <a:solidFill>
+            <a:srgbClr val="000000"/>
+          </a:solidFill>
+          <a:ln w="12700" cap="flat" cmpd="sng" algn="ctr">
+            <a:noFill/>
+            <a:prstDash val="solid"/>
+            <a:miter lim="800000"/>
+          </a:ln>
+          <a:effectLst/>
+        </p:spPr>
+        <p:style>
+          <a:lnRef idx="2">
+            <a:schemeClr val="accent1">
+              <a:shade val="50000"/>
+            </a:schemeClr>
+          </a:lnRef>
+          <a:fillRef idx="1">
+            <a:schemeClr val="accent1"/>
+          </a:fillRef>
+          <a:effectRef idx="0">
+            <a:schemeClr val="accent1"/>
+          </a:effectRef>
+          <a:fontRef idx="minor">
+            <a:schemeClr val="lt1"/>
+          </a:fontRef>
+        </p:style>
+        <p:txBody>
+          <a:bodyPr rtlCol="0" anchor="ctr"/>
+          <a:lstStyle/>
+          <a:p>
+            <a:pPr algn="ctr"/>
+            <a:endParaRPr lang="en-US"/>
+          </a:p>
+        </p:txBody>
+      </p:sp>
+      <p:pic>
+        <p:nvPicPr>
+          <p:cNvPr id="8" name="Grafik 7" descr="Ein Bild, das Waffe, draußen, Gewehr, Schusswaffe enthält.&#10;&#10;Automatisch generierte Beschreibung">
+            <a:extLst>
+              <a:ext uri="{FF2B5EF4-FFF2-40B4-BE49-F238E27FC236}">
+                <a16:creationId xmlns:a16="http://schemas.microsoft.com/office/drawing/2014/main" id="{B789AACF-B244-BB6A-5239-0FDEC5A72B9C}"/>
+              </a:ext>
+            </a:extLst>
+          </p:cNvPr>
+          <p:cNvPicPr>
+            <a:picLocks noChangeAspect="1"/>
+          </p:cNvPicPr>
+          <p:nvPr/>
+        </p:nvPicPr>
+        <p:blipFill rotWithShape="1">
+          <a:blip r:embed="rId2">
+            <a:alphaModFix amt="60000"/>
+            <a:extLst>
+              <a:ext uri="{28A0092B-C50C-407E-A947-70E740481C1C}">
+                <a14:useLocalDpi xmlns:a14="http://schemas.microsoft.com/office/drawing/2010/main" val="0"/>
+              </a:ext>
+            </a:extLst>
+          </a:blip>
+          <a:srcRect/>
+          <a:stretch/>
+        </p:blipFill>
+        <p:spPr>
+          <a:xfrm>
+            <a:off x="0" y="0"/>
+            <a:ext cx="12192000" cy="6858000"/>
+          </a:xfrm>
+          <a:prstGeom prst="rect">
+            <a:avLst/>
+          </a:prstGeom>
+        </p:spPr>
+      </p:pic>
+      <p:sp>
+        <p:nvSpPr>
+          <p:cNvPr id="18" name="Inhaltsplatzhalter 2">
+            <a:extLst>
+              <a:ext uri="{FF2B5EF4-FFF2-40B4-BE49-F238E27FC236}">
+                <a16:creationId xmlns:a16="http://schemas.microsoft.com/office/drawing/2014/main" id="{FCDAFEBF-9CE9-BFF5-DFD0-3A3067BA2258}"/>
+              </a:ext>
+            </a:extLst>
+          </p:cNvPr>
+          <p:cNvSpPr>
+            <a:spLocks noGrp="1"/>
+          </p:cNvSpPr>
+          <p:nvPr>
+            <p:ph idx="1"/>
+          </p:nvPr>
+        </p:nvSpPr>
+        <p:spPr>
+          <a:xfrm>
+            <a:off x="43543" y="0"/>
+            <a:ext cx="12322628" cy="6550782"/>
+          </a:xfrm>
+        </p:spPr>
+        <p:txBody>
+          <a:bodyPr>
+            <a:noAutofit/>
+          </a:bodyPr>
+          <a:lstStyle/>
+          <a:p>
+            <a:pPr marL="0" indent="0">
+              <a:buNone/>
+            </a:pPr>
+            <a:r>
+              <a:rPr lang="de-DE" sz="3200" b="1" dirty="0">
+                <a:solidFill>
+                  <a:schemeClr val="bg1"/>
+                </a:solidFill>
+                <a:effectLst>
+                  <a:outerShdw blurRad="38100" dist="38100" dir="2700000" algn="tl">
+                    <a:srgbClr val="000000">
+                      <a:alpha val="43137"/>
+                    </a:srgbClr>
+                  </a:outerShdw>
+                </a:effectLst>
+              </a:rPr>
+              <a:t>Militärroboter: Vor- und Nachteile sowie Auswirkungen</a:t>
+            </a:r>
+          </a:p>
+          <a:p>
+            <a:pPr marL="0" indent="0">
+              <a:buNone/>
+            </a:pPr>
+            <a:endParaRPr lang="de-DE" dirty="0">
+              <a:solidFill>
+                <a:schemeClr val="bg1"/>
+              </a:solidFill>
+              <a:effectLst>
+                <a:outerShdw blurRad="38100" dist="38100" dir="2700000" algn="tl">
+                  <a:srgbClr val="000000">
+                    <a:alpha val="43137"/>
+                  </a:srgbClr>
+                </a:outerShdw>
+              </a:effectLst>
+            </a:endParaRPr>
+          </a:p>
+          <a:p>
+            <a:pPr marL="0" indent="0">
+              <a:buNone/>
+            </a:pPr>
+            <a:endParaRPr lang="de-DE" dirty="0">
+              <a:solidFill>
+                <a:schemeClr val="bg1"/>
+              </a:solidFill>
+              <a:effectLst>
+                <a:outerShdw blurRad="38100" dist="38100" dir="2700000" algn="tl">
+                  <a:srgbClr val="000000">
+                    <a:alpha val="43137"/>
+                  </a:srgbClr>
+                </a:outerShdw>
+              </a:effectLst>
+            </a:endParaRPr>
+          </a:p>
+          <a:p>
+            <a:r>
+              <a:rPr lang="de-DE" i="1" dirty="0">
+                <a:solidFill>
+                  <a:schemeClr val="bg1"/>
+                </a:solidFill>
+                <a:effectLst>
+                  <a:outerShdw blurRad="38100" dist="38100" dir="2700000" algn="tl">
+                    <a:srgbClr val="000000">
+                      <a:alpha val="43137"/>
+                    </a:srgbClr>
+                  </a:outerShdw>
+                </a:effectLst>
+              </a:rPr>
+              <a:t>Vorteile:</a:t>
+            </a:r>
+            <a:endParaRPr lang="de-DE" dirty="0">
+              <a:solidFill>
+                <a:schemeClr val="bg1"/>
+              </a:solidFill>
+              <a:effectLst>
+                <a:outerShdw blurRad="38100" dist="38100" dir="2700000" algn="tl">
+                  <a:srgbClr val="000000">
+                    <a:alpha val="43137"/>
+                  </a:srgbClr>
+                </a:outerShdw>
+              </a:effectLst>
+            </a:endParaRPr>
+          </a:p>
+          <a:p>
+            <a:pPr>
+              <a:buFont typeface="+mj-lt"/>
+              <a:buAutoNum type="arabicPeriod"/>
+            </a:pPr>
+            <a:r>
+              <a:rPr lang="de-DE" b="1" dirty="0">
+                <a:solidFill>
+                  <a:schemeClr val="bg1"/>
+                </a:solidFill>
+                <a:effectLst>
+                  <a:outerShdw blurRad="38100" dist="38100" dir="2700000" algn="tl">
+                    <a:srgbClr val="000000">
+                      <a:alpha val="43137"/>
+                    </a:srgbClr>
+                  </a:outerShdw>
+                </a:effectLst>
+              </a:rPr>
+              <a:t>Reduzierung menschlicher Risiken</a:t>
+            </a:r>
+            <a:r>
+              <a:rPr lang="de-DE" dirty="0">
+                <a:solidFill>
+                  <a:schemeClr val="bg1"/>
+                </a:solidFill>
+                <a:effectLst>
+                  <a:outerShdw blurRad="38100" dist="38100" dir="2700000" algn="tl">
+                    <a:srgbClr val="000000">
+                      <a:alpha val="43137"/>
+                    </a:srgbClr>
+                  </a:outerShdw>
+                </a:effectLst>
+              </a:rPr>
+              <a:t>: Einsatz von Robotern für gefährliche Aufgaben schützt Soldaten vor direkter Bedrohung.</a:t>
+            </a:r>
+          </a:p>
+          <a:p>
+            <a:pPr>
+              <a:buFont typeface="+mj-lt"/>
+              <a:buAutoNum type="arabicPeriod"/>
+            </a:pPr>
+            <a:r>
+              <a:rPr lang="de-DE" b="1" dirty="0">
+                <a:solidFill>
+                  <a:schemeClr val="bg1"/>
+                </a:solidFill>
+                <a:effectLst>
+                  <a:outerShdw blurRad="38100" dist="38100" dir="2700000" algn="tl">
+                    <a:srgbClr val="000000">
+                      <a:alpha val="43137"/>
+                    </a:srgbClr>
+                  </a:outerShdw>
+                </a:effectLst>
+              </a:rPr>
+              <a:t>Präzision und Effektivität</a:t>
+            </a:r>
+            <a:r>
+              <a:rPr lang="de-DE" dirty="0">
+                <a:solidFill>
+                  <a:schemeClr val="bg1"/>
+                </a:solidFill>
+                <a:effectLst>
+                  <a:outerShdw blurRad="38100" dist="38100" dir="2700000" algn="tl">
+                    <a:srgbClr val="000000">
+                      <a:alpha val="43137"/>
+                    </a:srgbClr>
+                  </a:outerShdw>
+                </a:effectLst>
+              </a:rPr>
+              <a:t>: Roboter können Aufgaben mit höherer Genauigkeit und Effizienz ausführen als Menschen.</a:t>
+            </a:r>
+          </a:p>
+          <a:p>
+            <a:pPr>
+              <a:buFont typeface="+mj-lt"/>
+              <a:buAutoNum type="arabicPeriod"/>
+            </a:pPr>
+            <a:r>
+              <a:rPr lang="de-DE" b="1" dirty="0">
+                <a:solidFill>
+                  <a:schemeClr val="bg1"/>
+                </a:solidFill>
+                <a:effectLst>
+                  <a:outerShdw blurRad="38100" dist="38100" dir="2700000" algn="tl">
+                    <a:srgbClr val="000000">
+                      <a:alpha val="43137"/>
+                    </a:srgbClr>
+                  </a:outerShdw>
+                </a:effectLst>
+              </a:rPr>
+              <a:t>Permanente Einsatzbereitschaft</a:t>
+            </a:r>
+            <a:r>
+              <a:rPr lang="de-DE" dirty="0">
+                <a:solidFill>
+                  <a:schemeClr val="bg1"/>
+                </a:solidFill>
+                <a:effectLst>
+                  <a:outerShdw blurRad="38100" dist="38100" dir="2700000" algn="tl">
+                    <a:srgbClr val="000000">
+                      <a:alpha val="43137"/>
+                    </a:srgbClr>
+                  </a:outerShdw>
+                </a:effectLst>
+              </a:rPr>
+              <a:t>: Im Gegensatz zu menschlichen Soldaten sind Roboter unempfindlich gegenüber Erschöpfung und können kontinuierlich im Einsatz bleiben.</a:t>
+            </a:r>
+          </a:p>
+          <a:p>
+            <a:pPr>
+              <a:buFont typeface="+mj-lt"/>
+              <a:buAutoNum type="arabicPeriod"/>
+            </a:pPr>
+            <a:r>
+              <a:rPr lang="de-DE" b="1" dirty="0">
+                <a:solidFill>
+                  <a:schemeClr val="bg1"/>
+                </a:solidFill>
+                <a:effectLst>
+                  <a:outerShdw blurRad="38100" dist="38100" dir="2700000" algn="tl">
+                    <a:srgbClr val="000000">
+                      <a:alpha val="43137"/>
+                    </a:srgbClr>
+                  </a:outerShdw>
+                </a:effectLst>
+              </a:rPr>
+              <a:t>Skalierbarkeit</a:t>
+            </a:r>
+            <a:r>
+              <a:rPr lang="de-DE" dirty="0">
+                <a:solidFill>
+                  <a:schemeClr val="bg1"/>
+                </a:solidFill>
+                <a:effectLst>
+                  <a:outerShdw blurRad="38100" dist="38100" dir="2700000" algn="tl">
+                    <a:srgbClr val="000000">
+                      <a:alpha val="43137"/>
+                    </a:srgbClr>
+                  </a:outerShdw>
+                </a:effectLst>
+              </a:rPr>
+              <a:t>: Roboter können in großen Mengen hergestellt und eingesetzt werden, was eine schnelle Reaktion auf verschiedene Bedrohungen ermöglicht.</a:t>
+            </a:r>
+          </a:p>
+        </p:txBody>
+      </p:sp>
+    </p:spTree>
+    <p:extLst>
+      <p:ext uri="{BB962C8B-B14F-4D97-AF65-F5344CB8AC3E}">
+        <p14:creationId xmlns:p14="http://schemas.microsoft.com/office/powerpoint/2010/main" val="961893448"/>
+      </p:ext>
+    </p:extLst>
+  </p:cSld>
+  <p:clrMapOvr>
+    <a:masterClrMapping/>
+  </p:clrMapOvr>
+</p:sld>
+</file>
+
+<file path=ppt/slides/slide4.xml><?xml version="1.0" encoding="utf-8"?>
+<p:sld xmlns:a="http://schemas.openxmlformats.org/drawingml/2006/main" xmlns:r="http://schemas.openxmlformats.org/officeDocument/2006/relationships" xmlns:p="http://schemas.openxmlformats.org/presentationml/2006/main">
+  <p:cSld>
+    <p:bg>
+      <p:bgPr>
+        <a:solidFill>
+          <a:schemeClr val="bg1"/>
+        </a:solidFill>
+        <a:effectLst/>
+      </p:bgPr>
+    </p:bg>
+    <p:spTree>
+      <p:nvGrpSpPr>
+        <p:cNvPr id="1" name=""/>
+        <p:cNvGrpSpPr/>
+        <p:nvPr/>
+      </p:nvGrpSpPr>
+      <p:grpSpPr>
+        <a:xfrm>
+          <a:off x="0" y="0"/>
+          <a:ext cx="0" cy="0"/>
+          <a:chOff x="0" y="0"/>
+          <a:chExt cx="0" cy="0"/>
+        </a:xfrm>
+      </p:grpSpPr>
+      <p:sp>
+        <p:nvSpPr>
+          <p:cNvPr id="20" name="Rectangle 19">
+            <a:extLst>
+              <a:ext uri="{FF2B5EF4-FFF2-40B4-BE49-F238E27FC236}">
+                <a16:creationId xmlns:a16="http://schemas.microsoft.com/office/drawing/2014/main" id="{B5CE8706-C904-73E3-C523-33027F7D3499}"/>
+              </a:ext>
+              <a:ext uri="{C183D7F6-B498-43B3-948B-1728B52AA6E4}">
+                <adec:decorative xmlns:adec="http://schemas.microsoft.com/office/drawing/2017/decorative" val="1"/>
+              </a:ext>
+            </a:extLst>
+          </p:cNvPr>
+          <p:cNvSpPr>
+            <a:spLocks noGrp="1" noRot="1" noChangeAspect="1" noMove="1" noResize="1" noEditPoints="1" noAdjustHandles="1" noChangeArrowheads="1" noChangeShapeType="1" noTextEdit="1"/>
+          </p:cNvSpPr>
+          <p:nvPr>
+            <p:extLst>
+              <p:ext uri="{386F3935-93C4-4BCD-93E2-E3B085C9AB24}">
+                <p16:designElem xmlns:p16="http://schemas.microsoft.com/office/powerpoint/2015/main" val="1"/>
+              </p:ext>
+            </p:extLst>
+          </p:nvPr>
+        </p:nvSpPr>
+        <p:spPr>
+          <a:xfrm>
+            <a:off x="0" y="0"/>
+            <a:ext cx="12192000" cy="6858000"/>
+          </a:xfrm>
+          <a:prstGeom prst="rect">
+            <a:avLst/>
+          </a:prstGeom>
+          <a:solidFill>
+            <a:schemeClr val="bg1"/>
+          </a:solidFill>
+          <a:ln w="12700" cap="flat" cmpd="sng" algn="ctr">
+            <a:noFill/>
+            <a:prstDash val="solid"/>
+            <a:miter lim="800000"/>
+          </a:ln>
+          <a:effectLst/>
+          <a:extLst>
+            <a:ext uri="{91240B29-F687-4F45-9708-019B960494DF}">
+              <a14:hiddenLine xmlns:a14="http://schemas.microsoft.com/office/drawing/2010/main" w="12700" cap="flat" cmpd="sng" algn="ctr">
+                <a:solidFill>
+                  <a:schemeClr val="accent1">
+                    <a:shade val="50000"/>
+                  </a:schemeClr>
+                </a:solidFill>
+                <a:prstDash val="solid"/>
+                <a:miter lim="800000"/>
+              </a14:hiddenLine>
+            </a:ext>
+          </a:extLst>
+        </p:spPr>
+        <p:style>
+          <a:lnRef idx="2">
+            <a:schemeClr val="accent1">
+              <a:shade val="50000"/>
+            </a:schemeClr>
+          </a:lnRef>
+          <a:fillRef idx="1">
+            <a:schemeClr val="accent1"/>
+          </a:fillRef>
+          <a:effectRef idx="0">
+            <a:schemeClr val="accent1"/>
+          </a:effectRef>
+          <a:fontRef idx="minor">
+            <a:schemeClr val="lt1"/>
+          </a:fontRef>
+        </p:style>
+        <p:txBody>
+          <a:bodyPr rtlCol="0" anchor="ctr"/>
+          <a:lstStyle/>
+          <a:p>
+            <a:pPr algn="ctr"/>
+            <a:endParaRPr lang="en-US"/>
+          </a:p>
+        </p:txBody>
+      </p:sp>
+      <p:sp>
+        <p:nvSpPr>
+          <p:cNvPr id="22" name="Rectangle 21">
+            <a:extLst>
+              <a:ext uri="{FF2B5EF4-FFF2-40B4-BE49-F238E27FC236}">
+                <a16:creationId xmlns:a16="http://schemas.microsoft.com/office/drawing/2014/main" id="{8753201B-432F-7A72-6FF6-CF0404210168}"/>
+              </a:ext>
+              <a:ext uri="{C183D7F6-B498-43B3-948B-1728B52AA6E4}">
+                <adec:decorative xmlns:adec="http://schemas.microsoft.com/office/drawing/2017/decorative" val="1"/>
+              </a:ext>
+            </a:extLst>
+          </p:cNvPr>
+          <p:cNvSpPr>
+            <a:spLocks noGrp="1" noRot="1" noChangeAspect="1" noMove="1" noResize="1" noEditPoints="1" noAdjustHandles="1" noChangeArrowheads="1" noChangeShapeType="1" noTextEdit="1"/>
+          </p:cNvSpPr>
+          <p:nvPr>
+            <p:extLst>
+              <p:ext uri="{386F3935-93C4-4BCD-93E2-E3B085C9AB24}">
+                <p16:designElem xmlns:p16="http://schemas.microsoft.com/office/powerpoint/2015/main" val="1"/>
+              </p:ext>
+            </p:extLst>
+          </p:nvPr>
+        </p:nvSpPr>
+        <p:spPr>
+          <a:xfrm>
+            <a:off x="0" y="0"/>
+            <a:ext cx="12192000" cy="6858000"/>
+          </a:xfrm>
+          <a:prstGeom prst="rect">
+            <a:avLst/>
+          </a:prstGeom>
+          <a:solidFill>
+            <a:srgbClr val="000000"/>
+          </a:solidFill>
+          <a:ln w="12700" cap="flat" cmpd="sng" algn="ctr">
+            <a:noFill/>
+            <a:prstDash val="solid"/>
+            <a:miter lim="800000"/>
+          </a:ln>
+          <a:effectLst/>
+        </p:spPr>
+        <p:style>
+          <a:lnRef idx="2">
+            <a:schemeClr val="accent1">
+              <a:shade val="50000"/>
+            </a:schemeClr>
+          </a:lnRef>
+          <a:fillRef idx="1">
+            <a:schemeClr val="accent1"/>
+          </a:fillRef>
+          <a:effectRef idx="0">
+            <a:schemeClr val="accent1"/>
+          </a:effectRef>
+          <a:fontRef idx="minor">
+            <a:schemeClr val="lt1"/>
+          </a:fontRef>
+        </p:style>
+        <p:txBody>
+          <a:bodyPr rtlCol="0" anchor="ctr"/>
+          <a:lstStyle/>
+          <a:p>
+            <a:pPr algn="ctr"/>
+            <a:endParaRPr lang="en-US"/>
+          </a:p>
+        </p:txBody>
+      </p:sp>
+      <p:pic>
+        <p:nvPicPr>
+          <p:cNvPr id="8" name="Grafik 7" descr="Ein Bild, das Waffe, draußen, Gewehr, Schusswaffe enthält.&#10;&#10;Automatisch generierte Beschreibung">
+            <a:extLst>
+              <a:ext uri="{FF2B5EF4-FFF2-40B4-BE49-F238E27FC236}">
+                <a16:creationId xmlns:a16="http://schemas.microsoft.com/office/drawing/2014/main" id="{B789AACF-B244-BB6A-5239-0FDEC5A72B9C}"/>
+              </a:ext>
+            </a:extLst>
+          </p:cNvPr>
+          <p:cNvPicPr>
+            <a:picLocks noChangeAspect="1"/>
+          </p:cNvPicPr>
+          <p:nvPr/>
+        </p:nvPicPr>
+        <p:blipFill rotWithShape="1">
+          <a:blip r:embed="rId2">
+            <a:alphaModFix amt="60000"/>
+            <a:extLst>
+              <a:ext uri="{28A0092B-C50C-407E-A947-70E740481C1C}">
+                <a14:useLocalDpi xmlns:a14="http://schemas.microsoft.com/office/drawing/2010/main" val="0"/>
+              </a:ext>
+            </a:extLst>
+          </a:blip>
+          <a:srcRect/>
+          <a:stretch/>
+        </p:blipFill>
+        <p:spPr>
+          <a:xfrm>
+            <a:off x="0" y="0"/>
+            <a:ext cx="12192000" cy="6858000"/>
+          </a:xfrm>
+          <a:prstGeom prst="rect">
+            <a:avLst/>
+          </a:prstGeom>
+        </p:spPr>
+      </p:pic>
+      <p:sp>
+        <p:nvSpPr>
+          <p:cNvPr id="18" name="Inhaltsplatzhalter 2">
+            <a:extLst>
+              <a:ext uri="{FF2B5EF4-FFF2-40B4-BE49-F238E27FC236}">
+                <a16:creationId xmlns:a16="http://schemas.microsoft.com/office/drawing/2014/main" id="{FCDAFEBF-9CE9-BFF5-DFD0-3A3067BA2258}"/>
+              </a:ext>
+            </a:extLst>
+          </p:cNvPr>
+          <p:cNvSpPr>
+            <a:spLocks noGrp="1"/>
+          </p:cNvSpPr>
+          <p:nvPr>
+            <p:ph idx="1"/>
+          </p:nvPr>
+        </p:nvSpPr>
+        <p:spPr>
+          <a:xfrm>
+            <a:off x="43543" y="0"/>
+            <a:ext cx="12192000" cy="6550782"/>
+          </a:xfrm>
+        </p:spPr>
+        <p:txBody>
+          <a:bodyPr>
+            <a:noAutofit/>
+          </a:bodyPr>
+          <a:lstStyle/>
+          <a:p>
+            <a:pPr marL="0" indent="0">
+              <a:buNone/>
+            </a:pPr>
+            <a:r>
+              <a:rPr lang="de-DE" sz="3200" b="1" dirty="0">
+                <a:solidFill>
+                  <a:schemeClr val="bg1"/>
+                </a:solidFill>
+                <a:effectLst>
+                  <a:outerShdw blurRad="38100" dist="38100" dir="2700000" algn="tl">
+                    <a:srgbClr val="000000">
+                      <a:alpha val="43137"/>
+                    </a:srgbClr>
+                  </a:outerShdw>
+                </a:effectLst>
+              </a:rPr>
+              <a:t>Militärroboter: Vor- und Nachteile sowie Auswirkungen</a:t>
+            </a:r>
+            <a:endParaRPr lang="de-DE" sz="3200" dirty="0">
+              <a:solidFill>
+                <a:schemeClr val="bg1"/>
+              </a:solidFill>
+              <a:effectLst>
+                <a:outerShdw blurRad="38100" dist="38100" dir="2700000" algn="tl">
+                  <a:srgbClr val="000000">
+                    <a:alpha val="43137"/>
+                  </a:srgbClr>
+                </a:outerShdw>
+              </a:effectLst>
+            </a:endParaRPr>
+          </a:p>
+          <a:p>
+            <a:endParaRPr lang="de-DE" i="1" dirty="0">
+              <a:solidFill>
+                <a:schemeClr val="bg1"/>
+              </a:solidFill>
+              <a:effectLst>
+                <a:outerShdw blurRad="38100" dist="38100" dir="2700000" algn="tl">
+                  <a:srgbClr val="000000">
+                    <a:alpha val="43137"/>
+                  </a:srgbClr>
+                </a:outerShdw>
+              </a:effectLst>
+            </a:endParaRPr>
+          </a:p>
+          <a:p>
+            <a:endParaRPr lang="de-DE" i="1" dirty="0">
+              <a:solidFill>
+                <a:schemeClr val="bg1"/>
+              </a:solidFill>
+              <a:effectLst>
+                <a:outerShdw blurRad="38100" dist="38100" dir="2700000" algn="tl">
+                  <a:srgbClr val="000000">
+                    <a:alpha val="43137"/>
+                  </a:srgbClr>
+                </a:outerShdw>
+              </a:effectLst>
+            </a:endParaRPr>
+          </a:p>
+          <a:p>
+            <a:r>
+              <a:rPr lang="de-DE" i="1" dirty="0">
+                <a:solidFill>
+                  <a:schemeClr val="bg1"/>
+                </a:solidFill>
+                <a:effectLst>
+                  <a:outerShdw blurRad="38100" dist="38100" dir="2700000" algn="tl">
+                    <a:srgbClr val="000000">
+                      <a:alpha val="43137"/>
+                    </a:srgbClr>
+                  </a:outerShdw>
+                </a:effectLst>
+              </a:rPr>
+              <a:t>Nachteile:</a:t>
+            </a:r>
+            <a:endParaRPr lang="de-DE" dirty="0">
+              <a:solidFill>
+                <a:schemeClr val="bg1"/>
+              </a:solidFill>
+              <a:effectLst>
+                <a:outerShdw blurRad="38100" dist="38100" dir="2700000" algn="tl">
+                  <a:srgbClr val="000000">
+                    <a:alpha val="43137"/>
+                  </a:srgbClr>
+                </a:outerShdw>
+              </a:effectLst>
+            </a:endParaRPr>
+          </a:p>
+          <a:p>
+            <a:pPr>
+              <a:buFont typeface="+mj-lt"/>
+              <a:buAutoNum type="arabicPeriod"/>
+            </a:pPr>
+            <a:r>
+              <a:rPr lang="de-DE" b="1" dirty="0">
+                <a:solidFill>
+                  <a:schemeClr val="bg1"/>
+                </a:solidFill>
+                <a:effectLst>
+                  <a:outerShdw blurRad="38100" dist="38100" dir="2700000" algn="tl">
+                    <a:srgbClr val="000000">
+                      <a:alpha val="43137"/>
+                    </a:srgbClr>
+                  </a:outerShdw>
+                </a:effectLst>
+              </a:rPr>
+              <a:t>Ethik und Rechtsfragen</a:t>
+            </a:r>
+            <a:r>
+              <a:rPr lang="de-DE" dirty="0">
+                <a:solidFill>
+                  <a:schemeClr val="bg1"/>
+                </a:solidFill>
+                <a:effectLst>
+                  <a:outerShdw blurRad="38100" dist="38100" dir="2700000" algn="tl">
+                    <a:srgbClr val="000000">
+                      <a:alpha val="43137"/>
+                    </a:srgbClr>
+                  </a:outerShdw>
+                </a:effectLst>
+              </a:rPr>
+              <a:t>: Die Verwendung von autonomen Waffensystemen wirft Fragen hinsichtlich ethischer Standards und internationaler Gesetze auf.</a:t>
+            </a:r>
+          </a:p>
+          <a:p>
+            <a:pPr>
+              <a:buFont typeface="+mj-lt"/>
+              <a:buAutoNum type="arabicPeriod"/>
+            </a:pPr>
+            <a:r>
+              <a:rPr lang="de-DE" b="1" dirty="0">
+                <a:solidFill>
+                  <a:schemeClr val="bg1"/>
+                </a:solidFill>
+                <a:effectLst>
+                  <a:outerShdw blurRad="38100" dist="38100" dir="2700000" algn="tl">
+                    <a:srgbClr val="000000">
+                      <a:alpha val="43137"/>
+                    </a:srgbClr>
+                  </a:outerShdw>
+                </a:effectLst>
+              </a:rPr>
+              <a:t>Fehlende Empathie und Unterscheidungsvermögen</a:t>
+            </a:r>
+            <a:r>
+              <a:rPr lang="de-DE" dirty="0">
+                <a:solidFill>
+                  <a:schemeClr val="bg1"/>
+                </a:solidFill>
+                <a:effectLst>
+                  <a:outerShdw blurRad="38100" dist="38100" dir="2700000" algn="tl">
+                    <a:srgbClr val="000000">
+                      <a:alpha val="43137"/>
+                    </a:srgbClr>
+                  </a:outerShdw>
+                </a:effectLst>
+              </a:rPr>
+              <a:t>: Roboter fehlt die menschliche Fähigkeit zur Empathie und zum Erkennen komplexer Situationen.</a:t>
+            </a:r>
+          </a:p>
+          <a:p>
+            <a:pPr>
+              <a:buFont typeface="+mj-lt"/>
+              <a:buAutoNum type="arabicPeriod"/>
+            </a:pPr>
+            <a:r>
+              <a:rPr lang="de-DE" b="1" dirty="0">
+                <a:solidFill>
+                  <a:schemeClr val="bg1"/>
+                </a:solidFill>
+                <a:effectLst>
+                  <a:outerShdw blurRad="38100" dist="38100" dir="2700000" algn="tl">
+                    <a:srgbClr val="000000">
+                      <a:alpha val="43137"/>
+                    </a:srgbClr>
+                  </a:outerShdw>
+                </a:effectLst>
+              </a:rPr>
+              <a:t>Abhängigkeit von Technologie</a:t>
+            </a:r>
+            <a:r>
+              <a:rPr lang="de-DE" dirty="0">
+                <a:solidFill>
+                  <a:schemeClr val="bg1"/>
+                </a:solidFill>
+                <a:effectLst>
+                  <a:outerShdw blurRad="38100" dist="38100" dir="2700000" algn="tl">
+                    <a:srgbClr val="000000">
+                      <a:alpha val="43137"/>
+                    </a:srgbClr>
+                  </a:outerShdw>
+                </a:effectLst>
+              </a:rPr>
+              <a:t>: Ein verstärkter Einsatz von Militärrobotern könnte zu einer übermäßigen Abhängigkeit von Technologie führen, was die Verwundbarkeit gegenüber Cyberangriffen erhöht.</a:t>
+            </a:r>
+          </a:p>
+          <a:p>
+            <a:pPr>
+              <a:buFont typeface="+mj-lt"/>
+              <a:buAutoNum type="arabicPeriod"/>
+            </a:pPr>
+            <a:r>
+              <a:rPr lang="de-DE" b="1" dirty="0">
+                <a:solidFill>
+                  <a:schemeClr val="bg1"/>
+                </a:solidFill>
+                <a:effectLst>
+                  <a:outerShdw blurRad="38100" dist="38100" dir="2700000" algn="tl">
+                    <a:srgbClr val="000000">
+                      <a:alpha val="43137"/>
+                    </a:srgbClr>
+                  </a:outerShdw>
+                </a:effectLst>
+              </a:rPr>
+              <a:t>Verlust menschlicher Arbeitsplätze</a:t>
+            </a:r>
+            <a:r>
+              <a:rPr lang="de-DE" dirty="0">
+                <a:solidFill>
+                  <a:schemeClr val="bg1"/>
+                </a:solidFill>
+                <a:effectLst>
+                  <a:outerShdw blurRad="38100" dist="38100" dir="2700000" algn="tl">
+                    <a:srgbClr val="000000">
+                      <a:alpha val="43137"/>
+                    </a:srgbClr>
+                  </a:outerShdw>
+                </a:effectLst>
+              </a:rPr>
+              <a:t>: Die Automatisierung von militärischen Aufgaben könnte zu einem Verlust von Arbeitsplätzen für Soldaten führen.</a:t>
+            </a:r>
+          </a:p>
+        </p:txBody>
+      </p:sp>
+    </p:spTree>
+    <p:extLst>
+      <p:ext uri="{BB962C8B-B14F-4D97-AF65-F5344CB8AC3E}">
+        <p14:creationId xmlns:p14="http://schemas.microsoft.com/office/powerpoint/2010/main" val="1799763501"/>
+      </p:ext>
+    </p:extLst>
+  </p:cSld>
+  <p:clrMapOvr>
+    <a:masterClrMapping/>
+  </p:clrMapOvr>
+</p:sld>
+</file>
+
+<file path=ppt/slides/slide5.xml><?xml version="1.0" encoding="utf-8"?>
+<p:sld xmlns:a="http://schemas.openxmlformats.org/drawingml/2006/main" xmlns:r="http://schemas.openxmlformats.org/officeDocument/2006/relationships" xmlns:p="http://schemas.openxmlformats.org/presentationml/2006/main">
+  <p:cSld>
+    <p:bg>
+      <p:bgPr>
+        <a:solidFill>
+          <a:schemeClr val="bg1"/>
+        </a:solidFill>
+        <a:effectLst/>
+      </p:bgPr>
+    </p:bg>
+    <p:spTree>
+      <p:nvGrpSpPr>
+        <p:cNvPr id="1" name="">
+          <a:extLst>
+            <a:ext uri="{FF2B5EF4-FFF2-40B4-BE49-F238E27FC236}">
+              <a16:creationId xmlns:a16="http://schemas.microsoft.com/office/drawing/2014/main" id="{328488EB-0228-CBBA-25BC-0E8455A90951}"/>
+            </a:ext>
+          </a:extLst>
+        </p:cNvPr>
+        <p:cNvGrpSpPr/>
+        <p:nvPr/>
+      </p:nvGrpSpPr>
+      <p:grpSpPr>
+        <a:xfrm>
+          <a:off x="0" y="0"/>
+          <a:ext cx="0" cy="0"/>
+          <a:chOff x="0" y="0"/>
+          <a:chExt cx="0" cy="0"/>
+        </a:xfrm>
+      </p:grpSpPr>
+      <p:sp>
+        <p:nvSpPr>
+          <p:cNvPr id="27" name="Rectangle 26">
+            <a:extLst>
+              <a:ext uri="{FF2B5EF4-FFF2-40B4-BE49-F238E27FC236}">
+                <a16:creationId xmlns:a16="http://schemas.microsoft.com/office/drawing/2014/main" id="{B5CE8706-C904-73E3-C523-33027F7D3499}"/>
+              </a:ext>
+              <a:ext uri="{C183D7F6-B498-43B3-948B-1728B52AA6E4}">
+                <adec:decorative xmlns:adec="http://schemas.microsoft.com/office/drawing/2017/decorative" val="1"/>
+              </a:ext>
+            </a:extLst>
+          </p:cNvPr>
+          <p:cNvSpPr>
+            <a:spLocks noGrp="1" noRot="1" noChangeAspect="1" noMove="1" noResize="1" noEditPoints="1" noAdjustHandles="1" noChangeArrowheads="1" noChangeShapeType="1" noTextEdit="1"/>
+          </p:cNvSpPr>
+          <p:nvPr>
+            <p:extLst>
+              <p:ext uri="{386F3935-93C4-4BCD-93E2-E3B085C9AB24}">
+                <p16:designElem xmlns:p16="http://schemas.microsoft.com/office/powerpoint/2015/main" val="1"/>
+              </p:ext>
+            </p:extLst>
+          </p:nvPr>
+        </p:nvSpPr>
+        <p:spPr>
+          <a:xfrm>
+            <a:off x="0" y="0"/>
+            <a:ext cx="12192000" cy="6858000"/>
+          </a:xfrm>
+          <a:prstGeom prst="rect">
+            <a:avLst/>
+          </a:prstGeom>
+          <a:solidFill>
+            <a:schemeClr val="bg1"/>
+          </a:solidFill>
+          <a:ln w="12700" cap="flat" cmpd="sng" algn="ctr">
+            <a:noFill/>
+            <a:prstDash val="solid"/>
+            <a:miter lim="800000"/>
+          </a:ln>
+          <a:effectLst/>
+          <a:extLst>
+            <a:ext uri="{91240B29-F687-4F45-9708-019B960494DF}">
+              <a14:hiddenLine xmlns:a14="http://schemas.microsoft.com/office/drawing/2010/main" w="12700" cap="flat" cmpd="sng" algn="ctr">
+                <a:solidFill>
+                  <a:schemeClr val="accent1">
+                    <a:shade val="50000"/>
+                  </a:schemeClr>
+                </a:solidFill>
+                <a:prstDash val="solid"/>
+                <a:miter lim="800000"/>
+              </a14:hiddenLine>
+            </a:ext>
+          </a:extLst>
+        </p:spPr>
+        <p:style>
+          <a:lnRef idx="2">
+            <a:schemeClr val="accent1">
+              <a:shade val="50000"/>
+            </a:schemeClr>
+          </a:lnRef>
+          <a:fillRef idx="1">
+            <a:schemeClr val="accent1"/>
+          </a:fillRef>
+          <a:effectRef idx="0">
+            <a:schemeClr val="accent1"/>
+          </a:effectRef>
+          <a:fontRef idx="minor">
+            <a:schemeClr val="lt1"/>
+          </a:fontRef>
+        </p:style>
+        <p:txBody>
+          <a:bodyPr rtlCol="0" anchor="ctr"/>
+          <a:lstStyle/>
+          <a:p>
+            <a:pPr algn="ctr"/>
+            <a:endParaRPr lang="en-US"/>
+          </a:p>
+        </p:txBody>
+      </p:sp>
+      <p:sp>
+        <p:nvSpPr>
+          <p:cNvPr id="29" name="Rectangle 28">
+            <a:extLst>
+              <a:ext uri="{FF2B5EF4-FFF2-40B4-BE49-F238E27FC236}">
+                <a16:creationId xmlns:a16="http://schemas.microsoft.com/office/drawing/2014/main" id="{8753201B-432F-7A72-6FF6-CF0404210168}"/>
+              </a:ext>
+              <a:ext uri="{C183D7F6-B498-43B3-948B-1728B52AA6E4}">
+                <adec:decorative xmlns:adec="http://schemas.microsoft.com/office/drawing/2017/decorative" val="1"/>
+              </a:ext>
+            </a:extLst>
+          </p:cNvPr>
+          <p:cNvSpPr>
+            <a:spLocks noGrp="1" noRot="1" noChangeAspect="1" noMove="1" noResize="1" noEditPoints="1" noAdjustHandles="1" noChangeArrowheads="1" noChangeShapeType="1" noTextEdit="1"/>
+          </p:cNvSpPr>
+          <p:nvPr>
+            <p:extLst>
+              <p:ext uri="{386F3935-93C4-4BCD-93E2-E3B085C9AB24}">
+                <p16:designElem xmlns:p16="http://schemas.microsoft.com/office/powerpoint/2015/main" val="1"/>
+              </p:ext>
+            </p:extLst>
+          </p:nvPr>
+        </p:nvSpPr>
+        <p:spPr>
+          <a:xfrm>
+            <a:off x="0" y="0"/>
+            <a:ext cx="12192000" cy="6858000"/>
+          </a:xfrm>
+          <a:prstGeom prst="rect">
+            <a:avLst/>
+          </a:prstGeom>
+          <a:solidFill>
+            <a:srgbClr val="000000"/>
+          </a:solidFill>
+          <a:ln w="12700" cap="flat" cmpd="sng" algn="ctr">
+            <a:noFill/>
+            <a:prstDash val="solid"/>
+            <a:miter lim="800000"/>
+          </a:ln>
+          <a:effectLst/>
+        </p:spPr>
+        <p:style>
+          <a:lnRef idx="2">
+            <a:schemeClr val="accent1">
+              <a:shade val="50000"/>
+            </a:schemeClr>
+          </a:lnRef>
+          <a:fillRef idx="1">
+            <a:schemeClr val="accent1"/>
+          </a:fillRef>
+          <a:effectRef idx="0">
+            <a:schemeClr val="accent1"/>
+          </a:effectRef>
+          <a:fontRef idx="minor">
+            <a:schemeClr val="lt1"/>
+          </a:fontRef>
+        </p:style>
+        <p:txBody>
+          <a:bodyPr rtlCol="0" anchor="ctr"/>
+          <a:lstStyle/>
+          <a:p>
+            <a:pPr algn="ctr"/>
+            <a:endParaRPr lang="en-US"/>
+          </a:p>
+        </p:txBody>
+      </p:sp>
+      <p:pic>
+        <p:nvPicPr>
+          <p:cNvPr id="8" name="Grafik 7" descr="Ein Bild, das Waffe, draußen, Gewehr, Schusswaffe enthält.&#10;&#10;Automatisch generierte Beschreibung">
+            <a:extLst>
+              <a:ext uri="{FF2B5EF4-FFF2-40B4-BE49-F238E27FC236}">
+                <a16:creationId xmlns:a16="http://schemas.microsoft.com/office/drawing/2014/main" id="{C96E1724-5F51-5510-0844-2A2AC4FC9E25}"/>
+              </a:ext>
+            </a:extLst>
+          </p:cNvPr>
+          <p:cNvPicPr>
+            <a:picLocks noChangeAspect="1"/>
+          </p:cNvPicPr>
+          <p:nvPr/>
+        </p:nvPicPr>
+        <p:blipFill rotWithShape="1">
+          <a:blip r:embed="rId2">
+            <a:alphaModFix amt="60000"/>
+            <a:extLst>
+              <a:ext uri="{28A0092B-C50C-407E-A947-70E740481C1C}">
+                <a14:useLocalDpi xmlns:a14="http://schemas.microsoft.com/office/drawing/2010/main" val="0"/>
+              </a:ext>
+            </a:extLst>
+          </a:blip>
+          <a:srcRect/>
+          <a:stretch/>
+        </p:blipFill>
+        <p:spPr>
+          <a:xfrm>
+            <a:off x="0" y="0"/>
+            <a:ext cx="12192000" cy="6858000"/>
+          </a:xfrm>
+          <a:prstGeom prst="rect">
+            <a:avLst/>
+          </a:prstGeom>
+        </p:spPr>
+      </p:pic>
+      <p:sp>
+        <p:nvSpPr>
+          <p:cNvPr id="21" name="Inhaltsplatzhalter 2">
+            <a:extLst>
+              <a:ext uri="{FF2B5EF4-FFF2-40B4-BE49-F238E27FC236}">
+                <a16:creationId xmlns:a16="http://schemas.microsoft.com/office/drawing/2014/main" id="{DC1250BA-528A-8279-42CA-117641684F64}"/>
+              </a:ext>
+            </a:extLst>
+          </p:cNvPr>
+          <p:cNvSpPr txBox="1">
+            <a:spLocks/>
+          </p:cNvSpPr>
+          <p:nvPr/>
+        </p:nvSpPr>
+        <p:spPr>
+          <a:xfrm>
+            <a:off x="87086" y="149982"/>
+            <a:ext cx="12008152" cy="6531428"/>
+          </a:xfrm>
+          <a:prstGeom prst="rect">
+            <a:avLst/>
+          </a:prstGeom>
+        </p:spPr>
+        <p:txBody>
+          <a:bodyPr vert="horz" lIns="91440" tIns="45720" rIns="91440" bIns="45720" rtlCol="0">
+            <a:normAutofit/>
+          </a:bodyPr>
+          <a:lstStyle>
+            <a:lvl1pPr marL="228600" indent="-228600" algn="l" defTabSz="914400" rtl="0" eaLnBrk="1" latinLnBrk="0" hangingPunct="1">
+              <a:lnSpc>
+                <a:spcPct val="120000"/>
+              </a:lnSpc>
+              <a:spcBef>
+                <a:spcPts val="1000"/>
+              </a:spcBef>
+              <a:buFont typeface="Arial" panose="020B0604020202020204" pitchFamily="34" charset="0"/>
+              <a:buChar char="•"/>
+              <a:defRPr sz="1800" kern="1200">
+                <a:solidFill>
+                  <a:schemeClr val="tx1"/>
+                </a:solidFill>
+                <a:latin typeface="+mn-lt"/>
+                <a:ea typeface="+mn-ea"/>
+                <a:cs typeface="+mn-cs"/>
+              </a:defRPr>
+            </a:lvl1pPr>
+            <a:lvl2pPr marL="548640" indent="-228600" algn="l" defTabSz="914400" rtl="0" eaLnBrk="1" latinLnBrk="0" hangingPunct="1">
+              <a:lnSpc>
+                <a:spcPct val="120000"/>
+              </a:lnSpc>
+              <a:spcBef>
+                <a:spcPts val="500"/>
+              </a:spcBef>
+              <a:buFont typeface="Neue Haas Grotesk Text Pro" panose="020B0504020202020204" pitchFamily="34" charset="0"/>
+              <a:buChar char="–"/>
+              <a:defRPr sz="1600" kern="1200">
+                <a:solidFill>
+                  <a:schemeClr val="tx1"/>
+                </a:solidFill>
+                <a:latin typeface="+mn-lt"/>
+                <a:ea typeface="+mn-ea"/>
+                <a:cs typeface="+mn-cs"/>
+              </a:defRPr>
+            </a:lvl2pPr>
+            <a:lvl3pPr marL="777240" indent="-228600" algn="l" defTabSz="914400" rtl="0" eaLnBrk="1" latinLnBrk="0" hangingPunct="1">
+              <a:lnSpc>
+                <a:spcPct val="120000"/>
+              </a:lnSpc>
+              <a:spcBef>
+                <a:spcPts val="500"/>
+              </a:spcBef>
+              <a:buFont typeface="Arial" panose="020B0604020202020204" pitchFamily="34" charset="0"/>
+              <a:buChar char="•"/>
+              <a:defRPr sz="1400" kern="1200">
+                <a:solidFill>
+                  <a:schemeClr val="tx1"/>
+                </a:solidFill>
+                <a:latin typeface="+mn-lt"/>
+                <a:ea typeface="+mn-ea"/>
+                <a:cs typeface="+mn-cs"/>
+              </a:defRPr>
+            </a:lvl3pPr>
+            <a:lvl4pPr marL="914400" indent="-228600" algn="l" defTabSz="914400" rtl="0" eaLnBrk="1" latinLnBrk="0" hangingPunct="1">
+              <a:lnSpc>
+                <a:spcPct val="120000"/>
+              </a:lnSpc>
+              <a:spcBef>
+                <a:spcPts val="500"/>
+              </a:spcBef>
+              <a:buFont typeface="Neue Haas Grotesk Text Pro" panose="020B0504020202020204" pitchFamily="34" charset="0"/>
+              <a:buChar char="–"/>
+              <a:defRPr sz="1200" kern="1200">
+                <a:solidFill>
+                  <a:schemeClr val="tx1"/>
+                </a:solidFill>
+                <a:latin typeface="+mn-lt"/>
+                <a:ea typeface="+mn-ea"/>
+                <a:cs typeface="+mn-cs"/>
+              </a:defRPr>
+            </a:lvl4pPr>
+            <a:lvl5pPr marL="1097280" indent="-228600" algn="l" defTabSz="914400" rtl="0" eaLnBrk="1" latinLnBrk="0" hangingPunct="1">
+              <a:lnSpc>
+                <a:spcPct val="120000"/>
+              </a:lnSpc>
+              <a:spcBef>
+                <a:spcPts val="500"/>
+              </a:spcBef>
+              <a:buFont typeface="Arial" panose="020B0604020202020204" pitchFamily="34" charset="0"/>
+              <a:buChar char="•"/>
+              <a:defRPr sz="1200" kern="1200">
+                <a:solidFill>
+                  <a:schemeClr val="tx1"/>
+                </a:solidFill>
+                <a:latin typeface="+mn-lt"/>
+                <a:ea typeface="+mn-ea"/>
+                <a:cs typeface="+mn-cs"/>
+              </a:defRPr>
+            </a:lvl5pPr>
+            <a:lvl6pPr marL="2514600" indent="-228600" algn="l" defTabSz="914400" rtl="0" eaLnBrk="1" latinLnBrk="0" hangingPunct="1">
+              <a:lnSpc>
+                <a:spcPct val="90000"/>
+              </a:lnSpc>
+              <a:spcBef>
+                <a:spcPts val="500"/>
+              </a:spcBef>
+              <a:buFont typeface="Arial" panose="020B0604020202020204" pitchFamily="34" charset="0"/>
+              <a:buChar char="•"/>
+              <a:defRPr sz="1800" kern="1200">
+                <a:solidFill>
+                  <a:schemeClr val="tx1"/>
+                </a:solidFill>
+                <a:latin typeface="+mn-lt"/>
+                <a:ea typeface="+mn-ea"/>
+                <a:cs typeface="+mn-cs"/>
+              </a:defRPr>
+            </a:lvl6pPr>
+            <a:lvl7pPr marL="2971800" indent="-228600" algn="l" defTabSz="914400" rtl="0" eaLnBrk="1" latinLnBrk="0" hangingPunct="1">
+              <a:lnSpc>
+                <a:spcPct val="90000"/>
+              </a:lnSpc>
+              <a:spcBef>
+                <a:spcPts val="500"/>
+              </a:spcBef>
+              <a:buFont typeface="Arial" panose="020B0604020202020204" pitchFamily="34" charset="0"/>
+              <a:buChar char="•"/>
+              <a:defRPr sz="1800" kern="1200">
+                <a:solidFill>
+                  <a:schemeClr val="tx1"/>
+                </a:solidFill>
+                <a:latin typeface="+mn-lt"/>
+                <a:ea typeface="+mn-ea"/>
+                <a:cs typeface="+mn-cs"/>
+              </a:defRPr>
+            </a:lvl7pPr>
+            <a:lvl8pPr marL="3429000" indent="-228600" algn="l" defTabSz="914400" rtl="0" eaLnBrk="1" latinLnBrk="0" hangingPunct="1">
+              <a:lnSpc>
+                <a:spcPct val="90000"/>
+              </a:lnSpc>
+              <a:spcBef>
+                <a:spcPts val="500"/>
+              </a:spcBef>
+              <a:buFont typeface="Arial" panose="020B0604020202020204" pitchFamily="34" charset="0"/>
+              <a:buChar char="•"/>
+              <a:defRPr sz="1800" kern="1200">
+                <a:solidFill>
+                  <a:schemeClr val="tx1"/>
+                </a:solidFill>
+                <a:latin typeface="+mn-lt"/>
+                <a:ea typeface="+mn-ea"/>
+                <a:cs typeface="+mn-cs"/>
+              </a:defRPr>
+            </a:lvl8pPr>
+            <a:lvl9pPr marL="3886200" indent="-228600" algn="l" defTabSz="914400" rtl="0" eaLnBrk="1" latinLnBrk="0" hangingPunct="1">
+              <a:lnSpc>
+                <a:spcPct val="90000"/>
+              </a:lnSpc>
+              <a:spcBef>
+                <a:spcPts val="500"/>
+              </a:spcBef>
+              <a:buFont typeface="Arial" panose="020B0604020202020204" pitchFamily="34" charset="0"/>
+              <a:buChar char="•"/>
+              <a:defRPr sz="1800" kern="1200">
+                <a:solidFill>
+                  <a:schemeClr val="tx1"/>
+                </a:solidFill>
+                <a:latin typeface="+mn-lt"/>
+                <a:ea typeface="+mn-ea"/>
+                <a:cs typeface="+mn-cs"/>
+              </a:defRPr>
+            </a:lvl9pPr>
+          </a:lstStyle>
+          <a:p>
+            <a:pPr marL="0" indent="0">
+              <a:lnSpc>
+                <a:spcPct val="110000"/>
+              </a:lnSpc>
+              <a:spcBef>
+                <a:spcPts val="1000"/>
+              </a:spcBef>
+              <a:spcAft>
+                <a:spcPts val="0"/>
+              </a:spcAft>
+              <a:buClrTx/>
+              <a:buSzPts val="1200"/>
+              <a:buNone/>
+            </a:pPr>
+            <a:r>
+              <a:rPr lang="en-US" sz="3200" b="1" i="1" dirty="0" err="1">
+                <a:solidFill>
+                  <a:srgbClr val="FFFFFF"/>
+                </a:solidFill>
+                <a:effectLst>
+                  <a:outerShdw blurRad="38100" dist="38100" dir="2700000" algn="tl">
+                    <a:srgbClr val="000000">
+                      <a:alpha val="43137"/>
+                    </a:srgbClr>
+                  </a:outerShdw>
+                </a:effectLst>
+              </a:rPr>
+              <a:t>Auswirkungen</a:t>
+            </a:r>
+            <a:r>
+              <a:rPr lang="en-US" sz="3200" b="1" i="1" dirty="0">
+                <a:solidFill>
+                  <a:srgbClr val="FFFFFF"/>
+                </a:solidFill>
+                <a:effectLst>
+                  <a:outerShdw blurRad="38100" dist="38100" dir="2700000" algn="tl">
+                    <a:srgbClr val="000000">
+                      <a:alpha val="43137"/>
+                    </a:srgbClr>
+                  </a:outerShdw>
+                </a:effectLst>
+              </a:rPr>
+              <a:t>:</a:t>
+            </a:r>
+            <a:endParaRPr lang="en-US" sz="3200" b="1" dirty="0">
+              <a:solidFill>
+                <a:srgbClr val="FFFFFF"/>
+              </a:solidFill>
+              <a:effectLst>
+                <a:outerShdw blurRad="38100" dist="38100" dir="2700000" algn="tl">
+                  <a:srgbClr val="000000">
+                    <a:alpha val="43137"/>
+                  </a:srgbClr>
+                </a:outerShdw>
+              </a:effectLst>
+            </a:endParaRPr>
+          </a:p>
+          <a:p>
+            <a:pPr marL="228600">
+              <a:lnSpc>
+                <a:spcPct val="110000"/>
+              </a:lnSpc>
+              <a:spcBef>
+                <a:spcPts val="1000"/>
+              </a:spcBef>
+              <a:spcAft>
+                <a:spcPts val="0"/>
+              </a:spcAft>
+            </a:pPr>
+            <a:r>
+              <a:rPr lang="en-US" b="1" dirty="0" err="1">
+                <a:solidFill>
+                  <a:srgbClr val="FFFFFF"/>
+                </a:solidFill>
+                <a:effectLst>
+                  <a:outerShdw blurRad="38100" dist="38100" dir="2700000" algn="tl">
+                    <a:srgbClr val="000000">
+                      <a:alpha val="43137"/>
+                    </a:srgbClr>
+                  </a:outerShdw>
+                </a:effectLst>
+              </a:rPr>
+              <a:t>Arbeitsplatzverluste</a:t>
+            </a:r>
+            <a:r>
+              <a:rPr lang="en-US" b="1" dirty="0">
+                <a:solidFill>
+                  <a:srgbClr val="FFFFFF"/>
+                </a:solidFill>
+                <a:effectLst>
+                  <a:outerShdw blurRad="38100" dist="38100" dir="2700000" algn="tl">
+                    <a:srgbClr val="000000">
+                      <a:alpha val="43137"/>
+                    </a:srgbClr>
+                  </a:outerShdw>
+                </a:effectLst>
+              </a:rPr>
+              <a:t> und </a:t>
+            </a:r>
+            <a:r>
+              <a:rPr lang="en-US" b="1" dirty="0" err="1">
+                <a:solidFill>
+                  <a:srgbClr val="FFFFFF"/>
+                </a:solidFill>
+                <a:effectLst>
+                  <a:outerShdw blurRad="38100" dist="38100" dir="2700000" algn="tl">
+                    <a:srgbClr val="000000">
+                      <a:alpha val="43137"/>
+                    </a:srgbClr>
+                  </a:outerShdw>
+                </a:effectLst>
+              </a:rPr>
+              <a:t>Strukturwandel</a:t>
+            </a:r>
+            <a:r>
+              <a:rPr lang="en-US" dirty="0">
+                <a:solidFill>
+                  <a:srgbClr val="FFFFFF"/>
+                </a:solidFill>
+                <a:effectLst>
+                  <a:outerShdw blurRad="38100" dist="38100" dir="2700000" algn="tl">
+                    <a:srgbClr val="000000">
+                      <a:alpha val="43137"/>
+                    </a:srgbClr>
+                  </a:outerShdw>
+                </a:effectLst>
+              </a:rPr>
+              <a:t>: </a:t>
+            </a:r>
+            <a:r>
+              <a:rPr lang="en-US" dirty="0" err="1">
+                <a:solidFill>
+                  <a:srgbClr val="FFFFFF"/>
+                </a:solidFill>
+                <a:effectLst>
+                  <a:outerShdw blurRad="38100" dist="38100" dir="2700000" algn="tl">
+                    <a:srgbClr val="000000">
+                      <a:alpha val="43137"/>
+                    </a:srgbClr>
+                  </a:outerShdw>
+                </a:effectLst>
+              </a:rPr>
+              <a:t>Automatisierung</a:t>
+            </a:r>
+            <a:r>
+              <a:rPr lang="en-US" dirty="0">
+                <a:solidFill>
+                  <a:srgbClr val="FFFFFF"/>
+                </a:solidFill>
+                <a:effectLst>
+                  <a:outerShdw blurRad="38100" dist="38100" dir="2700000" algn="tl">
+                    <a:srgbClr val="000000">
+                      <a:alpha val="43137"/>
+                    </a:srgbClr>
+                  </a:outerShdw>
+                </a:effectLst>
+              </a:rPr>
+              <a:t> </a:t>
+            </a:r>
+            <a:r>
+              <a:rPr lang="en-US" dirty="0" err="1">
+                <a:solidFill>
+                  <a:srgbClr val="FFFFFF"/>
+                </a:solidFill>
+                <a:effectLst>
+                  <a:outerShdw blurRad="38100" dist="38100" dir="2700000" algn="tl">
+                    <a:srgbClr val="000000">
+                      <a:alpha val="43137"/>
+                    </a:srgbClr>
+                  </a:outerShdw>
+                </a:effectLst>
+              </a:rPr>
+              <a:t>könnte</a:t>
+            </a:r>
+            <a:r>
+              <a:rPr lang="en-US" dirty="0">
+                <a:solidFill>
+                  <a:srgbClr val="FFFFFF"/>
+                </a:solidFill>
+                <a:effectLst>
+                  <a:outerShdw blurRad="38100" dist="38100" dir="2700000" algn="tl">
+                    <a:srgbClr val="000000">
+                      <a:alpha val="43137"/>
+                    </a:srgbClr>
+                  </a:outerShdw>
+                </a:effectLst>
+              </a:rPr>
+              <a:t> </a:t>
+            </a:r>
+            <a:r>
+              <a:rPr lang="en-US" dirty="0" err="1">
+                <a:solidFill>
+                  <a:srgbClr val="FFFFFF"/>
+                </a:solidFill>
+                <a:effectLst>
+                  <a:outerShdw blurRad="38100" dist="38100" dir="2700000" algn="tl">
+                    <a:srgbClr val="000000">
+                      <a:alpha val="43137"/>
+                    </a:srgbClr>
+                  </a:outerShdw>
+                </a:effectLst>
+              </a:rPr>
+              <a:t>zu</a:t>
+            </a:r>
+            <a:r>
+              <a:rPr lang="en-US" dirty="0">
+                <a:solidFill>
+                  <a:srgbClr val="FFFFFF"/>
+                </a:solidFill>
+                <a:effectLst>
+                  <a:outerShdw blurRad="38100" dist="38100" dir="2700000" algn="tl">
+                    <a:srgbClr val="000000">
+                      <a:alpha val="43137"/>
+                    </a:srgbClr>
+                  </a:outerShdw>
+                </a:effectLst>
+              </a:rPr>
+              <a:t> </a:t>
+            </a:r>
+            <a:r>
+              <a:rPr lang="en-US" dirty="0" err="1">
+                <a:solidFill>
+                  <a:srgbClr val="FFFFFF"/>
+                </a:solidFill>
+                <a:effectLst>
+                  <a:outerShdw blurRad="38100" dist="38100" dir="2700000" algn="tl">
+                    <a:srgbClr val="000000">
+                      <a:alpha val="43137"/>
+                    </a:srgbClr>
+                  </a:outerShdw>
+                </a:effectLst>
+              </a:rPr>
+              <a:t>einem</a:t>
+            </a:r>
+            <a:r>
+              <a:rPr lang="en-US" dirty="0">
+                <a:solidFill>
+                  <a:srgbClr val="FFFFFF"/>
+                </a:solidFill>
+                <a:effectLst>
+                  <a:outerShdw blurRad="38100" dist="38100" dir="2700000" algn="tl">
+                    <a:srgbClr val="000000">
+                      <a:alpha val="43137"/>
+                    </a:srgbClr>
+                  </a:outerShdw>
+                </a:effectLst>
+              </a:rPr>
+              <a:t> </a:t>
+            </a:r>
+            <a:r>
+              <a:rPr lang="en-US" dirty="0" err="1">
+                <a:solidFill>
+                  <a:srgbClr val="FFFFFF"/>
+                </a:solidFill>
+                <a:effectLst>
+                  <a:outerShdw blurRad="38100" dist="38100" dir="2700000" algn="tl">
+                    <a:srgbClr val="000000">
+                      <a:alpha val="43137"/>
+                    </a:srgbClr>
+                  </a:outerShdw>
+                </a:effectLst>
+              </a:rPr>
+              <a:t>Wandel</a:t>
+            </a:r>
+            <a:r>
+              <a:rPr lang="en-US" dirty="0">
+                <a:solidFill>
+                  <a:srgbClr val="FFFFFF"/>
+                </a:solidFill>
+                <a:effectLst>
+                  <a:outerShdw blurRad="38100" dist="38100" dir="2700000" algn="tl">
+                    <a:srgbClr val="000000">
+                      <a:alpha val="43137"/>
+                    </a:srgbClr>
+                  </a:outerShdw>
+                </a:effectLst>
+              </a:rPr>
+              <a:t> in </a:t>
+            </a:r>
+            <a:r>
+              <a:rPr lang="en-US" dirty="0" err="1">
+                <a:solidFill>
+                  <a:srgbClr val="FFFFFF"/>
+                </a:solidFill>
+                <a:effectLst>
+                  <a:outerShdw blurRad="38100" dist="38100" dir="2700000" algn="tl">
+                    <a:srgbClr val="000000">
+                      <a:alpha val="43137"/>
+                    </a:srgbClr>
+                  </a:outerShdw>
+                </a:effectLst>
+              </a:rPr>
+              <a:t>militärischen</a:t>
+            </a:r>
+            <a:r>
+              <a:rPr lang="en-US" dirty="0">
+                <a:solidFill>
+                  <a:srgbClr val="FFFFFF"/>
+                </a:solidFill>
+                <a:effectLst>
+                  <a:outerShdw blurRad="38100" dist="38100" dir="2700000" algn="tl">
+                    <a:srgbClr val="000000">
+                      <a:alpha val="43137"/>
+                    </a:srgbClr>
+                  </a:outerShdw>
+                </a:effectLst>
+              </a:rPr>
+              <a:t> </a:t>
+            </a:r>
+            <a:r>
+              <a:rPr lang="en-US" dirty="0" err="1">
+                <a:solidFill>
+                  <a:srgbClr val="FFFFFF"/>
+                </a:solidFill>
+                <a:effectLst>
+                  <a:outerShdw blurRad="38100" dist="38100" dir="2700000" algn="tl">
+                    <a:srgbClr val="000000">
+                      <a:alpha val="43137"/>
+                    </a:srgbClr>
+                  </a:outerShdw>
+                </a:effectLst>
+              </a:rPr>
+              <a:t>Berufen</a:t>
+            </a:r>
+            <a:r>
+              <a:rPr lang="en-US" dirty="0">
+                <a:solidFill>
+                  <a:srgbClr val="FFFFFF"/>
+                </a:solidFill>
+                <a:effectLst>
+                  <a:outerShdw blurRad="38100" dist="38100" dir="2700000" algn="tl">
+                    <a:srgbClr val="000000">
+                      <a:alpha val="43137"/>
+                    </a:srgbClr>
+                  </a:outerShdw>
+                </a:effectLst>
+              </a:rPr>
+              <a:t> </a:t>
+            </a:r>
+            <a:r>
+              <a:rPr lang="en-US" dirty="0" err="1">
+                <a:solidFill>
+                  <a:srgbClr val="FFFFFF"/>
+                </a:solidFill>
+                <a:effectLst>
+                  <a:outerShdw blurRad="38100" dist="38100" dir="2700000" algn="tl">
+                    <a:srgbClr val="000000">
+                      <a:alpha val="43137"/>
+                    </a:srgbClr>
+                  </a:outerShdw>
+                </a:effectLst>
+              </a:rPr>
+              <a:t>führen</a:t>
+            </a:r>
+            <a:r>
+              <a:rPr lang="en-US" dirty="0">
+                <a:solidFill>
+                  <a:srgbClr val="FFFFFF"/>
+                </a:solidFill>
+                <a:effectLst>
+                  <a:outerShdw blurRad="38100" dist="38100" dir="2700000" algn="tl">
+                    <a:srgbClr val="000000">
+                      <a:alpha val="43137"/>
+                    </a:srgbClr>
+                  </a:outerShdw>
+                </a:effectLst>
+              </a:rPr>
+              <a:t> und </a:t>
+            </a:r>
+            <a:r>
+              <a:rPr lang="en-US" dirty="0" err="1">
+                <a:solidFill>
+                  <a:srgbClr val="FFFFFF"/>
+                </a:solidFill>
+                <a:effectLst>
+                  <a:outerShdw blurRad="38100" dist="38100" dir="2700000" algn="tl">
+                    <a:srgbClr val="000000">
+                      <a:alpha val="43137"/>
+                    </a:srgbClr>
+                  </a:outerShdw>
+                </a:effectLst>
+              </a:rPr>
+              <a:t>Arbeitsplätze</a:t>
+            </a:r>
+            <a:r>
+              <a:rPr lang="en-US" dirty="0">
+                <a:solidFill>
+                  <a:srgbClr val="FFFFFF"/>
+                </a:solidFill>
+                <a:effectLst>
+                  <a:outerShdw blurRad="38100" dist="38100" dir="2700000" algn="tl">
+                    <a:srgbClr val="000000">
+                      <a:alpha val="43137"/>
+                    </a:srgbClr>
+                  </a:outerShdw>
+                </a:effectLst>
+              </a:rPr>
+              <a:t> </a:t>
+            </a:r>
+            <a:r>
+              <a:rPr lang="en-US" dirty="0" err="1">
+                <a:solidFill>
+                  <a:srgbClr val="FFFFFF"/>
+                </a:solidFill>
+                <a:effectLst>
+                  <a:outerShdw blurRad="38100" dist="38100" dir="2700000" algn="tl">
+                    <a:srgbClr val="000000">
+                      <a:alpha val="43137"/>
+                    </a:srgbClr>
+                  </a:outerShdw>
+                </a:effectLst>
+              </a:rPr>
+              <a:t>gefährden</a:t>
+            </a:r>
+            <a:r>
+              <a:rPr lang="en-US" dirty="0">
+                <a:solidFill>
+                  <a:srgbClr val="FFFFFF"/>
+                </a:solidFill>
+                <a:effectLst>
+                  <a:outerShdw blurRad="38100" dist="38100" dir="2700000" algn="tl">
+                    <a:srgbClr val="000000">
+                      <a:alpha val="43137"/>
+                    </a:srgbClr>
+                  </a:outerShdw>
+                </a:effectLst>
+              </a:rPr>
+              <a:t>.</a:t>
+            </a:r>
+          </a:p>
+          <a:p>
+            <a:pPr marL="228600">
+              <a:lnSpc>
+                <a:spcPct val="110000"/>
+              </a:lnSpc>
+              <a:spcBef>
+                <a:spcPts val="1000"/>
+              </a:spcBef>
+              <a:spcAft>
+                <a:spcPts val="0"/>
+              </a:spcAft>
+            </a:pPr>
+            <a:r>
+              <a:rPr lang="en-US" b="1" dirty="0" err="1">
+                <a:solidFill>
+                  <a:srgbClr val="FFFFFF"/>
+                </a:solidFill>
+                <a:effectLst>
+                  <a:outerShdw blurRad="38100" dist="38100" dir="2700000" algn="tl">
+                    <a:srgbClr val="000000">
+                      <a:alpha val="43137"/>
+                    </a:srgbClr>
+                  </a:outerShdw>
+                </a:effectLst>
+              </a:rPr>
+              <a:t>Ethik</a:t>
+            </a:r>
+            <a:r>
+              <a:rPr lang="en-US" b="1" dirty="0">
+                <a:solidFill>
+                  <a:srgbClr val="FFFFFF"/>
+                </a:solidFill>
+                <a:effectLst>
+                  <a:outerShdw blurRad="38100" dist="38100" dir="2700000" algn="tl">
+                    <a:srgbClr val="000000">
+                      <a:alpha val="43137"/>
+                    </a:srgbClr>
+                  </a:outerShdw>
+                </a:effectLst>
+              </a:rPr>
+              <a:t>- und </a:t>
+            </a:r>
+            <a:r>
+              <a:rPr lang="en-US" b="1" dirty="0" err="1">
+                <a:solidFill>
+                  <a:srgbClr val="FFFFFF"/>
+                </a:solidFill>
+                <a:effectLst>
+                  <a:outerShdw blurRad="38100" dist="38100" dir="2700000" algn="tl">
+                    <a:srgbClr val="000000">
+                      <a:alpha val="43137"/>
+                    </a:srgbClr>
+                  </a:outerShdw>
+                </a:effectLst>
+              </a:rPr>
+              <a:t>Sicherheitsbedenken</a:t>
+            </a:r>
+            <a:r>
+              <a:rPr lang="en-US" dirty="0">
+                <a:solidFill>
+                  <a:srgbClr val="FFFFFF"/>
+                </a:solidFill>
+                <a:effectLst>
+                  <a:outerShdw blurRad="38100" dist="38100" dir="2700000" algn="tl">
+                    <a:srgbClr val="000000">
+                      <a:alpha val="43137"/>
+                    </a:srgbClr>
+                  </a:outerShdw>
+                </a:effectLst>
+              </a:rPr>
+              <a:t>: Die </a:t>
+            </a:r>
+            <a:r>
+              <a:rPr lang="en-US" dirty="0" err="1">
+                <a:solidFill>
+                  <a:srgbClr val="FFFFFF"/>
+                </a:solidFill>
+                <a:effectLst>
+                  <a:outerShdw blurRad="38100" dist="38100" dir="2700000" algn="tl">
+                    <a:srgbClr val="000000">
+                      <a:alpha val="43137"/>
+                    </a:srgbClr>
+                  </a:outerShdw>
+                </a:effectLst>
+              </a:rPr>
+              <a:t>Verwendung</a:t>
+            </a:r>
+            <a:r>
+              <a:rPr lang="en-US" dirty="0">
+                <a:solidFill>
+                  <a:srgbClr val="FFFFFF"/>
+                </a:solidFill>
+                <a:effectLst>
+                  <a:outerShdw blurRad="38100" dist="38100" dir="2700000" algn="tl">
+                    <a:srgbClr val="000000">
+                      <a:alpha val="43137"/>
+                    </a:srgbClr>
+                  </a:outerShdw>
+                </a:effectLst>
+              </a:rPr>
+              <a:t> </a:t>
+            </a:r>
+            <a:r>
+              <a:rPr lang="en-US" dirty="0" err="1">
+                <a:solidFill>
+                  <a:srgbClr val="FFFFFF"/>
+                </a:solidFill>
+                <a:effectLst>
+                  <a:outerShdw blurRad="38100" dist="38100" dir="2700000" algn="tl">
+                    <a:srgbClr val="000000">
+                      <a:alpha val="43137"/>
+                    </a:srgbClr>
+                  </a:outerShdw>
+                </a:effectLst>
+              </a:rPr>
+              <a:t>autonomer</a:t>
+            </a:r>
+            <a:r>
+              <a:rPr lang="en-US" dirty="0">
+                <a:solidFill>
+                  <a:srgbClr val="FFFFFF"/>
+                </a:solidFill>
+                <a:effectLst>
+                  <a:outerShdw blurRad="38100" dist="38100" dir="2700000" algn="tl">
+                    <a:srgbClr val="000000">
+                      <a:alpha val="43137"/>
+                    </a:srgbClr>
+                  </a:outerShdw>
+                </a:effectLst>
+              </a:rPr>
+              <a:t> </a:t>
+            </a:r>
+            <a:r>
+              <a:rPr lang="en-US" dirty="0" err="1">
+                <a:solidFill>
+                  <a:srgbClr val="FFFFFF"/>
+                </a:solidFill>
+                <a:effectLst>
+                  <a:outerShdw blurRad="38100" dist="38100" dir="2700000" algn="tl">
+                    <a:srgbClr val="000000">
+                      <a:alpha val="43137"/>
+                    </a:srgbClr>
+                  </a:outerShdw>
+                </a:effectLst>
+              </a:rPr>
+              <a:t>Waffensysteme</a:t>
+            </a:r>
+            <a:r>
+              <a:rPr lang="en-US" dirty="0">
+                <a:solidFill>
+                  <a:srgbClr val="FFFFFF"/>
+                </a:solidFill>
+                <a:effectLst>
+                  <a:outerShdw blurRad="38100" dist="38100" dir="2700000" algn="tl">
+                    <a:srgbClr val="000000">
+                      <a:alpha val="43137"/>
+                    </a:srgbClr>
+                  </a:outerShdw>
+                </a:effectLst>
+              </a:rPr>
+              <a:t> </a:t>
+            </a:r>
+            <a:r>
+              <a:rPr lang="en-US" dirty="0" err="1">
+                <a:solidFill>
+                  <a:srgbClr val="FFFFFF"/>
+                </a:solidFill>
+                <a:effectLst>
+                  <a:outerShdw blurRad="38100" dist="38100" dir="2700000" algn="tl">
+                    <a:srgbClr val="000000">
+                      <a:alpha val="43137"/>
+                    </a:srgbClr>
+                  </a:outerShdw>
+                </a:effectLst>
+              </a:rPr>
+              <a:t>wirft</a:t>
+            </a:r>
+            <a:r>
+              <a:rPr lang="en-US" dirty="0">
+                <a:solidFill>
+                  <a:srgbClr val="FFFFFF"/>
+                </a:solidFill>
+                <a:effectLst>
+                  <a:outerShdw blurRad="38100" dist="38100" dir="2700000" algn="tl">
+                    <a:srgbClr val="000000">
+                      <a:alpha val="43137"/>
+                    </a:srgbClr>
+                  </a:outerShdw>
+                </a:effectLst>
+              </a:rPr>
+              <a:t> </a:t>
+            </a:r>
+            <a:r>
+              <a:rPr lang="en-US" dirty="0" err="1">
+                <a:solidFill>
+                  <a:srgbClr val="FFFFFF"/>
+                </a:solidFill>
+                <a:effectLst>
+                  <a:outerShdw blurRad="38100" dist="38100" dir="2700000" algn="tl">
+                    <a:srgbClr val="000000">
+                      <a:alpha val="43137"/>
+                    </a:srgbClr>
+                  </a:outerShdw>
+                </a:effectLst>
+              </a:rPr>
+              <a:t>Fragen</a:t>
+            </a:r>
+            <a:r>
+              <a:rPr lang="en-US" dirty="0">
+                <a:solidFill>
+                  <a:srgbClr val="FFFFFF"/>
+                </a:solidFill>
+                <a:effectLst>
+                  <a:outerShdw blurRad="38100" dist="38100" dir="2700000" algn="tl">
+                    <a:srgbClr val="000000">
+                      <a:alpha val="43137"/>
+                    </a:srgbClr>
+                  </a:outerShdw>
+                </a:effectLst>
+              </a:rPr>
+              <a:t> </a:t>
+            </a:r>
+            <a:r>
+              <a:rPr lang="en-US" dirty="0" err="1">
+                <a:solidFill>
+                  <a:srgbClr val="FFFFFF"/>
+                </a:solidFill>
+                <a:effectLst>
+                  <a:outerShdw blurRad="38100" dist="38100" dir="2700000" algn="tl">
+                    <a:srgbClr val="000000">
+                      <a:alpha val="43137"/>
+                    </a:srgbClr>
+                  </a:outerShdw>
+                </a:effectLst>
+              </a:rPr>
+              <a:t>nach</a:t>
+            </a:r>
+            <a:r>
+              <a:rPr lang="en-US" dirty="0">
+                <a:solidFill>
+                  <a:srgbClr val="FFFFFF"/>
+                </a:solidFill>
+                <a:effectLst>
+                  <a:outerShdw blurRad="38100" dist="38100" dir="2700000" algn="tl">
+                    <a:srgbClr val="000000">
+                      <a:alpha val="43137"/>
+                    </a:srgbClr>
+                  </a:outerShdw>
+                </a:effectLst>
+              </a:rPr>
+              <a:t> Moral und </a:t>
+            </a:r>
+            <a:r>
+              <a:rPr lang="en-US" dirty="0" err="1">
+                <a:solidFill>
+                  <a:srgbClr val="FFFFFF"/>
+                </a:solidFill>
+                <a:effectLst>
+                  <a:outerShdw blurRad="38100" dist="38100" dir="2700000" algn="tl">
+                    <a:srgbClr val="000000">
+                      <a:alpha val="43137"/>
+                    </a:srgbClr>
+                  </a:outerShdw>
+                </a:effectLst>
+              </a:rPr>
+              <a:t>Sicherheit</a:t>
+            </a:r>
+            <a:r>
+              <a:rPr lang="en-US" dirty="0">
+                <a:solidFill>
+                  <a:srgbClr val="FFFFFF"/>
+                </a:solidFill>
+                <a:effectLst>
+                  <a:outerShdw blurRad="38100" dist="38100" dir="2700000" algn="tl">
+                    <a:srgbClr val="000000">
+                      <a:alpha val="43137"/>
+                    </a:srgbClr>
+                  </a:outerShdw>
+                </a:effectLst>
+              </a:rPr>
+              <a:t> auf.</a:t>
+            </a:r>
+          </a:p>
+          <a:p>
+            <a:pPr marL="228600">
+              <a:lnSpc>
+                <a:spcPct val="110000"/>
+              </a:lnSpc>
+              <a:spcBef>
+                <a:spcPts val="1000"/>
+              </a:spcBef>
+              <a:spcAft>
+                <a:spcPts val="0"/>
+              </a:spcAft>
+            </a:pPr>
+            <a:r>
+              <a:rPr lang="en-US" b="1" dirty="0" err="1">
+                <a:solidFill>
+                  <a:srgbClr val="FFFFFF"/>
+                </a:solidFill>
+                <a:effectLst>
+                  <a:outerShdw blurRad="38100" dist="38100" dir="2700000" algn="tl">
+                    <a:srgbClr val="000000">
+                      <a:alpha val="43137"/>
+                    </a:srgbClr>
+                  </a:outerShdw>
+                </a:effectLst>
+              </a:rPr>
+              <a:t>Technologischer</a:t>
+            </a:r>
+            <a:r>
+              <a:rPr lang="en-US" b="1" dirty="0">
+                <a:solidFill>
+                  <a:srgbClr val="FFFFFF"/>
+                </a:solidFill>
+                <a:effectLst>
+                  <a:outerShdw blurRad="38100" dist="38100" dir="2700000" algn="tl">
+                    <a:srgbClr val="000000">
+                      <a:alpha val="43137"/>
+                    </a:srgbClr>
+                  </a:outerShdw>
+                </a:effectLst>
+              </a:rPr>
+              <a:t> </a:t>
+            </a:r>
+            <a:r>
+              <a:rPr lang="en-US" b="1" dirty="0" err="1">
+                <a:solidFill>
+                  <a:srgbClr val="FFFFFF"/>
+                </a:solidFill>
+                <a:effectLst>
+                  <a:outerShdw blurRad="38100" dist="38100" dir="2700000" algn="tl">
+                    <a:srgbClr val="000000">
+                      <a:alpha val="43137"/>
+                    </a:srgbClr>
+                  </a:outerShdw>
+                </a:effectLst>
+              </a:rPr>
+              <a:t>Fortschritt</a:t>
+            </a:r>
+            <a:r>
+              <a:rPr lang="en-US" b="1" dirty="0">
+                <a:solidFill>
+                  <a:srgbClr val="FFFFFF"/>
+                </a:solidFill>
+                <a:effectLst>
+                  <a:outerShdw blurRad="38100" dist="38100" dir="2700000" algn="tl">
+                    <a:srgbClr val="000000">
+                      <a:alpha val="43137"/>
+                    </a:srgbClr>
+                  </a:outerShdw>
+                </a:effectLst>
+              </a:rPr>
+              <a:t> und Innovation</a:t>
+            </a:r>
+            <a:r>
+              <a:rPr lang="en-US" dirty="0">
+                <a:solidFill>
+                  <a:srgbClr val="FFFFFF"/>
+                </a:solidFill>
+                <a:effectLst>
+                  <a:outerShdw blurRad="38100" dist="38100" dir="2700000" algn="tl">
+                    <a:srgbClr val="000000">
+                      <a:alpha val="43137"/>
+                    </a:srgbClr>
+                  </a:outerShdw>
+                </a:effectLst>
+              </a:rPr>
+              <a:t>: Der </a:t>
+            </a:r>
+            <a:r>
+              <a:rPr lang="en-US" dirty="0" err="1">
+                <a:solidFill>
+                  <a:srgbClr val="FFFFFF"/>
+                </a:solidFill>
+                <a:effectLst>
+                  <a:outerShdw blurRad="38100" dist="38100" dir="2700000" algn="tl">
+                    <a:srgbClr val="000000">
+                      <a:alpha val="43137"/>
+                    </a:srgbClr>
+                  </a:outerShdw>
+                </a:effectLst>
+              </a:rPr>
+              <a:t>Einsatz</a:t>
+            </a:r>
+            <a:r>
+              <a:rPr lang="en-US" dirty="0">
+                <a:solidFill>
+                  <a:srgbClr val="FFFFFF"/>
+                </a:solidFill>
+                <a:effectLst>
+                  <a:outerShdw blurRad="38100" dist="38100" dir="2700000" algn="tl">
+                    <a:srgbClr val="000000">
+                      <a:alpha val="43137"/>
+                    </a:srgbClr>
+                  </a:outerShdw>
+                </a:effectLst>
+              </a:rPr>
+              <a:t> von </a:t>
+            </a:r>
+            <a:r>
+              <a:rPr lang="en-US" dirty="0" err="1">
+                <a:solidFill>
+                  <a:srgbClr val="FFFFFF"/>
+                </a:solidFill>
+                <a:effectLst>
+                  <a:outerShdw blurRad="38100" dist="38100" dir="2700000" algn="tl">
+                    <a:srgbClr val="000000">
+                      <a:alpha val="43137"/>
+                    </a:srgbClr>
+                  </a:outerShdw>
+                </a:effectLst>
+              </a:rPr>
+              <a:t>Militärrobotern</a:t>
+            </a:r>
+            <a:r>
+              <a:rPr lang="en-US" dirty="0">
+                <a:solidFill>
+                  <a:srgbClr val="FFFFFF"/>
+                </a:solidFill>
+                <a:effectLst>
+                  <a:outerShdw blurRad="38100" dist="38100" dir="2700000" algn="tl">
+                    <a:srgbClr val="000000">
+                      <a:alpha val="43137"/>
+                    </a:srgbClr>
+                  </a:outerShdw>
+                </a:effectLst>
+              </a:rPr>
+              <a:t> </a:t>
+            </a:r>
+            <a:r>
+              <a:rPr lang="en-US" dirty="0" err="1">
+                <a:solidFill>
+                  <a:srgbClr val="FFFFFF"/>
+                </a:solidFill>
+                <a:effectLst>
+                  <a:outerShdw blurRad="38100" dist="38100" dir="2700000" algn="tl">
+                    <a:srgbClr val="000000">
+                      <a:alpha val="43137"/>
+                    </a:srgbClr>
+                  </a:outerShdw>
+                </a:effectLst>
+              </a:rPr>
+              <a:t>könnte</a:t>
+            </a:r>
+            <a:r>
+              <a:rPr lang="en-US" dirty="0">
+                <a:solidFill>
+                  <a:srgbClr val="FFFFFF"/>
+                </a:solidFill>
+                <a:effectLst>
+                  <a:outerShdw blurRad="38100" dist="38100" dir="2700000" algn="tl">
+                    <a:srgbClr val="000000">
+                      <a:alpha val="43137"/>
+                    </a:srgbClr>
+                  </a:outerShdw>
+                </a:effectLst>
+              </a:rPr>
+              <a:t> </a:t>
+            </a:r>
+            <a:r>
+              <a:rPr lang="en-US" dirty="0" err="1">
+                <a:solidFill>
+                  <a:srgbClr val="FFFFFF"/>
+                </a:solidFill>
+                <a:effectLst>
+                  <a:outerShdw blurRad="38100" dist="38100" dir="2700000" algn="tl">
+                    <a:srgbClr val="000000">
+                      <a:alpha val="43137"/>
+                    </a:srgbClr>
+                  </a:outerShdw>
+                </a:effectLst>
+              </a:rPr>
+              <a:t>technologischen</a:t>
+            </a:r>
+            <a:r>
+              <a:rPr lang="en-US" dirty="0">
+                <a:solidFill>
+                  <a:srgbClr val="FFFFFF"/>
+                </a:solidFill>
+                <a:effectLst>
+                  <a:outerShdw blurRad="38100" dist="38100" dir="2700000" algn="tl">
+                    <a:srgbClr val="000000">
+                      <a:alpha val="43137"/>
+                    </a:srgbClr>
+                  </a:outerShdw>
+                </a:effectLst>
+              </a:rPr>
+              <a:t> </a:t>
+            </a:r>
+            <a:r>
+              <a:rPr lang="en-US" dirty="0" err="1">
+                <a:solidFill>
+                  <a:srgbClr val="FFFFFF"/>
+                </a:solidFill>
+                <a:effectLst>
+                  <a:outerShdw blurRad="38100" dist="38100" dir="2700000" algn="tl">
+                    <a:srgbClr val="000000">
+                      <a:alpha val="43137"/>
+                    </a:srgbClr>
+                  </a:outerShdw>
+                </a:effectLst>
+              </a:rPr>
+              <a:t>Fortschritt</a:t>
+            </a:r>
+            <a:r>
+              <a:rPr lang="en-US" dirty="0">
+                <a:solidFill>
+                  <a:srgbClr val="FFFFFF"/>
+                </a:solidFill>
+                <a:effectLst>
+                  <a:outerShdw blurRad="38100" dist="38100" dir="2700000" algn="tl">
+                    <a:srgbClr val="000000">
+                      <a:alpha val="43137"/>
+                    </a:srgbClr>
+                  </a:outerShdw>
+                </a:effectLst>
+              </a:rPr>
+              <a:t> und </a:t>
+            </a:r>
+            <a:r>
+              <a:rPr lang="en-US" dirty="0" err="1">
+                <a:solidFill>
+                  <a:srgbClr val="FFFFFF"/>
+                </a:solidFill>
+                <a:effectLst>
+                  <a:outerShdw blurRad="38100" dist="38100" dir="2700000" algn="tl">
+                    <a:srgbClr val="000000">
+                      <a:alpha val="43137"/>
+                    </a:srgbClr>
+                  </a:outerShdw>
+                </a:effectLst>
+              </a:rPr>
+              <a:t>Innovationen</a:t>
+            </a:r>
+            <a:r>
+              <a:rPr lang="en-US" dirty="0">
+                <a:solidFill>
+                  <a:srgbClr val="FFFFFF"/>
+                </a:solidFill>
+                <a:effectLst>
+                  <a:outerShdw blurRad="38100" dist="38100" dir="2700000" algn="tl">
+                    <a:srgbClr val="000000">
+                      <a:alpha val="43137"/>
+                    </a:srgbClr>
+                  </a:outerShdw>
+                </a:effectLst>
+              </a:rPr>
+              <a:t> </a:t>
+            </a:r>
+            <a:r>
+              <a:rPr lang="en-US" dirty="0" err="1">
+                <a:solidFill>
+                  <a:srgbClr val="FFFFFF"/>
+                </a:solidFill>
+                <a:effectLst>
+                  <a:outerShdw blurRad="38100" dist="38100" dir="2700000" algn="tl">
+                    <a:srgbClr val="000000">
+                      <a:alpha val="43137"/>
+                    </a:srgbClr>
+                  </a:outerShdw>
+                </a:effectLst>
+              </a:rPr>
+              <a:t>vorantreiben</a:t>
+            </a:r>
+            <a:r>
+              <a:rPr lang="en-US" dirty="0">
+                <a:solidFill>
+                  <a:srgbClr val="FFFFFF"/>
+                </a:solidFill>
+                <a:effectLst>
+                  <a:outerShdw blurRad="38100" dist="38100" dir="2700000" algn="tl">
+                    <a:srgbClr val="000000">
+                      <a:alpha val="43137"/>
+                    </a:srgbClr>
+                  </a:outerShdw>
+                </a:effectLst>
+              </a:rPr>
+              <a:t>.</a:t>
+            </a:r>
+          </a:p>
+          <a:p>
+            <a:pPr marL="228600">
+              <a:lnSpc>
+                <a:spcPct val="110000"/>
+              </a:lnSpc>
+              <a:spcBef>
+                <a:spcPts val="1000"/>
+              </a:spcBef>
+              <a:spcAft>
+                <a:spcPts val="0"/>
+              </a:spcAft>
+            </a:pPr>
+            <a:r>
+              <a:rPr lang="en-US" b="1" dirty="0" err="1">
+                <a:solidFill>
+                  <a:srgbClr val="FFFFFF"/>
+                </a:solidFill>
+                <a:effectLst>
+                  <a:outerShdw blurRad="38100" dist="38100" dir="2700000" algn="tl">
+                    <a:srgbClr val="000000">
+                      <a:alpha val="43137"/>
+                    </a:srgbClr>
+                  </a:outerShdw>
+                </a:effectLst>
+              </a:rPr>
+              <a:t>Internationale</a:t>
+            </a:r>
+            <a:r>
+              <a:rPr lang="en-US" b="1" dirty="0">
+                <a:solidFill>
+                  <a:srgbClr val="FFFFFF"/>
+                </a:solidFill>
+                <a:effectLst>
+                  <a:outerShdw blurRad="38100" dist="38100" dir="2700000" algn="tl">
+                    <a:srgbClr val="000000">
+                      <a:alpha val="43137"/>
+                    </a:srgbClr>
+                  </a:outerShdw>
+                </a:effectLst>
+              </a:rPr>
+              <a:t> </a:t>
+            </a:r>
+            <a:r>
+              <a:rPr lang="en-US" b="1" dirty="0" err="1">
+                <a:solidFill>
+                  <a:srgbClr val="FFFFFF"/>
+                </a:solidFill>
+                <a:effectLst>
+                  <a:outerShdw blurRad="38100" dist="38100" dir="2700000" algn="tl">
+                    <a:srgbClr val="000000">
+                      <a:alpha val="43137"/>
+                    </a:srgbClr>
+                  </a:outerShdw>
+                </a:effectLst>
+              </a:rPr>
+              <a:t>Beziehungen</a:t>
+            </a:r>
+            <a:r>
+              <a:rPr lang="en-US" b="1" dirty="0">
+                <a:solidFill>
+                  <a:srgbClr val="FFFFFF"/>
+                </a:solidFill>
+                <a:effectLst>
+                  <a:outerShdw blurRad="38100" dist="38100" dir="2700000" algn="tl">
+                    <a:srgbClr val="000000">
+                      <a:alpha val="43137"/>
+                    </a:srgbClr>
+                  </a:outerShdw>
+                </a:effectLst>
+              </a:rPr>
+              <a:t> und </a:t>
+            </a:r>
+            <a:r>
+              <a:rPr lang="en-US" b="1" dirty="0" err="1">
+                <a:solidFill>
+                  <a:srgbClr val="FFFFFF"/>
+                </a:solidFill>
+                <a:effectLst>
+                  <a:outerShdw blurRad="38100" dist="38100" dir="2700000" algn="tl">
+                    <a:srgbClr val="000000">
+                      <a:alpha val="43137"/>
+                    </a:srgbClr>
+                  </a:outerShdw>
+                </a:effectLst>
+              </a:rPr>
+              <a:t>Konflikte</a:t>
+            </a:r>
+            <a:r>
+              <a:rPr lang="en-US" dirty="0">
+                <a:solidFill>
+                  <a:srgbClr val="FFFFFF"/>
+                </a:solidFill>
+                <a:effectLst>
+                  <a:outerShdw blurRad="38100" dist="38100" dir="2700000" algn="tl">
+                    <a:srgbClr val="000000">
+                      <a:alpha val="43137"/>
+                    </a:srgbClr>
+                  </a:outerShdw>
+                </a:effectLst>
+              </a:rPr>
+              <a:t>: Die </a:t>
+            </a:r>
+            <a:r>
+              <a:rPr lang="en-US" dirty="0" err="1">
+                <a:solidFill>
+                  <a:srgbClr val="FFFFFF"/>
+                </a:solidFill>
+                <a:effectLst>
+                  <a:outerShdw blurRad="38100" dist="38100" dir="2700000" algn="tl">
+                    <a:srgbClr val="000000">
+                      <a:alpha val="43137"/>
+                    </a:srgbClr>
+                  </a:outerShdw>
+                </a:effectLst>
+              </a:rPr>
+              <a:t>Verbreitung</a:t>
+            </a:r>
+            <a:r>
+              <a:rPr lang="en-US" dirty="0">
+                <a:solidFill>
+                  <a:srgbClr val="FFFFFF"/>
+                </a:solidFill>
+                <a:effectLst>
+                  <a:outerShdw blurRad="38100" dist="38100" dir="2700000" algn="tl">
+                    <a:srgbClr val="000000">
+                      <a:alpha val="43137"/>
+                    </a:srgbClr>
+                  </a:outerShdw>
+                </a:effectLst>
+              </a:rPr>
+              <a:t> von </a:t>
+            </a:r>
+            <a:r>
+              <a:rPr lang="en-US" dirty="0" err="1">
+                <a:solidFill>
+                  <a:srgbClr val="FFFFFF"/>
+                </a:solidFill>
+                <a:effectLst>
+                  <a:outerShdw blurRad="38100" dist="38100" dir="2700000" algn="tl">
+                    <a:srgbClr val="000000">
+                      <a:alpha val="43137"/>
+                    </a:srgbClr>
+                  </a:outerShdw>
+                </a:effectLst>
+              </a:rPr>
+              <a:t>Militärrobotern</a:t>
+            </a:r>
+            <a:r>
+              <a:rPr lang="en-US" dirty="0">
+                <a:solidFill>
+                  <a:srgbClr val="FFFFFF"/>
+                </a:solidFill>
+                <a:effectLst>
+                  <a:outerShdw blurRad="38100" dist="38100" dir="2700000" algn="tl">
+                    <a:srgbClr val="000000">
+                      <a:alpha val="43137"/>
+                    </a:srgbClr>
+                  </a:outerShdw>
+                </a:effectLst>
+              </a:rPr>
+              <a:t> </a:t>
+            </a:r>
+            <a:r>
+              <a:rPr lang="en-US" dirty="0" err="1">
+                <a:solidFill>
+                  <a:srgbClr val="FFFFFF"/>
+                </a:solidFill>
+                <a:effectLst>
+                  <a:outerShdw blurRad="38100" dist="38100" dir="2700000" algn="tl">
+                    <a:srgbClr val="000000">
+                      <a:alpha val="43137"/>
+                    </a:srgbClr>
+                  </a:outerShdw>
+                </a:effectLst>
+              </a:rPr>
+              <a:t>könnte</a:t>
+            </a:r>
+            <a:r>
+              <a:rPr lang="en-US" dirty="0">
+                <a:solidFill>
+                  <a:srgbClr val="FFFFFF"/>
+                </a:solidFill>
+                <a:effectLst>
+                  <a:outerShdw blurRad="38100" dist="38100" dir="2700000" algn="tl">
+                    <a:srgbClr val="000000">
+                      <a:alpha val="43137"/>
+                    </a:srgbClr>
+                  </a:outerShdw>
+                </a:effectLst>
+              </a:rPr>
+              <a:t> </a:t>
+            </a:r>
+            <a:r>
+              <a:rPr lang="en-US" dirty="0" err="1">
+                <a:solidFill>
+                  <a:srgbClr val="FFFFFF"/>
+                </a:solidFill>
+                <a:effectLst>
+                  <a:outerShdw blurRad="38100" dist="38100" dir="2700000" algn="tl">
+                    <a:srgbClr val="000000">
+                      <a:alpha val="43137"/>
+                    </a:srgbClr>
+                  </a:outerShdw>
+                </a:effectLst>
+              </a:rPr>
+              <a:t>zu</a:t>
+            </a:r>
+            <a:r>
+              <a:rPr lang="en-US" dirty="0">
+                <a:solidFill>
+                  <a:srgbClr val="FFFFFF"/>
+                </a:solidFill>
+                <a:effectLst>
+                  <a:outerShdw blurRad="38100" dist="38100" dir="2700000" algn="tl">
+                    <a:srgbClr val="000000">
+                      <a:alpha val="43137"/>
+                    </a:srgbClr>
+                  </a:outerShdw>
+                </a:effectLst>
+              </a:rPr>
+              <a:t> </a:t>
+            </a:r>
+            <a:r>
+              <a:rPr lang="en-US" dirty="0" err="1">
+                <a:solidFill>
+                  <a:srgbClr val="FFFFFF"/>
+                </a:solidFill>
+                <a:effectLst>
+                  <a:outerShdw blurRad="38100" dist="38100" dir="2700000" algn="tl">
+                    <a:srgbClr val="000000">
+                      <a:alpha val="43137"/>
+                    </a:srgbClr>
+                  </a:outerShdw>
+                </a:effectLst>
+              </a:rPr>
+              <a:t>Spannungen</a:t>
+            </a:r>
+            <a:r>
+              <a:rPr lang="en-US" dirty="0">
+                <a:solidFill>
+                  <a:srgbClr val="FFFFFF"/>
+                </a:solidFill>
+                <a:effectLst>
+                  <a:outerShdw blurRad="38100" dist="38100" dir="2700000" algn="tl">
+                    <a:srgbClr val="000000">
+                      <a:alpha val="43137"/>
+                    </a:srgbClr>
+                  </a:outerShdw>
+                </a:effectLst>
+              </a:rPr>
+              <a:t> </a:t>
+            </a:r>
+            <a:r>
+              <a:rPr lang="en-US" dirty="0" err="1">
+                <a:solidFill>
+                  <a:srgbClr val="FFFFFF"/>
+                </a:solidFill>
+                <a:effectLst>
+                  <a:outerShdw blurRad="38100" dist="38100" dir="2700000" algn="tl">
+                    <a:srgbClr val="000000">
+                      <a:alpha val="43137"/>
+                    </a:srgbClr>
+                  </a:outerShdw>
+                </a:effectLst>
+              </a:rPr>
+              <a:t>zwischen</a:t>
+            </a:r>
+            <a:r>
+              <a:rPr lang="en-US" dirty="0">
+                <a:solidFill>
+                  <a:srgbClr val="FFFFFF"/>
+                </a:solidFill>
+                <a:effectLst>
+                  <a:outerShdw blurRad="38100" dist="38100" dir="2700000" algn="tl">
+                    <a:srgbClr val="000000">
+                      <a:alpha val="43137"/>
+                    </a:srgbClr>
+                  </a:outerShdw>
+                </a:effectLst>
+              </a:rPr>
+              <a:t> </a:t>
+            </a:r>
+            <a:r>
+              <a:rPr lang="en-US" dirty="0" err="1">
+                <a:solidFill>
+                  <a:srgbClr val="FFFFFF"/>
+                </a:solidFill>
+                <a:effectLst>
+                  <a:outerShdw blurRad="38100" dist="38100" dir="2700000" algn="tl">
+                    <a:srgbClr val="000000">
+                      <a:alpha val="43137"/>
+                    </a:srgbClr>
+                  </a:outerShdw>
+                </a:effectLst>
+              </a:rPr>
+              <a:t>Ländern</a:t>
+            </a:r>
+            <a:r>
+              <a:rPr lang="en-US" dirty="0">
+                <a:solidFill>
+                  <a:srgbClr val="FFFFFF"/>
+                </a:solidFill>
+                <a:effectLst>
+                  <a:outerShdw blurRad="38100" dist="38100" dir="2700000" algn="tl">
+                    <a:srgbClr val="000000">
+                      <a:alpha val="43137"/>
+                    </a:srgbClr>
+                  </a:outerShdw>
+                </a:effectLst>
+              </a:rPr>
+              <a:t> </a:t>
+            </a:r>
+            <a:r>
+              <a:rPr lang="en-US" dirty="0" err="1">
+                <a:solidFill>
+                  <a:srgbClr val="FFFFFF"/>
+                </a:solidFill>
+                <a:effectLst>
+                  <a:outerShdw blurRad="38100" dist="38100" dir="2700000" algn="tl">
+                    <a:srgbClr val="000000">
+                      <a:alpha val="43137"/>
+                    </a:srgbClr>
+                  </a:outerShdw>
+                </a:effectLst>
+              </a:rPr>
+              <a:t>führen</a:t>
+            </a:r>
+            <a:r>
+              <a:rPr lang="en-US" dirty="0">
+                <a:solidFill>
+                  <a:srgbClr val="FFFFFF"/>
+                </a:solidFill>
+                <a:effectLst>
+                  <a:outerShdw blurRad="38100" dist="38100" dir="2700000" algn="tl">
+                    <a:srgbClr val="000000">
+                      <a:alpha val="43137"/>
+                    </a:srgbClr>
+                  </a:outerShdw>
+                </a:effectLst>
+              </a:rPr>
+              <a:t>.</a:t>
+            </a:r>
+          </a:p>
+          <a:p>
+            <a:pPr marL="228600">
+              <a:lnSpc>
+                <a:spcPct val="110000"/>
+              </a:lnSpc>
+              <a:spcBef>
+                <a:spcPts val="1000"/>
+              </a:spcBef>
+              <a:spcAft>
+                <a:spcPts val="0"/>
+              </a:spcAft>
+            </a:pPr>
+            <a:r>
+              <a:rPr lang="en-US" b="1" dirty="0" err="1">
+                <a:solidFill>
+                  <a:srgbClr val="FFFFFF"/>
+                </a:solidFill>
+                <a:effectLst>
+                  <a:outerShdw blurRad="38100" dist="38100" dir="2700000" algn="tl">
+                    <a:srgbClr val="000000">
+                      <a:alpha val="43137"/>
+                    </a:srgbClr>
+                  </a:outerShdw>
+                </a:effectLst>
+              </a:rPr>
+              <a:t>Ungleichheiten</a:t>
+            </a:r>
+            <a:r>
+              <a:rPr lang="en-US" b="1" dirty="0">
+                <a:solidFill>
+                  <a:srgbClr val="FFFFFF"/>
+                </a:solidFill>
+                <a:effectLst>
+                  <a:outerShdw blurRad="38100" dist="38100" dir="2700000" algn="tl">
+                    <a:srgbClr val="000000">
+                      <a:alpha val="43137"/>
+                    </a:srgbClr>
+                  </a:outerShdw>
+                </a:effectLst>
+              </a:rPr>
+              <a:t> und </a:t>
+            </a:r>
+            <a:r>
+              <a:rPr lang="en-US" b="1" dirty="0" err="1">
+                <a:solidFill>
+                  <a:srgbClr val="FFFFFF"/>
+                </a:solidFill>
+                <a:effectLst>
+                  <a:outerShdw blurRad="38100" dist="38100" dir="2700000" algn="tl">
+                    <a:srgbClr val="000000">
+                      <a:alpha val="43137"/>
+                    </a:srgbClr>
+                  </a:outerShdw>
+                </a:effectLst>
+              </a:rPr>
+              <a:t>Zugang</a:t>
+            </a:r>
+            <a:r>
+              <a:rPr lang="en-US" b="1" dirty="0">
+                <a:solidFill>
+                  <a:srgbClr val="FFFFFF"/>
+                </a:solidFill>
+                <a:effectLst>
+                  <a:outerShdw blurRad="38100" dist="38100" dir="2700000" algn="tl">
+                    <a:srgbClr val="000000">
+                      <a:alpha val="43137"/>
+                    </a:srgbClr>
+                  </a:outerShdw>
+                </a:effectLst>
+              </a:rPr>
+              <a:t> </a:t>
+            </a:r>
+            <a:r>
+              <a:rPr lang="en-US" b="1" dirty="0" err="1">
+                <a:solidFill>
+                  <a:srgbClr val="FFFFFF"/>
+                </a:solidFill>
+                <a:effectLst>
+                  <a:outerShdw blurRad="38100" dist="38100" dir="2700000" algn="tl">
+                    <a:srgbClr val="000000">
+                      <a:alpha val="43137"/>
+                    </a:srgbClr>
+                  </a:outerShdw>
+                </a:effectLst>
+              </a:rPr>
+              <a:t>zur</a:t>
+            </a:r>
+            <a:r>
+              <a:rPr lang="en-US" b="1" dirty="0">
+                <a:solidFill>
+                  <a:srgbClr val="FFFFFF"/>
+                </a:solidFill>
+                <a:effectLst>
+                  <a:outerShdw blurRad="38100" dist="38100" dir="2700000" algn="tl">
+                    <a:srgbClr val="000000">
+                      <a:alpha val="43137"/>
+                    </a:srgbClr>
+                  </a:outerShdw>
+                </a:effectLst>
+              </a:rPr>
+              <a:t> </a:t>
+            </a:r>
+            <a:r>
+              <a:rPr lang="en-US" b="1" dirty="0" err="1">
+                <a:solidFill>
+                  <a:srgbClr val="FFFFFF"/>
+                </a:solidFill>
+                <a:effectLst>
+                  <a:outerShdw blurRad="38100" dist="38100" dir="2700000" algn="tl">
+                    <a:srgbClr val="000000">
+                      <a:alpha val="43137"/>
+                    </a:srgbClr>
+                  </a:outerShdw>
+                </a:effectLst>
+              </a:rPr>
+              <a:t>Technologie</a:t>
+            </a:r>
+            <a:r>
+              <a:rPr lang="en-US" dirty="0">
+                <a:solidFill>
+                  <a:srgbClr val="FFFFFF"/>
+                </a:solidFill>
+                <a:effectLst>
+                  <a:outerShdw blurRad="38100" dist="38100" dir="2700000" algn="tl">
+                    <a:srgbClr val="000000">
+                      <a:alpha val="43137"/>
+                    </a:srgbClr>
+                  </a:outerShdw>
+                </a:effectLst>
+              </a:rPr>
+              <a:t>: Die </a:t>
+            </a:r>
+            <a:r>
+              <a:rPr lang="en-US" dirty="0" err="1">
+                <a:solidFill>
+                  <a:srgbClr val="FFFFFF"/>
+                </a:solidFill>
+                <a:effectLst>
+                  <a:outerShdw blurRad="38100" dist="38100" dir="2700000" algn="tl">
+                    <a:srgbClr val="000000">
+                      <a:alpha val="43137"/>
+                    </a:srgbClr>
+                  </a:outerShdw>
+                </a:effectLst>
+              </a:rPr>
+              <a:t>Verfügbarkeit</a:t>
+            </a:r>
+            <a:r>
+              <a:rPr lang="en-US" dirty="0">
+                <a:solidFill>
+                  <a:srgbClr val="FFFFFF"/>
+                </a:solidFill>
+                <a:effectLst>
+                  <a:outerShdw blurRad="38100" dist="38100" dir="2700000" algn="tl">
+                    <a:srgbClr val="000000">
+                      <a:alpha val="43137"/>
+                    </a:srgbClr>
+                  </a:outerShdw>
+                </a:effectLst>
+              </a:rPr>
+              <a:t> von </a:t>
+            </a:r>
+            <a:r>
+              <a:rPr lang="en-US" dirty="0" err="1">
+                <a:solidFill>
+                  <a:srgbClr val="FFFFFF"/>
+                </a:solidFill>
+                <a:effectLst>
+                  <a:outerShdw blurRad="38100" dist="38100" dir="2700000" algn="tl">
+                    <a:srgbClr val="000000">
+                      <a:alpha val="43137"/>
+                    </a:srgbClr>
+                  </a:outerShdw>
+                </a:effectLst>
+              </a:rPr>
+              <a:t>Militärrobotern</a:t>
+            </a:r>
+            <a:r>
+              <a:rPr lang="en-US" dirty="0">
+                <a:solidFill>
+                  <a:srgbClr val="FFFFFF"/>
+                </a:solidFill>
+                <a:effectLst>
+                  <a:outerShdw blurRad="38100" dist="38100" dir="2700000" algn="tl">
+                    <a:srgbClr val="000000">
+                      <a:alpha val="43137"/>
+                    </a:srgbClr>
+                  </a:outerShdw>
+                </a:effectLst>
+              </a:rPr>
+              <a:t> </a:t>
+            </a:r>
+            <a:r>
+              <a:rPr lang="en-US" dirty="0" err="1">
+                <a:solidFill>
+                  <a:srgbClr val="FFFFFF"/>
+                </a:solidFill>
+                <a:effectLst>
+                  <a:outerShdw blurRad="38100" dist="38100" dir="2700000" algn="tl">
+                    <a:srgbClr val="000000">
+                      <a:alpha val="43137"/>
+                    </a:srgbClr>
+                  </a:outerShdw>
+                </a:effectLst>
+              </a:rPr>
+              <a:t>könnte</a:t>
+            </a:r>
+            <a:r>
+              <a:rPr lang="en-US" dirty="0">
+                <a:solidFill>
+                  <a:srgbClr val="FFFFFF"/>
+                </a:solidFill>
+                <a:effectLst>
+                  <a:outerShdw blurRad="38100" dist="38100" dir="2700000" algn="tl">
+                    <a:srgbClr val="000000">
+                      <a:alpha val="43137"/>
+                    </a:srgbClr>
+                  </a:outerShdw>
+                </a:effectLst>
+              </a:rPr>
+              <a:t> </a:t>
+            </a:r>
+            <a:r>
+              <a:rPr lang="en-US" dirty="0" err="1">
+                <a:solidFill>
+                  <a:srgbClr val="FFFFFF"/>
+                </a:solidFill>
+                <a:effectLst>
+                  <a:outerShdw blurRad="38100" dist="38100" dir="2700000" algn="tl">
+                    <a:srgbClr val="000000">
+                      <a:alpha val="43137"/>
+                    </a:srgbClr>
+                  </a:outerShdw>
+                </a:effectLst>
+              </a:rPr>
+              <a:t>bestehende</a:t>
+            </a:r>
+            <a:r>
+              <a:rPr lang="en-US" dirty="0">
+                <a:solidFill>
+                  <a:srgbClr val="FFFFFF"/>
+                </a:solidFill>
+                <a:effectLst>
+                  <a:outerShdw blurRad="38100" dist="38100" dir="2700000" algn="tl">
+                    <a:srgbClr val="000000">
+                      <a:alpha val="43137"/>
+                    </a:srgbClr>
+                  </a:outerShdw>
+                </a:effectLst>
+              </a:rPr>
+              <a:t> </a:t>
+            </a:r>
+            <a:r>
+              <a:rPr lang="en-US" dirty="0" err="1">
+                <a:solidFill>
+                  <a:srgbClr val="FFFFFF"/>
+                </a:solidFill>
+                <a:effectLst>
+                  <a:outerShdw blurRad="38100" dist="38100" dir="2700000" algn="tl">
+                    <a:srgbClr val="000000">
+                      <a:alpha val="43137"/>
+                    </a:srgbClr>
+                  </a:outerShdw>
+                </a:effectLst>
+              </a:rPr>
+              <a:t>Ungleichheiten</a:t>
+            </a:r>
+            <a:r>
+              <a:rPr lang="en-US" dirty="0">
+                <a:solidFill>
+                  <a:srgbClr val="FFFFFF"/>
+                </a:solidFill>
+                <a:effectLst>
+                  <a:outerShdw blurRad="38100" dist="38100" dir="2700000" algn="tl">
+                    <a:srgbClr val="000000">
+                      <a:alpha val="43137"/>
+                    </a:srgbClr>
+                  </a:outerShdw>
+                </a:effectLst>
+              </a:rPr>
+              <a:t> </a:t>
+            </a:r>
+            <a:r>
+              <a:rPr lang="en-US" dirty="0" err="1">
+                <a:solidFill>
+                  <a:srgbClr val="FFFFFF"/>
+                </a:solidFill>
+                <a:effectLst>
+                  <a:outerShdw blurRad="38100" dist="38100" dir="2700000" algn="tl">
+                    <a:srgbClr val="000000">
+                      <a:alpha val="43137"/>
+                    </a:srgbClr>
+                  </a:outerShdw>
+                </a:effectLst>
+              </a:rPr>
+              <a:t>verstärken</a:t>
+            </a:r>
+            <a:r>
+              <a:rPr lang="en-US" dirty="0">
+                <a:solidFill>
+                  <a:srgbClr val="FFFFFF"/>
+                </a:solidFill>
+                <a:effectLst>
+                  <a:outerShdw blurRad="38100" dist="38100" dir="2700000" algn="tl">
+                    <a:srgbClr val="000000">
+                      <a:alpha val="43137"/>
+                    </a:srgbClr>
+                  </a:outerShdw>
+                </a:effectLst>
+              </a:rPr>
+              <a:t>.</a:t>
+            </a:r>
+          </a:p>
+          <a:p>
+            <a:pPr marL="228600">
+              <a:lnSpc>
+                <a:spcPct val="110000"/>
+              </a:lnSpc>
+              <a:spcBef>
+                <a:spcPts val="1000"/>
+              </a:spcBef>
+              <a:spcAft>
+                <a:spcPts val="0"/>
+              </a:spcAft>
+            </a:pPr>
+            <a:r>
+              <a:rPr lang="en-US" b="1" dirty="0" err="1">
+                <a:solidFill>
+                  <a:srgbClr val="FFFFFF"/>
+                </a:solidFill>
+                <a:effectLst>
+                  <a:outerShdw blurRad="38100" dist="38100" dir="2700000" algn="tl">
+                    <a:srgbClr val="000000">
+                      <a:alpha val="43137"/>
+                    </a:srgbClr>
+                  </a:outerShdw>
+                </a:effectLst>
+              </a:rPr>
+              <a:t>Vertrauen</a:t>
+            </a:r>
+            <a:r>
+              <a:rPr lang="en-US" b="1" dirty="0">
+                <a:solidFill>
+                  <a:srgbClr val="FFFFFF"/>
+                </a:solidFill>
+                <a:effectLst>
+                  <a:outerShdw blurRad="38100" dist="38100" dir="2700000" algn="tl">
+                    <a:srgbClr val="000000">
+                      <a:alpha val="43137"/>
+                    </a:srgbClr>
+                  </a:outerShdw>
+                </a:effectLst>
+              </a:rPr>
+              <a:t> in </a:t>
+            </a:r>
+            <a:r>
+              <a:rPr lang="en-US" b="1" dirty="0" err="1">
+                <a:solidFill>
+                  <a:srgbClr val="FFFFFF"/>
+                </a:solidFill>
+                <a:effectLst>
+                  <a:outerShdw blurRad="38100" dist="38100" dir="2700000" algn="tl">
+                    <a:srgbClr val="000000">
+                      <a:alpha val="43137"/>
+                    </a:srgbClr>
+                  </a:outerShdw>
+                </a:effectLst>
+              </a:rPr>
+              <a:t>Technologie</a:t>
+            </a:r>
+            <a:r>
+              <a:rPr lang="en-US" b="1" dirty="0">
+                <a:solidFill>
+                  <a:srgbClr val="FFFFFF"/>
+                </a:solidFill>
+                <a:effectLst>
+                  <a:outerShdw blurRad="38100" dist="38100" dir="2700000" algn="tl">
+                    <a:srgbClr val="000000">
+                      <a:alpha val="43137"/>
+                    </a:srgbClr>
+                  </a:outerShdw>
+                </a:effectLst>
+              </a:rPr>
+              <a:t> und </a:t>
+            </a:r>
+            <a:r>
+              <a:rPr lang="en-US" b="1" dirty="0" err="1">
+                <a:solidFill>
+                  <a:srgbClr val="FFFFFF"/>
+                </a:solidFill>
+                <a:effectLst>
+                  <a:outerShdw blurRad="38100" dist="38100" dir="2700000" algn="tl">
+                    <a:srgbClr val="000000">
+                      <a:alpha val="43137"/>
+                    </a:srgbClr>
+                  </a:outerShdw>
+                </a:effectLst>
+              </a:rPr>
+              <a:t>Regierungen</a:t>
+            </a:r>
+            <a:r>
+              <a:rPr lang="en-US" dirty="0">
+                <a:solidFill>
+                  <a:srgbClr val="FFFFFF"/>
+                </a:solidFill>
+                <a:effectLst>
+                  <a:outerShdw blurRad="38100" dist="38100" dir="2700000" algn="tl">
+                    <a:srgbClr val="000000">
+                      <a:alpha val="43137"/>
+                    </a:srgbClr>
+                  </a:outerShdw>
+                </a:effectLst>
+              </a:rPr>
+              <a:t>: Die </a:t>
+            </a:r>
+            <a:r>
+              <a:rPr lang="en-US" dirty="0" err="1">
+                <a:solidFill>
+                  <a:srgbClr val="FFFFFF"/>
+                </a:solidFill>
+                <a:effectLst>
+                  <a:outerShdw blurRad="38100" dist="38100" dir="2700000" algn="tl">
+                    <a:srgbClr val="000000">
+                      <a:alpha val="43137"/>
+                    </a:srgbClr>
+                  </a:outerShdw>
+                </a:effectLst>
+              </a:rPr>
+              <a:t>Nutzung</a:t>
+            </a:r>
+            <a:r>
+              <a:rPr lang="en-US" dirty="0">
+                <a:solidFill>
+                  <a:srgbClr val="FFFFFF"/>
+                </a:solidFill>
+                <a:effectLst>
+                  <a:outerShdw blurRad="38100" dist="38100" dir="2700000" algn="tl">
+                    <a:srgbClr val="000000">
+                      <a:alpha val="43137"/>
+                    </a:srgbClr>
+                  </a:outerShdw>
+                </a:effectLst>
+              </a:rPr>
+              <a:t> von </a:t>
+            </a:r>
+            <a:r>
+              <a:rPr lang="en-US" dirty="0" err="1">
+                <a:solidFill>
+                  <a:srgbClr val="FFFFFF"/>
+                </a:solidFill>
+                <a:effectLst>
+                  <a:outerShdw blurRad="38100" dist="38100" dir="2700000" algn="tl">
+                    <a:srgbClr val="000000">
+                      <a:alpha val="43137"/>
+                    </a:srgbClr>
+                  </a:outerShdw>
+                </a:effectLst>
+              </a:rPr>
+              <a:t>Militärrobotern</a:t>
+            </a:r>
+            <a:r>
+              <a:rPr lang="en-US" dirty="0">
+                <a:solidFill>
+                  <a:srgbClr val="FFFFFF"/>
+                </a:solidFill>
+                <a:effectLst>
+                  <a:outerShdw blurRad="38100" dist="38100" dir="2700000" algn="tl">
+                    <a:srgbClr val="000000">
+                      <a:alpha val="43137"/>
+                    </a:srgbClr>
+                  </a:outerShdw>
+                </a:effectLst>
+              </a:rPr>
+              <a:t> </a:t>
+            </a:r>
+            <a:r>
+              <a:rPr lang="en-US" dirty="0" err="1">
+                <a:solidFill>
+                  <a:srgbClr val="FFFFFF"/>
+                </a:solidFill>
+                <a:effectLst>
+                  <a:outerShdw blurRad="38100" dist="38100" dir="2700000" algn="tl">
+                    <a:srgbClr val="000000">
+                      <a:alpha val="43137"/>
+                    </a:srgbClr>
+                  </a:outerShdw>
+                </a:effectLst>
+              </a:rPr>
+              <a:t>könnte</a:t>
+            </a:r>
+            <a:r>
+              <a:rPr lang="en-US" dirty="0">
+                <a:solidFill>
+                  <a:srgbClr val="FFFFFF"/>
+                </a:solidFill>
+                <a:effectLst>
+                  <a:outerShdw blurRad="38100" dist="38100" dir="2700000" algn="tl">
+                    <a:srgbClr val="000000">
+                      <a:alpha val="43137"/>
+                    </a:srgbClr>
+                  </a:outerShdw>
+                </a:effectLst>
+              </a:rPr>
+              <a:t> das </a:t>
+            </a:r>
+            <a:r>
+              <a:rPr lang="en-US" dirty="0" err="1">
+                <a:solidFill>
+                  <a:srgbClr val="FFFFFF"/>
+                </a:solidFill>
+                <a:effectLst>
+                  <a:outerShdw blurRad="38100" dist="38100" dir="2700000" algn="tl">
+                    <a:srgbClr val="000000">
+                      <a:alpha val="43137"/>
+                    </a:srgbClr>
+                  </a:outerShdw>
+                </a:effectLst>
+              </a:rPr>
+              <a:t>Vertrauen</a:t>
+            </a:r>
+            <a:r>
+              <a:rPr lang="en-US" dirty="0">
+                <a:solidFill>
+                  <a:srgbClr val="FFFFFF"/>
+                </a:solidFill>
+                <a:effectLst>
+                  <a:outerShdw blurRad="38100" dist="38100" dir="2700000" algn="tl">
+                    <a:srgbClr val="000000">
+                      <a:alpha val="43137"/>
+                    </a:srgbClr>
+                  </a:outerShdw>
+                </a:effectLst>
+              </a:rPr>
+              <a:t> in </a:t>
+            </a:r>
+            <a:r>
+              <a:rPr lang="en-US" dirty="0" err="1">
+                <a:solidFill>
+                  <a:srgbClr val="FFFFFF"/>
+                </a:solidFill>
+                <a:effectLst>
+                  <a:outerShdw blurRad="38100" dist="38100" dir="2700000" algn="tl">
+                    <a:srgbClr val="000000">
+                      <a:alpha val="43137"/>
+                    </a:srgbClr>
+                  </a:outerShdw>
+                </a:effectLst>
+              </a:rPr>
+              <a:t>Technologie</a:t>
+            </a:r>
+            <a:r>
+              <a:rPr lang="en-US" dirty="0">
+                <a:solidFill>
+                  <a:srgbClr val="FFFFFF"/>
+                </a:solidFill>
+                <a:effectLst>
+                  <a:outerShdw blurRad="38100" dist="38100" dir="2700000" algn="tl">
+                    <a:srgbClr val="000000">
+                      <a:alpha val="43137"/>
+                    </a:srgbClr>
+                  </a:outerShdw>
+                </a:effectLst>
+              </a:rPr>
+              <a:t> und </a:t>
+            </a:r>
+            <a:r>
+              <a:rPr lang="en-US" dirty="0" err="1">
+                <a:solidFill>
+                  <a:srgbClr val="FFFFFF"/>
+                </a:solidFill>
+                <a:effectLst>
+                  <a:outerShdw blurRad="38100" dist="38100" dir="2700000" algn="tl">
+                    <a:srgbClr val="000000">
+                      <a:alpha val="43137"/>
+                    </a:srgbClr>
+                  </a:outerShdw>
+                </a:effectLst>
+              </a:rPr>
+              <a:t>Regierungen</a:t>
+            </a:r>
+            <a:r>
+              <a:rPr lang="en-US" dirty="0">
+                <a:solidFill>
+                  <a:srgbClr val="FFFFFF"/>
+                </a:solidFill>
+                <a:effectLst>
+                  <a:outerShdw blurRad="38100" dist="38100" dir="2700000" algn="tl">
+                    <a:srgbClr val="000000">
+                      <a:alpha val="43137"/>
+                    </a:srgbClr>
+                  </a:outerShdw>
+                </a:effectLst>
+              </a:rPr>
+              <a:t> </a:t>
+            </a:r>
+            <a:r>
+              <a:rPr lang="en-US" dirty="0" err="1">
+                <a:solidFill>
+                  <a:srgbClr val="FFFFFF"/>
+                </a:solidFill>
+                <a:effectLst>
+                  <a:outerShdw blurRad="38100" dist="38100" dir="2700000" algn="tl">
+                    <a:srgbClr val="000000">
+                      <a:alpha val="43137"/>
+                    </a:srgbClr>
+                  </a:outerShdw>
+                </a:effectLst>
+              </a:rPr>
+              <a:t>beeinflussen</a:t>
+            </a:r>
+            <a:r>
+              <a:rPr lang="en-US" dirty="0">
+                <a:solidFill>
+                  <a:srgbClr val="FFFFFF"/>
+                </a:solidFill>
+                <a:effectLst>
+                  <a:outerShdw blurRad="38100" dist="38100" dir="2700000" algn="tl">
+                    <a:srgbClr val="000000">
+                      <a:alpha val="43137"/>
+                    </a:srgbClr>
+                  </a:outerShdw>
+                </a:effectLst>
+              </a:rPr>
+              <a:t>.</a:t>
+            </a:r>
+          </a:p>
+        </p:txBody>
+      </p:sp>
+    </p:spTree>
+    <p:extLst>
+      <p:ext uri="{BB962C8B-B14F-4D97-AF65-F5344CB8AC3E}">
+        <p14:creationId xmlns:p14="http://schemas.microsoft.com/office/powerpoint/2010/main" val="3972507023"/>
+      </p:ext>
+    </p:extLst>
+  </p:cSld>
+  <p:clrMapOvr>
+    <a:masterClrMapping/>
+  </p:clrMapOvr>
+</p:sld>
+</file>
+
+<file path=ppt/slides/slide6.xml><?xml version="1.0" encoding="utf-8"?>
+<p:sld xmlns:a="http://schemas.openxmlformats.org/drawingml/2006/main" xmlns:r="http://schemas.openxmlformats.org/officeDocument/2006/relationships" xmlns:p="http://schemas.openxmlformats.org/presentationml/2006/main">
+  <p:cSld>
+    <p:bg>
+      <p:bgPr>
+        <a:solidFill>
+          <a:schemeClr val="bg1"/>
+        </a:solidFill>
+        <a:effectLst/>
+      </p:bgPr>
+    </p:bg>
+    <p:spTree>
+      <p:nvGrpSpPr>
+        <p:cNvPr id="1" name=""/>
+        <p:cNvGrpSpPr/>
+        <p:nvPr/>
+      </p:nvGrpSpPr>
+      <p:grpSpPr>
+        <a:xfrm>
+          <a:off x="0" y="0"/>
+          <a:ext cx="0" cy="0"/>
+          <a:chOff x="0" y="0"/>
+          <a:chExt cx="0" cy="0"/>
+        </a:xfrm>
+      </p:grpSpPr>
+      <p:sp>
+        <p:nvSpPr>
+          <p:cNvPr id="10" name="Freeform: Shape 9">
+            <a:extLst>
+              <a:ext uri="{FF2B5EF4-FFF2-40B4-BE49-F238E27FC236}">
+                <a16:creationId xmlns:a16="http://schemas.microsoft.com/office/drawing/2014/main" id="{48D7368D-31D9-8101-473D-CD39E706FD22}"/>
+              </a:ext>
+              <a:ext uri="{C183D7F6-B498-43B3-948B-1728B52AA6E4}">
+                <adec:decorative xmlns:adec="http://schemas.microsoft.com/office/drawing/2017/decorative" val="1"/>
+              </a:ext>
+            </a:extLst>
+          </p:cNvPr>
+          <p:cNvSpPr>
+            <a:spLocks noGrp="1" noRot="1" noChangeAspect="1" noMove="1" noResize="1" noEditPoints="1" noAdjustHandles="1" noChangeArrowheads="1" noChangeShapeType="1" noTextEdit="1"/>
+          </p:cNvSpPr>
+          <p:nvPr>
+            <p:extLst>
+              <p:ext uri="{386F3935-93C4-4BCD-93E2-E3B085C9AB24}">
+                <p16:designElem xmlns:p16="http://schemas.microsoft.com/office/powerpoint/2015/main" val="1"/>
+              </p:ext>
+            </p:extLst>
+          </p:nvPr>
+        </p:nvSpPr>
+        <p:spPr>
+          <a:xfrm>
+            <a:off x="5796401" y="3378954"/>
+            <a:ext cx="6394567" cy="3479046"/>
+          </a:xfrm>
+          <a:custGeom>
+            <a:avLst/>
+            <a:gdLst/>
+            <a:ahLst/>
+            <a:cxnLst/>
+            <a:rect l="l" t="t" r="r" b="b"/>
+            <a:pathLst>
+              <a:path w="6394567" h="3479046">
+                <a:moveTo>
+                  <a:pt x="5171297" y="284"/>
+                </a:moveTo>
+                <a:cubicBezTo>
+                  <a:pt x="5607674" y="7531"/>
+                  <a:pt x="6039042" y="153650"/>
+                  <a:pt x="6394290" y="430072"/>
+                </a:cubicBezTo>
+                <a:lnTo>
+                  <a:pt x="6394567" y="430316"/>
+                </a:lnTo>
+                <a:lnTo>
+                  <a:pt x="6394567" y="3479046"/>
+                </a:lnTo>
+                <a:lnTo>
+                  <a:pt x="0" y="3479046"/>
+                </a:lnTo>
+                <a:lnTo>
+                  <a:pt x="3916974" y="405504"/>
+                </a:lnTo>
+                <a:lnTo>
+                  <a:pt x="3959456" y="373857"/>
+                </a:lnTo>
+                <a:cubicBezTo>
+                  <a:pt x="4291086" y="139664"/>
+                  <a:pt x="4671097" y="17528"/>
+                  <a:pt x="5052215" y="1756"/>
+                </a:cubicBezTo>
+                <a:cubicBezTo>
+                  <a:pt x="5091916" y="114"/>
+                  <a:pt x="5131627" y="-375"/>
+                  <a:pt x="5171297" y="284"/>
+                </a:cubicBezTo>
+                <a:close/>
+              </a:path>
+            </a:pathLst>
+          </a:custGeom>
+          <a:gradFill>
+            <a:gsLst>
+              <a:gs pos="39000">
+                <a:schemeClr val="bg2"/>
+              </a:gs>
+              <a:gs pos="100000">
+                <a:schemeClr val="accent1">
+                  <a:lumMod val="60000"/>
+                  <a:lumOff val="40000"/>
+                </a:schemeClr>
+              </a:gs>
+            </a:gsLst>
+            <a:lin ang="1200000" scaled="0"/>
+          </a:gradFill>
+          <a:ln>
+            <a:noFill/>
+          </a:ln>
+        </p:spPr>
+        <p:style>
+          <a:lnRef idx="2">
+            <a:schemeClr val="accent1">
+              <a:shade val="50000"/>
+            </a:schemeClr>
+          </a:lnRef>
+          <a:fillRef idx="1">
+            <a:schemeClr val="accent1"/>
+          </a:fillRef>
+          <a:effectRef idx="0">
+            <a:schemeClr val="accent1"/>
+          </a:effectRef>
+          <a:fontRef idx="minor">
+            <a:schemeClr val="lt1"/>
+          </a:fontRef>
+        </p:style>
+        <p:txBody>
+          <a:bodyPr wrap="square" rtlCol="0" anchor="ctr">
+            <a:noAutofit/>
+          </a:bodyPr>
+          <a:lstStyle/>
+          <a:p>
+            <a:pPr algn="ctr"/>
+            <a:endParaRPr lang="en-US"/>
+          </a:p>
+        </p:txBody>
+      </p:sp>
+      <p:sp useBgFill="1">
+        <p:nvSpPr>
+          <p:cNvPr id="12" name="Rectangle 11">
+            <a:extLst>
+              <a:ext uri="{FF2B5EF4-FFF2-40B4-BE49-F238E27FC236}">
+                <a16:creationId xmlns:a16="http://schemas.microsoft.com/office/drawing/2014/main" id="{CAA37442-EAE9-6CFC-AC74-44222B37FA80}"/>
+              </a:ext>
+              <a:ext uri="{C183D7F6-B498-43B3-948B-1728B52AA6E4}">
+                <adec:decorative xmlns:adec="http://schemas.microsoft.com/office/drawing/2017/decorative" val="1"/>
+              </a:ext>
+            </a:extLst>
+          </p:cNvPr>
+          <p:cNvSpPr>
+            <a:spLocks noGrp="1" noRot="1" noChangeAspect="1" noMove="1" noResize="1" noEditPoints="1" noAdjustHandles="1" noChangeArrowheads="1" noChangeShapeType="1" noTextEdit="1"/>
+          </p:cNvSpPr>
+          <p:nvPr>
+            <p:extLst>
+              <p:ext uri="{386F3935-93C4-4BCD-93E2-E3B085C9AB24}">
+                <p16:designElem xmlns:p16="http://schemas.microsoft.com/office/powerpoint/2015/main" val="1"/>
+              </p:ext>
+            </p:extLst>
+          </p:nvPr>
+        </p:nvSpPr>
+        <p:spPr>
+          <a:xfrm>
+            <a:off x="0" y="0"/>
+            <a:ext cx="12192000" cy="6858000"/>
+          </a:xfrm>
+          <a:prstGeom prst="rect">
+            <a:avLst/>
+          </a:prstGeom>
+          <a:ln w="12700" cap="flat" cmpd="sng" algn="ctr">
+            <a:noFill/>
+            <a:prstDash val="solid"/>
+            <a:miter lim="800000"/>
+          </a:ln>
+          <a:effectLst/>
+          <a:extLst>
+            <a:ext uri="{91240B29-F687-4F45-9708-019B960494DF}">
+              <a14:hiddenLine xmlns:a14="http://schemas.microsoft.com/office/drawing/2010/main" w="12700" cap="flat" cmpd="sng" algn="ctr">
+                <a:solidFill>
+                  <a:schemeClr val="accent1">
+                    <a:shade val="50000"/>
+                  </a:schemeClr>
+                </a:solidFill>
+                <a:prstDash val="solid"/>
+                <a:miter lim="800000"/>
+              </a14:hiddenLine>
+            </a:ext>
+          </a:extLst>
+        </p:spPr>
+        <p:style>
+          <a:lnRef idx="2">
+            <a:schemeClr val="accent1">
+              <a:shade val="50000"/>
+            </a:schemeClr>
+          </a:lnRef>
+          <a:fillRef idx="1">
+            <a:schemeClr val="accent1"/>
+          </a:fillRef>
+          <a:effectRef idx="0">
+            <a:schemeClr val="accent1"/>
+          </a:effectRef>
+          <a:fontRef idx="minor">
+            <a:schemeClr val="lt1"/>
+          </a:fontRef>
+        </p:style>
+        <p:txBody>
+          <a:bodyPr rtlCol="0" anchor="ctr"/>
+          <a:lstStyle/>
+          <a:p>
+            <a:pPr algn="ctr"/>
+            <a:endParaRPr lang="en-US"/>
+          </a:p>
+        </p:txBody>
+      </p:sp>
+      <p:pic>
+        <p:nvPicPr>
+          <p:cNvPr id="5" name="Inhaltsplatzhalter 4" descr="Ein Bild, das Gelände, draußen, Werkzeug, gelb enthält.&#10;&#10;Automatisch generierte Beschreibung">
+            <a:extLst>
+              <a:ext uri="{FF2B5EF4-FFF2-40B4-BE49-F238E27FC236}">
+                <a16:creationId xmlns:a16="http://schemas.microsoft.com/office/drawing/2014/main" id="{6984DD32-C104-E5AB-B857-15A1FAD2DB76}"/>
+              </a:ext>
+            </a:extLst>
+          </p:cNvPr>
+          <p:cNvPicPr>
+            <a:picLocks noGrp="1" noChangeAspect="1"/>
+          </p:cNvPicPr>
+          <p:nvPr>
+            <p:ph idx="1"/>
+          </p:nvPr>
+        </p:nvPicPr>
+        <p:blipFill rotWithShape="1">
+          <a:blip r:embed="rId2">
+            <a:extLst>
+              <a:ext uri="{28A0092B-C50C-407E-A947-70E740481C1C}">
+                <a14:useLocalDpi xmlns:a14="http://schemas.microsoft.com/office/drawing/2010/main" val="0"/>
+              </a:ext>
+              <a:ext uri="{837473B0-CC2E-450A-ABE3-18F120FF3D39}">
+                <a1611:picAttrSrcUrl xmlns:a1611="http://schemas.microsoft.com/office/drawing/2016/11/main" r:id="rId3"/>
+              </a:ext>
+            </a:extLst>
+          </a:blip>
+          <a:srcRect t="513" b="26197"/>
+          <a:stretch/>
+        </p:blipFill>
+        <p:spPr>
+          <a:xfrm>
+            <a:off x="21" y="1"/>
+            <a:ext cx="12191979" cy="6857999"/>
+          </a:xfrm>
+          <a:prstGeom prst="rect">
+            <a:avLst/>
+          </a:prstGeom>
+        </p:spPr>
+      </p:pic>
+      <p:sp>
+        <p:nvSpPr>
+          <p:cNvPr id="14" name="Rectangle 13">
+            <a:extLst>
+              <a:ext uri="{FF2B5EF4-FFF2-40B4-BE49-F238E27FC236}">
+                <a16:creationId xmlns:a16="http://schemas.microsoft.com/office/drawing/2014/main" id="{54117A24-9D5E-A791-A2F4-8C81AC603C15}"/>
+              </a:ext>
+              <a:ext uri="{C183D7F6-B498-43B3-948B-1728B52AA6E4}">
+                <adec:decorative xmlns:adec="http://schemas.microsoft.com/office/drawing/2017/decorative" val="1"/>
+              </a:ext>
+            </a:extLst>
+          </p:cNvPr>
+          <p:cNvSpPr>
+            <a:spLocks noGrp="1" noRot="1" noChangeAspect="1" noMove="1" noResize="1" noEditPoints="1" noAdjustHandles="1" noChangeArrowheads="1" noChangeShapeType="1" noTextEdit="1"/>
+          </p:cNvSpPr>
+          <p:nvPr>
+            <p:extLst>
+              <p:ext uri="{386F3935-93C4-4BCD-93E2-E3B085C9AB24}">
+                <p16:designElem xmlns:p16="http://schemas.microsoft.com/office/powerpoint/2015/main" val="1"/>
+              </p:ext>
+            </p:extLst>
+          </p:nvPr>
+        </p:nvSpPr>
+        <p:spPr>
+          <a:xfrm rot="5400000">
+            <a:off x="960265" y="-960268"/>
+            <a:ext cx="6857998" cy="8778533"/>
+          </a:xfrm>
+          <a:prstGeom prst="rect">
+            <a:avLst/>
+          </a:prstGeom>
+          <a:gradFill>
+            <a:gsLst>
+              <a:gs pos="0">
+                <a:srgbClr val="000000">
+                  <a:alpha val="0"/>
+                </a:srgbClr>
+              </a:gs>
+              <a:gs pos="56000">
+                <a:srgbClr val="000000">
+                  <a:alpha val="58000"/>
+                </a:srgbClr>
+              </a:gs>
+              <a:gs pos="100000">
+                <a:srgbClr val="000000">
+                  <a:alpha val="51000"/>
+                </a:srgbClr>
+              </a:gs>
+            </a:gsLst>
+            <a:lin ang="5400000" scaled="1"/>
+          </a:gradFill>
+          <a:ln>
+            <a:noFill/>
+          </a:ln>
+        </p:spPr>
+        <p:style>
+          <a:lnRef idx="2">
+            <a:schemeClr val="accent1">
+              <a:shade val="50000"/>
+            </a:schemeClr>
+          </a:lnRef>
+          <a:fillRef idx="1">
+            <a:schemeClr val="accent1"/>
+          </a:fillRef>
+          <a:effectRef idx="0">
+            <a:schemeClr val="accent1"/>
+          </a:effectRef>
+          <a:fontRef idx="minor">
+            <a:schemeClr val="lt1"/>
+          </a:fontRef>
+        </p:style>
+        <p:txBody>
+          <a:bodyPr rtlCol="0" anchor="ctr"/>
+          <a:lstStyle/>
+          <a:p>
+            <a:pPr algn="ctr"/>
+            <a:endParaRPr lang="en-US"/>
+          </a:p>
+        </p:txBody>
+      </p:sp>
+      <p:sp>
+        <p:nvSpPr>
+          <p:cNvPr id="2" name="Titel 1">
+            <a:extLst>
+              <a:ext uri="{FF2B5EF4-FFF2-40B4-BE49-F238E27FC236}">
+                <a16:creationId xmlns:a16="http://schemas.microsoft.com/office/drawing/2014/main" id="{45D4462F-684E-8093-C7C9-F6D42D3DCC34}"/>
+              </a:ext>
+            </a:extLst>
+          </p:cNvPr>
+          <p:cNvSpPr>
+            <a:spLocks noGrp="1"/>
+          </p:cNvSpPr>
+          <p:nvPr>
+            <p:ph type="title"/>
+          </p:nvPr>
+        </p:nvSpPr>
+        <p:spPr>
+          <a:xfrm>
+            <a:off x="1066802" y="1122363"/>
+            <a:ext cx="5029198" cy="2305246"/>
+          </a:xfrm>
+        </p:spPr>
+        <p:txBody>
+          <a:bodyPr vert="horz" lIns="91440" tIns="45720" rIns="91440" bIns="45720" rtlCol="0" anchor="b">
+            <a:normAutofit/>
+          </a:bodyPr>
+          <a:lstStyle/>
+          <a:p>
+            <a:pPr>
+              <a:lnSpc>
+                <a:spcPct val="100000"/>
+              </a:lnSpc>
+            </a:pPr>
+            <a:r>
+              <a:rPr lang="en-US" sz="3600">
+                <a:solidFill>
+                  <a:srgbClr val="FFFFFF"/>
+                </a:solidFill>
+              </a:rPr>
+              <a:t>Firma Boston Dynamics</a:t>
+            </a:r>
+          </a:p>
+        </p:txBody>
+      </p:sp>
+    </p:spTree>
+    <p:extLst>
+      <p:ext uri="{BB962C8B-B14F-4D97-AF65-F5344CB8AC3E}">
+        <p14:creationId xmlns:p14="http://schemas.microsoft.com/office/powerpoint/2010/main" val="4117212033"/>
+      </p:ext>
+    </p:extLst>
+  </p:cSld>
+  <p:clrMapOvr>
+    <a:masterClrMapping/>
+  </p:clrMapOvr>
+</p:sld>
+</file>
+
+<file path=ppt/slides/slide7.xml><?xml version="1.0" encoding="utf-8"?>
+<p:sld xmlns:a="http://schemas.openxmlformats.org/drawingml/2006/main" xmlns:r="http://schemas.openxmlformats.org/officeDocument/2006/relationships" xmlns:p="http://schemas.openxmlformats.org/presentationml/2006/main">
+  <p:cSld>
+    <p:bg>
+      <p:bgPr>
+        <a:solidFill>
+          <a:schemeClr val="bg1"/>
+        </a:solidFill>
+        <a:effectLst/>
+      </p:bgPr>
+    </p:bg>
+    <p:spTree>
+      <p:nvGrpSpPr>
+        <p:cNvPr id="1" name=""/>
+        <p:cNvGrpSpPr/>
+        <p:nvPr/>
+      </p:nvGrpSpPr>
+      <p:grpSpPr>
+        <a:xfrm>
+          <a:off x="0" y="0"/>
+          <a:ext cx="0" cy="0"/>
+          <a:chOff x="0" y="0"/>
+          <a:chExt cx="0" cy="0"/>
+        </a:xfrm>
+      </p:grpSpPr>
+      <p:sp>
+        <p:nvSpPr>
+          <p:cNvPr id="13" name="Rectangle 8">
+            <a:extLst>
+              <a:ext uri="{FF2B5EF4-FFF2-40B4-BE49-F238E27FC236}">
+                <a16:creationId xmlns:a16="http://schemas.microsoft.com/office/drawing/2014/main" id="{8753201B-432F-7A72-6FF6-CF0404210168}"/>
+              </a:ext>
+              <a:ext uri="{C183D7F6-B498-43B3-948B-1728B52AA6E4}">
+                <adec:decorative xmlns:adec="http://schemas.microsoft.com/office/drawing/2017/decorative" val="1"/>
+              </a:ext>
+            </a:extLst>
+          </p:cNvPr>
+          <p:cNvSpPr>
+            <a:spLocks noGrp="1" noRot="1" noChangeAspect="1" noMove="1" noResize="1" noEditPoints="1" noAdjustHandles="1" noChangeArrowheads="1" noChangeShapeType="1" noTextEdit="1"/>
+          </p:cNvSpPr>
+          <p:nvPr>
+            <p:extLst>
+              <p:ext uri="{386F3935-93C4-4BCD-93E2-E3B085C9AB24}">
+                <p16:designElem xmlns:p16="http://schemas.microsoft.com/office/powerpoint/2015/main" val="1"/>
+              </p:ext>
+            </p:extLst>
+          </p:nvPr>
+        </p:nvSpPr>
+        <p:spPr>
+          <a:xfrm>
+            <a:off x="0" y="0"/>
+            <a:ext cx="12192000" cy="6858000"/>
+          </a:xfrm>
+          <a:prstGeom prst="rect">
+            <a:avLst/>
+          </a:prstGeom>
+          <a:solidFill>
+            <a:srgbClr val="000000"/>
+          </a:solidFill>
+          <a:ln w="12700" cap="flat" cmpd="sng" algn="ctr">
+            <a:noFill/>
+            <a:prstDash val="solid"/>
+            <a:miter lim="800000"/>
+          </a:ln>
+          <a:effectLst/>
+        </p:spPr>
+        <p:style>
+          <a:lnRef idx="2">
+            <a:schemeClr val="accent1">
+              <a:shade val="50000"/>
+            </a:schemeClr>
+          </a:lnRef>
+          <a:fillRef idx="1">
+            <a:schemeClr val="accent1"/>
+          </a:fillRef>
+          <a:effectRef idx="0">
+            <a:schemeClr val="accent1"/>
+          </a:effectRef>
+          <a:fontRef idx="minor">
+            <a:schemeClr val="lt1"/>
+          </a:fontRef>
+        </p:style>
+        <p:txBody>
+          <a:bodyPr rtlCol="0" anchor="ctr"/>
+          <a:lstStyle/>
+          <a:p>
+            <a:pPr algn="ctr"/>
+            <a:endParaRPr lang="en-US"/>
+          </a:p>
+        </p:txBody>
+      </p:sp>
+      <p:pic>
+        <p:nvPicPr>
           <p:cNvPr id="4" name="Grafik 3" descr="Ein Bild, das Gelände, draußen, Werkzeug, gelb enthält.&#10;&#10;Automatisch generierte Beschreibung">
             <a:extLst>
               <a:ext uri="{FF2B5EF4-FFF2-40B4-BE49-F238E27FC236}">
@@ -5612,8 +9205,8 @@
         </p:nvSpPr>
         <p:spPr>
           <a:xfrm>
-            <a:off x="4509105" y="261257"/>
-            <a:ext cx="7682895" cy="6596742"/>
+            <a:off x="2669852" y="0"/>
+            <a:ext cx="9522148" cy="6857999"/>
           </a:xfrm>
         </p:spPr>
         <p:txBody>
@@ -5628,7 +9221,7 @@
               </a:lnSpc>
             </a:pPr>
             <a:r>
-              <a:rPr lang="de-DE" sz="1200" b="1" dirty="0">
+              <a:rPr lang="de-DE" b="1" dirty="0">
                 <a:solidFill>
                   <a:srgbClr val="FFFFFF"/>
                 </a:solidFill>
@@ -5643,19 +9236,41 @@
               <a:t>Boston Dynamics Militärroboter</a:t>
             </a:r>
             <a:r>
-              <a:rPr lang="de-DE" sz="1200" dirty="0">
-                <a:solidFill>
-                  <a:srgbClr val="FFFFFF"/>
-                </a:solidFill>
-                <a:effectLst>
-                  <a:outerShdw blurRad="38100" dist="38100" dir="2700000" algn="tl">
-                    <a:srgbClr val="000000">
-                      <a:alpha val="43137"/>
-                    </a:srgbClr>
-                  </a:outerShdw>
-                </a:effectLst>
-              </a:rPr>
-              <a:t>: Vielseitige vierbeinige Roboter, entwickelt für verschiedene Anwendungen, einschließlich militärischer und ziviler Einsätze.</a:t>
+              <a:rPr lang="de-DE" dirty="0">
+                <a:solidFill>
+                  <a:srgbClr val="FFFFFF"/>
+                </a:solidFill>
+                <a:effectLst>
+                  <a:outerShdw blurRad="38100" dist="38100" dir="2700000" algn="tl">
+                    <a:srgbClr val="000000">
+                      <a:alpha val="43137"/>
+                    </a:srgbClr>
+                  </a:outerShdw>
+                </a:effectLst>
+              </a:rPr>
+              <a:t>:</a:t>
+            </a:r>
+          </a:p>
+          <a:p>
+            <a:pPr>
+              <a:lnSpc>
+                <a:spcPct val="110000"/>
+              </a:lnSpc>
+            </a:pPr>
+            <a:r>
+              <a:rPr lang="de-DE" dirty="0">
+                <a:solidFill>
+                  <a:srgbClr val="FFFFFF"/>
+                </a:solidFill>
+                <a:effectLst>
+                  <a:outerShdw blurRad="38100" dist="38100" dir="2700000" algn="tl">
+                    <a:srgbClr val="000000">
+                      <a:alpha val="43137"/>
+                    </a:srgbClr>
+                  </a:outerShdw>
+                </a:effectLst>
+              </a:rPr>
+              <a:t> Vielseitige vierbeinige Roboter, entwickelt für verschiedene Anwendungen, einschließlich militärischer und ziviler Einsätze.</a:t>
             </a:r>
           </a:p>
           <a:p>
@@ -5667,7 +9282,7 @@
               <a:buChar char="•"/>
             </a:pPr>
             <a:r>
-              <a:rPr lang="de-DE" sz="1200" b="1" dirty="0">
+              <a:rPr lang="de-DE" b="1" dirty="0">
                 <a:solidFill>
                   <a:srgbClr val="FFFFFF"/>
                 </a:solidFill>
@@ -5682,7 +9297,7 @@
               <a:t>Merkmale</a:t>
             </a:r>
             <a:r>
-              <a:rPr lang="de-DE" sz="1200" dirty="0">
+              <a:rPr lang="de-DE" dirty="0">
                 <a:solidFill>
                   <a:srgbClr val="FFFFFF"/>
                 </a:solidFill>
@@ -5706,7 +9321,7 @@
               <a:buChar char="•"/>
             </a:pPr>
             <a:r>
-              <a:rPr lang="de-DE" sz="1200" b="1" dirty="0">
+              <a:rPr lang="de-DE" sz="1800" b="1" dirty="0">
                 <a:solidFill>
                   <a:srgbClr val="FFFFFF"/>
                 </a:solidFill>
@@ -5721,7 +9336,7 @@
               <a:t>Bewegungsfähigkeit</a:t>
             </a:r>
             <a:r>
-              <a:rPr lang="de-DE" sz="1200" dirty="0">
+              <a:rPr lang="de-DE" sz="1800" dirty="0">
                 <a:solidFill>
                   <a:srgbClr val="FFFFFF"/>
                 </a:solidFill>
@@ -5745,7 +9360,7 @@
               <a:buChar char="•"/>
             </a:pPr>
             <a:r>
-              <a:rPr lang="de-DE" sz="1200" b="1" dirty="0">
+              <a:rPr lang="de-DE" sz="1800" b="1" dirty="0">
                 <a:solidFill>
                   <a:srgbClr val="FFFFFF"/>
                 </a:solidFill>
@@ -5760,7 +9375,7 @@
               <a:t>Sensorik</a:t>
             </a:r>
             <a:r>
-              <a:rPr lang="de-DE" sz="1200" dirty="0">
+              <a:rPr lang="de-DE" sz="1800" dirty="0">
                 <a:solidFill>
                   <a:srgbClr val="FFFFFF"/>
                 </a:solidFill>
@@ -5784,7 +9399,7 @@
               <a:buChar char="•"/>
             </a:pPr>
             <a:r>
-              <a:rPr lang="de-DE" sz="1200" dirty="0">
+              <a:rPr lang="de-DE" sz="1800" dirty="0">
                 <a:solidFill>
                   <a:srgbClr val="FFFFFF"/>
                 </a:solidFill>
@@ -5808,7 +9423,7 @@
               <a:buChar char="•"/>
             </a:pPr>
             <a:r>
-              <a:rPr lang="de-DE" sz="1200" b="1" dirty="0">
+              <a:rPr lang="de-DE" sz="1800" b="1" dirty="0">
                 <a:solidFill>
                   <a:srgbClr val="FFFFFF"/>
                 </a:solidFill>
@@ -5823,7 +9438,7 @@
               <a:t>Anpassungsfähigkeit</a:t>
             </a:r>
             <a:r>
-              <a:rPr lang="de-DE" sz="1200" dirty="0">
+              <a:rPr lang="de-DE" sz="1800" dirty="0">
                 <a:solidFill>
                   <a:srgbClr val="FFFFFF"/>
                 </a:solidFill>
@@ -5847,7 +9462,7 @@
               <a:buChar char="•"/>
             </a:pPr>
             <a:r>
-              <a:rPr lang="de-DE" sz="1200" b="1" dirty="0">
+              <a:rPr lang="de-DE" sz="1800" b="1" dirty="0">
                 <a:solidFill>
                   <a:srgbClr val="FFFFFF"/>
                 </a:solidFill>
@@ -5862,7 +9477,7 @@
               <a:t>Interaktion mit der Umgebung</a:t>
             </a:r>
             <a:r>
-              <a:rPr lang="de-DE" sz="1200" dirty="0">
+              <a:rPr lang="de-DE" sz="1800" dirty="0">
                 <a:solidFill>
                   <a:srgbClr val="FFFFFF"/>
                 </a:solidFill>
@@ -5886,7 +9501,7 @@
               <a:buChar char="•"/>
             </a:pPr>
             <a:r>
-              <a:rPr lang="de-DE" sz="1200" b="1" dirty="0">
+              <a:rPr lang="de-DE" b="1" dirty="0">
                 <a:solidFill>
                   <a:srgbClr val="FFFFFF"/>
                 </a:solidFill>
@@ -5901,7 +9516,7 @@
               <a:t>Anwendungen im Militär</a:t>
             </a:r>
             <a:r>
-              <a:rPr lang="de-DE" sz="1200" dirty="0">
+              <a:rPr lang="de-DE" dirty="0">
                 <a:solidFill>
                   <a:srgbClr val="FFFFFF"/>
                 </a:solidFill>
@@ -5925,7 +9540,7 @@
               <a:buChar char="•"/>
             </a:pPr>
             <a:r>
-              <a:rPr lang="de-DE" sz="1200" dirty="0">
+              <a:rPr lang="de-DE" sz="1800" dirty="0">
                 <a:solidFill>
                   <a:srgbClr val="FFFFFF"/>
                 </a:solidFill>
@@ -5949,7 +9564,7 @@
               <a:buChar char="•"/>
             </a:pPr>
             <a:r>
-              <a:rPr lang="de-DE" sz="1200" dirty="0">
+              <a:rPr lang="de-DE" sz="1800" dirty="0">
                 <a:solidFill>
                   <a:srgbClr val="FFFFFF"/>
                 </a:solidFill>
@@ -5973,7 +9588,7 @@
               <a:buChar char="•"/>
             </a:pPr>
             <a:r>
-              <a:rPr lang="de-DE" sz="1200" dirty="0">
+              <a:rPr lang="de-DE" sz="1800" dirty="0">
                 <a:solidFill>
                   <a:srgbClr val="FFFFFF"/>
                 </a:solidFill>
@@ -5997,7 +9612,7 @@
               <a:buChar char="•"/>
             </a:pPr>
             <a:r>
-              <a:rPr lang="de-DE" sz="1200" dirty="0">
+              <a:rPr lang="de-DE" sz="1800" dirty="0">
                 <a:solidFill>
                   <a:srgbClr val="FFFFFF"/>
                 </a:solidFill>
@@ -6046,7 +9661,7 @@
 </p:sld>
 </file>
 
-<file path=ppt/slides/slide4.xml><?xml version="1.0" encoding="utf-8"?>
+<file path=ppt/slides/slide8.xml><?xml version="1.0" encoding="utf-8"?>
 <p:sld xmlns:a="http://schemas.openxmlformats.org/drawingml/2006/main" xmlns:r="http://schemas.openxmlformats.org/officeDocument/2006/relationships" xmlns:p="http://schemas.openxmlformats.org/presentationml/2006/main">
   <p:cSld>
     <p:spTree>
@@ -6245,3032 +9860,7 @@
 </p:sld>
 </file>
 
-<file path=ppt/slides/slide5.xml><?xml version="1.0" encoding="utf-8"?>
-<p:sld xmlns:a="http://schemas.openxmlformats.org/drawingml/2006/main" xmlns:r="http://schemas.openxmlformats.org/officeDocument/2006/relationships" xmlns:p="http://schemas.openxmlformats.org/presentationml/2006/main">
-  <p:cSld>
-    <p:bg>
-      <p:bgPr>
-        <a:solidFill>
-          <a:schemeClr val="bg1"/>
-        </a:solidFill>
-        <a:effectLst/>
-      </p:bgPr>
-    </p:bg>
-    <p:spTree>
-      <p:nvGrpSpPr>
-        <p:cNvPr id="1" name=""/>
-        <p:cNvGrpSpPr/>
-        <p:nvPr/>
-      </p:nvGrpSpPr>
-      <p:grpSpPr>
-        <a:xfrm>
-          <a:off x="0" y="0"/>
-          <a:ext cx="0" cy="0"/>
-          <a:chOff x="0" y="0"/>
-          <a:chExt cx="0" cy="0"/>
-        </a:xfrm>
-      </p:grpSpPr>
-      <p:sp>
-        <p:nvSpPr>
-          <p:cNvPr id="20" name="Rectangle 19">
-            <a:extLst>
-              <a:ext uri="{FF2B5EF4-FFF2-40B4-BE49-F238E27FC236}">
-                <a16:creationId xmlns:a16="http://schemas.microsoft.com/office/drawing/2014/main" id="{B5CE8706-C904-73E3-C523-33027F7D3499}"/>
-              </a:ext>
-              <a:ext uri="{C183D7F6-B498-43B3-948B-1728B52AA6E4}">
-                <adec:decorative xmlns:adec="http://schemas.microsoft.com/office/drawing/2017/decorative" val="1"/>
-              </a:ext>
-            </a:extLst>
-          </p:cNvPr>
-          <p:cNvSpPr>
-            <a:spLocks noGrp="1" noRot="1" noChangeAspect="1" noMove="1" noResize="1" noEditPoints="1" noAdjustHandles="1" noChangeArrowheads="1" noChangeShapeType="1" noTextEdit="1"/>
-          </p:cNvSpPr>
-          <p:nvPr>
-            <p:extLst>
-              <p:ext uri="{386F3935-93C4-4BCD-93E2-E3B085C9AB24}">
-                <p16:designElem xmlns:p16="http://schemas.microsoft.com/office/powerpoint/2015/main" val="1"/>
-              </p:ext>
-            </p:extLst>
-          </p:nvPr>
-        </p:nvSpPr>
-        <p:spPr>
-          <a:xfrm>
-            <a:off x="0" y="0"/>
-            <a:ext cx="12192000" cy="6858000"/>
-          </a:xfrm>
-          <a:prstGeom prst="rect">
-            <a:avLst/>
-          </a:prstGeom>
-          <a:solidFill>
-            <a:schemeClr val="bg1"/>
-          </a:solidFill>
-          <a:ln w="12700" cap="flat" cmpd="sng" algn="ctr">
-            <a:noFill/>
-            <a:prstDash val="solid"/>
-            <a:miter lim="800000"/>
-          </a:ln>
-          <a:effectLst/>
-          <a:extLst>
-            <a:ext uri="{91240B29-F687-4F45-9708-019B960494DF}">
-              <a14:hiddenLine xmlns:a14="http://schemas.microsoft.com/office/drawing/2010/main" w="12700" cap="flat" cmpd="sng" algn="ctr">
-                <a:solidFill>
-                  <a:schemeClr val="accent1">
-                    <a:shade val="50000"/>
-                  </a:schemeClr>
-                </a:solidFill>
-                <a:prstDash val="solid"/>
-                <a:miter lim="800000"/>
-              </a14:hiddenLine>
-            </a:ext>
-          </a:extLst>
-        </p:spPr>
-        <p:style>
-          <a:lnRef idx="2">
-            <a:schemeClr val="accent1">
-              <a:shade val="50000"/>
-            </a:schemeClr>
-          </a:lnRef>
-          <a:fillRef idx="1">
-            <a:schemeClr val="accent1"/>
-          </a:fillRef>
-          <a:effectRef idx="0">
-            <a:schemeClr val="accent1"/>
-          </a:effectRef>
-          <a:fontRef idx="minor">
-            <a:schemeClr val="lt1"/>
-          </a:fontRef>
-        </p:style>
-        <p:txBody>
-          <a:bodyPr rtlCol="0" anchor="ctr"/>
-          <a:lstStyle/>
-          <a:p>
-            <a:pPr algn="ctr"/>
-            <a:endParaRPr lang="en-US"/>
-          </a:p>
-        </p:txBody>
-      </p:sp>
-      <p:sp>
-        <p:nvSpPr>
-          <p:cNvPr id="22" name="Rectangle 21">
-            <a:extLst>
-              <a:ext uri="{FF2B5EF4-FFF2-40B4-BE49-F238E27FC236}">
-                <a16:creationId xmlns:a16="http://schemas.microsoft.com/office/drawing/2014/main" id="{8753201B-432F-7A72-6FF6-CF0404210168}"/>
-              </a:ext>
-              <a:ext uri="{C183D7F6-B498-43B3-948B-1728B52AA6E4}">
-                <adec:decorative xmlns:adec="http://schemas.microsoft.com/office/drawing/2017/decorative" val="1"/>
-              </a:ext>
-            </a:extLst>
-          </p:cNvPr>
-          <p:cNvSpPr>
-            <a:spLocks noGrp="1" noRot="1" noChangeAspect="1" noMove="1" noResize="1" noEditPoints="1" noAdjustHandles="1" noChangeArrowheads="1" noChangeShapeType="1" noTextEdit="1"/>
-          </p:cNvSpPr>
-          <p:nvPr>
-            <p:extLst>
-              <p:ext uri="{386F3935-93C4-4BCD-93E2-E3B085C9AB24}">
-                <p16:designElem xmlns:p16="http://schemas.microsoft.com/office/powerpoint/2015/main" val="1"/>
-              </p:ext>
-            </p:extLst>
-          </p:nvPr>
-        </p:nvSpPr>
-        <p:spPr>
-          <a:xfrm>
-            <a:off x="0" y="0"/>
-            <a:ext cx="12192000" cy="6858000"/>
-          </a:xfrm>
-          <a:prstGeom prst="rect">
-            <a:avLst/>
-          </a:prstGeom>
-          <a:solidFill>
-            <a:srgbClr val="000000"/>
-          </a:solidFill>
-          <a:ln w="12700" cap="flat" cmpd="sng" algn="ctr">
-            <a:noFill/>
-            <a:prstDash val="solid"/>
-            <a:miter lim="800000"/>
-          </a:ln>
-          <a:effectLst/>
-        </p:spPr>
-        <p:style>
-          <a:lnRef idx="2">
-            <a:schemeClr val="accent1">
-              <a:shade val="50000"/>
-            </a:schemeClr>
-          </a:lnRef>
-          <a:fillRef idx="1">
-            <a:schemeClr val="accent1"/>
-          </a:fillRef>
-          <a:effectRef idx="0">
-            <a:schemeClr val="accent1"/>
-          </a:effectRef>
-          <a:fontRef idx="minor">
-            <a:schemeClr val="lt1"/>
-          </a:fontRef>
-        </p:style>
-        <p:txBody>
-          <a:bodyPr rtlCol="0" anchor="ctr"/>
-          <a:lstStyle/>
-          <a:p>
-            <a:pPr algn="ctr"/>
-            <a:endParaRPr lang="en-US"/>
-          </a:p>
-        </p:txBody>
-      </p:sp>
-      <p:pic>
-        <p:nvPicPr>
-          <p:cNvPr id="8" name="Grafik 7" descr="Ein Bild, das Waffe, draußen, Gewehr, Schusswaffe enthält.&#10;&#10;Automatisch generierte Beschreibung">
-            <a:extLst>
-              <a:ext uri="{FF2B5EF4-FFF2-40B4-BE49-F238E27FC236}">
-                <a16:creationId xmlns:a16="http://schemas.microsoft.com/office/drawing/2014/main" id="{B789AACF-B244-BB6A-5239-0FDEC5A72B9C}"/>
-              </a:ext>
-            </a:extLst>
-          </p:cNvPr>
-          <p:cNvPicPr>
-            <a:picLocks noChangeAspect="1"/>
-          </p:cNvPicPr>
-          <p:nvPr/>
-        </p:nvPicPr>
-        <p:blipFill rotWithShape="1">
-          <a:blip r:embed="rId2">
-            <a:alphaModFix amt="60000"/>
-            <a:extLst>
-              <a:ext uri="{28A0092B-C50C-407E-A947-70E740481C1C}">
-                <a14:useLocalDpi xmlns:a14="http://schemas.microsoft.com/office/drawing/2010/main" val="0"/>
-              </a:ext>
-            </a:extLst>
-          </a:blip>
-          <a:srcRect/>
-          <a:stretch/>
-        </p:blipFill>
-        <p:spPr>
-          <a:xfrm>
-            <a:off x="0" y="0"/>
-            <a:ext cx="12192000" cy="6858000"/>
-          </a:xfrm>
-          <a:prstGeom prst="rect">
-            <a:avLst/>
-          </a:prstGeom>
-        </p:spPr>
-      </p:pic>
-      <p:sp>
-        <p:nvSpPr>
-          <p:cNvPr id="18" name="Inhaltsplatzhalter 2">
-            <a:extLst>
-              <a:ext uri="{FF2B5EF4-FFF2-40B4-BE49-F238E27FC236}">
-                <a16:creationId xmlns:a16="http://schemas.microsoft.com/office/drawing/2014/main" id="{FCDAFEBF-9CE9-BFF5-DFD0-3A3067BA2258}"/>
-              </a:ext>
-            </a:extLst>
-          </p:cNvPr>
-          <p:cNvSpPr>
-            <a:spLocks noGrp="1"/>
-          </p:cNvSpPr>
-          <p:nvPr>
-            <p:ph idx="1"/>
-          </p:nvPr>
-        </p:nvSpPr>
-        <p:spPr>
-          <a:xfrm>
-            <a:off x="43543" y="0"/>
-            <a:ext cx="7711923" cy="6550782"/>
-          </a:xfrm>
-        </p:spPr>
-        <p:txBody>
-          <a:bodyPr>
-            <a:noAutofit/>
-          </a:bodyPr>
-          <a:lstStyle/>
-          <a:p>
-            <a:pPr marL="0" indent="0">
-              <a:buNone/>
-            </a:pPr>
-            <a:r>
-              <a:rPr lang="de-DE" sz="1600" b="1" dirty="0">
-                <a:solidFill>
-                  <a:schemeClr val="bg1"/>
-                </a:solidFill>
-                <a:effectLst>
-                  <a:outerShdw blurRad="38100" dist="38100" dir="2700000" algn="tl">
-                    <a:srgbClr val="000000">
-                      <a:alpha val="43137"/>
-                    </a:srgbClr>
-                  </a:outerShdw>
-                </a:effectLst>
-              </a:rPr>
-              <a:t>Militärroboter: Vor- und Nachteile sowie Auswirkungen</a:t>
-            </a:r>
-            <a:endParaRPr lang="de-DE" sz="1600" dirty="0">
-              <a:solidFill>
-                <a:schemeClr val="bg1"/>
-              </a:solidFill>
-              <a:effectLst>
-                <a:outerShdw blurRad="38100" dist="38100" dir="2700000" algn="tl">
-                  <a:srgbClr val="000000">
-                    <a:alpha val="43137"/>
-                  </a:srgbClr>
-                </a:outerShdw>
-              </a:effectLst>
-            </a:endParaRPr>
-          </a:p>
-          <a:p>
-            <a:r>
-              <a:rPr lang="de-DE" sz="1200" i="1" dirty="0">
-                <a:solidFill>
-                  <a:schemeClr val="bg1"/>
-                </a:solidFill>
-                <a:effectLst>
-                  <a:outerShdw blurRad="38100" dist="38100" dir="2700000" algn="tl">
-                    <a:srgbClr val="000000">
-                      <a:alpha val="43137"/>
-                    </a:srgbClr>
-                  </a:outerShdw>
-                </a:effectLst>
-              </a:rPr>
-              <a:t>Vorteile:</a:t>
-            </a:r>
-            <a:endParaRPr lang="de-DE" sz="1200" dirty="0">
-              <a:solidFill>
-                <a:schemeClr val="bg1"/>
-              </a:solidFill>
-              <a:effectLst>
-                <a:outerShdw blurRad="38100" dist="38100" dir="2700000" algn="tl">
-                  <a:srgbClr val="000000">
-                    <a:alpha val="43137"/>
-                  </a:srgbClr>
-                </a:outerShdw>
-              </a:effectLst>
-            </a:endParaRPr>
-          </a:p>
-          <a:p>
-            <a:pPr>
-              <a:buFont typeface="+mj-lt"/>
-              <a:buAutoNum type="arabicPeriod"/>
-            </a:pPr>
-            <a:r>
-              <a:rPr lang="de-DE" sz="1200" b="1" dirty="0">
-                <a:solidFill>
-                  <a:schemeClr val="bg1"/>
-                </a:solidFill>
-                <a:effectLst>
-                  <a:outerShdw blurRad="38100" dist="38100" dir="2700000" algn="tl">
-                    <a:srgbClr val="000000">
-                      <a:alpha val="43137"/>
-                    </a:srgbClr>
-                  </a:outerShdw>
-                </a:effectLst>
-              </a:rPr>
-              <a:t>Reduzierung menschlicher Risiken</a:t>
-            </a:r>
-            <a:r>
-              <a:rPr lang="de-DE" sz="1200" dirty="0">
-                <a:solidFill>
-                  <a:schemeClr val="bg1"/>
-                </a:solidFill>
-                <a:effectLst>
-                  <a:outerShdw blurRad="38100" dist="38100" dir="2700000" algn="tl">
-                    <a:srgbClr val="000000">
-                      <a:alpha val="43137"/>
-                    </a:srgbClr>
-                  </a:outerShdw>
-                </a:effectLst>
-              </a:rPr>
-              <a:t>: Einsatz von Robotern für gefährliche Aufgaben schützt Soldaten vor direkter Bedrohung.</a:t>
-            </a:r>
-          </a:p>
-          <a:p>
-            <a:pPr>
-              <a:buFont typeface="+mj-lt"/>
-              <a:buAutoNum type="arabicPeriod"/>
-            </a:pPr>
-            <a:r>
-              <a:rPr lang="de-DE" sz="1200" b="1" dirty="0">
-                <a:solidFill>
-                  <a:schemeClr val="bg1"/>
-                </a:solidFill>
-                <a:effectLst>
-                  <a:outerShdw blurRad="38100" dist="38100" dir="2700000" algn="tl">
-                    <a:srgbClr val="000000">
-                      <a:alpha val="43137"/>
-                    </a:srgbClr>
-                  </a:outerShdw>
-                </a:effectLst>
-              </a:rPr>
-              <a:t>Präzision und Effektivität</a:t>
-            </a:r>
-            <a:r>
-              <a:rPr lang="de-DE" sz="1200" dirty="0">
-                <a:solidFill>
-                  <a:schemeClr val="bg1"/>
-                </a:solidFill>
-                <a:effectLst>
-                  <a:outerShdw blurRad="38100" dist="38100" dir="2700000" algn="tl">
-                    <a:srgbClr val="000000">
-                      <a:alpha val="43137"/>
-                    </a:srgbClr>
-                  </a:outerShdw>
-                </a:effectLst>
-              </a:rPr>
-              <a:t>: Roboter können Aufgaben mit höherer Genauigkeit und Effizienz ausführen als Menschen.</a:t>
-            </a:r>
-          </a:p>
-          <a:p>
-            <a:pPr>
-              <a:buFont typeface="+mj-lt"/>
-              <a:buAutoNum type="arabicPeriod"/>
-            </a:pPr>
-            <a:r>
-              <a:rPr lang="de-DE" sz="1200" b="1" dirty="0">
-                <a:solidFill>
-                  <a:schemeClr val="bg1"/>
-                </a:solidFill>
-                <a:effectLst>
-                  <a:outerShdw blurRad="38100" dist="38100" dir="2700000" algn="tl">
-                    <a:srgbClr val="000000">
-                      <a:alpha val="43137"/>
-                    </a:srgbClr>
-                  </a:outerShdw>
-                </a:effectLst>
-              </a:rPr>
-              <a:t>Permanente Einsatzbereitschaft</a:t>
-            </a:r>
-            <a:r>
-              <a:rPr lang="de-DE" sz="1200" dirty="0">
-                <a:solidFill>
-                  <a:schemeClr val="bg1"/>
-                </a:solidFill>
-                <a:effectLst>
-                  <a:outerShdw blurRad="38100" dist="38100" dir="2700000" algn="tl">
-                    <a:srgbClr val="000000">
-                      <a:alpha val="43137"/>
-                    </a:srgbClr>
-                  </a:outerShdw>
-                </a:effectLst>
-              </a:rPr>
-              <a:t>: Im Gegensatz zu menschlichen Soldaten sind Roboter unempfindlich gegenüber Erschöpfung und können kontinuierlich im Einsatz bleiben.</a:t>
-            </a:r>
-          </a:p>
-          <a:p>
-            <a:pPr>
-              <a:buFont typeface="+mj-lt"/>
-              <a:buAutoNum type="arabicPeriod"/>
-            </a:pPr>
-            <a:r>
-              <a:rPr lang="de-DE" sz="1200" b="1" dirty="0">
-                <a:solidFill>
-                  <a:schemeClr val="bg1"/>
-                </a:solidFill>
-                <a:effectLst>
-                  <a:outerShdw blurRad="38100" dist="38100" dir="2700000" algn="tl">
-                    <a:srgbClr val="000000">
-                      <a:alpha val="43137"/>
-                    </a:srgbClr>
-                  </a:outerShdw>
-                </a:effectLst>
-              </a:rPr>
-              <a:t>Skalierbarkeit</a:t>
-            </a:r>
-            <a:r>
-              <a:rPr lang="de-DE" sz="1200" dirty="0">
-                <a:solidFill>
-                  <a:schemeClr val="bg1"/>
-                </a:solidFill>
-                <a:effectLst>
-                  <a:outerShdw blurRad="38100" dist="38100" dir="2700000" algn="tl">
-                    <a:srgbClr val="000000">
-                      <a:alpha val="43137"/>
-                    </a:srgbClr>
-                  </a:outerShdw>
-                </a:effectLst>
-              </a:rPr>
-              <a:t>: Roboter können in großen Mengen hergestellt und eingesetzt werden, was eine schnelle Reaktion auf verschiedene Bedrohungen ermöglicht.</a:t>
-            </a:r>
-          </a:p>
-          <a:p>
-            <a:r>
-              <a:rPr lang="de-DE" sz="1200" i="1" dirty="0">
-                <a:solidFill>
-                  <a:schemeClr val="bg1"/>
-                </a:solidFill>
-                <a:effectLst>
-                  <a:outerShdw blurRad="38100" dist="38100" dir="2700000" algn="tl">
-                    <a:srgbClr val="000000">
-                      <a:alpha val="43137"/>
-                    </a:srgbClr>
-                  </a:outerShdw>
-                </a:effectLst>
-              </a:rPr>
-              <a:t>Nachteile:</a:t>
-            </a:r>
-            <a:endParaRPr lang="de-DE" sz="1200" dirty="0">
-              <a:solidFill>
-                <a:schemeClr val="bg1"/>
-              </a:solidFill>
-              <a:effectLst>
-                <a:outerShdw blurRad="38100" dist="38100" dir="2700000" algn="tl">
-                  <a:srgbClr val="000000">
-                    <a:alpha val="43137"/>
-                  </a:srgbClr>
-                </a:outerShdw>
-              </a:effectLst>
-            </a:endParaRPr>
-          </a:p>
-          <a:p>
-            <a:pPr>
-              <a:buFont typeface="+mj-lt"/>
-              <a:buAutoNum type="arabicPeriod"/>
-            </a:pPr>
-            <a:r>
-              <a:rPr lang="de-DE" sz="1200" b="1" dirty="0">
-                <a:solidFill>
-                  <a:schemeClr val="bg1"/>
-                </a:solidFill>
-                <a:effectLst>
-                  <a:outerShdw blurRad="38100" dist="38100" dir="2700000" algn="tl">
-                    <a:srgbClr val="000000">
-                      <a:alpha val="43137"/>
-                    </a:srgbClr>
-                  </a:outerShdw>
-                </a:effectLst>
-              </a:rPr>
-              <a:t>Ethik und Rechtsfragen</a:t>
-            </a:r>
-            <a:r>
-              <a:rPr lang="de-DE" sz="1200" dirty="0">
-                <a:solidFill>
-                  <a:schemeClr val="bg1"/>
-                </a:solidFill>
-                <a:effectLst>
-                  <a:outerShdw blurRad="38100" dist="38100" dir="2700000" algn="tl">
-                    <a:srgbClr val="000000">
-                      <a:alpha val="43137"/>
-                    </a:srgbClr>
-                  </a:outerShdw>
-                </a:effectLst>
-              </a:rPr>
-              <a:t>: Die Verwendung von autonomen Waffensystemen wirft Fragen hinsichtlich ethischer Standards und internationaler Gesetze auf.</a:t>
-            </a:r>
-          </a:p>
-          <a:p>
-            <a:pPr>
-              <a:buFont typeface="+mj-lt"/>
-              <a:buAutoNum type="arabicPeriod"/>
-            </a:pPr>
-            <a:r>
-              <a:rPr lang="de-DE" sz="1200" b="1" dirty="0">
-                <a:solidFill>
-                  <a:schemeClr val="bg1"/>
-                </a:solidFill>
-                <a:effectLst>
-                  <a:outerShdw blurRad="38100" dist="38100" dir="2700000" algn="tl">
-                    <a:srgbClr val="000000">
-                      <a:alpha val="43137"/>
-                    </a:srgbClr>
-                  </a:outerShdw>
-                </a:effectLst>
-              </a:rPr>
-              <a:t>Fehlende Empathie und Unterscheidungsvermögen</a:t>
-            </a:r>
-            <a:r>
-              <a:rPr lang="de-DE" sz="1200" dirty="0">
-                <a:solidFill>
-                  <a:schemeClr val="bg1"/>
-                </a:solidFill>
-                <a:effectLst>
-                  <a:outerShdw blurRad="38100" dist="38100" dir="2700000" algn="tl">
-                    <a:srgbClr val="000000">
-                      <a:alpha val="43137"/>
-                    </a:srgbClr>
-                  </a:outerShdw>
-                </a:effectLst>
-              </a:rPr>
-              <a:t>: Roboter fehlt die menschliche Fähigkeit zur Empathie und zum Erkennen komplexer Situationen.</a:t>
-            </a:r>
-          </a:p>
-          <a:p>
-            <a:pPr>
-              <a:buFont typeface="+mj-lt"/>
-              <a:buAutoNum type="arabicPeriod"/>
-            </a:pPr>
-            <a:r>
-              <a:rPr lang="de-DE" sz="1200" b="1" dirty="0">
-                <a:solidFill>
-                  <a:schemeClr val="bg1"/>
-                </a:solidFill>
-                <a:effectLst>
-                  <a:outerShdw blurRad="38100" dist="38100" dir="2700000" algn="tl">
-                    <a:srgbClr val="000000">
-                      <a:alpha val="43137"/>
-                    </a:srgbClr>
-                  </a:outerShdw>
-                </a:effectLst>
-              </a:rPr>
-              <a:t>Abhängigkeit von Technologie</a:t>
-            </a:r>
-            <a:r>
-              <a:rPr lang="de-DE" sz="1200" dirty="0">
-                <a:solidFill>
-                  <a:schemeClr val="bg1"/>
-                </a:solidFill>
-                <a:effectLst>
-                  <a:outerShdw blurRad="38100" dist="38100" dir="2700000" algn="tl">
-                    <a:srgbClr val="000000">
-                      <a:alpha val="43137"/>
-                    </a:srgbClr>
-                  </a:outerShdw>
-                </a:effectLst>
-              </a:rPr>
-              <a:t>: Ein verstärkter Einsatz von Militärrobotern könnte zu einer übermäßigen Abhängigkeit von Technologie führen, was die Verwundbarkeit gegenüber Cyberangriffen erhöht.</a:t>
-            </a:r>
-          </a:p>
-          <a:p>
-            <a:pPr>
-              <a:buFont typeface="+mj-lt"/>
-              <a:buAutoNum type="arabicPeriod"/>
-            </a:pPr>
-            <a:r>
-              <a:rPr lang="de-DE" sz="1200" b="1" dirty="0">
-                <a:solidFill>
-                  <a:schemeClr val="bg1"/>
-                </a:solidFill>
-                <a:effectLst>
-                  <a:outerShdw blurRad="38100" dist="38100" dir="2700000" algn="tl">
-                    <a:srgbClr val="000000">
-                      <a:alpha val="43137"/>
-                    </a:srgbClr>
-                  </a:outerShdw>
-                </a:effectLst>
-              </a:rPr>
-              <a:t>Verlust menschlicher Arbeitsplätze</a:t>
-            </a:r>
-            <a:r>
-              <a:rPr lang="de-DE" sz="1200" dirty="0">
-                <a:solidFill>
-                  <a:schemeClr val="bg1"/>
-                </a:solidFill>
-                <a:effectLst>
-                  <a:outerShdw blurRad="38100" dist="38100" dir="2700000" algn="tl">
-                    <a:srgbClr val="000000">
-                      <a:alpha val="43137"/>
-                    </a:srgbClr>
-                  </a:outerShdw>
-                </a:effectLst>
-              </a:rPr>
-              <a:t>: Die Automatisierung von militärischen Aufgaben könnte zu einem Verlust von Arbeitsplätzen für Soldaten führen.</a:t>
-            </a:r>
-          </a:p>
-        </p:txBody>
-      </p:sp>
-    </p:spTree>
-    <p:extLst>
-      <p:ext uri="{BB962C8B-B14F-4D97-AF65-F5344CB8AC3E}">
-        <p14:creationId xmlns:p14="http://schemas.microsoft.com/office/powerpoint/2010/main" val="961893448"/>
-      </p:ext>
-    </p:extLst>
-  </p:cSld>
-  <p:clrMapOvr>
-    <a:masterClrMapping/>
-  </p:clrMapOvr>
-</p:sld>
-</file>
-
-<file path=ppt/slides/slide6.xml><?xml version="1.0" encoding="utf-8"?>
-<p:sld xmlns:a="http://schemas.openxmlformats.org/drawingml/2006/main" xmlns:r="http://schemas.openxmlformats.org/officeDocument/2006/relationships" xmlns:p="http://schemas.openxmlformats.org/presentationml/2006/main">
-  <p:cSld>
-    <p:bg>
-      <p:bgPr>
-        <a:solidFill>
-          <a:schemeClr val="bg1"/>
-        </a:solidFill>
-        <a:effectLst/>
-      </p:bgPr>
-    </p:bg>
-    <p:spTree>
-      <p:nvGrpSpPr>
-        <p:cNvPr id="1" name="">
-          <a:extLst>
-            <a:ext uri="{FF2B5EF4-FFF2-40B4-BE49-F238E27FC236}">
-              <a16:creationId xmlns:a16="http://schemas.microsoft.com/office/drawing/2014/main" id="{328488EB-0228-CBBA-25BC-0E8455A90951}"/>
-            </a:ext>
-          </a:extLst>
-        </p:cNvPr>
-        <p:cNvGrpSpPr/>
-        <p:nvPr/>
-      </p:nvGrpSpPr>
-      <p:grpSpPr>
-        <a:xfrm>
-          <a:off x="0" y="0"/>
-          <a:ext cx="0" cy="0"/>
-          <a:chOff x="0" y="0"/>
-          <a:chExt cx="0" cy="0"/>
-        </a:xfrm>
-      </p:grpSpPr>
-      <p:sp>
-        <p:nvSpPr>
-          <p:cNvPr id="27" name="Rectangle 26">
-            <a:extLst>
-              <a:ext uri="{FF2B5EF4-FFF2-40B4-BE49-F238E27FC236}">
-                <a16:creationId xmlns:a16="http://schemas.microsoft.com/office/drawing/2014/main" id="{B5CE8706-C904-73E3-C523-33027F7D3499}"/>
-              </a:ext>
-              <a:ext uri="{C183D7F6-B498-43B3-948B-1728B52AA6E4}">
-                <adec:decorative xmlns:adec="http://schemas.microsoft.com/office/drawing/2017/decorative" val="1"/>
-              </a:ext>
-            </a:extLst>
-          </p:cNvPr>
-          <p:cNvSpPr>
-            <a:spLocks noGrp="1" noRot="1" noChangeAspect="1" noMove="1" noResize="1" noEditPoints="1" noAdjustHandles="1" noChangeArrowheads="1" noChangeShapeType="1" noTextEdit="1"/>
-          </p:cNvSpPr>
-          <p:nvPr>
-            <p:extLst>
-              <p:ext uri="{386F3935-93C4-4BCD-93E2-E3B085C9AB24}">
-                <p16:designElem xmlns:p16="http://schemas.microsoft.com/office/powerpoint/2015/main" val="1"/>
-              </p:ext>
-            </p:extLst>
-          </p:nvPr>
-        </p:nvSpPr>
-        <p:spPr>
-          <a:xfrm>
-            <a:off x="0" y="0"/>
-            <a:ext cx="12192000" cy="6858000"/>
-          </a:xfrm>
-          <a:prstGeom prst="rect">
-            <a:avLst/>
-          </a:prstGeom>
-          <a:solidFill>
-            <a:schemeClr val="bg1"/>
-          </a:solidFill>
-          <a:ln w="12700" cap="flat" cmpd="sng" algn="ctr">
-            <a:noFill/>
-            <a:prstDash val="solid"/>
-            <a:miter lim="800000"/>
-          </a:ln>
-          <a:effectLst/>
-          <a:extLst>
-            <a:ext uri="{91240B29-F687-4F45-9708-019B960494DF}">
-              <a14:hiddenLine xmlns:a14="http://schemas.microsoft.com/office/drawing/2010/main" w="12700" cap="flat" cmpd="sng" algn="ctr">
-                <a:solidFill>
-                  <a:schemeClr val="accent1">
-                    <a:shade val="50000"/>
-                  </a:schemeClr>
-                </a:solidFill>
-                <a:prstDash val="solid"/>
-                <a:miter lim="800000"/>
-              </a14:hiddenLine>
-            </a:ext>
-          </a:extLst>
-        </p:spPr>
-        <p:style>
-          <a:lnRef idx="2">
-            <a:schemeClr val="accent1">
-              <a:shade val="50000"/>
-            </a:schemeClr>
-          </a:lnRef>
-          <a:fillRef idx="1">
-            <a:schemeClr val="accent1"/>
-          </a:fillRef>
-          <a:effectRef idx="0">
-            <a:schemeClr val="accent1"/>
-          </a:effectRef>
-          <a:fontRef idx="minor">
-            <a:schemeClr val="lt1"/>
-          </a:fontRef>
-        </p:style>
-        <p:txBody>
-          <a:bodyPr rtlCol="0" anchor="ctr"/>
-          <a:lstStyle/>
-          <a:p>
-            <a:pPr algn="ctr"/>
-            <a:endParaRPr lang="en-US"/>
-          </a:p>
-        </p:txBody>
-      </p:sp>
-      <p:sp>
-        <p:nvSpPr>
-          <p:cNvPr id="29" name="Rectangle 28">
-            <a:extLst>
-              <a:ext uri="{FF2B5EF4-FFF2-40B4-BE49-F238E27FC236}">
-                <a16:creationId xmlns:a16="http://schemas.microsoft.com/office/drawing/2014/main" id="{8753201B-432F-7A72-6FF6-CF0404210168}"/>
-              </a:ext>
-              <a:ext uri="{C183D7F6-B498-43B3-948B-1728B52AA6E4}">
-                <adec:decorative xmlns:adec="http://schemas.microsoft.com/office/drawing/2017/decorative" val="1"/>
-              </a:ext>
-            </a:extLst>
-          </p:cNvPr>
-          <p:cNvSpPr>
-            <a:spLocks noGrp="1" noRot="1" noChangeAspect="1" noMove="1" noResize="1" noEditPoints="1" noAdjustHandles="1" noChangeArrowheads="1" noChangeShapeType="1" noTextEdit="1"/>
-          </p:cNvSpPr>
-          <p:nvPr>
-            <p:extLst>
-              <p:ext uri="{386F3935-93C4-4BCD-93E2-E3B085C9AB24}">
-                <p16:designElem xmlns:p16="http://schemas.microsoft.com/office/powerpoint/2015/main" val="1"/>
-              </p:ext>
-            </p:extLst>
-          </p:nvPr>
-        </p:nvSpPr>
-        <p:spPr>
-          <a:xfrm>
-            <a:off x="0" y="0"/>
-            <a:ext cx="12192000" cy="6858000"/>
-          </a:xfrm>
-          <a:prstGeom prst="rect">
-            <a:avLst/>
-          </a:prstGeom>
-          <a:solidFill>
-            <a:srgbClr val="000000"/>
-          </a:solidFill>
-          <a:ln w="12700" cap="flat" cmpd="sng" algn="ctr">
-            <a:noFill/>
-            <a:prstDash val="solid"/>
-            <a:miter lim="800000"/>
-          </a:ln>
-          <a:effectLst/>
-        </p:spPr>
-        <p:style>
-          <a:lnRef idx="2">
-            <a:schemeClr val="accent1">
-              <a:shade val="50000"/>
-            </a:schemeClr>
-          </a:lnRef>
-          <a:fillRef idx="1">
-            <a:schemeClr val="accent1"/>
-          </a:fillRef>
-          <a:effectRef idx="0">
-            <a:schemeClr val="accent1"/>
-          </a:effectRef>
-          <a:fontRef idx="minor">
-            <a:schemeClr val="lt1"/>
-          </a:fontRef>
-        </p:style>
-        <p:txBody>
-          <a:bodyPr rtlCol="0" anchor="ctr"/>
-          <a:lstStyle/>
-          <a:p>
-            <a:pPr algn="ctr"/>
-            <a:endParaRPr lang="en-US"/>
-          </a:p>
-        </p:txBody>
-      </p:sp>
-      <p:pic>
-        <p:nvPicPr>
-          <p:cNvPr id="8" name="Grafik 7" descr="Ein Bild, das Waffe, draußen, Gewehr, Schusswaffe enthält.&#10;&#10;Automatisch generierte Beschreibung">
-            <a:extLst>
-              <a:ext uri="{FF2B5EF4-FFF2-40B4-BE49-F238E27FC236}">
-                <a16:creationId xmlns:a16="http://schemas.microsoft.com/office/drawing/2014/main" id="{C96E1724-5F51-5510-0844-2A2AC4FC9E25}"/>
-              </a:ext>
-            </a:extLst>
-          </p:cNvPr>
-          <p:cNvPicPr>
-            <a:picLocks noChangeAspect="1"/>
-          </p:cNvPicPr>
-          <p:nvPr/>
-        </p:nvPicPr>
-        <p:blipFill rotWithShape="1">
-          <a:blip r:embed="rId2">
-            <a:alphaModFix amt="60000"/>
-            <a:extLst>
-              <a:ext uri="{28A0092B-C50C-407E-A947-70E740481C1C}">
-                <a14:useLocalDpi xmlns:a14="http://schemas.microsoft.com/office/drawing/2010/main" val="0"/>
-              </a:ext>
-            </a:extLst>
-          </a:blip>
-          <a:srcRect/>
-          <a:stretch/>
-        </p:blipFill>
-        <p:spPr>
-          <a:xfrm>
-            <a:off x="0" y="0"/>
-            <a:ext cx="12192000" cy="6858000"/>
-          </a:xfrm>
-          <a:prstGeom prst="rect">
-            <a:avLst/>
-          </a:prstGeom>
-        </p:spPr>
-      </p:pic>
-      <p:sp>
-        <p:nvSpPr>
-          <p:cNvPr id="21" name="Inhaltsplatzhalter 2">
-            <a:extLst>
-              <a:ext uri="{FF2B5EF4-FFF2-40B4-BE49-F238E27FC236}">
-                <a16:creationId xmlns:a16="http://schemas.microsoft.com/office/drawing/2014/main" id="{DC1250BA-528A-8279-42CA-117641684F64}"/>
-              </a:ext>
-            </a:extLst>
-          </p:cNvPr>
-          <p:cNvSpPr txBox="1">
-            <a:spLocks/>
-          </p:cNvSpPr>
-          <p:nvPr/>
-        </p:nvSpPr>
-        <p:spPr>
-          <a:xfrm>
-            <a:off x="87086" y="149982"/>
-            <a:ext cx="6187924" cy="5152570"/>
-          </a:xfrm>
-          <a:prstGeom prst="rect">
-            <a:avLst/>
-          </a:prstGeom>
-        </p:spPr>
-        <p:txBody>
-          <a:bodyPr vert="horz" lIns="91440" tIns="45720" rIns="91440" bIns="45720" rtlCol="0">
-            <a:normAutofit/>
-          </a:bodyPr>
-          <a:lstStyle>
-            <a:lvl1pPr marL="228600" indent="-228600" algn="l" defTabSz="914400" rtl="0" eaLnBrk="1" latinLnBrk="0" hangingPunct="1">
-              <a:lnSpc>
-                <a:spcPct val="120000"/>
-              </a:lnSpc>
-              <a:spcBef>
-                <a:spcPts val="1000"/>
-              </a:spcBef>
-              <a:buFont typeface="Arial" panose="020B0604020202020204" pitchFamily="34" charset="0"/>
-              <a:buChar char="•"/>
-              <a:defRPr sz="1800" kern="1200">
-                <a:solidFill>
-                  <a:schemeClr val="tx1"/>
-                </a:solidFill>
-                <a:latin typeface="+mn-lt"/>
-                <a:ea typeface="+mn-ea"/>
-                <a:cs typeface="+mn-cs"/>
-              </a:defRPr>
-            </a:lvl1pPr>
-            <a:lvl2pPr marL="548640" indent="-228600" algn="l" defTabSz="914400" rtl="0" eaLnBrk="1" latinLnBrk="0" hangingPunct="1">
-              <a:lnSpc>
-                <a:spcPct val="120000"/>
-              </a:lnSpc>
-              <a:spcBef>
-                <a:spcPts val="500"/>
-              </a:spcBef>
-              <a:buFont typeface="Neue Haas Grotesk Text Pro" panose="020B0504020202020204" pitchFamily="34" charset="0"/>
-              <a:buChar char="–"/>
-              <a:defRPr sz="1600" kern="1200">
-                <a:solidFill>
-                  <a:schemeClr val="tx1"/>
-                </a:solidFill>
-                <a:latin typeface="+mn-lt"/>
-                <a:ea typeface="+mn-ea"/>
-                <a:cs typeface="+mn-cs"/>
-              </a:defRPr>
-            </a:lvl2pPr>
-            <a:lvl3pPr marL="777240" indent="-228600" algn="l" defTabSz="914400" rtl="0" eaLnBrk="1" latinLnBrk="0" hangingPunct="1">
-              <a:lnSpc>
-                <a:spcPct val="120000"/>
-              </a:lnSpc>
-              <a:spcBef>
-                <a:spcPts val="500"/>
-              </a:spcBef>
-              <a:buFont typeface="Arial" panose="020B0604020202020204" pitchFamily="34" charset="0"/>
-              <a:buChar char="•"/>
-              <a:defRPr sz="1400" kern="1200">
-                <a:solidFill>
-                  <a:schemeClr val="tx1"/>
-                </a:solidFill>
-                <a:latin typeface="+mn-lt"/>
-                <a:ea typeface="+mn-ea"/>
-                <a:cs typeface="+mn-cs"/>
-              </a:defRPr>
-            </a:lvl3pPr>
-            <a:lvl4pPr marL="914400" indent="-228600" algn="l" defTabSz="914400" rtl="0" eaLnBrk="1" latinLnBrk="0" hangingPunct="1">
-              <a:lnSpc>
-                <a:spcPct val="120000"/>
-              </a:lnSpc>
-              <a:spcBef>
-                <a:spcPts val="500"/>
-              </a:spcBef>
-              <a:buFont typeface="Neue Haas Grotesk Text Pro" panose="020B0504020202020204" pitchFamily="34" charset="0"/>
-              <a:buChar char="–"/>
-              <a:defRPr sz="1200" kern="1200">
-                <a:solidFill>
-                  <a:schemeClr val="tx1"/>
-                </a:solidFill>
-                <a:latin typeface="+mn-lt"/>
-                <a:ea typeface="+mn-ea"/>
-                <a:cs typeface="+mn-cs"/>
-              </a:defRPr>
-            </a:lvl4pPr>
-            <a:lvl5pPr marL="1097280" indent="-228600" algn="l" defTabSz="914400" rtl="0" eaLnBrk="1" latinLnBrk="0" hangingPunct="1">
-              <a:lnSpc>
-                <a:spcPct val="120000"/>
-              </a:lnSpc>
-              <a:spcBef>
-                <a:spcPts val="500"/>
-              </a:spcBef>
-              <a:buFont typeface="Arial" panose="020B0604020202020204" pitchFamily="34" charset="0"/>
-              <a:buChar char="•"/>
-              <a:defRPr sz="1200" kern="1200">
-                <a:solidFill>
-                  <a:schemeClr val="tx1"/>
-                </a:solidFill>
-                <a:latin typeface="+mn-lt"/>
-                <a:ea typeface="+mn-ea"/>
-                <a:cs typeface="+mn-cs"/>
-              </a:defRPr>
-            </a:lvl5pPr>
-            <a:lvl6pPr marL="2514600" indent="-228600" algn="l" defTabSz="914400" rtl="0" eaLnBrk="1" latinLnBrk="0" hangingPunct="1">
-              <a:lnSpc>
-                <a:spcPct val="90000"/>
-              </a:lnSpc>
-              <a:spcBef>
-                <a:spcPts val="500"/>
-              </a:spcBef>
-              <a:buFont typeface="Arial" panose="020B0604020202020204" pitchFamily="34" charset="0"/>
-              <a:buChar char="•"/>
-              <a:defRPr sz="1800" kern="1200">
-                <a:solidFill>
-                  <a:schemeClr val="tx1"/>
-                </a:solidFill>
-                <a:latin typeface="+mn-lt"/>
-                <a:ea typeface="+mn-ea"/>
-                <a:cs typeface="+mn-cs"/>
-              </a:defRPr>
-            </a:lvl6pPr>
-            <a:lvl7pPr marL="2971800" indent="-228600" algn="l" defTabSz="914400" rtl="0" eaLnBrk="1" latinLnBrk="0" hangingPunct="1">
-              <a:lnSpc>
-                <a:spcPct val="90000"/>
-              </a:lnSpc>
-              <a:spcBef>
-                <a:spcPts val="500"/>
-              </a:spcBef>
-              <a:buFont typeface="Arial" panose="020B0604020202020204" pitchFamily="34" charset="0"/>
-              <a:buChar char="•"/>
-              <a:defRPr sz="1800" kern="1200">
-                <a:solidFill>
-                  <a:schemeClr val="tx1"/>
-                </a:solidFill>
-                <a:latin typeface="+mn-lt"/>
-                <a:ea typeface="+mn-ea"/>
-                <a:cs typeface="+mn-cs"/>
-              </a:defRPr>
-            </a:lvl7pPr>
-            <a:lvl8pPr marL="3429000" indent="-228600" algn="l" defTabSz="914400" rtl="0" eaLnBrk="1" latinLnBrk="0" hangingPunct="1">
-              <a:lnSpc>
-                <a:spcPct val="90000"/>
-              </a:lnSpc>
-              <a:spcBef>
-                <a:spcPts val="500"/>
-              </a:spcBef>
-              <a:buFont typeface="Arial" panose="020B0604020202020204" pitchFamily="34" charset="0"/>
-              <a:buChar char="•"/>
-              <a:defRPr sz="1800" kern="1200">
-                <a:solidFill>
-                  <a:schemeClr val="tx1"/>
-                </a:solidFill>
-                <a:latin typeface="+mn-lt"/>
-                <a:ea typeface="+mn-ea"/>
-                <a:cs typeface="+mn-cs"/>
-              </a:defRPr>
-            </a:lvl8pPr>
-            <a:lvl9pPr marL="3886200" indent="-228600" algn="l" defTabSz="914400" rtl="0" eaLnBrk="1" latinLnBrk="0" hangingPunct="1">
-              <a:lnSpc>
-                <a:spcPct val="90000"/>
-              </a:lnSpc>
-              <a:spcBef>
-                <a:spcPts val="500"/>
-              </a:spcBef>
-              <a:buFont typeface="Arial" panose="020B0604020202020204" pitchFamily="34" charset="0"/>
-              <a:buChar char="•"/>
-              <a:defRPr sz="1800" kern="1200">
-                <a:solidFill>
-                  <a:schemeClr val="tx1"/>
-                </a:solidFill>
-                <a:latin typeface="+mn-lt"/>
-                <a:ea typeface="+mn-ea"/>
-                <a:cs typeface="+mn-cs"/>
-              </a:defRPr>
-            </a:lvl9pPr>
-          </a:lstStyle>
-          <a:p>
-            <a:pPr marL="0" indent="0">
-              <a:lnSpc>
-                <a:spcPct val="110000"/>
-              </a:lnSpc>
-              <a:spcBef>
-                <a:spcPts val="1000"/>
-              </a:spcBef>
-              <a:spcAft>
-                <a:spcPts val="0"/>
-              </a:spcAft>
-              <a:buClrTx/>
-              <a:buSzPts val="1200"/>
-              <a:buNone/>
-            </a:pPr>
-            <a:r>
-              <a:rPr lang="en-US" sz="1600" b="1" i="1" dirty="0" err="1">
-                <a:solidFill>
-                  <a:srgbClr val="FFFFFF"/>
-                </a:solidFill>
-                <a:effectLst>
-                  <a:outerShdw blurRad="38100" dist="38100" dir="2700000" algn="tl">
-                    <a:srgbClr val="000000">
-                      <a:alpha val="43137"/>
-                    </a:srgbClr>
-                  </a:outerShdw>
-                </a:effectLst>
-              </a:rPr>
-              <a:t>Auswirkungen</a:t>
-            </a:r>
-            <a:r>
-              <a:rPr lang="en-US" sz="1600" b="1" i="1" dirty="0">
-                <a:solidFill>
-                  <a:srgbClr val="FFFFFF"/>
-                </a:solidFill>
-                <a:effectLst>
-                  <a:outerShdw blurRad="38100" dist="38100" dir="2700000" algn="tl">
-                    <a:srgbClr val="000000">
-                      <a:alpha val="43137"/>
-                    </a:srgbClr>
-                  </a:outerShdw>
-                </a:effectLst>
-              </a:rPr>
-              <a:t>:</a:t>
-            </a:r>
-            <a:endParaRPr lang="en-US" sz="1600" b="1" dirty="0">
-              <a:solidFill>
-                <a:srgbClr val="FFFFFF"/>
-              </a:solidFill>
-              <a:effectLst>
-                <a:outerShdw blurRad="38100" dist="38100" dir="2700000" algn="tl">
-                  <a:srgbClr val="000000">
-                    <a:alpha val="43137"/>
-                  </a:srgbClr>
-                </a:outerShdw>
-              </a:effectLst>
-            </a:endParaRPr>
-          </a:p>
-          <a:p>
-            <a:pPr marL="228600">
-              <a:lnSpc>
-                <a:spcPct val="110000"/>
-              </a:lnSpc>
-              <a:spcBef>
-                <a:spcPts val="1000"/>
-              </a:spcBef>
-              <a:spcAft>
-                <a:spcPts val="0"/>
-              </a:spcAft>
-            </a:pPr>
-            <a:r>
-              <a:rPr lang="en-US" sz="1200" b="1" dirty="0" err="1">
-                <a:solidFill>
-                  <a:srgbClr val="FFFFFF"/>
-                </a:solidFill>
-                <a:effectLst>
-                  <a:outerShdw blurRad="38100" dist="38100" dir="2700000" algn="tl">
-                    <a:srgbClr val="000000">
-                      <a:alpha val="43137"/>
-                    </a:srgbClr>
-                  </a:outerShdw>
-                </a:effectLst>
-              </a:rPr>
-              <a:t>Arbeitsplatzverluste</a:t>
-            </a:r>
-            <a:r>
-              <a:rPr lang="en-US" sz="1200" b="1" dirty="0">
-                <a:solidFill>
-                  <a:srgbClr val="FFFFFF"/>
-                </a:solidFill>
-                <a:effectLst>
-                  <a:outerShdw blurRad="38100" dist="38100" dir="2700000" algn="tl">
-                    <a:srgbClr val="000000">
-                      <a:alpha val="43137"/>
-                    </a:srgbClr>
-                  </a:outerShdw>
-                </a:effectLst>
-              </a:rPr>
-              <a:t> und </a:t>
-            </a:r>
-            <a:r>
-              <a:rPr lang="en-US" sz="1200" b="1" dirty="0" err="1">
-                <a:solidFill>
-                  <a:srgbClr val="FFFFFF"/>
-                </a:solidFill>
-                <a:effectLst>
-                  <a:outerShdw blurRad="38100" dist="38100" dir="2700000" algn="tl">
-                    <a:srgbClr val="000000">
-                      <a:alpha val="43137"/>
-                    </a:srgbClr>
-                  </a:outerShdw>
-                </a:effectLst>
-              </a:rPr>
-              <a:t>Strukturwandel</a:t>
-            </a:r>
-            <a:r>
-              <a:rPr lang="en-US" sz="1200" dirty="0">
-                <a:solidFill>
-                  <a:srgbClr val="FFFFFF"/>
-                </a:solidFill>
-                <a:effectLst>
-                  <a:outerShdw blurRad="38100" dist="38100" dir="2700000" algn="tl">
-                    <a:srgbClr val="000000">
-                      <a:alpha val="43137"/>
-                    </a:srgbClr>
-                  </a:outerShdw>
-                </a:effectLst>
-              </a:rPr>
-              <a:t>: </a:t>
-            </a:r>
-            <a:r>
-              <a:rPr lang="en-US" sz="1200" dirty="0" err="1">
-                <a:solidFill>
-                  <a:srgbClr val="FFFFFF"/>
-                </a:solidFill>
-                <a:effectLst>
-                  <a:outerShdw blurRad="38100" dist="38100" dir="2700000" algn="tl">
-                    <a:srgbClr val="000000">
-                      <a:alpha val="43137"/>
-                    </a:srgbClr>
-                  </a:outerShdw>
-                </a:effectLst>
-              </a:rPr>
-              <a:t>Automatisierung</a:t>
-            </a:r>
-            <a:r>
-              <a:rPr lang="en-US" sz="1200" dirty="0">
-                <a:solidFill>
-                  <a:srgbClr val="FFFFFF"/>
-                </a:solidFill>
-                <a:effectLst>
-                  <a:outerShdw blurRad="38100" dist="38100" dir="2700000" algn="tl">
-                    <a:srgbClr val="000000">
-                      <a:alpha val="43137"/>
-                    </a:srgbClr>
-                  </a:outerShdw>
-                </a:effectLst>
-              </a:rPr>
-              <a:t> </a:t>
-            </a:r>
-            <a:r>
-              <a:rPr lang="en-US" sz="1200" dirty="0" err="1">
-                <a:solidFill>
-                  <a:srgbClr val="FFFFFF"/>
-                </a:solidFill>
-                <a:effectLst>
-                  <a:outerShdw blurRad="38100" dist="38100" dir="2700000" algn="tl">
-                    <a:srgbClr val="000000">
-                      <a:alpha val="43137"/>
-                    </a:srgbClr>
-                  </a:outerShdw>
-                </a:effectLst>
-              </a:rPr>
-              <a:t>könnte</a:t>
-            </a:r>
-            <a:r>
-              <a:rPr lang="en-US" sz="1200" dirty="0">
-                <a:solidFill>
-                  <a:srgbClr val="FFFFFF"/>
-                </a:solidFill>
-                <a:effectLst>
-                  <a:outerShdw blurRad="38100" dist="38100" dir="2700000" algn="tl">
-                    <a:srgbClr val="000000">
-                      <a:alpha val="43137"/>
-                    </a:srgbClr>
-                  </a:outerShdw>
-                </a:effectLst>
-              </a:rPr>
-              <a:t> </a:t>
-            </a:r>
-            <a:r>
-              <a:rPr lang="en-US" sz="1200" dirty="0" err="1">
-                <a:solidFill>
-                  <a:srgbClr val="FFFFFF"/>
-                </a:solidFill>
-                <a:effectLst>
-                  <a:outerShdw blurRad="38100" dist="38100" dir="2700000" algn="tl">
-                    <a:srgbClr val="000000">
-                      <a:alpha val="43137"/>
-                    </a:srgbClr>
-                  </a:outerShdw>
-                </a:effectLst>
-              </a:rPr>
-              <a:t>zu</a:t>
-            </a:r>
-            <a:r>
-              <a:rPr lang="en-US" sz="1200" dirty="0">
-                <a:solidFill>
-                  <a:srgbClr val="FFFFFF"/>
-                </a:solidFill>
-                <a:effectLst>
-                  <a:outerShdw blurRad="38100" dist="38100" dir="2700000" algn="tl">
-                    <a:srgbClr val="000000">
-                      <a:alpha val="43137"/>
-                    </a:srgbClr>
-                  </a:outerShdw>
-                </a:effectLst>
-              </a:rPr>
-              <a:t> </a:t>
-            </a:r>
-            <a:r>
-              <a:rPr lang="en-US" sz="1200" dirty="0" err="1">
-                <a:solidFill>
-                  <a:srgbClr val="FFFFFF"/>
-                </a:solidFill>
-                <a:effectLst>
-                  <a:outerShdw blurRad="38100" dist="38100" dir="2700000" algn="tl">
-                    <a:srgbClr val="000000">
-                      <a:alpha val="43137"/>
-                    </a:srgbClr>
-                  </a:outerShdw>
-                </a:effectLst>
-              </a:rPr>
-              <a:t>einem</a:t>
-            </a:r>
-            <a:r>
-              <a:rPr lang="en-US" sz="1200" dirty="0">
-                <a:solidFill>
-                  <a:srgbClr val="FFFFFF"/>
-                </a:solidFill>
-                <a:effectLst>
-                  <a:outerShdw blurRad="38100" dist="38100" dir="2700000" algn="tl">
-                    <a:srgbClr val="000000">
-                      <a:alpha val="43137"/>
-                    </a:srgbClr>
-                  </a:outerShdw>
-                </a:effectLst>
-              </a:rPr>
-              <a:t> </a:t>
-            </a:r>
-            <a:r>
-              <a:rPr lang="en-US" sz="1200" dirty="0" err="1">
-                <a:solidFill>
-                  <a:srgbClr val="FFFFFF"/>
-                </a:solidFill>
-                <a:effectLst>
-                  <a:outerShdw blurRad="38100" dist="38100" dir="2700000" algn="tl">
-                    <a:srgbClr val="000000">
-                      <a:alpha val="43137"/>
-                    </a:srgbClr>
-                  </a:outerShdw>
-                </a:effectLst>
-              </a:rPr>
-              <a:t>Wandel</a:t>
-            </a:r>
-            <a:r>
-              <a:rPr lang="en-US" sz="1200" dirty="0">
-                <a:solidFill>
-                  <a:srgbClr val="FFFFFF"/>
-                </a:solidFill>
-                <a:effectLst>
-                  <a:outerShdw blurRad="38100" dist="38100" dir="2700000" algn="tl">
-                    <a:srgbClr val="000000">
-                      <a:alpha val="43137"/>
-                    </a:srgbClr>
-                  </a:outerShdw>
-                </a:effectLst>
-              </a:rPr>
-              <a:t> in </a:t>
-            </a:r>
-            <a:r>
-              <a:rPr lang="en-US" sz="1200" dirty="0" err="1">
-                <a:solidFill>
-                  <a:srgbClr val="FFFFFF"/>
-                </a:solidFill>
-                <a:effectLst>
-                  <a:outerShdw blurRad="38100" dist="38100" dir="2700000" algn="tl">
-                    <a:srgbClr val="000000">
-                      <a:alpha val="43137"/>
-                    </a:srgbClr>
-                  </a:outerShdw>
-                </a:effectLst>
-              </a:rPr>
-              <a:t>militärischen</a:t>
-            </a:r>
-            <a:r>
-              <a:rPr lang="en-US" sz="1200" dirty="0">
-                <a:solidFill>
-                  <a:srgbClr val="FFFFFF"/>
-                </a:solidFill>
-                <a:effectLst>
-                  <a:outerShdw blurRad="38100" dist="38100" dir="2700000" algn="tl">
-                    <a:srgbClr val="000000">
-                      <a:alpha val="43137"/>
-                    </a:srgbClr>
-                  </a:outerShdw>
-                </a:effectLst>
-              </a:rPr>
-              <a:t> </a:t>
-            </a:r>
-            <a:r>
-              <a:rPr lang="en-US" sz="1200" dirty="0" err="1">
-                <a:solidFill>
-                  <a:srgbClr val="FFFFFF"/>
-                </a:solidFill>
-                <a:effectLst>
-                  <a:outerShdw blurRad="38100" dist="38100" dir="2700000" algn="tl">
-                    <a:srgbClr val="000000">
-                      <a:alpha val="43137"/>
-                    </a:srgbClr>
-                  </a:outerShdw>
-                </a:effectLst>
-              </a:rPr>
-              <a:t>Berufen</a:t>
-            </a:r>
-            <a:r>
-              <a:rPr lang="en-US" sz="1200" dirty="0">
-                <a:solidFill>
-                  <a:srgbClr val="FFFFFF"/>
-                </a:solidFill>
-                <a:effectLst>
-                  <a:outerShdw blurRad="38100" dist="38100" dir="2700000" algn="tl">
-                    <a:srgbClr val="000000">
-                      <a:alpha val="43137"/>
-                    </a:srgbClr>
-                  </a:outerShdw>
-                </a:effectLst>
-              </a:rPr>
-              <a:t> </a:t>
-            </a:r>
-            <a:r>
-              <a:rPr lang="en-US" sz="1200" dirty="0" err="1">
-                <a:solidFill>
-                  <a:srgbClr val="FFFFFF"/>
-                </a:solidFill>
-                <a:effectLst>
-                  <a:outerShdw blurRad="38100" dist="38100" dir="2700000" algn="tl">
-                    <a:srgbClr val="000000">
-                      <a:alpha val="43137"/>
-                    </a:srgbClr>
-                  </a:outerShdw>
-                </a:effectLst>
-              </a:rPr>
-              <a:t>führen</a:t>
-            </a:r>
-            <a:r>
-              <a:rPr lang="en-US" sz="1200" dirty="0">
-                <a:solidFill>
-                  <a:srgbClr val="FFFFFF"/>
-                </a:solidFill>
-                <a:effectLst>
-                  <a:outerShdw blurRad="38100" dist="38100" dir="2700000" algn="tl">
-                    <a:srgbClr val="000000">
-                      <a:alpha val="43137"/>
-                    </a:srgbClr>
-                  </a:outerShdw>
-                </a:effectLst>
-              </a:rPr>
-              <a:t> und </a:t>
-            </a:r>
-            <a:r>
-              <a:rPr lang="en-US" sz="1200" dirty="0" err="1">
-                <a:solidFill>
-                  <a:srgbClr val="FFFFFF"/>
-                </a:solidFill>
-                <a:effectLst>
-                  <a:outerShdw blurRad="38100" dist="38100" dir="2700000" algn="tl">
-                    <a:srgbClr val="000000">
-                      <a:alpha val="43137"/>
-                    </a:srgbClr>
-                  </a:outerShdw>
-                </a:effectLst>
-              </a:rPr>
-              <a:t>Arbeitsplätze</a:t>
-            </a:r>
-            <a:r>
-              <a:rPr lang="en-US" sz="1200" dirty="0">
-                <a:solidFill>
-                  <a:srgbClr val="FFFFFF"/>
-                </a:solidFill>
-                <a:effectLst>
-                  <a:outerShdw blurRad="38100" dist="38100" dir="2700000" algn="tl">
-                    <a:srgbClr val="000000">
-                      <a:alpha val="43137"/>
-                    </a:srgbClr>
-                  </a:outerShdw>
-                </a:effectLst>
-              </a:rPr>
-              <a:t> </a:t>
-            </a:r>
-            <a:r>
-              <a:rPr lang="en-US" sz="1200" dirty="0" err="1">
-                <a:solidFill>
-                  <a:srgbClr val="FFFFFF"/>
-                </a:solidFill>
-                <a:effectLst>
-                  <a:outerShdw blurRad="38100" dist="38100" dir="2700000" algn="tl">
-                    <a:srgbClr val="000000">
-                      <a:alpha val="43137"/>
-                    </a:srgbClr>
-                  </a:outerShdw>
-                </a:effectLst>
-              </a:rPr>
-              <a:t>gefährden</a:t>
-            </a:r>
-            <a:r>
-              <a:rPr lang="en-US" sz="1200" dirty="0">
-                <a:solidFill>
-                  <a:srgbClr val="FFFFFF"/>
-                </a:solidFill>
-                <a:effectLst>
-                  <a:outerShdw blurRad="38100" dist="38100" dir="2700000" algn="tl">
-                    <a:srgbClr val="000000">
-                      <a:alpha val="43137"/>
-                    </a:srgbClr>
-                  </a:outerShdw>
-                </a:effectLst>
-              </a:rPr>
-              <a:t>.</a:t>
-            </a:r>
-          </a:p>
-          <a:p>
-            <a:pPr marL="228600">
-              <a:lnSpc>
-                <a:spcPct val="110000"/>
-              </a:lnSpc>
-              <a:spcBef>
-                <a:spcPts val="1000"/>
-              </a:spcBef>
-              <a:spcAft>
-                <a:spcPts val="0"/>
-              </a:spcAft>
-            </a:pPr>
-            <a:r>
-              <a:rPr lang="en-US" sz="1200" b="1" dirty="0" err="1">
-                <a:solidFill>
-                  <a:srgbClr val="FFFFFF"/>
-                </a:solidFill>
-                <a:effectLst>
-                  <a:outerShdw blurRad="38100" dist="38100" dir="2700000" algn="tl">
-                    <a:srgbClr val="000000">
-                      <a:alpha val="43137"/>
-                    </a:srgbClr>
-                  </a:outerShdw>
-                </a:effectLst>
-              </a:rPr>
-              <a:t>Ethik</a:t>
-            </a:r>
-            <a:r>
-              <a:rPr lang="en-US" sz="1200" b="1" dirty="0">
-                <a:solidFill>
-                  <a:srgbClr val="FFFFFF"/>
-                </a:solidFill>
-                <a:effectLst>
-                  <a:outerShdw blurRad="38100" dist="38100" dir="2700000" algn="tl">
-                    <a:srgbClr val="000000">
-                      <a:alpha val="43137"/>
-                    </a:srgbClr>
-                  </a:outerShdw>
-                </a:effectLst>
-              </a:rPr>
-              <a:t>- und </a:t>
-            </a:r>
-            <a:r>
-              <a:rPr lang="en-US" sz="1200" b="1" dirty="0" err="1">
-                <a:solidFill>
-                  <a:srgbClr val="FFFFFF"/>
-                </a:solidFill>
-                <a:effectLst>
-                  <a:outerShdw blurRad="38100" dist="38100" dir="2700000" algn="tl">
-                    <a:srgbClr val="000000">
-                      <a:alpha val="43137"/>
-                    </a:srgbClr>
-                  </a:outerShdw>
-                </a:effectLst>
-              </a:rPr>
-              <a:t>Sicherheitsbedenken</a:t>
-            </a:r>
-            <a:r>
-              <a:rPr lang="en-US" sz="1200" dirty="0">
-                <a:solidFill>
-                  <a:srgbClr val="FFFFFF"/>
-                </a:solidFill>
-                <a:effectLst>
-                  <a:outerShdw blurRad="38100" dist="38100" dir="2700000" algn="tl">
-                    <a:srgbClr val="000000">
-                      <a:alpha val="43137"/>
-                    </a:srgbClr>
-                  </a:outerShdw>
-                </a:effectLst>
-              </a:rPr>
-              <a:t>: Die </a:t>
-            </a:r>
-            <a:r>
-              <a:rPr lang="en-US" sz="1200" dirty="0" err="1">
-                <a:solidFill>
-                  <a:srgbClr val="FFFFFF"/>
-                </a:solidFill>
-                <a:effectLst>
-                  <a:outerShdw blurRad="38100" dist="38100" dir="2700000" algn="tl">
-                    <a:srgbClr val="000000">
-                      <a:alpha val="43137"/>
-                    </a:srgbClr>
-                  </a:outerShdw>
-                </a:effectLst>
-              </a:rPr>
-              <a:t>Verwendung</a:t>
-            </a:r>
-            <a:r>
-              <a:rPr lang="en-US" sz="1200" dirty="0">
-                <a:solidFill>
-                  <a:srgbClr val="FFFFFF"/>
-                </a:solidFill>
-                <a:effectLst>
-                  <a:outerShdw blurRad="38100" dist="38100" dir="2700000" algn="tl">
-                    <a:srgbClr val="000000">
-                      <a:alpha val="43137"/>
-                    </a:srgbClr>
-                  </a:outerShdw>
-                </a:effectLst>
-              </a:rPr>
-              <a:t> </a:t>
-            </a:r>
-            <a:r>
-              <a:rPr lang="en-US" sz="1200" dirty="0" err="1">
-                <a:solidFill>
-                  <a:srgbClr val="FFFFFF"/>
-                </a:solidFill>
-                <a:effectLst>
-                  <a:outerShdw blurRad="38100" dist="38100" dir="2700000" algn="tl">
-                    <a:srgbClr val="000000">
-                      <a:alpha val="43137"/>
-                    </a:srgbClr>
-                  </a:outerShdw>
-                </a:effectLst>
-              </a:rPr>
-              <a:t>autonomer</a:t>
-            </a:r>
-            <a:r>
-              <a:rPr lang="en-US" sz="1200" dirty="0">
-                <a:solidFill>
-                  <a:srgbClr val="FFFFFF"/>
-                </a:solidFill>
-                <a:effectLst>
-                  <a:outerShdw blurRad="38100" dist="38100" dir="2700000" algn="tl">
-                    <a:srgbClr val="000000">
-                      <a:alpha val="43137"/>
-                    </a:srgbClr>
-                  </a:outerShdw>
-                </a:effectLst>
-              </a:rPr>
-              <a:t> </a:t>
-            </a:r>
-            <a:r>
-              <a:rPr lang="en-US" sz="1200" dirty="0" err="1">
-                <a:solidFill>
-                  <a:srgbClr val="FFFFFF"/>
-                </a:solidFill>
-                <a:effectLst>
-                  <a:outerShdw blurRad="38100" dist="38100" dir="2700000" algn="tl">
-                    <a:srgbClr val="000000">
-                      <a:alpha val="43137"/>
-                    </a:srgbClr>
-                  </a:outerShdw>
-                </a:effectLst>
-              </a:rPr>
-              <a:t>Waffensysteme</a:t>
-            </a:r>
-            <a:r>
-              <a:rPr lang="en-US" sz="1200" dirty="0">
-                <a:solidFill>
-                  <a:srgbClr val="FFFFFF"/>
-                </a:solidFill>
-                <a:effectLst>
-                  <a:outerShdw blurRad="38100" dist="38100" dir="2700000" algn="tl">
-                    <a:srgbClr val="000000">
-                      <a:alpha val="43137"/>
-                    </a:srgbClr>
-                  </a:outerShdw>
-                </a:effectLst>
-              </a:rPr>
-              <a:t> </a:t>
-            </a:r>
-            <a:r>
-              <a:rPr lang="en-US" sz="1200" dirty="0" err="1">
-                <a:solidFill>
-                  <a:srgbClr val="FFFFFF"/>
-                </a:solidFill>
-                <a:effectLst>
-                  <a:outerShdw blurRad="38100" dist="38100" dir="2700000" algn="tl">
-                    <a:srgbClr val="000000">
-                      <a:alpha val="43137"/>
-                    </a:srgbClr>
-                  </a:outerShdw>
-                </a:effectLst>
-              </a:rPr>
-              <a:t>wirft</a:t>
-            </a:r>
-            <a:r>
-              <a:rPr lang="en-US" sz="1200" dirty="0">
-                <a:solidFill>
-                  <a:srgbClr val="FFFFFF"/>
-                </a:solidFill>
-                <a:effectLst>
-                  <a:outerShdw blurRad="38100" dist="38100" dir="2700000" algn="tl">
-                    <a:srgbClr val="000000">
-                      <a:alpha val="43137"/>
-                    </a:srgbClr>
-                  </a:outerShdw>
-                </a:effectLst>
-              </a:rPr>
-              <a:t> </a:t>
-            </a:r>
-            <a:r>
-              <a:rPr lang="en-US" sz="1200" dirty="0" err="1">
-                <a:solidFill>
-                  <a:srgbClr val="FFFFFF"/>
-                </a:solidFill>
-                <a:effectLst>
-                  <a:outerShdw blurRad="38100" dist="38100" dir="2700000" algn="tl">
-                    <a:srgbClr val="000000">
-                      <a:alpha val="43137"/>
-                    </a:srgbClr>
-                  </a:outerShdw>
-                </a:effectLst>
-              </a:rPr>
-              <a:t>Fragen</a:t>
-            </a:r>
-            <a:r>
-              <a:rPr lang="en-US" sz="1200" dirty="0">
-                <a:solidFill>
-                  <a:srgbClr val="FFFFFF"/>
-                </a:solidFill>
-                <a:effectLst>
-                  <a:outerShdw blurRad="38100" dist="38100" dir="2700000" algn="tl">
-                    <a:srgbClr val="000000">
-                      <a:alpha val="43137"/>
-                    </a:srgbClr>
-                  </a:outerShdw>
-                </a:effectLst>
-              </a:rPr>
-              <a:t> </a:t>
-            </a:r>
-            <a:r>
-              <a:rPr lang="en-US" sz="1200" dirty="0" err="1">
-                <a:solidFill>
-                  <a:srgbClr val="FFFFFF"/>
-                </a:solidFill>
-                <a:effectLst>
-                  <a:outerShdw blurRad="38100" dist="38100" dir="2700000" algn="tl">
-                    <a:srgbClr val="000000">
-                      <a:alpha val="43137"/>
-                    </a:srgbClr>
-                  </a:outerShdw>
-                </a:effectLst>
-              </a:rPr>
-              <a:t>nach</a:t>
-            </a:r>
-            <a:r>
-              <a:rPr lang="en-US" sz="1200" dirty="0">
-                <a:solidFill>
-                  <a:srgbClr val="FFFFFF"/>
-                </a:solidFill>
-                <a:effectLst>
-                  <a:outerShdw blurRad="38100" dist="38100" dir="2700000" algn="tl">
-                    <a:srgbClr val="000000">
-                      <a:alpha val="43137"/>
-                    </a:srgbClr>
-                  </a:outerShdw>
-                </a:effectLst>
-              </a:rPr>
-              <a:t> Moral und </a:t>
-            </a:r>
-            <a:r>
-              <a:rPr lang="en-US" sz="1200" dirty="0" err="1">
-                <a:solidFill>
-                  <a:srgbClr val="FFFFFF"/>
-                </a:solidFill>
-                <a:effectLst>
-                  <a:outerShdw blurRad="38100" dist="38100" dir="2700000" algn="tl">
-                    <a:srgbClr val="000000">
-                      <a:alpha val="43137"/>
-                    </a:srgbClr>
-                  </a:outerShdw>
-                </a:effectLst>
-              </a:rPr>
-              <a:t>Sicherheit</a:t>
-            </a:r>
-            <a:r>
-              <a:rPr lang="en-US" sz="1200" dirty="0">
-                <a:solidFill>
-                  <a:srgbClr val="FFFFFF"/>
-                </a:solidFill>
-                <a:effectLst>
-                  <a:outerShdw blurRad="38100" dist="38100" dir="2700000" algn="tl">
-                    <a:srgbClr val="000000">
-                      <a:alpha val="43137"/>
-                    </a:srgbClr>
-                  </a:outerShdw>
-                </a:effectLst>
-              </a:rPr>
-              <a:t> auf.</a:t>
-            </a:r>
-          </a:p>
-          <a:p>
-            <a:pPr marL="228600">
-              <a:lnSpc>
-                <a:spcPct val="110000"/>
-              </a:lnSpc>
-              <a:spcBef>
-                <a:spcPts val="1000"/>
-              </a:spcBef>
-              <a:spcAft>
-                <a:spcPts val="0"/>
-              </a:spcAft>
-            </a:pPr>
-            <a:r>
-              <a:rPr lang="en-US" sz="1200" b="1" dirty="0" err="1">
-                <a:solidFill>
-                  <a:srgbClr val="FFFFFF"/>
-                </a:solidFill>
-                <a:effectLst>
-                  <a:outerShdw blurRad="38100" dist="38100" dir="2700000" algn="tl">
-                    <a:srgbClr val="000000">
-                      <a:alpha val="43137"/>
-                    </a:srgbClr>
-                  </a:outerShdw>
-                </a:effectLst>
-              </a:rPr>
-              <a:t>Technologischer</a:t>
-            </a:r>
-            <a:r>
-              <a:rPr lang="en-US" sz="1200" b="1" dirty="0">
-                <a:solidFill>
-                  <a:srgbClr val="FFFFFF"/>
-                </a:solidFill>
-                <a:effectLst>
-                  <a:outerShdw blurRad="38100" dist="38100" dir="2700000" algn="tl">
-                    <a:srgbClr val="000000">
-                      <a:alpha val="43137"/>
-                    </a:srgbClr>
-                  </a:outerShdw>
-                </a:effectLst>
-              </a:rPr>
-              <a:t> </a:t>
-            </a:r>
-            <a:r>
-              <a:rPr lang="en-US" sz="1200" b="1" dirty="0" err="1">
-                <a:solidFill>
-                  <a:srgbClr val="FFFFFF"/>
-                </a:solidFill>
-                <a:effectLst>
-                  <a:outerShdw blurRad="38100" dist="38100" dir="2700000" algn="tl">
-                    <a:srgbClr val="000000">
-                      <a:alpha val="43137"/>
-                    </a:srgbClr>
-                  </a:outerShdw>
-                </a:effectLst>
-              </a:rPr>
-              <a:t>Fortschritt</a:t>
-            </a:r>
-            <a:r>
-              <a:rPr lang="en-US" sz="1200" b="1" dirty="0">
-                <a:solidFill>
-                  <a:srgbClr val="FFFFFF"/>
-                </a:solidFill>
-                <a:effectLst>
-                  <a:outerShdw blurRad="38100" dist="38100" dir="2700000" algn="tl">
-                    <a:srgbClr val="000000">
-                      <a:alpha val="43137"/>
-                    </a:srgbClr>
-                  </a:outerShdw>
-                </a:effectLst>
-              </a:rPr>
-              <a:t> und Innovation</a:t>
-            </a:r>
-            <a:r>
-              <a:rPr lang="en-US" sz="1200" dirty="0">
-                <a:solidFill>
-                  <a:srgbClr val="FFFFFF"/>
-                </a:solidFill>
-                <a:effectLst>
-                  <a:outerShdw blurRad="38100" dist="38100" dir="2700000" algn="tl">
-                    <a:srgbClr val="000000">
-                      <a:alpha val="43137"/>
-                    </a:srgbClr>
-                  </a:outerShdw>
-                </a:effectLst>
-              </a:rPr>
-              <a:t>: Der </a:t>
-            </a:r>
-            <a:r>
-              <a:rPr lang="en-US" sz="1200" dirty="0" err="1">
-                <a:solidFill>
-                  <a:srgbClr val="FFFFFF"/>
-                </a:solidFill>
-                <a:effectLst>
-                  <a:outerShdw blurRad="38100" dist="38100" dir="2700000" algn="tl">
-                    <a:srgbClr val="000000">
-                      <a:alpha val="43137"/>
-                    </a:srgbClr>
-                  </a:outerShdw>
-                </a:effectLst>
-              </a:rPr>
-              <a:t>Einsatz</a:t>
-            </a:r>
-            <a:r>
-              <a:rPr lang="en-US" sz="1200" dirty="0">
-                <a:solidFill>
-                  <a:srgbClr val="FFFFFF"/>
-                </a:solidFill>
-                <a:effectLst>
-                  <a:outerShdw blurRad="38100" dist="38100" dir="2700000" algn="tl">
-                    <a:srgbClr val="000000">
-                      <a:alpha val="43137"/>
-                    </a:srgbClr>
-                  </a:outerShdw>
-                </a:effectLst>
-              </a:rPr>
-              <a:t> von </a:t>
-            </a:r>
-            <a:r>
-              <a:rPr lang="en-US" sz="1200" dirty="0" err="1">
-                <a:solidFill>
-                  <a:srgbClr val="FFFFFF"/>
-                </a:solidFill>
-                <a:effectLst>
-                  <a:outerShdw blurRad="38100" dist="38100" dir="2700000" algn="tl">
-                    <a:srgbClr val="000000">
-                      <a:alpha val="43137"/>
-                    </a:srgbClr>
-                  </a:outerShdw>
-                </a:effectLst>
-              </a:rPr>
-              <a:t>Militärrobotern</a:t>
-            </a:r>
-            <a:r>
-              <a:rPr lang="en-US" sz="1200" dirty="0">
-                <a:solidFill>
-                  <a:srgbClr val="FFFFFF"/>
-                </a:solidFill>
-                <a:effectLst>
-                  <a:outerShdw blurRad="38100" dist="38100" dir="2700000" algn="tl">
-                    <a:srgbClr val="000000">
-                      <a:alpha val="43137"/>
-                    </a:srgbClr>
-                  </a:outerShdw>
-                </a:effectLst>
-              </a:rPr>
-              <a:t> </a:t>
-            </a:r>
-            <a:r>
-              <a:rPr lang="en-US" sz="1200" dirty="0" err="1">
-                <a:solidFill>
-                  <a:srgbClr val="FFFFFF"/>
-                </a:solidFill>
-                <a:effectLst>
-                  <a:outerShdw blurRad="38100" dist="38100" dir="2700000" algn="tl">
-                    <a:srgbClr val="000000">
-                      <a:alpha val="43137"/>
-                    </a:srgbClr>
-                  </a:outerShdw>
-                </a:effectLst>
-              </a:rPr>
-              <a:t>könnte</a:t>
-            </a:r>
-            <a:r>
-              <a:rPr lang="en-US" sz="1200" dirty="0">
-                <a:solidFill>
-                  <a:srgbClr val="FFFFFF"/>
-                </a:solidFill>
-                <a:effectLst>
-                  <a:outerShdw blurRad="38100" dist="38100" dir="2700000" algn="tl">
-                    <a:srgbClr val="000000">
-                      <a:alpha val="43137"/>
-                    </a:srgbClr>
-                  </a:outerShdw>
-                </a:effectLst>
-              </a:rPr>
-              <a:t> </a:t>
-            </a:r>
-            <a:r>
-              <a:rPr lang="en-US" sz="1200" dirty="0" err="1">
-                <a:solidFill>
-                  <a:srgbClr val="FFFFFF"/>
-                </a:solidFill>
-                <a:effectLst>
-                  <a:outerShdw blurRad="38100" dist="38100" dir="2700000" algn="tl">
-                    <a:srgbClr val="000000">
-                      <a:alpha val="43137"/>
-                    </a:srgbClr>
-                  </a:outerShdw>
-                </a:effectLst>
-              </a:rPr>
-              <a:t>technologischen</a:t>
-            </a:r>
-            <a:r>
-              <a:rPr lang="en-US" sz="1200" dirty="0">
-                <a:solidFill>
-                  <a:srgbClr val="FFFFFF"/>
-                </a:solidFill>
-                <a:effectLst>
-                  <a:outerShdw blurRad="38100" dist="38100" dir="2700000" algn="tl">
-                    <a:srgbClr val="000000">
-                      <a:alpha val="43137"/>
-                    </a:srgbClr>
-                  </a:outerShdw>
-                </a:effectLst>
-              </a:rPr>
-              <a:t> </a:t>
-            </a:r>
-            <a:r>
-              <a:rPr lang="en-US" sz="1200" dirty="0" err="1">
-                <a:solidFill>
-                  <a:srgbClr val="FFFFFF"/>
-                </a:solidFill>
-                <a:effectLst>
-                  <a:outerShdw blurRad="38100" dist="38100" dir="2700000" algn="tl">
-                    <a:srgbClr val="000000">
-                      <a:alpha val="43137"/>
-                    </a:srgbClr>
-                  </a:outerShdw>
-                </a:effectLst>
-              </a:rPr>
-              <a:t>Fortschritt</a:t>
-            </a:r>
-            <a:r>
-              <a:rPr lang="en-US" sz="1200" dirty="0">
-                <a:solidFill>
-                  <a:srgbClr val="FFFFFF"/>
-                </a:solidFill>
-                <a:effectLst>
-                  <a:outerShdw blurRad="38100" dist="38100" dir="2700000" algn="tl">
-                    <a:srgbClr val="000000">
-                      <a:alpha val="43137"/>
-                    </a:srgbClr>
-                  </a:outerShdw>
-                </a:effectLst>
-              </a:rPr>
-              <a:t> und </a:t>
-            </a:r>
-            <a:r>
-              <a:rPr lang="en-US" sz="1200" dirty="0" err="1">
-                <a:solidFill>
-                  <a:srgbClr val="FFFFFF"/>
-                </a:solidFill>
-                <a:effectLst>
-                  <a:outerShdw blurRad="38100" dist="38100" dir="2700000" algn="tl">
-                    <a:srgbClr val="000000">
-                      <a:alpha val="43137"/>
-                    </a:srgbClr>
-                  </a:outerShdw>
-                </a:effectLst>
-              </a:rPr>
-              <a:t>Innovationen</a:t>
-            </a:r>
-            <a:r>
-              <a:rPr lang="en-US" sz="1200" dirty="0">
-                <a:solidFill>
-                  <a:srgbClr val="FFFFFF"/>
-                </a:solidFill>
-                <a:effectLst>
-                  <a:outerShdw blurRad="38100" dist="38100" dir="2700000" algn="tl">
-                    <a:srgbClr val="000000">
-                      <a:alpha val="43137"/>
-                    </a:srgbClr>
-                  </a:outerShdw>
-                </a:effectLst>
-              </a:rPr>
-              <a:t> </a:t>
-            </a:r>
-            <a:r>
-              <a:rPr lang="en-US" sz="1200" dirty="0" err="1">
-                <a:solidFill>
-                  <a:srgbClr val="FFFFFF"/>
-                </a:solidFill>
-                <a:effectLst>
-                  <a:outerShdw blurRad="38100" dist="38100" dir="2700000" algn="tl">
-                    <a:srgbClr val="000000">
-                      <a:alpha val="43137"/>
-                    </a:srgbClr>
-                  </a:outerShdw>
-                </a:effectLst>
-              </a:rPr>
-              <a:t>vorantreiben</a:t>
-            </a:r>
-            <a:r>
-              <a:rPr lang="en-US" sz="1200" dirty="0">
-                <a:solidFill>
-                  <a:srgbClr val="FFFFFF"/>
-                </a:solidFill>
-                <a:effectLst>
-                  <a:outerShdw blurRad="38100" dist="38100" dir="2700000" algn="tl">
-                    <a:srgbClr val="000000">
-                      <a:alpha val="43137"/>
-                    </a:srgbClr>
-                  </a:outerShdw>
-                </a:effectLst>
-              </a:rPr>
-              <a:t>.</a:t>
-            </a:r>
-          </a:p>
-          <a:p>
-            <a:pPr marL="228600">
-              <a:lnSpc>
-                <a:spcPct val="110000"/>
-              </a:lnSpc>
-              <a:spcBef>
-                <a:spcPts val="1000"/>
-              </a:spcBef>
-              <a:spcAft>
-                <a:spcPts val="0"/>
-              </a:spcAft>
-            </a:pPr>
-            <a:r>
-              <a:rPr lang="en-US" sz="1200" b="1" dirty="0" err="1">
-                <a:solidFill>
-                  <a:srgbClr val="FFFFFF"/>
-                </a:solidFill>
-                <a:effectLst>
-                  <a:outerShdw blurRad="38100" dist="38100" dir="2700000" algn="tl">
-                    <a:srgbClr val="000000">
-                      <a:alpha val="43137"/>
-                    </a:srgbClr>
-                  </a:outerShdw>
-                </a:effectLst>
-              </a:rPr>
-              <a:t>Internationale</a:t>
-            </a:r>
-            <a:r>
-              <a:rPr lang="en-US" sz="1200" b="1" dirty="0">
-                <a:solidFill>
-                  <a:srgbClr val="FFFFFF"/>
-                </a:solidFill>
-                <a:effectLst>
-                  <a:outerShdw blurRad="38100" dist="38100" dir="2700000" algn="tl">
-                    <a:srgbClr val="000000">
-                      <a:alpha val="43137"/>
-                    </a:srgbClr>
-                  </a:outerShdw>
-                </a:effectLst>
-              </a:rPr>
-              <a:t> </a:t>
-            </a:r>
-            <a:r>
-              <a:rPr lang="en-US" sz="1200" b="1" dirty="0" err="1">
-                <a:solidFill>
-                  <a:srgbClr val="FFFFFF"/>
-                </a:solidFill>
-                <a:effectLst>
-                  <a:outerShdw blurRad="38100" dist="38100" dir="2700000" algn="tl">
-                    <a:srgbClr val="000000">
-                      <a:alpha val="43137"/>
-                    </a:srgbClr>
-                  </a:outerShdw>
-                </a:effectLst>
-              </a:rPr>
-              <a:t>Beziehungen</a:t>
-            </a:r>
-            <a:r>
-              <a:rPr lang="en-US" sz="1200" b="1" dirty="0">
-                <a:solidFill>
-                  <a:srgbClr val="FFFFFF"/>
-                </a:solidFill>
-                <a:effectLst>
-                  <a:outerShdw blurRad="38100" dist="38100" dir="2700000" algn="tl">
-                    <a:srgbClr val="000000">
-                      <a:alpha val="43137"/>
-                    </a:srgbClr>
-                  </a:outerShdw>
-                </a:effectLst>
-              </a:rPr>
-              <a:t> und </a:t>
-            </a:r>
-            <a:r>
-              <a:rPr lang="en-US" sz="1200" b="1" dirty="0" err="1">
-                <a:solidFill>
-                  <a:srgbClr val="FFFFFF"/>
-                </a:solidFill>
-                <a:effectLst>
-                  <a:outerShdw blurRad="38100" dist="38100" dir="2700000" algn="tl">
-                    <a:srgbClr val="000000">
-                      <a:alpha val="43137"/>
-                    </a:srgbClr>
-                  </a:outerShdw>
-                </a:effectLst>
-              </a:rPr>
-              <a:t>Konflikte</a:t>
-            </a:r>
-            <a:r>
-              <a:rPr lang="en-US" sz="1200" dirty="0">
-                <a:solidFill>
-                  <a:srgbClr val="FFFFFF"/>
-                </a:solidFill>
-                <a:effectLst>
-                  <a:outerShdw blurRad="38100" dist="38100" dir="2700000" algn="tl">
-                    <a:srgbClr val="000000">
-                      <a:alpha val="43137"/>
-                    </a:srgbClr>
-                  </a:outerShdw>
-                </a:effectLst>
-              </a:rPr>
-              <a:t>: Die </a:t>
-            </a:r>
-            <a:r>
-              <a:rPr lang="en-US" sz="1200" dirty="0" err="1">
-                <a:solidFill>
-                  <a:srgbClr val="FFFFFF"/>
-                </a:solidFill>
-                <a:effectLst>
-                  <a:outerShdw blurRad="38100" dist="38100" dir="2700000" algn="tl">
-                    <a:srgbClr val="000000">
-                      <a:alpha val="43137"/>
-                    </a:srgbClr>
-                  </a:outerShdw>
-                </a:effectLst>
-              </a:rPr>
-              <a:t>Verbreitung</a:t>
-            </a:r>
-            <a:r>
-              <a:rPr lang="en-US" sz="1200" dirty="0">
-                <a:solidFill>
-                  <a:srgbClr val="FFFFFF"/>
-                </a:solidFill>
-                <a:effectLst>
-                  <a:outerShdw blurRad="38100" dist="38100" dir="2700000" algn="tl">
-                    <a:srgbClr val="000000">
-                      <a:alpha val="43137"/>
-                    </a:srgbClr>
-                  </a:outerShdw>
-                </a:effectLst>
-              </a:rPr>
-              <a:t> von </a:t>
-            </a:r>
-            <a:r>
-              <a:rPr lang="en-US" sz="1200" dirty="0" err="1">
-                <a:solidFill>
-                  <a:srgbClr val="FFFFFF"/>
-                </a:solidFill>
-                <a:effectLst>
-                  <a:outerShdw blurRad="38100" dist="38100" dir="2700000" algn="tl">
-                    <a:srgbClr val="000000">
-                      <a:alpha val="43137"/>
-                    </a:srgbClr>
-                  </a:outerShdw>
-                </a:effectLst>
-              </a:rPr>
-              <a:t>Militärrobotern</a:t>
-            </a:r>
-            <a:r>
-              <a:rPr lang="en-US" sz="1200" dirty="0">
-                <a:solidFill>
-                  <a:srgbClr val="FFFFFF"/>
-                </a:solidFill>
-                <a:effectLst>
-                  <a:outerShdw blurRad="38100" dist="38100" dir="2700000" algn="tl">
-                    <a:srgbClr val="000000">
-                      <a:alpha val="43137"/>
-                    </a:srgbClr>
-                  </a:outerShdw>
-                </a:effectLst>
-              </a:rPr>
-              <a:t> </a:t>
-            </a:r>
-            <a:r>
-              <a:rPr lang="en-US" sz="1200" dirty="0" err="1">
-                <a:solidFill>
-                  <a:srgbClr val="FFFFFF"/>
-                </a:solidFill>
-                <a:effectLst>
-                  <a:outerShdw blurRad="38100" dist="38100" dir="2700000" algn="tl">
-                    <a:srgbClr val="000000">
-                      <a:alpha val="43137"/>
-                    </a:srgbClr>
-                  </a:outerShdw>
-                </a:effectLst>
-              </a:rPr>
-              <a:t>könnte</a:t>
-            </a:r>
-            <a:r>
-              <a:rPr lang="en-US" sz="1200" dirty="0">
-                <a:solidFill>
-                  <a:srgbClr val="FFFFFF"/>
-                </a:solidFill>
-                <a:effectLst>
-                  <a:outerShdw blurRad="38100" dist="38100" dir="2700000" algn="tl">
-                    <a:srgbClr val="000000">
-                      <a:alpha val="43137"/>
-                    </a:srgbClr>
-                  </a:outerShdw>
-                </a:effectLst>
-              </a:rPr>
-              <a:t> </a:t>
-            </a:r>
-            <a:r>
-              <a:rPr lang="en-US" sz="1200" dirty="0" err="1">
-                <a:solidFill>
-                  <a:srgbClr val="FFFFFF"/>
-                </a:solidFill>
-                <a:effectLst>
-                  <a:outerShdw blurRad="38100" dist="38100" dir="2700000" algn="tl">
-                    <a:srgbClr val="000000">
-                      <a:alpha val="43137"/>
-                    </a:srgbClr>
-                  </a:outerShdw>
-                </a:effectLst>
-              </a:rPr>
-              <a:t>zu</a:t>
-            </a:r>
-            <a:r>
-              <a:rPr lang="en-US" sz="1200" dirty="0">
-                <a:solidFill>
-                  <a:srgbClr val="FFFFFF"/>
-                </a:solidFill>
-                <a:effectLst>
-                  <a:outerShdw blurRad="38100" dist="38100" dir="2700000" algn="tl">
-                    <a:srgbClr val="000000">
-                      <a:alpha val="43137"/>
-                    </a:srgbClr>
-                  </a:outerShdw>
-                </a:effectLst>
-              </a:rPr>
-              <a:t> </a:t>
-            </a:r>
-            <a:r>
-              <a:rPr lang="en-US" sz="1200" dirty="0" err="1">
-                <a:solidFill>
-                  <a:srgbClr val="FFFFFF"/>
-                </a:solidFill>
-                <a:effectLst>
-                  <a:outerShdw blurRad="38100" dist="38100" dir="2700000" algn="tl">
-                    <a:srgbClr val="000000">
-                      <a:alpha val="43137"/>
-                    </a:srgbClr>
-                  </a:outerShdw>
-                </a:effectLst>
-              </a:rPr>
-              <a:t>Spannungen</a:t>
-            </a:r>
-            <a:r>
-              <a:rPr lang="en-US" sz="1200" dirty="0">
-                <a:solidFill>
-                  <a:srgbClr val="FFFFFF"/>
-                </a:solidFill>
-                <a:effectLst>
-                  <a:outerShdw blurRad="38100" dist="38100" dir="2700000" algn="tl">
-                    <a:srgbClr val="000000">
-                      <a:alpha val="43137"/>
-                    </a:srgbClr>
-                  </a:outerShdw>
-                </a:effectLst>
-              </a:rPr>
-              <a:t> </a:t>
-            </a:r>
-            <a:r>
-              <a:rPr lang="en-US" sz="1200" dirty="0" err="1">
-                <a:solidFill>
-                  <a:srgbClr val="FFFFFF"/>
-                </a:solidFill>
-                <a:effectLst>
-                  <a:outerShdw blurRad="38100" dist="38100" dir="2700000" algn="tl">
-                    <a:srgbClr val="000000">
-                      <a:alpha val="43137"/>
-                    </a:srgbClr>
-                  </a:outerShdw>
-                </a:effectLst>
-              </a:rPr>
-              <a:t>zwischen</a:t>
-            </a:r>
-            <a:r>
-              <a:rPr lang="en-US" sz="1200" dirty="0">
-                <a:solidFill>
-                  <a:srgbClr val="FFFFFF"/>
-                </a:solidFill>
-                <a:effectLst>
-                  <a:outerShdw blurRad="38100" dist="38100" dir="2700000" algn="tl">
-                    <a:srgbClr val="000000">
-                      <a:alpha val="43137"/>
-                    </a:srgbClr>
-                  </a:outerShdw>
-                </a:effectLst>
-              </a:rPr>
-              <a:t> </a:t>
-            </a:r>
-            <a:r>
-              <a:rPr lang="en-US" sz="1200" dirty="0" err="1">
-                <a:solidFill>
-                  <a:srgbClr val="FFFFFF"/>
-                </a:solidFill>
-                <a:effectLst>
-                  <a:outerShdw blurRad="38100" dist="38100" dir="2700000" algn="tl">
-                    <a:srgbClr val="000000">
-                      <a:alpha val="43137"/>
-                    </a:srgbClr>
-                  </a:outerShdw>
-                </a:effectLst>
-              </a:rPr>
-              <a:t>Ländern</a:t>
-            </a:r>
-            <a:r>
-              <a:rPr lang="en-US" sz="1200" dirty="0">
-                <a:solidFill>
-                  <a:srgbClr val="FFFFFF"/>
-                </a:solidFill>
-                <a:effectLst>
-                  <a:outerShdw blurRad="38100" dist="38100" dir="2700000" algn="tl">
-                    <a:srgbClr val="000000">
-                      <a:alpha val="43137"/>
-                    </a:srgbClr>
-                  </a:outerShdw>
-                </a:effectLst>
-              </a:rPr>
-              <a:t> </a:t>
-            </a:r>
-            <a:r>
-              <a:rPr lang="en-US" sz="1200" dirty="0" err="1">
-                <a:solidFill>
-                  <a:srgbClr val="FFFFFF"/>
-                </a:solidFill>
-                <a:effectLst>
-                  <a:outerShdw blurRad="38100" dist="38100" dir="2700000" algn="tl">
-                    <a:srgbClr val="000000">
-                      <a:alpha val="43137"/>
-                    </a:srgbClr>
-                  </a:outerShdw>
-                </a:effectLst>
-              </a:rPr>
-              <a:t>führen</a:t>
-            </a:r>
-            <a:r>
-              <a:rPr lang="en-US" sz="1200" dirty="0">
-                <a:solidFill>
-                  <a:srgbClr val="FFFFFF"/>
-                </a:solidFill>
-                <a:effectLst>
-                  <a:outerShdw blurRad="38100" dist="38100" dir="2700000" algn="tl">
-                    <a:srgbClr val="000000">
-                      <a:alpha val="43137"/>
-                    </a:srgbClr>
-                  </a:outerShdw>
-                </a:effectLst>
-              </a:rPr>
-              <a:t>.</a:t>
-            </a:r>
-          </a:p>
-          <a:p>
-            <a:pPr marL="228600">
-              <a:lnSpc>
-                <a:spcPct val="110000"/>
-              </a:lnSpc>
-              <a:spcBef>
-                <a:spcPts val="1000"/>
-              </a:spcBef>
-              <a:spcAft>
-                <a:spcPts val="0"/>
-              </a:spcAft>
-            </a:pPr>
-            <a:r>
-              <a:rPr lang="en-US" sz="1200" b="1" dirty="0" err="1">
-                <a:solidFill>
-                  <a:srgbClr val="FFFFFF"/>
-                </a:solidFill>
-                <a:effectLst>
-                  <a:outerShdw blurRad="38100" dist="38100" dir="2700000" algn="tl">
-                    <a:srgbClr val="000000">
-                      <a:alpha val="43137"/>
-                    </a:srgbClr>
-                  </a:outerShdw>
-                </a:effectLst>
-              </a:rPr>
-              <a:t>Ungleichheiten</a:t>
-            </a:r>
-            <a:r>
-              <a:rPr lang="en-US" sz="1200" b="1" dirty="0">
-                <a:solidFill>
-                  <a:srgbClr val="FFFFFF"/>
-                </a:solidFill>
-                <a:effectLst>
-                  <a:outerShdw blurRad="38100" dist="38100" dir="2700000" algn="tl">
-                    <a:srgbClr val="000000">
-                      <a:alpha val="43137"/>
-                    </a:srgbClr>
-                  </a:outerShdw>
-                </a:effectLst>
-              </a:rPr>
-              <a:t> und </a:t>
-            </a:r>
-            <a:r>
-              <a:rPr lang="en-US" sz="1200" b="1" dirty="0" err="1">
-                <a:solidFill>
-                  <a:srgbClr val="FFFFFF"/>
-                </a:solidFill>
-                <a:effectLst>
-                  <a:outerShdw blurRad="38100" dist="38100" dir="2700000" algn="tl">
-                    <a:srgbClr val="000000">
-                      <a:alpha val="43137"/>
-                    </a:srgbClr>
-                  </a:outerShdw>
-                </a:effectLst>
-              </a:rPr>
-              <a:t>Zugang</a:t>
-            </a:r>
-            <a:r>
-              <a:rPr lang="en-US" sz="1200" b="1" dirty="0">
-                <a:solidFill>
-                  <a:srgbClr val="FFFFFF"/>
-                </a:solidFill>
-                <a:effectLst>
-                  <a:outerShdw blurRad="38100" dist="38100" dir="2700000" algn="tl">
-                    <a:srgbClr val="000000">
-                      <a:alpha val="43137"/>
-                    </a:srgbClr>
-                  </a:outerShdw>
-                </a:effectLst>
-              </a:rPr>
-              <a:t> </a:t>
-            </a:r>
-            <a:r>
-              <a:rPr lang="en-US" sz="1200" b="1" dirty="0" err="1">
-                <a:solidFill>
-                  <a:srgbClr val="FFFFFF"/>
-                </a:solidFill>
-                <a:effectLst>
-                  <a:outerShdw blurRad="38100" dist="38100" dir="2700000" algn="tl">
-                    <a:srgbClr val="000000">
-                      <a:alpha val="43137"/>
-                    </a:srgbClr>
-                  </a:outerShdw>
-                </a:effectLst>
-              </a:rPr>
-              <a:t>zur</a:t>
-            </a:r>
-            <a:r>
-              <a:rPr lang="en-US" sz="1200" b="1" dirty="0">
-                <a:solidFill>
-                  <a:srgbClr val="FFFFFF"/>
-                </a:solidFill>
-                <a:effectLst>
-                  <a:outerShdw blurRad="38100" dist="38100" dir="2700000" algn="tl">
-                    <a:srgbClr val="000000">
-                      <a:alpha val="43137"/>
-                    </a:srgbClr>
-                  </a:outerShdw>
-                </a:effectLst>
-              </a:rPr>
-              <a:t> </a:t>
-            </a:r>
-            <a:r>
-              <a:rPr lang="en-US" sz="1200" b="1" dirty="0" err="1">
-                <a:solidFill>
-                  <a:srgbClr val="FFFFFF"/>
-                </a:solidFill>
-                <a:effectLst>
-                  <a:outerShdw blurRad="38100" dist="38100" dir="2700000" algn="tl">
-                    <a:srgbClr val="000000">
-                      <a:alpha val="43137"/>
-                    </a:srgbClr>
-                  </a:outerShdw>
-                </a:effectLst>
-              </a:rPr>
-              <a:t>Technologie</a:t>
-            </a:r>
-            <a:r>
-              <a:rPr lang="en-US" sz="1200" dirty="0">
-                <a:solidFill>
-                  <a:srgbClr val="FFFFFF"/>
-                </a:solidFill>
-                <a:effectLst>
-                  <a:outerShdw blurRad="38100" dist="38100" dir="2700000" algn="tl">
-                    <a:srgbClr val="000000">
-                      <a:alpha val="43137"/>
-                    </a:srgbClr>
-                  </a:outerShdw>
-                </a:effectLst>
-              </a:rPr>
-              <a:t>: Die </a:t>
-            </a:r>
-            <a:r>
-              <a:rPr lang="en-US" sz="1200" dirty="0" err="1">
-                <a:solidFill>
-                  <a:srgbClr val="FFFFFF"/>
-                </a:solidFill>
-                <a:effectLst>
-                  <a:outerShdw blurRad="38100" dist="38100" dir="2700000" algn="tl">
-                    <a:srgbClr val="000000">
-                      <a:alpha val="43137"/>
-                    </a:srgbClr>
-                  </a:outerShdw>
-                </a:effectLst>
-              </a:rPr>
-              <a:t>Verfügbarkeit</a:t>
-            </a:r>
-            <a:r>
-              <a:rPr lang="en-US" sz="1200" dirty="0">
-                <a:solidFill>
-                  <a:srgbClr val="FFFFFF"/>
-                </a:solidFill>
-                <a:effectLst>
-                  <a:outerShdw blurRad="38100" dist="38100" dir="2700000" algn="tl">
-                    <a:srgbClr val="000000">
-                      <a:alpha val="43137"/>
-                    </a:srgbClr>
-                  </a:outerShdw>
-                </a:effectLst>
-              </a:rPr>
-              <a:t> von </a:t>
-            </a:r>
-            <a:r>
-              <a:rPr lang="en-US" sz="1200" dirty="0" err="1">
-                <a:solidFill>
-                  <a:srgbClr val="FFFFFF"/>
-                </a:solidFill>
-                <a:effectLst>
-                  <a:outerShdw blurRad="38100" dist="38100" dir="2700000" algn="tl">
-                    <a:srgbClr val="000000">
-                      <a:alpha val="43137"/>
-                    </a:srgbClr>
-                  </a:outerShdw>
-                </a:effectLst>
-              </a:rPr>
-              <a:t>Militärrobotern</a:t>
-            </a:r>
-            <a:r>
-              <a:rPr lang="en-US" sz="1200" dirty="0">
-                <a:solidFill>
-                  <a:srgbClr val="FFFFFF"/>
-                </a:solidFill>
-                <a:effectLst>
-                  <a:outerShdw blurRad="38100" dist="38100" dir="2700000" algn="tl">
-                    <a:srgbClr val="000000">
-                      <a:alpha val="43137"/>
-                    </a:srgbClr>
-                  </a:outerShdw>
-                </a:effectLst>
-              </a:rPr>
-              <a:t> </a:t>
-            </a:r>
-            <a:r>
-              <a:rPr lang="en-US" sz="1200" dirty="0" err="1">
-                <a:solidFill>
-                  <a:srgbClr val="FFFFFF"/>
-                </a:solidFill>
-                <a:effectLst>
-                  <a:outerShdw blurRad="38100" dist="38100" dir="2700000" algn="tl">
-                    <a:srgbClr val="000000">
-                      <a:alpha val="43137"/>
-                    </a:srgbClr>
-                  </a:outerShdw>
-                </a:effectLst>
-              </a:rPr>
-              <a:t>könnte</a:t>
-            </a:r>
-            <a:r>
-              <a:rPr lang="en-US" sz="1200" dirty="0">
-                <a:solidFill>
-                  <a:srgbClr val="FFFFFF"/>
-                </a:solidFill>
-                <a:effectLst>
-                  <a:outerShdw blurRad="38100" dist="38100" dir="2700000" algn="tl">
-                    <a:srgbClr val="000000">
-                      <a:alpha val="43137"/>
-                    </a:srgbClr>
-                  </a:outerShdw>
-                </a:effectLst>
-              </a:rPr>
-              <a:t> </a:t>
-            </a:r>
-            <a:r>
-              <a:rPr lang="en-US" sz="1200" dirty="0" err="1">
-                <a:solidFill>
-                  <a:srgbClr val="FFFFFF"/>
-                </a:solidFill>
-                <a:effectLst>
-                  <a:outerShdw blurRad="38100" dist="38100" dir="2700000" algn="tl">
-                    <a:srgbClr val="000000">
-                      <a:alpha val="43137"/>
-                    </a:srgbClr>
-                  </a:outerShdw>
-                </a:effectLst>
-              </a:rPr>
-              <a:t>bestehende</a:t>
-            </a:r>
-            <a:r>
-              <a:rPr lang="en-US" sz="1200" dirty="0">
-                <a:solidFill>
-                  <a:srgbClr val="FFFFFF"/>
-                </a:solidFill>
-                <a:effectLst>
-                  <a:outerShdw blurRad="38100" dist="38100" dir="2700000" algn="tl">
-                    <a:srgbClr val="000000">
-                      <a:alpha val="43137"/>
-                    </a:srgbClr>
-                  </a:outerShdw>
-                </a:effectLst>
-              </a:rPr>
-              <a:t> </a:t>
-            </a:r>
-            <a:r>
-              <a:rPr lang="en-US" sz="1200" dirty="0" err="1">
-                <a:solidFill>
-                  <a:srgbClr val="FFFFFF"/>
-                </a:solidFill>
-                <a:effectLst>
-                  <a:outerShdw blurRad="38100" dist="38100" dir="2700000" algn="tl">
-                    <a:srgbClr val="000000">
-                      <a:alpha val="43137"/>
-                    </a:srgbClr>
-                  </a:outerShdw>
-                </a:effectLst>
-              </a:rPr>
-              <a:t>Ungleichheiten</a:t>
-            </a:r>
-            <a:r>
-              <a:rPr lang="en-US" sz="1200" dirty="0">
-                <a:solidFill>
-                  <a:srgbClr val="FFFFFF"/>
-                </a:solidFill>
-                <a:effectLst>
-                  <a:outerShdw blurRad="38100" dist="38100" dir="2700000" algn="tl">
-                    <a:srgbClr val="000000">
-                      <a:alpha val="43137"/>
-                    </a:srgbClr>
-                  </a:outerShdw>
-                </a:effectLst>
-              </a:rPr>
-              <a:t> </a:t>
-            </a:r>
-            <a:r>
-              <a:rPr lang="en-US" sz="1200" dirty="0" err="1">
-                <a:solidFill>
-                  <a:srgbClr val="FFFFFF"/>
-                </a:solidFill>
-                <a:effectLst>
-                  <a:outerShdw blurRad="38100" dist="38100" dir="2700000" algn="tl">
-                    <a:srgbClr val="000000">
-                      <a:alpha val="43137"/>
-                    </a:srgbClr>
-                  </a:outerShdw>
-                </a:effectLst>
-              </a:rPr>
-              <a:t>verstärken</a:t>
-            </a:r>
-            <a:r>
-              <a:rPr lang="en-US" sz="1200" dirty="0">
-                <a:solidFill>
-                  <a:srgbClr val="FFFFFF"/>
-                </a:solidFill>
-                <a:effectLst>
-                  <a:outerShdw blurRad="38100" dist="38100" dir="2700000" algn="tl">
-                    <a:srgbClr val="000000">
-                      <a:alpha val="43137"/>
-                    </a:srgbClr>
-                  </a:outerShdw>
-                </a:effectLst>
-              </a:rPr>
-              <a:t>.</a:t>
-            </a:r>
-          </a:p>
-          <a:p>
-            <a:pPr marL="228600">
-              <a:lnSpc>
-                <a:spcPct val="110000"/>
-              </a:lnSpc>
-              <a:spcBef>
-                <a:spcPts val="1000"/>
-              </a:spcBef>
-              <a:spcAft>
-                <a:spcPts val="0"/>
-              </a:spcAft>
-            </a:pPr>
-            <a:r>
-              <a:rPr lang="en-US" sz="1200" b="1" dirty="0" err="1">
-                <a:solidFill>
-                  <a:srgbClr val="FFFFFF"/>
-                </a:solidFill>
-                <a:effectLst>
-                  <a:outerShdw blurRad="38100" dist="38100" dir="2700000" algn="tl">
-                    <a:srgbClr val="000000">
-                      <a:alpha val="43137"/>
-                    </a:srgbClr>
-                  </a:outerShdw>
-                </a:effectLst>
-              </a:rPr>
-              <a:t>Vertrauen</a:t>
-            </a:r>
-            <a:r>
-              <a:rPr lang="en-US" sz="1200" b="1" dirty="0">
-                <a:solidFill>
-                  <a:srgbClr val="FFFFFF"/>
-                </a:solidFill>
-                <a:effectLst>
-                  <a:outerShdw blurRad="38100" dist="38100" dir="2700000" algn="tl">
-                    <a:srgbClr val="000000">
-                      <a:alpha val="43137"/>
-                    </a:srgbClr>
-                  </a:outerShdw>
-                </a:effectLst>
-              </a:rPr>
-              <a:t> in </a:t>
-            </a:r>
-            <a:r>
-              <a:rPr lang="en-US" sz="1200" b="1" dirty="0" err="1">
-                <a:solidFill>
-                  <a:srgbClr val="FFFFFF"/>
-                </a:solidFill>
-                <a:effectLst>
-                  <a:outerShdw blurRad="38100" dist="38100" dir="2700000" algn="tl">
-                    <a:srgbClr val="000000">
-                      <a:alpha val="43137"/>
-                    </a:srgbClr>
-                  </a:outerShdw>
-                </a:effectLst>
-              </a:rPr>
-              <a:t>Technologie</a:t>
-            </a:r>
-            <a:r>
-              <a:rPr lang="en-US" sz="1200" b="1" dirty="0">
-                <a:solidFill>
-                  <a:srgbClr val="FFFFFF"/>
-                </a:solidFill>
-                <a:effectLst>
-                  <a:outerShdw blurRad="38100" dist="38100" dir="2700000" algn="tl">
-                    <a:srgbClr val="000000">
-                      <a:alpha val="43137"/>
-                    </a:srgbClr>
-                  </a:outerShdw>
-                </a:effectLst>
-              </a:rPr>
-              <a:t> und </a:t>
-            </a:r>
-            <a:r>
-              <a:rPr lang="en-US" sz="1200" b="1" dirty="0" err="1">
-                <a:solidFill>
-                  <a:srgbClr val="FFFFFF"/>
-                </a:solidFill>
-                <a:effectLst>
-                  <a:outerShdw blurRad="38100" dist="38100" dir="2700000" algn="tl">
-                    <a:srgbClr val="000000">
-                      <a:alpha val="43137"/>
-                    </a:srgbClr>
-                  </a:outerShdw>
-                </a:effectLst>
-              </a:rPr>
-              <a:t>Regierungen</a:t>
-            </a:r>
-            <a:r>
-              <a:rPr lang="en-US" sz="1200" dirty="0">
-                <a:solidFill>
-                  <a:srgbClr val="FFFFFF"/>
-                </a:solidFill>
-                <a:effectLst>
-                  <a:outerShdw blurRad="38100" dist="38100" dir="2700000" algn="tl">
-                    <a:srgbClr val="000000">
-                      <a:alpha val="43137"/>
-                    </a:srgbClr>
-                  </a:outerShdw>
-                </a:effectLst>
-              </a:rPr>
-              <a:t>: Die </a:t>
-            </a:r>
-            <a:r>
-              <a:rPr lang="en-US" sz="1200" dirty="0" err="1">
-                <a:solidFill>
-                  <a:srgbClr val="FFFFFF"/>
-                </a:solidFill>
-                <a:effectLst>
-                  <a:outerShdw blurRad="38100" dist="38100" dir="2700000" algn="tl">
-                    <a:srgbClr val="000000">
-                      <a:alpha val="43137"/>
-                    </a:srgbClr>
-                  </a:outerShdw>
-                </a:effectLst>
-              </a:rPr>
-              <a:t>Nutzung</a:t>
-            </a:r>
-            <a:r>
-              <a:rPr lang="en-US" sz="1200" dirty="0">
-                <a:solidFill>
-                  <a:srgbClr val="FFFFFF"/>
-                </a:solidFill>
-                <a:effectLst>
-                  <a:outerShdw blurRad="38100" dist="38100" dir="2700000" algn="tl">
-                    <a:srgbClr val="000000">
-                      <a:alpha val="43137"/>
-                    </a:srgbClr>
-                  </a:outerShdw>
-                </a:effectLst>
-              </a:rPr>
-              <a:t> von </a:t>
-            </a:r>
-            <a:r>
-              <a:rPr lang="en-US" sz="1200" dirty="0" err="1">
-                <a:solidFill>
-                  <a:srgbClr val="FFFFFF"/>
-                </a:solidFill>
-                <a:effectLst>
-                  <a:outerShdw blurRad="38100" dist="38100" dir="2700000" algn="tl">
-                    <a:srgbClr val="000000">
-                      <a:alpha val="43137"/>
-                    </a:srgbClr>
-                  </a:outerShdw>
-                </a:effectLst>
-              </a:rPr>
-              <a:t>Militärrobotern</a:t>
-            </a:r>
-            <a:r>
-              <a:rPr lang="en-US" sz="1200" dirty="0">
-                <a:solidFill>
-                  <a:srgbClr val="FFFFFF"/>
-                </a:solidFill>
-                <a:effectLst>
-                  <a:outerShdw blurRad="38100" dist="38100" dir="2700000" algn="tl">
-                    <a:srgbClr val="000000">
-                      <a:alpha val="43137"/>
-                    </a:srgbClr>
-                  </a:outerShdw>
-                </a:effectLst>
-              </a:rPr>
-              <a:t> </a:t>
-            </a:r>
-            <a:r>
-              <a:rPr lang="en-US" sz="1200" dirty="0" err="1">
-                <a:solidFill>
-                  <a:srgbClr val="FFFFFF"/>
-                </a:solidFill>
-                <a:effectLst>
-                  <a:outerShdw blurRad="38100" dist="38100" dir="2700000" algn="tl">
-                    <a:srgbClr val="000000">
-                      <a:alpha val="43137"/>
-                    </a:srgbClr>
-                  </a:outerShdw>
-                </a:effectLst>
-              </a:rPr>
-              <a:t>könnte</a:t>
-            </a:r>
-            <a:r>
-              <a:rPr lang="en-US" sz="1200" dirty="0">
-                <a:solidFill>
-                  <a:srgbClr val="FFFFFF"/>
-                </a:solidFill>
-                <a:effectLst>
-                  <a:outerShdw blurRad="38100" dist="38100" dir="2700000" algn="tl">
-                    <a:srgbClr val="000000">
-                      <a:alpha val="43137"/>
-                    </a:srgbClr>
-                  </a:outerShdw>
-                </a:effectLst>
-              </a:rPr>
-              <a:t> das </a:t>
-            </a:r>
-            <a:r>
-              <a:rPr lang="en-US" sz="1200" dirty="0" err="1">
-                <a:solidFill>
-                  <a:srgbClr val="FFFFFF"/>
-                </a:solidFill>
-                <a:effectLst>
-                  <a:outerShdw blurRad="38100" dist="38100" dir="2700000" algn="tl">
-                    <a:srgbClr val="000000">
-                      <a:alpha val="43137"/>
-                    </a:srgbClr>
-                  </a:outerShdw>
-                </a:effectLst>
-              </a:rPr>
-              <a:t>Vertrauen</a:t>
-            </a:r>
-            <a:r>
-              <a:rPr lang="en-US" sz="1200" dirty="0">
-                <a:solidFill>
-                  <a:srgbClr val="FFFFFF"/>
-                </a:solidFill>
-                <a:effectLst>
-                  <a:outerShdw blurRad="38100" dist="38100" dir="2700000" algn="tl">
-                    <a:srgbClr val="000000">
-                      <a:alpha val="43137"/>
-                    </a:srgbClr>
-                  </a:outerShdw>
-                </a:effectLst>
-              </a:rPr>
-              <a:t> in </a:t>
-            </a:r>
-            <a:r>
-              <a:rPr lang="en-US" sz="1200" dirty="0" err="1">
-                <a:solidFill>
-                  <a:srgbClr val="FFFFFF"/>
-                </a:solidFill>
-                <a:effectLst>
-                  <a:outerShdw blurRad="38100" dist="38100" dir="2700000" algn="tl">
-                    <a:srgbClr val="000000">
-                      <a:alpha val="43137"/>
-                    </a:srgbClr>
-                  </a:outerShdw>
-                </a:effectLst>
-              </a:rPr>
-              <a:t>Technologie</a:t>
-            </a:r>
-            <a:r>
-              <a:rPr lang="en-US" sz="1200" dirty="0">
-                <a:solidFill>
-                  <a:srgbClr val="FFFFFF"/>
-                </a:solidFill>
-                <a:effectLst>
-                  <a:outerShdw blurRad="38100" dist="38100" dir="2700000" algn="tl">
-                    <a:srgbClr val="000000">
-                      <a:alpha val="43137"/>
-                    </a:srgbClr>
-                  </a:outerShdw>
-                </a:effectLst>
-              </a:rPr>
-              <a:t> und </a:t>
-            </a:r>
-            <a:r>
-              <a:rPr lang="en-US" sz="1200" dirty="0" err="1">
-                <a:solidFill>
-                  <a:srgbClr val="FFFFFF"/>
-                </a:solidFill>
-                <a:effectLst>
-                  <a:outerShdw blurRad="38100" dist="38100" dir="2700000" algn="tl">
-                    <a:srgbClr val="000000">
-                      <a:alpha val="43137"/>
-                    </a:srgbClr>
-                  </a:outerShdw>
-                </a:effectLst>
-              </a:rPr>
-              <a:t>Regierungen</a:t>
-            </a:r>
-            <a:r>
-              <a:rPr lang="en-US" sz="1200" dirty="0">
-                <a:solidFill>
-                  <a:srgbClr val="FFFFFF"/>
-                </a:solidFill>
-                <a:effectLst>
-                  <a:outerShdw blurRad="38100" dist="38100" dir="2700000" algn="tl">
-                    <a:srgbClr val="000000">
-                      <a:alpha val="43137"/>
-                    </a:srgbClr>
-                  </a:outerShdw>
-                </a:effectLst>
-              </a:rPr>
-              <a:t> </a:t>
-            </a:r>
-            <a:r>
-              <a:rPr lang="en-US" sz="1200" dirty="0" err="1">
-                <a:solidFill>
-                  <a:srgbClr val="FFFFFF"/>
-                </a:solidFill>
-                <a:effectLst>
-                  <a:outerShdw blurRad="38100" dist="38100" dir="2700000" algn="tl">
-                    <a:srgbClr val="000000">
-                      <a:alpha val="43137"/>
-                    </a:srgbClr>
-                  </a:outerShdw>
-                </a:effectLst>
-              </a:rPr>
-              <a:t>beeinflussen</a:t>
-            </a:r>
-            <a:r>
-              <a:rPr lang="en-US" sz="1200" dirty="0">
-                <a:solidFill>
-                  <a:srgbClr val="FFFFFF"/>
-                </a:solidFill>
-                <a:effectLst>
-                  <a:outerShdw blurRad="38100" dist="38100" dir="2700000" algn="tl">
-                    <a:srgbClr val="000000">
-                      <a:alpha val="43137"/>
-                    </a:srgbClr>
-                  </a:outerShdw>
-                </a:effectLst>
-              </a:rPr>
-              <a:t>.</a:t>
-            </a:r>
-          </a:p>
-        </p:txBody>
-      </p:sp>
-    </p:spTree>
-    <p:extLst>
-      <p:ext uri="{BB962C8B-B14F-4D97-AF65-F5344CB8AC3E}">
-        <p14:creationId xmlns:p14="http://schemas.microsoft.com/office/powerpoint/2010/main" val="3972507023"/>
-      </p:ext>
-    </p:extLst>
-  </p:cSld>
-  <p:clrMapOvr>
-    <a:masterClrMapping/>
-  </p:clrMapOvr>
-</p:sld>
-</file>
-
-<file path=ppt/slides/slide7.xml><?xml version="1.0" encoding="utf-8"?>
+<file path=ppt/slides/slide9.xml><?xml version="1.0" encoding="utf-8"?>
 <p:sld xmlns:a="http://schemas.openxmlformats.org/drawingml/2006/main" xmlns:r="http://schemas.openxmlformats.org/officeDocument/2006/relationships" xmlns:p="http://schemas.openxmlformats.org/presentationml/2006/main">
   <p:cSld>
     <p:spTree>
@@ -9324,204 +9914,6 @@
     <p:extLst>
       <p:ext uri="{BB962C8B-B14F-4D97-AF65-F5344CB8AC3E}">
         <p14:creationId xmlns:p14="http://schemas.microsoft.com/office/powerpoint/2010/main" val="547167448"/>
-      </p:ext>
-    </p:extLst>
-  </p:cSld>
-  <p:clrMapOvr>
-    <a:masterClrMapping/>
-  </p:clrMapOvr>
-  <p:timing>
-    <p:tnLst>
-      <p:par>
-        <p:cTn id="1" dur="indefinite" restart="never" nodeType="tmRoot">
-          <p:childTnLst>
-            <p:seq concurrent="1" nextAc="seek">
-              <p:cTn id="2" dur="indefinite" nodeType="mainSeq">
-                <p:childTnLst>
-                  <p:par>
-                    <p:cTn id="3" fill="hold">
-                      <p:stCondLst>
-                        <p:cond delay="indefinite"/>
-                      </p:stCondLst>
-                      <p:childTnLst>
-                        <p:par>
-                          <p:cTn id="4" fill="hold">
-                            <p:stCondLst>
-                              <p:cond delay="0"/>
-                            </p:stCondLst>
-                            <p:childTnLst>
-                              <p:par>
-                                <p:cTn id="5" presetID="1" presetClass="mediacall" presetSubtype="0" fill="hold" nodeType="clickEffect">
-                                  <p:stCondLst>
-                                    <p:cond delay="0"/>
-                                  </p:stCondLst>
-                                  <p:childTnLst>
-                                    <p:cmd type="call" cmd="playFrom(0.0)">
-                                      <p:cBhvr>
-                                        <p:cTn id="6" dur="1" fill="hold"/>
-                                        <p:tgtEl>
-                                          <p:spTgt spid="4"/>
-                                        </p:tgtEl>
-                                      </p:cBhvr>
-                                    </p:cmd>
-                                  </p:childTnLst>
-                                </p:cTn>
-                              </p:par>
-                            </p:childTnLst>
-                          </p:cTn>
-                        </p:par>
-                      </p:childTnLst>
-                    </p:cTn>
-                  </p:par>
-                </p:childTnLst>
-              </p:cTn>
-              <p:prevCondLst>
-                <p:cond evt="onPrev" delay="0">
-                  <p:tgtEl>
-                    <p:sldTgt/>
-                  </p:tgtEl>
-                </p:cond>
-              </p:prevCondLst>
-              <p:nextCondLst>
-                <p:cond evt="onNext" delay="0">
-                  <p:tgtEl>
-                    <p:sldTgt/>
-                  </p:tgtEl>
-                </p:cond>
-              </p:nextCondLst>
-            </p:seq>
-            <p:video>
-              <p:cMediaNode vol="80000">
-                <p:cTn id="7" fill="hold" display="0">
-                  <p:stCondLst>
-                    <p:cond delay="indefinite"/>
-                  </p:stCondLst>
-                </p:cTn>
-                <p:tgtEl>
-                  <p:spTgt spid="4"/>
-                </p:tgtEl>
-              </p:cMediaNode>
-            </p:video>
-            <p:seq concurrent="1" nextAc="seek">
-              <p:cTn id="8" restart="whenNotActive" fill="hold" evtFilter="cancelBubble" nodeType="interactiveSeq">
-                <p:stCondLst>
-                  <p:cond evt="onClick" delay="0">
-                    <p:tgtEl>
-                      <p:spTgt spid="4"/>
-                    </p:tgtEl>
-                  </p:cond>
-                </p:stCondLst>
-                <p:endSync evt="end" delay="0">
-                  <p:rtn val="all"/>
-                </p:endSync>
-                <p:childTnLst>
-                  <p:par>
-                    <p:cTn id="9" fill="hold">
-                      <p:stCondLst>
-                        <p:cond delay="0"/>
-                      </p:stCondLst>
-                      <p:childTnLst>
-                        <p:par>
-                          <p:cTn id="10" fill="hold">
-                            <p:stCondLst>
-                              <p:cond delay="0"/>
-                            </p:stCondLst>
-                            <p:childTnLst>
-                              <p:par>
-                                <p:cTn id="11" presetID="2" presetClass="mediacall" presetSubtype="0" fill="hold" nodeType="clickEffect">
-                                  <p:stCondLst>
-                                    <p:cond delay="0"/>
-                                  </p:stCondLst>
-                                  <p:childTnLst>
-                                    <p:cmd type="call" cmd="togglePause">
-                                      <p:cBhvr>
-                                        <p:cTn id="12" dur="1" fill="hold"/>
-                                        <p:tgtEl>
-                                          <p:spTgt spid="4"/>
-                                        </p:tgtEl>
-                                      </p:cBhvr>
-                                    </p:cmd>
-                                  </p:childTnLst>
-                                </p:cTn>
-                              </p:par>
-                            </p:childTnLst>
-                          </p:cTn>
-                        </p:par>
-                      </p:childTnLst>
-                    </p:cTn>
-                  </p:par>
-                </p:childTnLst>
-              </p:cTn>
-              <p:nextCondLst>
-                <p:cond evt="onClick" delay="0">
-                  <p:tgtEl>
-                    <p:spTgt spid="4"/>
-                  </p:tgtEl>
-                </p:cond>
-              </p:nextCondLst>
-            </p:seq>
-          </p:childTnLst>
-        </p:cTn>
-      </p:par>
-    </p:tnLst>
-  </p:timing>
-</p:sld>
-</file>
-
-<file path=ppt/slides/slide8.xml><?xml version="1.0" encoding="utf-8"?>
-<p:sld xmlns:a="http://schemas.openxmlformats.org/drawingml/2006/main" xmlns:r="http://schemas.openxmlformats.org/officeDocument/2006/relationships" xmlns:p="http://schemas.openxmlformats.org/presentationml/2006/main">
-  <p:cSld>
-    <p:spTree>
-      <p:nvGrpSpPr>
-        <p:cNvPr id="1" name=""/>
-        <p:cNvGrpSpPr/>
-        <p:nvPr/>
-      </p:nvGrpSpPr>
-      <p:grpSpPr>
-        <a:xfrm>
-          <a:off x="0" y="0"/>
-          <a:ext cx="0" cy="0"/>
-          <a:chOff x="0" y="0"/>
-          <a:chExt cx="0" cy="0"/>
-        </a:xfrm>
-      </p:grpSpPr>
-      <p:pic>
-        <p:nvPicPr>
-          <p:cNvPr id="4" name="Onlinemedien 3" title="Optimus - Gen 2">
-            <a:hlinkClick r:id="" action="ppaction://media"/>
-            <a:extLst>
-              <a:ext uri="{FF2B5EF4-FFF2-40B4-BE49-F238E27FC236}">
-                <a16:creationId xmlns:a16="http://schemas.microsoft.com/office/drawing/2014/main" id="{9E4C779F-820A-3290-1200-160290E68180}"/>
-              </a:ext>
-            </a:extLst>
-          </p:cNvPr>
-          <p:cNvPicPr>
-            <a:picLocks noRot="1" noChangeAspect="1"/>
-          </p:cNvPicPr>
-          <p:nvPr>
-            <a:videoFile r:link="rId1"/>
-          </p:nvPr>
-        </p:nvPicPr>
-        <p:blipFill>
-          <a:blip r:embed="rId3"/>
-          <a:stretch>
-            <a:fillRect/>
-          </a:stretch>
-        </p:blipFill>
-        <p:spPr>
-          <a:xfrm>
-            <a:off x="0" y="-12700"/>
-            <a:ext cx="12192000" cy="6883400"/>
-          </a:xfrm>
-          <a:prstGeom prst="rect">
-            <a:avLst/>
-          </a:prstGeom>
-        </p:spPr>
-      </p:pic>
-    </p:spTree>
-    <p:extLst>
-      <p:ext uri="{BB962C8B-B14F-4D97-AF65-F5344CB8AC3E}">
-        <p14:creationId xmlns:p14="http://schemas.microsoft.com/office/powerpoint/2010/main" val="1770470842"/>
       </p:ext>
     </p:extLst>
   </p:cSld>

--- a/Nebenfächer/DIN/Ethik/RoboterEthik.pptx
+++ b/Nebenfächer/DIN/Ethik/RoboterEthik.pptx
@@ -5556,7 +5556,7 @@
                   </a:outerShdw>
                 </a:effectLst>
               </a:rPr>
-              <a:t>Militärroboter: Vor- und Nachteile sowie Auswirkungen</a:t>
+              <a:t>Militärroboter: Vorteile</a:t>
             </a:r>
           </a:p>
           <a:p>
@@ -5580,35 +5580,6 @@
             <a:pPr marL="0" indent="0">
               <a:buNone/>
             </a:pPr>
-            <a:endParaRPr lang="de-DE" dirty="0">
-              <a:solidFill>
-                <a:schemeClr val="bg1"/>
-              </a:solidFill>
-              <a:effectLst>
-                <a:outerShdw blurRad="38100" dist="38100" dir="2700000" algn="tl">
-                  <a:srgbClr val="000000">
-                    <a:alpha val="43137"/>
-                  </a:srgbClr>
-                </a:outerShdw>
-              </a:effectLst>
-            </a:endParaRPr>
-          </a:p>
-          <a:p>
-            <a:r>
-              <a:rPr lang="de-DE" i="1" dirty="0">
-                <a:solidFill>
-                  <a:schemeClr val="bg1"/>
-                </a:solidFill>
-                <a:effectLst>
-                  <a:outerShdw blurRad="38100" dist="38100" dir="2700000" algn="tl">
-                    <a:srgbClr val="000000">
-                      <a:alpha val="43137"/>
-                    </a:srgbClr>
-                  </a:outerShdw>
-                </a:effectLst>
-              </a:rPr>
-              <a:t>Vorteile:</a:t>
-            </a:r>
             <a:endParaRPr lang="de-DE" dirty="0">
               <a:solidFill>
                 <a:schemeClr val="bg1"/>
@@ -6031,22 +6002,8 @@
                   </a:outerShdw>
                 </a:effectLst>
               </a:rPr>
-              <a:t>Militärroboter: Vor- und Nachteile sowie Auswirkungen</a:t>
-            </a:r>
-            <a:endParaRPr lang="de-DE" sz="3200" dirty="0">
-              <a:solidFill>
-                <a:schemeClr val="bg1"/>
-              </a:solidFill>
-              <a:effectLst>
-                <a:outerShdw blurRad="38100" dist="38100" dir="2700000" algn="tl">
-                  <a:srgbClr val="000000">
-                    <a:alpha val="43137"/>
-                  </a:srgbClr>
-                </a:outerShdw>
-              </a:effectLst>
-            </a:endParaRPr>
-          </a:p>
-          <a:p>
+              <a:t>Militärroboter: Nachteile</a:t>
+            </a:r>
             <a:endParaRPr lang="de-DE" i="1" dirty="0">
               <a:solidFill>
                 <a:schemeClr val="bg1"/>
@@ -6075,22 +6032,10 @@
             </a:endParaRPr>
           </a:p>
           <a:p>
-            <a:r>
-              <a:rPr lang="de-DE" i="1" dirty="0">
-                <a:solidFill>
-                  <a:schemeClr val="bg1"/>
-                </a:solidFill>
-                <a:effectLst>
-                  <a:outerShdw blurRad="38100" dist="38100" dir="2700000" algn="tl">
-                    <a:srgbClr val="000000">
-                      <a:alpha val="43137"/>
-                    </a:srgbClr>
-                  </a:outerShdw>
-                </a:effectLst>
-              </a:rPr>
-              <a:t>Nachteile:</a:t>
-            </a:r>
-            <a:endParaRPr lang="de-DE" dirty="0">
+            <a:pPr marL="0" indent="0">
+              <a:buNone/>
+            </a:pPr>
+            <a:endParaRPr lang="de-DE" i="1" dirty="0">
               <a:solidFill>
                 <a:schemeClr val="bg1"/>
               </a:solidFill>
@@ -6710,7 +6655,51 @@
               </a:rPr>
               <a:t>:</a:t>
             </a:r>
-            <a:endParaRPr lang="en-US" sz="3200" b="1" dirty="0">
+          </a:p>
+          <a:p>
+            <a:pPr marL="0" indent="0">
+              <a:lnSpc>
+                <a:spcPct val="110000"/>
+              </a:lnSpc>
+              <a:spcBef>
+                <a:spcPts val="1000"/>
+              </a:spcBef>
+              <a:spcAft>
+                <a:spcPts val="0"/>
+              </a:spcAft>
+              <a:buClrTx/>
+              <a:buSzPts val="1200"/>
+              <a:buNone/>
+            </a:pPr>
+            <a:endParaRPr lang="en-US" b="1" i="1" dirty="0">
+              <a:solidFill>
+                <a:srgbClr val="FFFFFF"/>
+              </a:solidFill>
+              <a:effectLst>
+                <a:outerShdw blurRad="38100" dist="38100" dir="2700000" algn="tl">
+                  <a:srgbClr val="000000">
+                    <a:alpha val="43137"/>
+                  </a:srgbClr>
+                </a:outerShdw>
+              </a:effectLst>
+            </a:endParaRPr>
+          </a:p>
+          <a:p>
+            <a:pPr marL="0" indent="0">
+              <a:lnSpc>
+                <a:spcPct val="110000"/>
+              </a:lnSpc>
+              <a:spcBef>
+                <a:spcPts val="1000"/>
+              </a:spcBef>
+              <a:spcAft>
+                <a:spcPts val="0"/>
+              </a:spcAft>
+              <a:buClrTx/>
+              <a:buSzPts val="1200"/>
+              <a:buNone/>
+            </a:pPr>
+            <a:endParaRPr lang="en-US" b="1" dirty="0">
               <a:solidFill>
                 <a:srgbClr val="FFFFFF"/>
               </a:solidFill>
@@ -9205,8 +9194,8 @@
         </p:nvSpPr>
         <p:spPr>
           <a:xfrm>
-            <a:off x="2669852" y="0"/>
-            <a:ext cx="9522148" cy="6857999"/>
+            <a:off x="53219" y="0"/>
+            <a:ext cx="12138781" cy="6857999"/>
           </a:xfrm>
         </p:spPr>
         <p:txBody>
@@ -9274,6 +9263,26 @@
             </a:r>
           </a:p>
           <a:p>
+            <a:pPr marL="0" indent="0">
+              <a:lnSpc>
+                <a:spcPct val="110000"/>
+              </a:lnSpc>
+              <a:buNone/>
+            </a:pPr>
+            <a:endParaRPr lang="de-DE" dirty="0">
+              <a:solidFill>
+                <a:srgbClr val="FFFFFF"/>
+              </a:solidFill>
+              <a:effectLst>
+                <a:outerShdw blurRad="38100" dist="38100" dir="2700000" algn="tl">
+                  <a:srgbClr val="000000">
+                    <a:alpha val="43137"/>
+                  </a:srgbClr>
+                </a:outerShdw>
+              </a:effectLst>
+            </a:endParaRPr>
+          </a:p>
+          <a:p>
             <a:pPr>
               <a:lnSpc>
                 <a:spcPct val="110000"/>
@@ -9399,6 +9408,21 @@
               <a:buChar char="•"/>
             </a:pPr>
             <a:r>
+              <a:rPr lang="de-DE" sz="1800" b="1" dirty="0">
+                <a:solidFill>
+                  <a:srgbClr val="FFFFFF"/>
+                </a:solidFill>
+                <a:effectLst>
+                  <a:outerShdw blurRad="38100" dist="38100" dir="2700000" algn="tl">
+                    <a:srgbClr val="000000">
+                      <a:alpha val="43137"/>
+                    </a:srgbClr>
+                  </a:outerShdw>
+                </a:effectLst>
+              </a:rPr>
+              <a:t>Künstliche Intelligenz</a:t>
+            </a:r>
+            <a:r>
               <a:rPr lang="de-DE" sz="1800" dirty="0">
                 <a:solidFill>
                   <a:srgbClr val="FFFFFF"/>
@@ -9411,7 +9435,7 @@
                   </a:outerShdw>
                 </a:effectLst>
               </a:rPr>
-              <a:t>Künstliche Intelligenz: Verarbeitung von Sensordaten und autonome Entscheidungsfindung.</a:t>
+              <a:t>: Verarbeitung von Sensordaten und autonome Entscheidungsfindung.</a:t>
             </a:r>
           </a:p>
           <a:p>
@@ -9491,6 +9515,26 @@
               </a:rPr>
               <a:t>: Manipulation von Objekten und Durchführung einfacher physischer Aufgaben.</a:t>
             </a:r>
+          </a:p>
+          <a:p>
+            <a:pPr marL="457200" lvl="1" indent="0">
+              <a:lnSpc>
+                <a:spcPct val="110000"/>
+              </a:lnSpc>
+              <a:buNone/>
+            </a:pPr>
+            <a:endParaRPr lang="de-DE" sz="1800" dirty="0">
+              <a:solidFill>
+                <a:srgbClr val="FFFFFF"/>
+              </a:solidFill>
+              <a:effectLst>
+                <a:outerShdw blurRad="38100" dist="38100" dir="2700000" algn="tl">
+                  <a:srgbClr val="000000">
+                    <a:alpha val="43137"/>
+                  </a:srgbClr>
+                </a:outerShdw>
+              </a:effectLst>
+            </a:endParaRPr>
           </a:p>
           <a:p>
             <a:pPr>

--- a/Nebenfächer/DIN/Ethik/RoboterEthik.pptx
+++ b/Nebenfächer/DIN/Ethik/RoboterEthik.pptx
@@ -17,7 +17,7 @@
     <p:sldId id="258" r:id="rId8"/>
     <p:sldId id="265" r:id="rId9"/>
     <p:sldId id="262" r:id="rId10"/>
-    <p:sldId id="261" r:id="rId11"/>
+    <p:sldId id="270" r:id="rId11"/>
   </p:sldIdLst>
   <p:sldSz cx="12192000" cy="6858000"/>
   <p:notesSz cx="6858000" cy="9144000"/>
@@ -206,7 +206,7 @@
           <a:p>
             <a:fld id="{86D0F126-0AC5-428F-8675-EAF8BFB38B47}" type="datetimeFigureOut">
               <a:rPr lang="en-GB" smtClean="0"/>
-              <a:t>08/04/2024</a:t>
+              <a:t>15/04/2024</a:t>
             </a:fld>
             <a:endParaRPr lang="en-GB"/>
           </a:p>
@@ -642,6 +642,93 @@
 </p:notes>
 </file>
 
+<file path=ppt/notesSlides/notesSlide3.xml><?xml version="1.0" encoding="utf-8"?>
+<p:notes xmlns:a="http://schemas.openxmlformats.org/drawingml/2006/main" xmlns:r="http://schemas.openxmlformats.org/officeDocument/2006/relationships" xmlns:p="http://schemas.openxmlformats.org/presentationml/2006/main">
+  <p:cSld>
+    <p:spTree>
+      <p:nvGrpSpPr>
+        <p:cNvPr id="1" name=""/>
+        <p:cNvGrpSpPr/>
+        <p:nvPr/>
+      </p:nvGrpSpPr>
+      <p:grpSpPr>
+        <a:xfrm>
+          <a:off x="0" y="0"/>
+          <a:ext cx="0" cy="0"/>
+          <a:chOff x="0" y="0"/>
+          <a:chExt cx="0" cy="0"/>
+        </a:xfrm>
+      </p:grpSpPr>
+      <p:sp>
+        <p:nvSpPr>
+          <p:cNvPr id="2" name="Folienbildplatzhalter 1"/>
+          <p:cNvSpPr>
+            <a:spLocks noGrp="1" noRot="1" noChangeAspect="1"/>
+          </p:cNvSpPr>
+          <p:nvPr>
+            <p:ph type="sldImg"/>
+          </p:nvPr>
+        </p:nvSpPr>
+        <p:spPr/>
+      </p:sp>
+      <p:sp>
+        <p:nvSpPr>
+          <p:cNvPr id="3" name="Notizenplatzhalter 2"/>
+          <p:cNvSpPr>
+            <a:spLocks noGrp="1"/>
+          </p:cNvSpPr>
+          <p:nvPr>
+            <p:ph type="body" idx="1"/>
+          </p:nvPr>
+        </p:nvSpPr>
+        <p:spPr/>
+        <p:txBody>
+          <a:bodyPr/>
+          <a:lstStyle/>
+          <a:p>
+            <a:r>
+              <a:rPr lang="en-GB" dirty="0"/>
+              <a:t>https://www.mentimeter.com/app/presentation/alq8w3j24dhmwz8xa8vx8qgrx98n26da</a:t>
+            </a:r>
+          </a:p>
+        </p:txBody>
+      </p:sp>
+      <p:sp>
+        <p:nvSpPr>
+          <p:cNvPr id="4" name="Foliennummernplatzhalter 3"/>
+          <p:cNvSpPr>
+            <a:spLocks noGrp="1"/>
+          </p:cNvSpPr>
+          <p:nvPr>
+            <p:ph type="sldNum" sz="quarter" idx="5"/>
+          </p:nvPr>
+        </p:nvSpPr>
+        <p:spPr/>
+        <p:txBody>
+          <a:bodyPr/>
+          <a:lstStyle/>
+          <a:p>
+            <a:fld id="{A5FA08FD-5500-4981-B5A0-7EF2359BFFA0}" type="slidenum">
+              <a:rPr lang="en-GB" smtClean="0"/>
+              <a:t>10</a:t>
+            </a:fld>
+            <a:endParaRPr lang="en-GB"/>
+          </a:p>
+        </p:txBody>
+      </p:sp>
+    </p:spTree>
+    <p:extLst>
+      <p:ext uri="{BB962C8B-B14F-4D97-AF65-F5344CB8AC3E}">
+        <p14:creationId xmlns:p14="http://schemas.microsoft.com/office/powerpoint/2010/main" val="2718091301"/>
+      </p:ext>
+    </p:extLst>
+  </p:cSld>
+  <p:clrMapOvr>
+    <a:masterClrMapping/>
+  </p:clrMapOvr>
+</p:notes>
+</file>
+
 <file path=ppt/slideLayouts/slideLayout1.xml><?xml version="1.0" encoding="utf-8"?>
 <p:sldLayout xmlns:a="http://schemas.openxmlformats.org/drawingml/2006/main" xmlns:r="http://schemas.openxmlformats.org/officeDocument/2006/relationships" xmlns:p="http://schemas.openxmlformats.org/presentationml/2006/main" type="title" preserve="1">
   <p:cSld name="Title Slide">
@@ -955,7 +1042,7 @@
           <a:p>
             <a:fld id="{1E351CED-465B-40B5-ADCE-957C918F227B}" type="datetimeFigureOut">
               <a:rPr lang="en-US" smtClean="0"/>
-              <a:t>4/8/2024</a:t>
+              <a:t>4/15/2024</a:t>
             </a:fld>
             <a:endParaRPr lang="en-US"/>
           </a:p>
@@ -1163,7 +1250,7 @@
           <a:p>
             <a:fld id="{1E351CED-465B-40B5-ADCE-957C918F227B}" type="datetimeFigureOut">
               <a:rPr lang="en-US" smtClean="0"/>
-              <a:t>4/8/2024</a:t>
+              <a:t>4/15/2024</a:t>
             </a:fld>
             <a:endParaRPr lang="en-US"/>
           </a:p>
@@ -1373,7 +1460,7 @@
           <a:p>
             <a:fld id="{1E351CED-465B-40B5-ADCE-957C918F227B}" type="datetimeFigureOut">
               <a:rPr lang="en-US" smtClean="0"/>
-              <a:t>4/8/2024</a:t>
+              <a:t>4/15/2024</a:t>
             </a:fld>
             <a:endParaRPr lang="en-US"/>
           </a:p>
@@ -1573,7 +1660,7 @@
           <a:p>
             <a:fld id="{1E351CED-465B-40B5-ADCE-957C918F227B}" type="datetimeFigureOut">
               <a:rPr lang="en-US" smtClean="0"/>
-              <a:t>4/8/2024</a:t>
+              <a:t>4/15/2024</a:t>
             </a:fld>
             <a:endParaRPr lang="en-US"/>
           </a:p>
@@ -2151,7 +2238,7 @@
           <a:p>
             <a:fld id="{1E351CED-465B-40B5-ADCE-957C918F227B}" type="datetimeFigureOut">
               <a:rPr lang="en-US" smtClean="0"/>
-              <a:t>4/8/2024</a:t>
+              <a:t>4/15/2024</a:t>
             </a:fld>
             <a:endParaRPr lang="en-US"/>
           </a:p>
@@ -2424,7 +2511,7 @@
           <a:p>
             <a:fld id="{1E351CED-465B-40B5-ADCE-957C918F227B}" type="datetimeFigureOut">
               <a:rPr lang="en-US" smtClean="0"/>
-              <a:t>4/8/2024</a:t>
+              <a:t>4/15/2024</a:t>
             </a:fld>
             <a:endParaRPr lang="en-US"/>
           </a:p>
@@ -2841,7 +2928,7 @@
           <a:p>
             <a:fld id="{1E351CED-465B-40B5-ADCE-957C918F227B}" type="datetimeFigureOut">
               <a:rPr lang="en-US" smtClean="0"/>
-              <a:t>4/8/2024</a:t>
+              <a:t>4/15/2024</a:t>
             </a:fld>
             <a:endParaRPr lang="en-US"/>
           </a:p>
@@ -2988,7 +3075,7 @@
           <a:p>
             <a:fld id="{1E351CED-465B-40B5-ADCE-957C918F227B}" type="datetimeFigureOut">
               <a:rPr lang="en-US" smtClean="0"/>
-              <a:t>4/8/2024</a:t>
+              <a:t>4/15/2024</a:t>
             </a:fld>
             <a:endParaRPr lang="en-US"/>
           </a:p>
@@ -3101,7 +3188,7 @@
           <a:p>
             <a:fld id="{1E351CED-465B-40B5-ADCE-957C918F227B}" type="datetimeFigureOut">
               <a:rPr lang="en-US" smtClean="0"/>
-              <a:t>4/8/2024</a:t>
+              <a:t>4/15/2024</a:t>
             </a:fld>
             <a:endParaRPr lang="en-US"/>
           </a:p>
@@ -3416,7 +3503,7 @@
           <a:p>
             <a:fld id="{1E351CED-465B-40B5-ADCE-957C918F227B}" type="datetimeFigureOut">
               <a:rPr lang="en-US" smtClean="0"/>
-              <a:t>4/8/2024</a:t>
+              <a:t>4/15/2024</a:t>
             </a:fld>
             <a:endParaRPr lang="en-US"/>
           </a:p>
@@ -3710,7 +3797,7 @@
           <a:p>
             <a:fld id="{1E351CED-465B-40B5-ADCE-957C918F227B}" type="datetimeFigureOut">
               <a:rPr lang="en-US" smtClean="0"/>
-              <a:t>4/8/2024</a:t>
+              <a:t>4/15/2024</a:t>
             </a:fld>
             <a:endParaRPr lang="en-US"/>
           </a:p>
@@ -3951,7 +4038,7 @@
           <a:p>
             <a:fld id="{1E351CED-465B-40B5-ADCE-957C918F227B}" type="datetimeFigureOut">
               <a:rPr lang="en-US" smtClean="0"/>
-              <a:t>4/8/2024</a:t>
+              <a:t>4/15/2024</a:t>
             </a:fld>
             <a:endParaRPr lang="en-US"/>
           </a:p>
@@ -4841,184 +4928,189 @@
           <a:chExt cx="0" cy="0"/>
         </a:xfrm>
       </p:grpSpPr>
+      <p:sp>
+        <p:nvSpPr>
+          <p:cNvPr id="2" name="Titel 1">
+            <a:extLst>
+              <a:ext uri="{FF2B5EF4-FFF2-40B4-BE49-F238E27FC236}">
+                <a16:creationId xmlns:a16="http://schemas.microsoft.com/office/drawing/2014/main" id="{3435594D-AA98-6AB0-FEE2-E02D664DC93F}"/>
+              </a:ext>
+            </a:extLst>
+          </p:cNvPr>
+          <p:cNvSpPr>
+            <a:spLocks noGrp="1"/>
+          </p:cNvSpPr>
+          <p:nvPr>
+            <p:ph type="title"/>
+          </p:nvPr>
+        </p:nvSpPr>
+        <p:spPr/>
+        <p:txBody>
+          <a:bodyPr/>
+          <a:lstStyle/>
+          <a:p>
+            <a:endParaRPr lang="en-GB"/>
+          </a:p>
+        </p:txBody>
+      </p:sp>
+      <p:sp>
+        <p:nvSpPr>
+          <p:cNvPr id="3" name="Inhaltsplatzhalter 2">
+            <a:extLst>
+              <a:ext uri="{FF2B5EF4-FFF2-40B4-BE49-F238E27FC236}">
+                <a16:creationId xmlns:a16="http://schemas.microsoft.com/office/drawing/2014/main" id="{AC3535AD-BAE0-689F-BE54-F9764496917C}"/>
+              </a:ext>
+            </a:extLst>
+          </p:cNvPr>
+          <p:cNvSpPr>
+            <a:spLocks noGrp="1"/>
+          </p:cNvSpPr>
+          <p:nvPr>
+            <p:ph idx="1"/>
+          </p:nvPr>
+        </p:nvSpPr>
+        <p:spPr/>
+        <p:txBody>
+          <a:bodyPr/>
+          <a:lstStyle/>
+          <a:p>
+            <a:endParaRPr lang="en-GB"/>
+          </a:p>
+        </p:txBody>
+      </p:sp>
       <p:pic>
         <p:nvPicPr>
-          <p:cNvPr id="4" name="Onlinemedien 3" title="Optimus - Gen 2">
-            <a:hlinkClick r:id="" action="ppaction://media"/>
+          <p:cNvPr id="4" name="Inhaltsplatzhalter 4" descr="Ein Bild, das Gelände, draußen, Werkzeug, gelb enthält.&#10;&#10;Automatisch generierte Beschreibung">
             <a:extLst>
               <a:ext uri="{FF2B5EF4-FFF2-40B4-BE49-F238E27FC236}">
-                <a16:creationId xmlns:a16="http://schemas.microsoft.com/office/drawing/2014/main" id="{9E4C779F-820A-3290-1200-160290E68180}"/>
+                <a16:creationId xmlns:a16="http://schemas.microsoft.com/office/drawing/2014/main" id="{66278C5A-05DC-059A-F9DC-C78F2D7AE00F}"/>
               </a:ext>
             </a:extLst>
           </p:cNvPr>
           <p:cNvPicPr>
-            <a:picLocks noRot="1" noChangeAspect="1"/>
+            <a:picLocks noChangeAspect="1"/>
           </p:cNvPicPr>
-          <p:nvPr>
-            <a:videoFile r:link="rId1"/>
-          </p:nvPr>
+          <p:nvPr/>
+        </p:nvPicPr>
+        <p:blipFill rotWithShape="1">
+          <a:blip r:embed="rId3">
+            <a:extLst>
+              <a:ext uri="{28A0092B-C50C-407E-A947-70E740481C1C}">
+                <a14:useLocalDpi xmlns:a14="http://schemas.microsoft.com/office/drawing/2010/main" val="0"/>
+              </a:ext>
+              <a:ext uri="{837473B0-CC2E-450A-ABE3-18F120FF3D39}">
+                <a1611:picAttrSrcUrl xmlns:a1611="http://schemas.microsoft.com/office/drawing/2016/11/main" r:id="rId4"/>
+              </a:ext>
+            </a:extLst>
+          </a:blip>
+          <a:srcRect t="513" b="26197"/>
+          <a:stretch/>
+        </p:blipFill>
+        <p:spPr>
+          <a:xfrm>
+            <a:off x="21" y="1"/>
+            <a:ext cx="12191979" cy="6857999"/>
+          </a:xfrm>
+          <a:prstGeom prst="rect">
+            <a:avLst/>
+          </a:prstGeom>
+        </p:spPr>
+      </p:pic>
+      <p:pic>
+        <p:nvPicPr>
+          <p:cNvPr id="5" name="Grafik 4" descr="Ein Bild, das Muster, Grafiken, Grafikdesign, Kunst enthält.&#10;&#10;Automatisch generierte Beschreibung">
+            <a:extLst>
+              <a:ext uri="{FF2B5EF4-FFF2-40B4-BE49-F238E27FC236}">
+                <a16:creationId xmlns:a16="http://schemas.microsoft.com/office/drawing/2014/main" id="{25ED25D0-3FFA-25AE-03D5-BCCE6C4E7F9C}"/>
+              </a:ext>
+            </a:extLst>
+          </p:cNvPr>
+          <p:cNvPicPr>
+            <a:picLocks noChangeAspect="1"/>
+          </p:cNvPicPr>
+          <p:nvPr/>
         </p:nvPicPr>
         <p:blipFill>
-          <a:blip r:embed="rId3"/>
+          <a:blip r:embed="rId5">
+            <a:extLst>
+              <a:ext uri="{28A0092B-C50C-407E-A947-70E740481C1C}">
+                <a14:useLocalDpi xmlns:a14="http://schemas.microsoft.com/office/drawing/2010/main" val="0"/>
+              </a:ext>
+            </a:extLst>
+          </a:blip>
           <a:stretch>
             <a:fillRect/>
           </a:stretch>
         </p:blipFill>
         <p:spPr>
           <a:xfrm>
-            <a:off x="0" y="-12700"/>
-            <a:ext cx="12192000" cy="6883400"/>
+            <a:off x="4330095" y="2997199"/>
+            <a:ext cx="3710819" cy="3710819"/>
           </a:xfrm>
           <a:prstGeom prst="rect">
             <a:avLst/>
           </a:prstGeom>
         </p:spPr>
       </p:pic>
+      <p:sp>
+        <p:nvSpPr>
+          <p:cNvPr id="6" name="Textfeld 5">
+            <a:extLst>
+              <a:ext uri="{FF2B5EF4-FFF2-40B4-BE49-F238E27FC236}">
+                <a16:creationId xmlns:a16="http://schemas.microsoft.com/office/drawing/2014/main" id="{9B800DFE-228F-3CE8-FE6F-C4098D9B99C2}"/>
+              </a:ext>
+            </a:extLst>
+          </p:cNvPr>
+          <p:cNvSpPr txBox="1"/>
+          <p:nvPr/>
+        </p:nvSpPr>
+        <p:spPr>
+          <a:xfrm>
+            <a:off x="0" y="488648"/>
+            <a:ext cx="12191979" cy="1077218"/>
+          </a:xfrm>
+          <a:prstGeom prst="rect">
+            <a:avLst/>
+          </a:prstGeom>
+          <a:noFill/>
+        </p:spPr>
+        <p:txBody>
+          <a:bodyPr wrap="square" rtlCol="0">
+            <a:spAutoFit/>
+          </a:bodyPr>
+          <a:lstStyle/>
+          <a:p>
+            <a:pPr algn="ctr"/>
+            <a:r>
+              <a:rPr lang="en-US" sz="3200" dirty="0" err="1">
+                <a:solidFill>
+                  <a:schemeClr val="bg1"/>
+                </a:solidFill>
+              </a:rPr>
+              <a:t>Mentimeter</a:t>
+            </a:r>
+            <a:endParaRPr lang="en-GB" sz="3200" dirty="0">
+              <a:solidFill>
+                <a:schemeClr val="bg1"/>
+              </a:solidFill>
+            </a:endParaRPr>
+          </a:p>
+          <a:p>
+            <a:pPr algn="ctr"/>
+            <a:endParaRPr lang="en-GB" sz="3200" dirty="0"/>
+          </a:p>
+        </p:txBody>
+      </p:sp>
     </p:spTree>
     <p:extLst>
       <p:ext uri="{BB962C8B-B14F-4D97-AF65-F5344CB8AC3E}">
-        <p14:creationId xmlns:p14="http://schemas.microsoft.com/office/powerpoint/2010/main" val="1770470842"/>
+        <p14:creationId xmlns:p14="http://schemas.microsoft.com/office/powerpoint/2010/main" val="4263786796"/>
       </p:ext>
     </p:extLst>
   </p:cSld>
   <p:clrMapOvr>
     <a:masterClrMapping/>
   </p:clrMapOvr>
-  <p:timing>
-    <p:tnLst>
-      <p:par>
-        <p:cTn id="1" dur="indefinite" restart="never" nodeType="tmRoot">
-          <p:childTnLst>
-            <p:seq concurrent="1" nextAc="seek">
-              <p:cTn id="2" dur="indefinite" nodeType="mainSeq">
-                <p:childTnLst>
-                  <p:par>
-                    <p:cTn id="3" fill="hold">
-                      <p:stCondLst>
-                        <p:cond delay="indefinite"/>
-                      </p:stCondLst>
-                      <p:childTnLst>
-                        <p:par>
-                          <p:cTn id="4" fill="hold">
-                            <p:stCondLst>
-                              <p:cond delay="0"/>
-                            </p:stCondLst>
-                            <p:childTnLst>
-                              <p:par>
-                                <p:cTn id="5" presetID="1" presetClass="mediacall" presetSubtype="0" fill="hold" nodeType="clickEffect">
-                                  <p:stCondLst>
-                                    <p:cond delay="0"/>
-                                  </p:stCondLst>
-                                  <p:childTnLst>
-                                    <p:cmd type="call" cmd="playFrom(0.0)">
-                                      <p:cBhvr>
-                                        <p:cTn id="6" dur="1" fill="hold"/>
-                                        <p:tgtEl>
-                                          <p:spTgt spid="4"/>
-                                        </p:tgtEl>
-                                      </p:cBhvr>
-                                    </p:cmd>
-                                  </p:childTnLst>
-                                </p:cTn>
-                              </p:par>
-                            </p:childTnLst>
-                          </p:cTn>
-                        </p:par>
-                      </p:childTnLst>
-                    </p:cTn>
-                  </p:par>
-                </p:childTnLst>
-              </p:cTn>
-              <p:prevCondLst>
-                <p:cond evt="onPrev" delay="0">
-                  <p:tgtEl>
-                    <p:sldTgt/>
-                  </p:tgtEl>
-                </p:cond>
-              </p:prevCondLst>
-              <p:nextCondLst>
-                <p:cond evt="onNext" delay="0">
-                  <p:tgtEl>
-                    <p:sldTgt/>
-                  </p:tgtEl>
-                </p:cond>
-              </p:nextCondLst>
-            </p:seq>
-            <p:video>
-              <p:cMediaNode vol="80000">
-                <p:cTn id="7" fill="hold" display="0">
-                  <p:stCondLst>
-                    <p:cond delay="indefinite"/>
-                  </p:stCondLst>
-                </p:cTn>
-                <p:tgtEl>
-                  <p:spTgt spid="4"/>
-                </p:tgtEl>
-              </p:cMediaNode>
-            </p:video>
-            <p:seq concurrent="1" nextAc="seek">
-              <p:cTn id="8" restart="whenNotActive" fill="hold" evtFilter="cancelBubble" nodeType="interactiveSeq">
-                <p:stCondLst>
-                  <p:cond evt="onClick" delay="0">
-                    <p:tgtEl>
-                      <p:spTgt spid="4"/>
-                    </p:tgtEl>
-                  </p:cond>
-                </p:stCondLst>
-                <p:endSync evt="end" delay="0">
-                  <p:rtn val="all"/>
-                </p:endSync>
-                <p:childTnLst>
-                  <p:par>
-                    <p:cTn id="9" fill="hold">
-                      <p:stCondLst>
-                        <p:cond delay="0"/>
-                      </p:stCondLst>
-                      <p:childTnLst>
-                        <p:par>
-                          <p:cTn id="10" fill="hold">
-                            <p:stCondLst>
-                              <p:cond delay="0"/>
-                            </p:stCondLst>
-                            <p:childTnLst>
-                              <p:par>
-                                <p:cTn id="11" presetID="2" presetClass="mediacall" presetSubtype="0" fill="hold" nodeType="clickEffect">
-                                  <p:stCondLst>
-                                    <p:cond delay="0"/>
-                                  </p:stCondLst>
-                                  <p:childTnLst>
-                                    <p:cmd type="call" cmd="togglePause">
-                                      <p:cBhvr>
-                                        <p:cTn id="12" dur="1" fill="hold"/>
-                                        <p:tgtEl>
-                                          <p:spTgt spid="4"/>
-                                        </p:tgtEl>
-                                      </p:cBhvr>
-                                    </p:cmd>
-                                  </p:childTnLst>
-                                </p:cTn>
-                              </p:par>
-                            </p:childTnLst>
-                          </p:cTn>
-                        </p:par>
-                      </p:childTnLst>
-                    </p:cTn>
-                  </p:par>
-                </p:childTnLst>
-              </p:cTn>
-              <p:nextCondLst>
-                <p:cond evt="onClick" delay="0">
-                  <p:tgtEl>
-                    <p:spTgt spid="4"/>
-                  </p:tgtEl>
-                </p:cond>
-              </p:nextCondLst>
-            </p:seq>
-          </p:childTnLst>
-        </p:cTn>
-      </p:par>
-    </p:tnLst>
-  </p:timing>
 </p:sld>
 </file>
 

--- a/Nebenfächer/DIN/Ethik/RoboterEthik.pptx
+++ b/Nebenfächer/DIN/Ethik/RoboterEthik.pptx
@@ -206,7 +206,7 @@
           <a:p>
             <a:fld id="{86D0F126-0AC5-428F-8675-EAF8BFB38B47}" type="datetimeFigureOut">
               <a:rPr lang="en-GB" smtClean="0"/>
-              <a:t>15/04/2024</a:t>
+              <a:t>22/04/2024</a:t>
             </a:fld>
             <a:endParaRPr lang="en-GB"/>
           </a:p>
@@ -1042,7 +1042,7 @@
           <a:p>
             <a:fld id="{1E351CED-465B-40B5-ADCE-957C918F227B}" type="datetimeFigureOut">
               <a:rPr lang="en-US" smtClean="0"/>
-              <a:t>4/15/2024</a:t>
+              <a:t>4/22/2024</a:t>
             </a:fld>
             <a:endParaRPr lang="en-US"/>
           </a:p>
@@ -1250,7 +1250,7 @@
           <a:p>
             <a:fld id="{1E351CED-465B-40B5-ADCE-957C918F227B}" type="datetimeFigureOut">
               <a:rPr lang="en-US" smtClean="0"/>
-              <a:t>4/15/2024</a:t>
+              <a:t>4/22/2024</a:t>
             </a:fld>
             <a:endParaRPr lang="en-US"/>
           </a:p>
@@ -1460,7 +1460,7 @@
           <a:p>
             <a:fld id="{1E351CED-465B-40B5-ADCE-957C918F227B}" type="datetimeFigureOut">
               <a:rPr lang="en-US" smtClean="0"/>
-              <a:t>4/15/2024</a:t>
+              <a:t>4/22/2024</a:t>
             </a:fld>
             <a:endParaRPr lang="en-US"/>
           </a:p>
@@ -1660,7 +1660,7 @@
           <a:p>
             <a:fld id="{1E351CED-465B-40B5-ADCE-957C918F227B}" type="datetimeFigureOut">
               <a:rPr lang="en-US" smtClean="0"/>
-              <a:t>4/15/2024</a:t>
+              <a:t>4/22/2024</a:t>
             </a:fld>
             <a:endParaRPr lang="en-US"/>
           </a:p>
@@ -2238,7 +2238,7 @@
           <a:p>
             <a:fld id="{1E351CED-465B-40B5-ADCE-957C918F227B}" type="datetimeFigureOut">
               <a:rPr lang="en-US" smtClean="0"/>
-              <a:t>4/15/2024</a:t>
+              <a:t>4/22/2024</a:t>
             </a:fld>
             <a:endParaRPr lang="en-US"/>
           </a:p>
@@ -2511,7 +2511,7 @@
           <a:p>
             <a:fld id="{1E351CED-465B-40B5-ADCE-957C918F227B}" type="datetimeFigureOut">
               <a:rPr lang="en-US" smtClean="0"/>
-              <a:t>4/15/2024</a:t>
+              <a:t>4/22/2024</a:t>
             </a:fld>
             <a:endParaRPr lang="en-US"/>
           </a:p>
@@ -2928,7 +2928,7 @@
           <a:p>
             <a:fld id="{1E351CED-465B-40B5-ADCE-957C918F227B}" type="datetimeFigureOut">
               <a:rPr lang="en-US" smtClean="0"/>
-              <a:t>4/15/2024</a:t>
+              <a:t>4/22/2024</a:t>
             </a:fld>
             <a:endParaRPr lang="en-US"/>
           </a:p>
@@ -3075,7 +3075,7 @@
           <a:p>
             <a:fld id="{1E351CED-465B-40B5-ADCE-957C918F227B}" type="datetimeFigureOut">
               <a:rPr lang="en-US" smtClean="0"/>
-              <a:t>4/15/2024</a:t>
+              <a:t>4/22/2024</a:t>
             </a:fld>
             <a:endParaRPr lang="en-US"/>
           </a:p>
@@ -3188,7 +3188,7 @@
           <a:p>
             <a:fld id="{1E351CED-465B-40B5-ADCE-957C918F227B}" type="datetimeFigureOut">
               <a:rPr lang="en-US" smtClean="0"/>
-              <a:t>4/15/2024</a:t>
+              <a:t>4/22/2024</a:t>
             </a:fld>
             <a:endParaRPr lang="en-US"/>
           </a:p>
@@ -3503,7 +3503,7 @@
           <a:p>
             <a:fld id="{1E351CED-465B-40B5-ADCE-957C918F227B}" type="datetimeFigureOut">
               <a:rPr lang="en-US" smtClean="0"/>
-              <a:t>4/15/2024</a:t>
+              <a:t>4/22/2024</a:t>
             </a:fld>
             <a:endParaRPr lang="en-US"/>
           </a:p>
@@ -3797,7 +3797,7 @@
           <a:p>
             <a:fld id="{1E351CED-465B-40B5-ADCE-957C918F227B}" type="datetimeFigureOut">
               <a:rPr lang="en-US" smtClean="0"/>
-              <a:t>4/15/2024</a:t>
+              <a:t>4/22/2024</a:t>
             </a:fld>
             <a:endParaRPr lang="en-US"/>
           </a:p>
@@ -4038,7 +4038,7 @@
           <a:p>
             <a:fld id="{1E351CED-465B-40B5-ADCE-957C918F227B}" type="datetimeFigureOut">
               <a:rPr lang="en-US" smtClean="0"/>
-              <a:t>4/15/2024</a:t>
+              <a:t>4/22/2024</a:t>
             </a:fld>
             <a:endParaRPr lang="en-US"/>
           </a:p>
@@ -5310,16 +5310,16 @@
           <a:lstStyle/>
           <a:p>
             <a:r>
-              <a:rPr lang="de-DE">
-                <a:solidFill>
-                  <a:srgbClr val="FFFFFF"/>
-                </a:solidFill>
-              </a:rPr>
-              <a:t>Militärroboter: Vor- und Nachteile sowie Auswirkungen</a:t>
-            </a:r>
-          </a:p>
-          <a:p>
-            <a:endParaRPr lang="de-DE">
+              <a:rPr lang="de-DE" dirty="0">
+                <a:solidFill>
+                  <a:srgbClr val="FFFFFF"/>
+                </a:solidFill>
+              </a:rPr>
+              <a:t>Militärroboter: Vor- und Nachteile</a:t>
+            </a:r>
+          </a:p>
+          <a:p>
+            <a:endParaRPr lang="de-DE" dirty="0">
               <a:solidFill>
                 <a:srgbClr val="FFFFFF"/>
               </a:solidFill>
@@ -5327,7 +5327,7 @@
           </a:p>
           <a:p>
             <a:r>
-              <a:rPr lang="de-DE">
+              <a:rPr lang="de-DE" dirty="0">
                 <a:solidFill>
                   <a:srgbClr val="FFFFFF"/>
                 </a:solidFill>
@@ -5336,7 +5336,7 @@
             </a:r>
           </a:p>
           <a:p>
-            <a:endParaRPr lang="en-GB">
+            <a:endParaRPr lang="en-GB" dirty="0">
               <a:solidFill>
                 <a:srgbClr val="FFFFFF"/>
               </a:solidFill>
@@ -5344,16 +5344,24 @@
           </a:p>
           <a:p>
             <a:r>
-              <a:rPr lang="en-GB">
-                <a:solidFill>
-                  <a:srgbClr val="FFFFFF"/>
-                </a:solidFill>
-              </a:rPr>
-              <a:t>Firma Boston Dynamics</a:t>
-            </a:r>
-          </a:p>
-          <a:p>
-            <a:endParaRPr lang="en-GB">
+              <a:rPr lang="en-GB" dirty="0" err="1">
+                <a:solidFill>
+                  <a:srgbClr val="FFFFFF"/>
+                </a:solidFill>
+              </a:rPr>
+              <a:t>Firma</a:t>
+            </a:r>
+            <a:r>
+              <a:rPr lang="en-GB" dirty="0">
+                <a:solidFill>
+                  <a:srgbClr val="FFFFFF"/>
+                </a:solidFill>
+              </a:rPr>
+              <a:t> Boston Dynamics</a:t>
+            </a:r>
+          </a:p>
+          <a:p>
+            <a:endParaRPr lang="en-GB" dirty="0">
               <a:solidFill>
                 <a:srgbClr val="FFFFFF"/>
               </a:solidFill>
@@ -5361,23 +5369,63 @@
           </a:p>
           <a:p>
             <a:r>
-              <a:rPr lang="en-GB">
-                <a:solidFill>
-                  <a:srgbClr val="FFFFFF"/>
-                </a:solidFill>
-              </a:rPr>
-              <a:t>Merkmale sowie Anwendungen </a:t>
-            </a:r>
-          </a:p>
-          <a:p>
-            <a:endParaRPr lang="en-GB">
+              <a:rPr lang="en-GB" dirty="0" err="1">
+                <a:solidFill>
+                  <a:srgbClr val="FFFFFF"/>
+                </a:solidFill>
+              </a:rPr>
+              <a:t>Merkmale</a:t>
+            </a:r>
+            <a:r>
+              <a:rPr lang="en-GB" dirty="0">
+                <a:solidFill>
+                  <a:srgbClr val="FFFFFF"/>
+                </a:solidFill>
+              </a:rPr>
+              <a:t> </a:t>
+            </a:r>
+            <a:r>
+              <a:rPr lang="en-GB" dirty="0" err="1">
+                <a:solidFill>
+                  <a:srgbClr val="FFFFFF"/>
+                </a:solidFill>
+              </a:rPr>
+              <a:t>sowie</a:t>
+            </a:r>
+            <a:r>
+              <a:rPr lang="en-GB" dirty="0">
+                <a:solidFill>
+                  <a:srgbClr val="FFFFFF"/>
+                </a:solidFill>
+              </a:rPr>
+              <a:t> </a:t>
+            </a:r>
+            <a:r>
+              <a:rPr lang="en-GB" dirty="0" err="1">
+                <a:solidFill>
+                  <a:srgbClr val="FFFFFF"/>
+                </a:solidFill>
+              </a:rPr>
+              <a:t>Anwendungen</a:t>
+            </a:r>
+            <a:r>
+              <a:rPr lang="en-GB" dirty="0">
+                <a:solidFill>
+                  <a:srgbClr val="FFFFFF"/>
+                </a:solidFill>
+              </a:rPr>
+              <a:t> </a:t>
+            </a:r>
+          </a:p>
+          <a:p>
+            <a:endParaRPr lang="en-GB" dirty="0">
               <a:solidFill>
                 <a:srgbClr val="FFFFFF"/>
               </a:solidFill>
             </a:endParaRPr>
           </a:p>
           <a:p>
-            <a:endParaRPr lang="en-GB">
+            <a:endParaRPr lang="en-GB" dirty="0">
               <a:solidFill>
                 <a:srgbClr val="FFFFFF"/>
               </a:solidFill>
@@ -9292,7 +9340,7 @@
         </p:spPr>
         <p:txBody>
           <a:bodyPr>
-            <a:normAutofit/>
+            <a:normAutofit lnSpcReduction="10000"/>
           </a:bodyPr>
           <a:lstStyle/>
           <a:p>
@@ -9314,7 +9362,7 @@
                   </a:outerShdw>
                 </a:effectLst>
               </a:rPr>
-              <a:t>Boston Dynamics Militärroboter</a:t>
+              <a:t>Boston Dynamics Spot</a:t>
             </a:r>
             <a:r>
               <a:rPr lang="de-DE" dirty="0">
@@ -9607,6 +9655,147 @@
               </a:rPr>
               <a:t>: Manipulation von Objekten und Durchführung einfacher physischer Aufgaben.</a:t>
             </a:r>
+          </a:p>
+          <a:p>
+            <a:pPr marL="742950" lvl="1" indent="-285750">
+              <a:lnSpc>
+                <a:spcPct val="110000"/>
+              </a:lnSpc>
+              <a:buFont typeface="Arial" panose="020B0604020202020204" pitchFamily="34" charset="0"/>
+              <a:buChar char="•"/>
+            </a:pPr>
+            <a:r>
+              <a:rPr lang="de-DE" sz="1800" b="1" dirty="0">
+                <a:solidFill>
+                  <a:srgbClr val="FFFFFF"/>
+                </a:solidFill>
+                <a:effectLst>
+                  <a:outerShdw blurRad="38100" dist="38100" dir="2700000" algn="tl">
+                    <a:srgbClr val="000000">
+                      <a:alpha val="43137"/>
+                    </a:srgbClr>
+                  </a:outerShdw>
+                </a:effectLst>
+              </a:rPr>
+              <a:t>Akku Laufzeit</a:t>
+            </a:r>
+            <a:r>
+              <a:rPr lang="en-US" sz="1800" b="1" dirty="0">
+                <a:solidFill>
+                  <a:srgbClr val="FFFFFF"/>
+                </a:solidFill>
+                <a:effectLst>
+                  <a:outerShdw blurRad="38100" dist="38100" dir="2700000" algn="tl">
+                    <a:srgbClr val="000000">
+                      <a:alpha val="43137"/>
+                    </a:srgbClr>
+                  </a:outerShdw>
+                </a:effectLst>
+              </a:rPr>
+              <a:t>: </a:t>
+            </a:r>
+            <a:r>
+              <a:rPr lang="en-US" sz="1800" dirty="0">
+                <a:solidFill>
+                  <a:srgbClr val="FFFFFF"/>
+                </a:solidFill>
+                <a:effectLst>
+                  <a:outerShdw blurRad="38100" dist="38100" dir="2700000" algn="tl">
+                    <a:srgbClr val="000000">
+                      <a:alpha val="43137"/>
+                    </a:srgbClr>
+                  </a:outerShdw>
+                </a:effectLst>
+              </a:rPr>
+              <a:t>90 Min / </a:t>
+            </a:r>
+            <a:r>
+              <a:rPr lang="en-US" sz="1800" b="1" dirty="0">
+                <a:solidFill>
+                  <a:srgbClr val="FFFFFF"/>
+                </a:solidFill>
+                <a:effectLst>
+                  <a:outerShdw blurRad="38100" dist="38100" dir="2700000" algn="tl">
+                    <a:srgbClr val="000000">
+                      <a:alpha val="43137"/>
+                    </a:srgbClr>
+                  </a:outerShdw>
+                </a:effectLst>
+              </a:rPr>
+              <a:t>Standby</a:t>
+            </a:r>
+            <a:r>
+              <a:rPr lang="en-US" sz="1800" dirty="0">
+                <a:solidFill>
+                  <a:srgbClr val="FFFFFF"/>
+                </a:solidFill>
+                <a:effectLst>
+                  <a:outerShdw blurRad="38100" dist="38100" dir="2700000" algn="tl">
+                    <a:srgbClr val="000000">
+                      <a:alpha val="43137"/>
+                    </a:srgbClr>
+                  </a:outerShdw>
+                </a:effectLst>
+              </a:rPr>
+              <a:t>:180min / </a:t>
+            </a:r>
+            <a:r>
+              <a:rPr lang="en-US" sz="1800" b="1" dirty="0">
+                <a:solidFill>
+                  <a:srgbClr val="FFFFFF"/>
+                </a:solidFill>
+                <a:effectLst>
+                  <a:outerShdw blurRad="38100" dist="38100" dir="2700000" algn="tl">
+                    <a:srgbClr val="000000">
+                      <a:alpha val="43137"/>
+                    </a:srgbClr>
+                  </a:outerShdw>
+                </a:effectLst>
+              </a:rPr>
+              <a:t>Lade </a:t>
+            </a:r>
+            <a:r>
+              <a:rPr lang="en-US" sz="1800" b="1" dirty="0" err="1">
+                <a:solidFill>
+                  <a:srgbClr val="FFFFFF"/>
+                </a:solidFill>
+                <a:effectLst>
+                  <a:outerShdw blurRad="38100" dist="38100" dir="2700000" algn="tl">
+                    <a:srgbClr val="000000">
+                      <a:alpha val="43137"/>
+                    </a:srgbClr>
+                  </a:outerShdw>
+                </a:effectLst>
+              </a:rPr>
+              <a:t>zeit</a:t>
+            </a:r>
+            <a:r>
+              <a:rPr lang="en-US" sz="1800" dirty="0">
+                <a:solidFill>
+                  <a:srgbClr val="FFFFFF"/>
+                </a:solidFill>
+                <a:effectLst>
+                  <a:outerShdw blurRad="38100" dist="38100" dir="2700000" algn="tl">
+                    <a:srgbClr val="000000">
+                      <a:alpha val="43137"/>
+                    </a:srgbClr>
+                  </a:outerShdw>
+                </a:effectLst>
+              </a:rPr>
+              <a:t>: 120 Min</a:t>
+            </a:r>
+            <a:endParaRPr lang="de-DE" sz="1800" dirty="0">
+              <a:solidFill>
+                <a:srgbClr val="FFFFFF"/>
+              </a:solidFill>
+              <a:effectLst>
+                <a:outerShdw blurRad="38100" dist="38100" dir="2700000" algn="tl">
+                  <a:srgbClr val="000000">
+                    <a:alpha val="43137"/>
+                  </a:srgbClr>
+                </a:outerShdw>
+              </a:effectLst>
+            </a:endParaRPr>
           </a:p>
           <a:p>
             <a:pPr marL="457200" lvl="1" indent="0">
@@ -10015,11 +10204,11 @@
       </p:grpSpPr>
       <p:pic>
         <p:nvPicPr>
-          <p:cNvPr id="4" name="Onlinemedien 3" title="Atlas | Partners in Parkour">
+          <p:cNvPr id="2" name="Onlinemedien 1" title="All New Atlas | Boston Dynamics">
             <a:hlinkClick r:id="" action="ppaction://media"/>
             <a:extLst>
               <a:ext uri="{FF2B5EF4-FFF2-40B4-BE49-F238E27FC236}">
-                <a16:creationId xmlns:a16="http://schemas.microsoft.com/office/drawing/2014/main" id="{58D00331-1730-C26A-4BE0-3CDC8272A733}"/>
+                <a16:creationId xmlns:a16="http://schemas.microsoft.com/office/drawing/2014/main" id="{F1C68071-BDF9-0B8A-11D1-9F1288A9D7E3}"/>
               </a:ext>
             </a:extLst>
           </p:cNvPr>
@@ -10038,8 +10227,8 @@
         </p:blipFill>
         <p:spPr>
           <a:xfrm>
-            <a:off x="0" y="-12700"/>
-            <a:ext cx="12192000" cy="6883400"/>
+            <a:off x="-24189" y="0"/>
+            <a:ext cx="12216189" cy="6897057"/>
           </a:xfrm>
           <a:prstGeom prst="rect">
             <a:avLst/>
@@ -10086,7 +10275,7 @@
                                       <p:cBhvr>
                                         <p:cTn id="6" dur="1" fill="hold"/>
                                         <p:tgtEl>
-                                          <p:spTgt spid="4"/>
+                                          <p:spTgt spid="2"/>
                                         </p:tgtEl>
                                       </p:cBhvr>
                                     </p:cmd>
@@ -10124,7 +10313,7 @@
                   </p:stCondLst>
                 </p:cTn>
                 <p:tgtEl>
-                  <p:spTgt spid="4"/>
+                  <p:spTgt spid="2"/>
                 </p:tgtEl>
               </p:cMediaNode>
             </p:video>
@@ -10133,7 +10322,7 @@
                 <p:stCondLst>
                   <p:cond evt="onClick" delay="0">
                     <p:tgtEl>
-                      <p:spTgt spid="4"/>
+                      <p:spTgt spid="2"/>
                     </p:tgtEl>
                   </p:cond>
                 </p:stCondLst>
@@ -10163,7 +10352,7 @@
                                       <p:cBhvr>
                                         <p:cTn id="12" dur="1" fill="hold"/>
                                         <p:tgtEl>
-                                          <p:spTgt spid="4"/>
+                                          <p:spTgt spid="2"/>
                                         </p:tgtEl>
                                       </p:cBhvr>
                                     </p:cmd>
@@ -10181,7 +10370,7 @@
               <p:nextCondLst>
                 <p:cond evt="onClick" delay="0">
                   <p:tgtEl>
-                    <p:spTgt spid="4"/>
+                    <p:spTgt spid="2"/>
                   </p:tgtEl>
                 </p:cond>
               </p:nextCondLst>
